--- a/documentation/Presentation1.pptx
+++ b/documentation/Presentation1.pptx
@@ -11,11 +11,6 @@
     <p:sldId id="259" r:id="rId5"/>
     <p:sldId id="260" r:id="rId6"/>
     <p:sldId id="261" r:id="rId7"/>
-    <p:sldId id="262" r:id="rId8"/>
-    <p:sldId id="263" r:id="rId9"/>
-    <p:sldId id="264" r:id="rId10"/>
-    <p:sldId id="265" r:id="rId11"/>
-    <p:sldId id="266" r:id="rId12"/>
   </p:sldIdLst>
   <p:sldSz cx="12192000" cy="6858000"/>
   <p:notesSz cx="6858000" cy="9144000"/>
@@ -5995,348 +5990,6 @@
 </p:sld>
 </file>
 
-<file path=ppt/slides/slide10.xml><?xml version="1.0" encoding="utf-8"?>
-<p:sld xmlns:a="http://schemas.openxmlformats.org/drawingml/2006/main" xmlns:r="http://schemas.openxmlformats.org/officeDocument/2006/relationships" xmlns:p="http://schemas.openxmlformats.org/presentationml/2006/main">
-  <p:cSld>
-    <p:spTree>
-      <p:nvGrpSpPr>
-        <p:cNvPr id="1" name=""/>
-        <p:cNvGrpSpPr/>
-        <p:nvPr/>
-      </p:nvGrpSpPr>
-      <p:grpSpPr>
-        <a:xfrm>
-          <a:off x="0" y="0"/>
-          <a:ext cx="0" cy="0"/>
-          <a:chOff x="0" y="0"/>
-          <a:chExt cx="0" cy="0"/>
-        </a:xfrm>
-      </p:grpSpPr>
-      <p:pic>
-        <p:nvPicPr>
-          <p:cNvPr id="2" name="Picture 1"/>
-          <p:cNvPicPr>
-            <a:picLocks noChangeAspect="1"/>
-          </p:cNvPicPr>
-          <p:nvPr/>
-        </p:nvPicPr>
-        <p:blipFill>
-          <a:blip r:embed="rId2"/>
-          <a:stretch>
-            <a:fillRect/>
-          </a:stretch>
-        </p:blipFill>
-        <p:spPr>
-          <a:xfrm>
-            <a:off x="439358" y="1187995"/>
-            <a:ext cx="11407218" cy="4516770"/>
-          </a:xfrm>
-          <a:prstGeom prst="rect">
-            <a:avLst/>
-          </a:prstGeom>
-        </p:spPr>
-      </p:pic>
-      <p:sp>
-        <p:nvSpPr>
-          <p:cNvPr id="3" name="Rectangle 2"/>
-          <p:cNvSpPr/>
-          <p:nvPr/>
-        </p:nvSpPr>
-        <p:spPr>
-          <a:xfrm>
-            <a:off x="1050878" y="1705970"/>
-            <a:ext cx="10795698" cy="1378424"/>
-          </a:xfrm>
-          <a:prstGeom prst="rect">
-            <a:avLst/>
-          </a:prstGeom>
-          <a:noFill/>
-          <a:ln w="28575">
-            <a:solidFill>
-              <a:srgbClr val="FF0000"/>
-            </a:solidFill>
-          </a:ln>
-        </p:spPr>
-        <p:style>
-          <a:lnRef idx="2">
-            <a:schemeClr val="accent1">
-              <a:shade val="50000"/>
-            </a:schemeClr>
-          </a:lnRef>
-          <a:fillRef idx="1">
-            <a:schemeClr val="accent1"/>
-          </a:fillRef>
-          <a:effectRef idx="0">
-            <a:schemeClr val="accent1"/>
-          </a:effectRef>
-          <a:fontRef idx="minor">
-            <a:schemeClr val="lt1"/>
-          </a:fontRef>
-        </p:style>
-        <p:txBody>
-          <a:bodyPr rtlCol="0" anchor="ctr"/>
-          <a:lstStyle/>
-          <a:p>
-            <a:pPr algn="ctr"/>
-            <a:endParaRPr lang="en-US"/>
-          </a:p>
-        </p:txBody>
-      </p:sp>
-    </p:spTree>
-    <p:extLst>
-      <p:ext uri="{BB962C8B-B14F-4D97-AF65-F5344CB8AC3E}">
-        <p14:creationId xmlns:p14="http://schemas.microsoft.com/office/powerpoint/2010/main" val="3180738262"/>
-      </p:ext>
-    </p:extLst>
-  </p:cSld>
-  <p:clrMapOvr>
-    <a:masterClrMapping/>
-  </p:clrMapOvr>
-</p:sld>
-</file>
-
-<file path=ppt/slides/slide11.xml><?xml version="1.0" encoding="utf-8"?>
-<p:sld xmlns:a="http://schemas.openxmlformats.org/drawingml/2006/main" xmlns:r="http://schemas.openxmlformats.org/officeDocument/2006/relationships" xmlns:p="http://schemas.openxmlformats.org/presentationml/2006/main">
-  <p:cSld>
-    <p:spTree>
-      <p:nvGrpSpPr>
-        <p:cNvPr id="1" name=""/>
-        <p:cNvGrpSpPr/>
-        <p:nvPr/>
-      </p:nvGrpSpPr>
-      <p:grpSpPr>
-        <a:xfrm>
-          <a:off x="0" y="0"/>
-          <a:ext cx="0" cy="0"/>
-          <a:chOff x="0" y="0"/>
-          <a:chExt cx="0" cy="0"/>
-        </a:xfrm>
-      </p:grpSpPr>
-      <p:pic>
-        <p:nvPicPr>
-          <p:cNvPr id="2" name="Picture 1"/>
-          <p:cNvPicPr>
-            <a:picLocks noChangeAspect="1"/>
-          </p:cNvPicPr>
-          <p:nvPr/>
-        </p:nvPicPr>
-        <p:blipFill>
-          <a:blip r:embed="rId2"/>
-          <a:stretch>
-            <a:fillRect/>
-          </a:stretch>
-        </p:blipFill>
-        <p:spPr>
-          <a:xfrm>
-            <a:off x="149770" y="892791"/>
-            <a:ext cx="9853801" cy="4771029"/>
-          </a:xfrm>
-          <a:prstGeom prst="rect">
-            <a:avLst/>
-          </a:prstGeom>
-        </p:spPr>
-      </p:pic>
-      <p:pic>
-        <p:nvPicPr>
-          <p:cNvPr id="3" name="Picture 2"/>
-          <p:cNvPicPr>
-            <a:picLocks noChangeAspect="1"/>
-          </p:cNvPicPr>
-          <p:nvPr/>
-        </p:nvPicPr>
-        <p:blipFill>
-          <a:blip r:embed="rId3"/>
-          <a:stretch>
-            <a:fillRect/>
-          </a:stretch>
-        </p:blipFill>
-        <p:spPr>
-          <a:xfrm>
-            <a:off x="5671213" y="421303"/>
-            <a:ext cx="6172200" cy="942975"/>
-          </a:xfrm>
-          <a:prstGeom prst="rect">
-            <a:avLst/>
-          </a:prstGeom>
-          <a:ln w="38100" cap="sq">
-            <a:solidFill>
-              <a:srgbClr val="FF0000"/>
-            </a:solidFill>
-            <a:prstDash val="solid"/>
-            <a:miter lim="800000"/>
-          </a:ln>
-          <a:effectLst>
-            <a:outerShdw blurRad="50800" dist="38100" dir="2700000" algn="tl" rotWithShape="0">
-              <a:srgbClr val="000000">
-                <a:alpha val="43000"/>
-              </a:srgbClr>
-            </a:outerShdw>
-          </a:effectLst>
-        </p:spPr>
-      </p:pic>
-      <p:cxnSp>
-        <p:nvCxnSpPr>
-          <p:cNvPr id="5" name="Straight Arrow Connector 4"/>
-          <p:cNvCxnSpPr/>
-          <p:nvPr/>
-        </p:nvCxnSpPr>
-        <p:spPr>
-          <a:xfrm flipV="1">
-            <a:off x="6305266" y="1446664"/>
-            <a:ext cx="1160060" cy="3029802"/>
-          </a:xfrm>
-          <a:prstGeom prst="straightConnector1">
-            <a:avLst/>
-          </a:prstGeom>
-          <a:ln w="38100">
-            <a:solidFill>
-              <a:srgbClr val="FF0000"/>
-            </a:solidFill>
-            <a:tailEnd type="triangle"/>
-          </a:ln>
-        </p:spPr>
-        <p:style>
-          <a:lnRef idx="1">
-            <a:schemeClr val="accent1"/>
-          </a:lnRef>
-          <a:fillRef idx="0">
-            <a:schemeClr val="accent1"/>
-          </a:fillRef>
-          <a:effectRef idx="0">
-            <a:schemeClr val="accent1"/>
-          </a:effectRef>
-          <a:fontRef idx="minor">
-            <a:schemeClr val="tx1"/>
-          </a:fontRef>
-        </p:style>
-      </p:cxnSp>
-      <p:sp>
-        <p:nvSpPr>
-          <p:cNvPr id="6" name="Rectangle 5"/>
-          <p:cNvSpPr/>
-          <p:nvPr/>
-        </p:nvSpPr>
-        <p:spPr>
-          <a:xfrm>
-            <a:off x="149770" y="4476466"/>
-            <a:ext cx="6032666" cy="1187354"/>
-          </a:xfrm>
-          <a:prstGeom prst="rect">
-            <a:avLst/>
-          </a:prstGeom>
-          <a:noFill/>
-          <a:ln w="38100">
-            <a:solidFill>
-              <a:srgbClr val="FF0000"/>
-            </a:solidFill>
-          </a:ln>
-        </p:spPr>
-        <p:style>
-          <a:lnRef idx="2">
-            <a:schemeClr val="accent1">
-              <a:shade val="50000"/>
-            </a:schemeClr>
-          </a:lnRef>
-          <a:fillRef idx="1">
-            <a:schemeClr val="accent1"/>
-          </a:fillRef>
-          <a:effectRef idx="0">
-            <a:schemeClr val="accent1"/>
-          </a:effectRef>
-          <a:fontRef idx="minor">
-            <a:schemeClr val="lt1"/>
-          </a:fontRef>
-        </p:style>
-        <p:txBody>
-          <a:bodyPr rtlCol="0" anchor="ctr"/>
-          <a:lstStyle/>
-          <a:p>
-            <a:pPr algn="ctr"/>
-            <a:endParaRPr lang="en-US"/>
-          </a:p>
-        </p:txBody>
-      </p:sp>
-      <p:sp>
-        <p:nvSpPr>
-          <p:cNvPr id="8" name="TextBox 7"/>
-          <p:cNvSpPr txBox="1"/>
-          <p:nvPr/>
-        </p:nvSpPr>
-        <p:spPr>
-          <a:xfrm>
-            <a:off x="5827594" y="103049"/>
-            <a:ext cx="5418161" cy="400110"/>
-          </a:xfrm>
-          <a:prstGeom prst="rect">
-            <a:avLst/>
-          </a:prstGeom>
-          <a:noFill/>
-        </p:spPr>
-        <p:txBody>
-          <a:bodyPr wrap="square" rtlCol="0">
-            <a:spAutoFit/>
-          </a:bodyPr>
-          <a:lstStyle/>
-          <a:p>
-            <a:r>
-              <a:rPr lang="en-US" sz="2000" b="1" dirty="0" smtClean="0"/>
-              <a:t>Control Law of Outer Loop of attitude controller</a:t>
-            </a:r>
-            <a:endParaRPr lang="en-US" sz="2000" b="1" dirty="0"/>
-          </a:p>
-        </p:txBody>
-      </p:sp>
-      <p:pic>
-        <p:nvPicPr>
-          <p:cNvPr id="10" name="Picture 9"/>
-          <p:cNvPicPr>
-            <a:picLocks noChangeAspect="1"/>
-          </p:cNvPicPr>
-          <p:nvPr/>
-        </p:nvPicPr>
-        <p:blipFill>
-          <a:blip r:embed="rId4"/>
-          <a:stretch>
-            <a:fillRect/>
-          </a:stretch>
-        </p:blipFill>
-        <p:spPr>
-          <a:xfrm>
-            <a:off x="6718631" y="1753910"/>
-            <a:ext cx="5121464" cy="371475"/>
-          </a:xfrm>
-          <a:prstGeom prst="rect">
-            <a:avLst/>
-          </a:prstGeom>
-          <a:ln w="38100" cap="sq">
-            <a:solidFill>
-              <a:srgbClr val="000000"/>
-            </a:solidFill>
-            <a:prstDash val="solid"/>
-            <a:miter lim="800000"/>
-          </a:ln>
-          <a:effectLst>
-            <a:outerShdw blurRad="50800" dist="38100" dir="2700000" algn="tl" rotWithShape="0">
-              <a:srgbClr val="000000">
-                <a:alpha val="43000"/>
-              </a:srgbClr>
-            </a:outerShdw>
-          </a:effectLst>
-        </p:spPr>
-      </p:pic>
-    </p:spTree>
-    <p:extLst>
-      <p:ext uri="{BB962C8B-B14F-4D97-AF65-F5344CB8AC3E}">
-        <p14:creationId xmlns:p14="http://schemas.microsoft.com/office/powerpoint/2010/main" val="3115197695"/>
-      </p:ext>
-    </p:extLst>
-  </p:cSld>
-  <p:clrMapOvr>
-    <a:masterClrMapping/>
-  </p:clrMapOvr>
-</p:sld>
-</file>
-
 <file path=ppt/slides/slide2.xml><?xml version="1.0" encoding="utf-8"?>
 <p:sld xmlns:a="http://schemas.openxmlformats.org/drawingml/2006/main" xmlns:r="http://schemas.openxmlformats.org/officeDocument/2006/relationships" xmlns:p="http://schemas.openxmlformats.org/presentationml/2006/main">
   <p:cSld>
@@ -10786,7365 +10439,10 @@
           <a:chExt cx="0" cy="0"/>
         </a:xfrm>
       </p:grpSpPr>
-      <p:sp>
-        <p:nvSpPr>
-          <p:cNvPr id="20" name="Flowchart: Summing Junction 19"/>
-          <p:cNvSpPr/>
-          <p:nvPr/>
-        </p:nvSpPr>
-        <p:spPr>
-          <a:xfrm>
-            <a:off x="3398293" y="930603"/>
-            <a:ext cx="436729" cy="450377"/>
-          </a:xfrm>
-          <a:prstGeom prst="flowChartSummingJunction">
-            <a:avLst/>
-          </a:prstGeom>
-          <a:ln w="28575">
-            <a:solidFill>
-              <a:schemeClr val="tx1"/>
-            </a:solidFill>
-          </a:ln>
-        </p:spPr>
-        <p:style>
-          <a:lnRef idx="2">
-            <a:schemeClr val="accent6"/>
-          </a:lnRef>
-          <a:fillRef idx="1">
-            <a:schemeClr val="lt1"/>
-          </a:fillRef>
-          <a:effectRef idx="0">
-            <a:schemeClr val="accent6"/>
-          </a:effectRef>
-          <a:fontRef idx="minor">
-            <a:schemeClr val="dk1"/>
-          </a:fontRef>
-        </p:style>
-        <p:txBody>
-          <a:bodyPr rtlCol="0" anchor="ctr"/>
-          <a:lstStyle/>
-          <a:p>
-            <a:pPr algn="ctr"/>
-            <a:endParaRPr lang="en-US"/>
-          </a:p>
-        </p:txBody>
-      </p:sp>
-      <p:cxnSp>
-        <p:nvCxnSpPr>
-          <p:cNvPr id="21" name="Straight Arrow Connector 20"/>
-          <p:cNvCxnSpPr/>
-          <p:nvPr/>
-        </p:nvCxnSpPr>
-        <p:spPr>
-          <a:xfrm>
-            <a:off x="2538483" y="1155791"/>
-            <a:ext cx="859810" cy="0"/>
-          </a:xfrm>
-          <a:prstGeom prst="straightConnector1">
-            <a:avLst/>
-          </a:prstGeom>
-          <a:ln w="57150">
-            <a:solidFill>
-              <a:schemeClr val="tx1"/>
-            </a:solidFill>
-            <a:tailEnd type="triangle"/>
-          </a:ln>
-        </p:spPr>
-        <p:style>
-          <a:lnRef idx="1">
-            <a:schemeClr val="accent1"/>
-          </a:lnRef>
-          <a:fillRef idx="0">
-            <a:schemeClr val="accent1"/>
-          </a:fillRef>
-          <a:effectRef idx="0">
-            <a:schemeClr val="accent1"/>
-          </a:effectRef>
-          <a:fontRef idx="minor">
-            <a:schemeClr val="tx1"/>
-          </a:fontRef>
-        </p:style>
-      </p:cxnSp>
-      <p:sp>
-        <p:nvSpPr>
-          <p:cNvPr id="22" name="Rectangle 21"/>
-          <p:cNvSpPr/>
-          <p:nvPr/>
-        </p:nvSpPr>
-        <p:spPr>
-          <a:xfrm>
-            <a:off x="4203509" y="882837"/>
-            <a:ext cx="900753" cy="545910"/>
-          </a:xfrm>
-          <a:prstGeom prst="rect">
-            <a:avLst/>
-          </a:prstGeom>
-          <a:ln w="57150">
-            <a:solidFill>
-              <a:schemeClr val="tx1"/>
-            </a:solidFill>
-          </a:ln>
-        </p:spPr>
-        <p:style>
-          <a:lnRef idx="2">
-            <a:schemeClr val="accent6"/>
-          </a:lnRef>
-          <a:fillRef idx="1">
-            <a:schemeClr val="lt1"/>
-          </a:fillRef>
-          <a:effectRef idx="0">
-            <a:schemeClr val="accent6"/>
-          </a:effectRef>
-          <a:fontRef idx="minor">
-            <a:schemeClr val="dk1"/>
-          </a:fontRef>
-        </p:style>
-        <p:txBody>
-          <a:bodyPr rtlCol="0" anchor="ctr"/>
-          <a:lstStyle/>
-          <a:p>
-            <a:pPr algn="ctr"/>
-            <a:r>
-              <a:rPr lang="en-US" sz="2400" dirty="0" smtClean="0"/>
-              <a:t>PID</a:t>
-            </a:r>
-            <a:endParaRPr lang="en-US" sz="2400" dirty="0"/>
-          </a:p>
-        </p:txBody>
-      </p:sp>
-      <p:cxnSp>
-        <p:nvCxnSpPr>
-          <p:cNvPr id="23" name="Straight Arrow Connector 22"/>
-          <p:cNvCxnSpPr>
-            <a:stCxn id="22" idx="3"/>
-            <a:endCxn id="35" idx="1"/>
-          </p:cNvCxnSpPr>
-          <p:nvPr/>
-        </p:nvCxnSpPr>
-        <p:spPr>
-          <a:xfrm flipV="1">
-            <a:off x="5104262" y="1146523"/>
-            <a:ext cx="979044" cy="9269"/>
-          </a:xfrm>
-          <a:prstGeom prst="straightConnector1">
-            <a:avLst/>
-          </a:prstGeom>
-          <a:ln w="57150">
-            <a:solidFill>
-              <a:schemeClr val="tx1"/>
-            </a:solidFill>
-            <a:tailEnd type="triangle"/>
-          </a:ln>
-        </p:spPr>
-        <p:style>
-          <a:lnRef idx="1">
-            <a:schemeClr val="accent1"/>
-          </a:lnRef>
-          <a:fillRef idx="0">
-            <a:schemeClr val="accent1"/>
-          </a:fillRef>
-          <a:effectRef idx="0">
-            <a:schemeClr val="accent1"/>
-          </a:effectRef>
-          <a:fontRef idx="minor">
-            <a:schemeClr val="tx1"/>
-          </a:fontRef>
-        </p:style>
-      </p:cxnSp>
-      <p:cxnSp>
-        <p:nvCxnSpPr>
-          <p:cNvPr id="24" name="Straight Arrow Connector 23"/>
-          <p:cNvCxnSpPr/>
-          <p:nvPr/>
-        </p:nvCxnSpPr>
-        <p:spPr>
-          <a:xfrm>
-            <a:off x="9309298" y="1147070"/>
-            <a:ext cx="0" cy="860034"/>
-          </a:xfrm>
-          <a:prstGeom prst="straightConnector1">
-            <a:avLst/>
-          </a:prstGeom>
-          <a:ln w="57150">
-            <a:solidFill>
-              <a:schemeClr val="tx1"/>
-            </a:solidFill>
-            <a:tailEnd type="triangle"/>
-          </a:ln>
-        </p:spPr>
-        <p:style>
-          <a:lnRef idx="1">
-            <a:schemeClr val="accent1"/>
-          </a:lnRef>
-          <a:fillRef idx="0">
-            <a:schemeClr val="accent1"/>
-          </a:fillRef>
-          <a:effectRef idx="0">
-            <a:schemeClr val="accent1"/>
-          </a:effectRef>
-          <a:fontRef idx="minor">
-            <a:schemeClr val="tx1"/>
-          </a:fontRef>
-        </p:style>
-      </p:cxnSp>
-      <p:sp>
-        <p:nvSpPr>
-          <p:cNvPr id="25" name="TextBox 24"/>
-          <p:cNvSpPr txBox="1"/>
-          <p:nvPr/>
-        </p:nvSpPr>
-        <p:spPr>
-          <a:xfrm>
-            <a:off x="1566085" y="930603"/>
-            <a:ext cx="1120756" cy="461665"/>
-          </a:xfrm>
-          <a:prstGeom prst="rect">
-            <a:avLst/>
-          </a:prstGeom>
-          <a:noFill/>
-        </p:spPr>
-        <p:txBody>
-          <a:bodyPr wrap="square" rtlCol="0">
-            <a:spAutoFit/>
-          </a:bodyPr>
-          <a:lstStyle/>
-          <a:p>
-            <a:r>
-              <a:rPr lang="en-US" sz="2400" b="1" dirty="0" smtClean="0"/>
-              <a:t>X_des</a:t>
-            </a:r>
-            <a:endParaRPr lang="en-US" sz="2400" b="1" dirty="0"/>
-          </a:p>
-        </p:txBody>
-      </p:sp>
-      <mc:AlternateContent xmlns:mc="http://schemas.openxmlformats.org/markup-compatibility/2006">
-        <mc:Choice xmlns:a14="http://schemas.microsoft.com/office/drawing/2010/main" Requires="a14">
-          <p:sp>
-            <p:nvSpPr>
-              <p:cNvPr id="26" name="TextBox 25"/>
-              <p:cNvSpPr txBox="1"/>
-              <p:nvPr/>
-            </p:nvSpPr>
-            <p:spPr>
-              <a:xfrm>
-                <a:off x="4979619" y="634122"/>
-                <a:ext cx="1153443" cy="490199"/>
-              </a:xfrm>
-              <a:prstGeom prst="rect">
-                <a:avLst/>
-              </a:prstGeom>
-              <a:noFill/>
-            </p:spPr>
-            <p:txBody>
-              <a:bodyPr wrap="square" rtlCol="0">
-                <a:spAutoFit/>
-              </a:bodyPr>
-              <a:lstStyle/>
-              <a:p>
-                <a14:m>
-                  <m:oMathPara xmlns:m="http://schemas.openxmlformats.org/officeDocument/2006/math">
-                    <m:oMathParaPr>
-                      <m:jc m:val="centerGroup"/>
-                    </m:oMathParaPr>
-                    <m:oMath xmlns:m="http://schemas.openxmlformats.org/officeDocument/2006/math">
-                      <m:sSub>
-                        <m:sSubPr>
-                          <m:ctrlPr>
-                            <a:rPr lang="en-US" sz="2400" b="0" i="1" smtClean="0">
-                              <a:latin typeface="Cambria Math" panose="02040503050406030204" pitchFamily="18" charset="0"/>
-                              <a:ea typeface="Cambria Math" panose="02040503050406030204" pitchFamily="18" charset="0"/>
-                            </a:rPr>
-                          </m:ctrlPr>
-                        </m:sSubPr>
-                        <m:e>
-                          <m:r>
-                            <a:rPr lang="en-US" sz="2400" i="1" smtClean="0">
-                              <a:latin typeface="Cambria Math" panose="02040503050406030204" pitchFamily="18" charset="0"/>
-                              <a:ea typeface="Cambria Math" panose="02040503050406030204" pitchFamily="18" charset="0"/>
-                            </a:rPr>
-                            <m:t>𝜃</m:t>
-                          </m:r>
-                        </m:e>
-                        <m:sub>
-                          <m:r>
-                            <a:rPr lang="en-US" sz="2400" b="0" i="1" smtClean="0">
-                              <a:latin typeface="Cambria Math" panose="02040503050406030204" pitchFamily="18" charset="0"/>
-                              <a:ea typeface="Cambria Math" panose="02040503050406030204" pitchFamily="18" charset="0"/>
-                            </a:rPr>
-                            <m:t>𝑟𝑒𝑞</m:t>
-                          </m:r>
-                        </m:sub>
-                      </m:sSub>
-                    </m:oMath>
-                  </m:oMathPara>
-                </a14:m>
-                <a:endParaRPr lang="en-US" sz="2400" dirty="0"/>
-              </a:p>
-            </p:txBody>
-          </p:sp>
-        </mc:Choice>
-        <mc:Fallback>
-          <p:sp>
-            <p:nvSpPr>
-              <p:cNvPr id="26" name="TextBox 25"/>
-              <p:cNvSpPr txBox="1">
-                <a:spLocks noRot="1" noChangeAspect="1" noMove="1" noResize="1" noEditPoints="1" noAdjustHandles="1" noChangeArrowheads="1" noChangeShapeType="1" noTextEdit="1"/>
-              </p:cNvSpPr>
-              <p:nvPr/>
-            </p:nvSpPr>
-            <p:spPr>
-              <a:xfrm>
-                <a:off x="4979619" y="634122"/>
-                <a:ext cx="1153443" cy="490199"/>
-              </a:xfrm>
-              <a:prstGeom prst="rect">
-                <a:avLst/>
-              </a:prstGeom>
-              <a:blipFill rotWithShape="0">
-                <a:blip r:embed="rId2"/>
-                <a:stretch>
-                  <a:fillRect b="-7500"/>
-                </a:stretch>
-              </a:blipFill>
-            </p:spPr>
-            <p:txBody>
-              <a:bodyPr/>
-              <a:lstStyle/>
-              <a:p>
-                <a:r>
-                  <a:rPr lang="en-US">
-                    <a:noFill/>
-                  </a:rPr>
-                  <a:t> </a:t>
-                </a:r>
-              </a:p>
-            </p:txBody>
-          </p:sp>
-        </mc:Fallback>
-      </mc:AlternateContent>
-      <p:cxnSp>
-        <p:nvCxnSpPr>
-          <p:cNvPr id="27" name="Straight Arrow Connector 26"/>
-          <p:cNvCxnSpPr/>
-          <p:nvPr/>
-        </p:nvCxnSpPr>
-        <p:spPr>
-          <a:xfrm>
-            <a:off x="3835022" y="1165059"/>
-            <a:ext cx="368487" cy="0"/>
-          </a:xfrm>
-          <a:prstGeom prst="straightConnector1">
-            <a:avLst/>
-          </a:prstGeom>
-          <a:ln w="57150">
-            <a:solidFill>
-              <a:schemeClr val="tx1"/>
-            </a:solidFill>
-            <a:tailEnd type="triangle"/>
-          </a:ln>
-        </p:spPr>
-        <p:style>
-          <a:lnRef idx="1">
-            <a:schemeClr val="accent1"/>
-          </a:lnRef>
-          <a:fillRef idx="0">
-            <a:schemeClr val="accent1"/>
-          </a:fillRef>
-          <a:effectRef idx="0">
-            <a:schemeClr val="accent1"/>
-          </a:effectRef>
-          <a:fontRef idx="minor">
-            <a:schemeClr val="tx1"/>
-          </a:fontRef>
-        </p:style>
-      </p:cxnSp>
-      <mc:AlternateContent xmlns:mc="http://schemas.openxmlformats.org/markup-compatibility/2006">
-        <mc:Choice xmlns:a14="http://schemas.microsoft.com/office/drawing/2010/main" Requires="a14">
-          <p:sp>
-            <p:nvSpPr>
-              <p:cNvPr id="28" name="Rounded Rectangle 27"/>
-              <p:cNvSpPr/>
-              <p:nvPr/>
-            </p:nvSpPr>
-            <p:spPr>
-              <a:xfrm>
-                <a:off x="8026408" y="634634"/>
-                <a:ext cx="1115708" cy="975394"/>
-              </a:xfrm>
-              <a:prstGeom prst="roundRect">
-                <a:avLst/>
-              </a:prstGeom>
-              <a:ln w="57150">
-                <a:solidFill>
-                  <a:schemeClr val="tx1"/>
-                </a:solidFill>
-              </a:ln>
-            </p:spPr>
-            <p:style>
-              <a:lnRef idx="2">
-                <a:schemeClr val="accent6"/>
-              </a:lnRef>
-              <a:fillRef idx="1">
-                <a:schemeClr val="lt1"/>
-              </a:fillRef>
-              <a:effectRef idx="0">
-                <a:schemeClr val="accent6"/>
-              </a:effectRef>
-              <a:fontRef idx="minor">
-                <a:schemeClr val="dk1"/>
-              </a:fontRef>
-            </p:style>
-            <p:txBody>
-              <a:bodyPr rtlCol="0" anchor="ctr"/>
-              <a:lstStyle/>
-              <a:p>
-                <a:pPr algn="ctr"/>
-                <a14:m>
-                  <m:oMathPara xmlns:m="http://schemas.openxmlformats.org/officeDocument/2006/math">
-                    <m:oMathParaPr>
-                      <m:jc m:val="centerGroup"/>
-                    </m:oMathParaPr>
-                    <m:oMath xmlns:m="http://schemas.openxmlformats.org/officeDocument/2006/math">
-                      <m:f>
-                        <m:fPr>
-                          <m:ctrlPr>
-                            <a:rPr lang="en-US" sz="2400" b="1" i="1" smtClean="0">
-                              <a:latin typeface="Cambria Math" panose="02040503050406030204" pitchFamily="18" charset="0"/>
-                            </a:rPr>
-                          </m:ctrlPr>
-                        </m:fPr>
-                        <m:num>
-                          <m:r>
-                            <a:rPr lang="en-US" sz="2400" b="1" i="1" smtClean="0">
-                              <a:latin typeface="Cambria Math" panose="02040503050406030204" pitchFamily="18" charset="0"/>
-                            </a:rPr>
-                            <m:t>−</m:t>
-                          </m:r>
-                          <m:r>
-                            <a:rPr lang="en-US" sz="2400" b="1" i="1" smtClean="0">
-                              <a:latin typeface="Cambria Math" panose="02040503050406030204" pitchFamily="18" charset="0"/>
-                            </a:rPr>
-                            <m:t>𝒈</m:t>
-                          </m:r>
-                        </m:num>
-                        <m:den>
-                          <m:r>
-                            <a:rPr lang="en-US" sz="2400" b="1" i="1" smtClean="0">
-                              <a:latin typeface="Cambria Math" panose="02040503050406030204" pitchFamily="18" charset="0"/>
-                            </a:rPr>
-                            <m:t> </m:t>
-                          </m:r>
-                          <m:sSup>
-                            <m:sSupPr>
-                              <m:ctrlPr>
-                                <a:rPr lang="en-US" sz="2400" b="1" i="1" smtClean="0">
-                                  <a:latin typeface="Cambria Math" panose="02040503050406030204" pitchFamily="18" charset="0"/>
-                                </a:rPr>
-                              </m:ctrlPr>
-                            </m:sSupPr>
-                            <m:e>
-                              <m:r>
-                                <a:rPr lang="en-US" sz="2400" b="1" i="1" smtClean="0">
-                                  <a:latin typeface="Cambria Math" panose="02040503050406030204" pitchFamily="18" charset="0"/>
-                                </a:rPr>
-                                <m:t>𝒔</m:t>
-                              </m:r>
-                            </m:e>
-                            <m:sup>
-                              <m:r>
-                                <a:rPr lang="en-US" sz="2400" b="1" i="1" smtClean="0">
-                                  <a:latin typeface="Cambria Math" panose="02040503050406030204" pitchFamily="18" charset="0"/>
-                                </a:rPr>
-                                <m:t>𝟐</m:t>
-                              </m:r>
-                            </m:sup>
-                          </m:sSup>
-                        </m:den>
-                      </m:f>
-                    </m:oMath>
-                  </m:oMathPara>
-                </a14:m>
-                <a:endParaRPr lang="en-US" sz="2400" b="1" dirty="0"/>
-              </a:p>
-            </p:txBody>
-          </p:sp>
-        </mc:Choice>
-        <mc:Fallback>
-          <p:sp>
-            <p:nvSpPr>
-              <p:cNvPr id="28" name="Rounded Rectangle 27"/>
-              <p:cNvSpPr>
-                <a:spLocks noRot="1" noChangeAspect="1" noMove="1" noResize="1" noEditPoints="1" noAdjustHandles="1" noChangeArrowheads="1" noChangeShapeType="1" noTextEdit="1"/>
-              </p:cNvSpPr>
-              <p:nvPr/>
-            </p:nvSpPr>
-            <p:spPr>
-              <a:xfrm>
-                <a:off x="8026408" y="634634"/>
-                <a:ext cx="1115708" cy="975394"/>
-              </a:xfrm>
-              <a:prstGeom prst="roundRect">
-                <a:avLst/>
-              </a:prstGeom>
-              <a:blipFill rotWithShape="0">
-                <a:blip r:embed="rId3"/>
-                <a:stretch>
-                  <a:fillRect/>
-                </a:stretch>
-              </a:blipFill>
-              <a:ln w="57150">
-                <a:solidFill>
-                  <a:schemeClr val="tx1"/>
-                </a:solidFill>
-              </a:ln>
-            </p:spPr>
-            <p:txBody>
-              <a:bodyPr/>
-              <a:lstStyle/>
-              <a:p>
-                <a:r>
-                  <a:rPr lang="en-US">
-                    <a:noFill/>
-                  </a:rPr>
-                  <a:t> </a:t>
-                </a:r>
-              </a:p>
-            </p:txBody>
-          </p:sp>
-        </mc:Fallback>
-      </mc:AlternateContent>
-      <p:sp>
-        <p:nvSpPr>
-          <p:cNvPr id="29" name="TextBox 28"/>
-          <p:cNvSpPr txBox="1"/>
-          <p:nvPr/>
-        </p:nvSpPr>
-        <p:spPr>
-          <a:xfrm>
-            <a:off x="8120833" y="190998"/>
-            <a:ext cx="692818" cy="461665"/>
-          </a:xfrm>
-          <a:prstGeom prst="rect">
-            <a:avLst/>
-          </a:prstGeom>
-          <a:noFill/>
-        </p:spPr>
-        <p:txBody>
-          <a:bodyPr wrap="none" rtlCol="0">
-            <a:spAutoFit/>
-          </a:bodyPr>
-          <a:lstStyle/>
-          <a:p>
-            <a:r>
-              <a:rPr lang="en-US" sz="2400" dirty="0" smtClean="0"/>
-              <a:t>G_X</a:t>
-            </a:r>
-            <a:endParaRPr lang="en-US" sz="2400" dirty="0"/>
-          </a:p>
-        </p:txBody>
-      </p:sp>
-      <p:cxnSp>
-        <p:nvCxnSpPr>
-          <p:cNvPr id="30" name="Straight Arrow Connector 29"/>
-          <p:cNvCxnSpPr/>
-          <p:nvPr/>
-        </p:nvCxnSpPr>
-        <p:spPr>
-          <a:xfrm>
-            <a:off x="9142116" y="1137802"/>
-            <a:ext cx="736979" cy="0"/>
-          </a:xfrm>
-          <a:prstGeom prst="straightConnector1">
-            <a:avLst/>
-          </a:prstGeom>
-          <a:ln w="57150">
-            <a:solidFill>
-              <a:schemeClr val="tx1"/>
-            </a:solidFill>
-            <a:tailEnd type="triangle"/>
-          </a:ln>
-        </p:spPr>
-        <p:style>
-          <a:lnRef idx="1">
-            <a:schemeClr val="accent1"/>
-          </a:lnRef>
-          <a:fillRef idx="0">
-            <a:schemeClr val="accent1"/>
-          </a:fillRef>
-          <a:effectRef idx="0">
-            <a:schemeClr val="accent1"/>
-          </a:effectRef>
-          <a:fontRef idx="minor">
-            <a:schemeClr val="tx1"/>
-          </a:fontRef>
-        </p:style>
-      </p:cxnSp>
-      <p:sp>
-        <p:nvSpPr>
-          <p:cNvPr id="31" name="TextBox 30"/>
-          <p:cNvSpPr txBox="1"/>
-          <p:nvPr/>
-        </p:nvSpPr>
-        <p:spPr>
-          <a:xfrm>
-            <a:off x="10046277" y="930603"/>
-            <a:ext cx="484448" cy="584775"/>
-          </a:xfrm>
-          <a:prstGeom prst="rect">
-            <a:avLst/>
-          </a:prstGeom>
-          <a:noFill/>
-        </p:spPr>
-        <p:txBody>
-          <a:bodyPr wrap="square" rtlCol="0">
-            <a:spAutoFit/>
-          </a:bodyPr>
-          <a:lstStyle/>
-          <a:p>
-            <a:r>
-              <a:rPr lang="en-US" sz="3200" b="1" dirty="0" smtClean="0"/>
-              <a:t>X</a:t>
-            </a:r>
-            <a:endParaRPr lang="en-US" sz="3200" b="1" dirty="0"/>
-          </a:p>
-        </p:txBody>
-      </p:sp>
-      <p:sp>
-        <p:nvSpPr>
-          <p:cNvPr id="32" name="TextBox 31"/>
-          <p:cNvSpPr txBox="1"/>
-          <p:nvPr/>
-        </p:nvSpPr>
-        <p:spPr>
-          <a:xfrm>
-            <a:off x="3073685" y="1467613"/>
-            <a:ext cx="484448" cy="584775"/>
-          </a:xfrm>
-          <a:prstGeom prst="rect">
-            <a:avLst/>
-          </a:prstGeom>
-          <a:noFill/>
-        </p:spPr>
-        <p:txBody>
-          <a:bodyPr wrap="square" rtlCol="0">
-            <a:spAutoFit/>
-          </a:bodyPr>
-          <a:lstStyle/>
-          <a:p>
-            <a:r>
-              <a:rPr lang="en-US" sz="3200" b="1" dirty="0" smtClean="0"/>
-              <a:t>X</a:t>
-            </a:r>
-            <a:endParaRPr lang="en-US" sz="3200" b="1" dirty="0"/>
-          </a:p>
-        </p:txBody>
-      </p:sp>
-      <p:cxnSp>
-        <p:nvCxnSpPr>
-          <p:cNvPr id="33" name="Straight Arrow Connector 32"/>
-          <p:cNvCxnSpPr/>
-          <p:nvPr/>
-        </p:nvCxnSpPr>
-        <p:spPr>
-          <a:xfrm flipH="1">
-            <a:off x="3613292" y="2007104"/>
-            <a:ext cx="5696006" cy="45285"/>
-          </a:xfrm>
-          <a:prstGeom prst="straightConnector1">
-            <a:avLst/>
-          </a:prstGeom>
-          <a:ln w="57150">
-            <a:solidFill>
-              <a:schemeClr val="tx1"/>
-            </a:solidFill>
-            <a:tailEnd type="triangle"/>
-          </a:ln>
-        </p:spPr>
-        <p:style>
-          <a:lnRef idx="1">
-            <a:schemeClr val="accent1"/>
-          </a:lnRef>
-          <a:fillRef idx="0">
-            <a:schemeClr val="accent1"/>
-          </a:fillRef>
-          <a:effectRef idx="0">
-            <a:schemeClr val="accent1"/>
-          </a:effectRef>
-          <a:fontRef idx="minor">
-            <a:schemeClr val="tx1"/>
-          </a:fontRef>
-        </p:style>
-      </p:cxnSp>
-      <p:cxnSp>
-        <p:nvCxnSpPr>
-          <p:cNvPr id="34" name="Straight Arrow Connector 33"/>
-          <p:cNvCxnSpPr/>
-          <p:nvPr/>
-        </p:nvCxnSpPr>
-        <p:spPr>
-          <a:xfrm flipV="1">
-            <a:off x="3603943" y="1380981"/>
-            <a:ext cx="9349" cy="671407"/>
-          </a:xfrm>
-          <a:prstGeom prst="straightConnector1">
-            <a:avLst/>
-          </a:prstGeom>
-          <a:ln w="57150">
-            <a:solidFill>
-              <a:schemeClr val="tx1"/>
-            </a:solidFill>
-            <a:tailEnd type="triangle"/>
-          </a:ln>
-        </p:spPr>
-        <p:style>
-          <a:lnRef idx="1">
-            <a:schemeClr val="accent1"/>
-          </a:lnRef>
-          <a:fillRef idx="0">
-            <a:schemeClr val="accent1"/>
-          </a:fillRef>
-          <a:effectRef idx="0">
-            <a:schemeClr val="accent1"/>
-          </a:effectRef>
-          <a:fontRef idx="minor">
-            <a:schemeClr val="tx1"/>
-          </a:fontRef>
-        </p:style>
-      </p:cxnSp>
-      <mc:AlternateContent xmlns:mc="http://schemas.openxmlformats.org/markup-compatibility/2006">
-        <mc:Choice xmlns:a14="http://schemas.microsoft.com/office/drawing/2010/main" Requires="a14">
-          <p:sp>
-            <p:nvSpPr>
-              <p:cNvPr id="35" name="Rounded Rectangle 34"/>
-              <p:cNvSpPr/>
-              <p:nvPr/>
-            </p:nvSpPr>
-            <p:spPr>
-              <a:xfrm>
-                <a:off x="6083306" y="658826"/>
-                <a:ext cx="1115708" cy="975394"/>
-              </a:xfrm>
-              <a:prstGeom prst="roundRect">
-                <a:avLst/>
-              </a:prstGeom>
-              <a:ln w="57150">
-                <a:solidFill>
-                  <a:schemeClr val="tx1"/>
-                </a:solidFill>
-              </a:ln>
-            </p:spPr>
-            <p:style>
-              <a:lnRef idx="2">
-                <a:schemeClr val="accent6"/>
-              </a:lnRef>
-              <a:fillRef idx="1">
-                <a:schemeClr val="lt1"/>
-              </a:fillRef>
-              <a:effectRef idx="0">
-                <a:schemeClr val="accent6"/>
-              </a:effectRef>
-              <a:fontRef idx="minor">
-                <a:schemeClr val="dk1"/>
-              </a:fontRef>
-            </p:style>
-            <p:txBody>
-              <a:bodyPr rtlCol="0" anchor="ctr"/>
-              <a:lstStyle/>
-              <a:p>
-                <a:pPr algn="ctr"/>
-                <a14:m>
-                  <m:oMathPara xmlns:m="http://schemas.openxmlformats.org/officeDocument/2006/math">
-                    <m:oMathParaPr>
-                      <m:jc m:val="centerGroup"/>
-                    </m:oMathParaPr>
-                    <m:oMath xmlns:m="http://schemas.openxmlformats.org/officeDocument/2006/math">
-                      <m:f>
-                        <m:fPr>
-                          <m:ctrlPr>
-                            <a:rPr lang="en-US" sz="2400" b="1" i="1" smtClean="0">
-                              <a:latin typeface="Cambria Math" panose="02040503050406030204" pitchFamily="18" charset="0"/>
-                            </a:rPr>
-                          </m:ctrlPr>
-                        </m:fPr>
-                        <m:num>
-                          <m:r>
-                            <m:rPr>
-                              <m:sty m:val="p"/>
-                            </m:rPr>
-                            <a:rPr lang="el-GR" sz="2400" b="1" i="1" smtClean="0">
-                              <a:latin typeface="Cambria Math" panose="02040503050406030204" pitchFamily="18" charset="0"/>
-                            </a:rPr>
-                            <m:t>ϴ</m:t>
-                          </m:r>
-                        </m:num>
-                        <m:den>
-                          <m:r>
-                            <a:rPr lang="en-US" sz="2400" b="1" i="1" smtClean="0">
-                              <a:latin typeface="Cambria Math" panose="02040503050406030204" pitchFamily="18" charset="0"/>
-                            </a:rPr>
-                            <m:t> </m:t>
-                          </m:r>
-                          <m:sSub>
-                            <m:sSubPr>
-                              <m:ctrlPr>
-                                <a:rPr lang="en-US" sz="2400" b="1" i="1" smtClean="0">
-                                  <a:latin typeface="Cambria Math" panose="02040503050406030204" pitchFamily="18" charset="0"/>
-                                </a:rPr>
-                              </m:ctrlPr>
-                            </m:sSubPr>
-                            <m:e>
-                              <m:r>
-                                <m:rPr>
-                                  <m:sty m:val="p"/>
-                                </m:rPr>
-                                <a:rPr lang="el-GR" sz="2400" b="1" i="1" smtClean="0">
-                                  <a:latin typeface="Cambria Math" panose="02040503050406030204" pitchFamily="18" charset="0"/>
-                                </a:rPr>
-                                <m:t>ϴ</m:t>
-                              </m:r>
-                            </m:e>
-                            <m:sub>
-                              <m:r>
-                                <a:rPr lang="en-US" sz="2400" b="1" i="1" smtClean="0">
-                                  <a:latin typeface="Cambria Math" panose="02040503050406030204" pitchFamily="18" charset="0"/>
-                                </a:rPr>
-                                <m:t>𝒓𝒆𝒒</m:t>
-                              </m:r>
-                            </m:sub>
-                          </m:sSub>
-                        </m:den>
-                      </m:f>
-                    </m:oMath>
-                  </m:oMathPara>
-                </a14:m>
-                <a:endParaRPr lang="en-US" sz="2400" b="1" dirty="0"/>
-              </a:p>
-            </p:txBody>
-          </p:sp>
-        </mc:Choice>
-        <mc:Fallback>
-          <p:sp>
-            <p:nvSpPr>
-              <p:cNvPr id="35" name="Rounded Rectangle 34"/>
-              <p:cNvSpPr>
-                <a:spLocks noRot="1" noChangeAspect="1" noMove="1" noResize="1" noEditPoints="1" noAdjustHandles="1" noChangeArrowheads="1" noChangeShapeType="1" noTextEdit="1"/>
-              </p:cNvSpPr>
-              <p:nvPr/>
-            </p:nvSpPr>
-            <p:spPr>
-              <a:xfrm>
-                <a:off x="6083306" y="658826"/>
-                <a:ext cx="1115708" cy="975394"/>
-              </a:xfrm>
-              <a:prstGeom prst="roundRect">
-                <a:avLst/>
-              </a:prstGeom>
-              <a:blipFill rotWithShape="0">
-                <a:blip r:embed="rId4"/>
-                <a:stretch>
-                  <a:fillRect/>
-                </a:stretch>
-              </a:blipFill>
-              <a:ln w="57150">
-                <a:solidFill>
-                  <a:schemeClr val="tx1"/>
-                </a:solidFill>
-              </a:ln>
-            </p:spPr>
-            <p:txBody>
-              <a:bodyPr/>
-              <a:lstStyle/>
-              <a:p>
-                <a:r>
-                  <a:rPr lang="en-US">
-                    <a:noFill/>
-                  </a:rPr>
-                  <a:t> </a:t>
-                </a:r>
-              </a:p>
-            </p:txBody>
-          </p:sp>
-        </mc:Fallback>
-      </mc:AlternateContent>
-      <p:cxnSp>
-        <p:nvCxnSpPr>
-          <p:cNvPr id="38" name="Straight Arrow Connector 37"/>
-          <p:cNvCxnSpPr/>
-          <p:nvPr/>
-        </p:nvCxnSpPr>
-        <p:spPr>
-          <a:xfrm flipV="1">
-            <a:off x="7178721" y="1122331"/>
-            <a:ext cx="823738" cy="1"/>
-          </a:xfrm>
-          <a:prstGeom prst="straightConnector1">
-            <a:avLst/>
-          </a:prstGeom>
-          <a:ln w="57150">
-            <a:solidFill>
-              <a:schemeClr val="tx1"/>
-            </a:solidFill>
-            <a:tailEnd type="triangle"/>
-          </a:ln>
-        </p:spPr>
-        <p:style>
-          <a:lnRef idx="1">
-            <a:schemeClr val="accent1"/>
-          </a:lnRef>
-          <a:fillRef idx="0">
-            <a:schemeClr val="accent1"/>
-          </a:fillRef>
-          <a:effectRef idx="0">
-            <a:schemeClr val="accent1"/>
-          </a:effectRef>
-          <a:fontRef idx="minor">
-            <a:schemeClr val="tx1"/>
-          </a:fontRef>
-        </p:style>
-      </p:cxnSp>
-      <p:sp>
-        <p:nvSpPr>
-          <p:cNvPr id="41" name="TextBox 40"/>
-          <p:cNvSpPr txBox="1"/>
-          <p:nvPr/>
-        </p:nvSpPr>
-        <p:spPr>
-          <a:xfrm>
-            <a:off x="7360178" y="665086"/>
-            <a:ext cx="388248" cy="461665"/>
-          </a:xfrm>
-          <a:prstGeom prst="rect">
-            <a:avLst/>
-          </a:prstGeom>
-          <a:noFill/>
-        </p:spPr>
-        <p:txBody>
-          <a:bodyPr wrap="none" rtlCol="0">
-            <a:spAutoFit/>
-          </a:bodyPr>
-          <a:lstStyle/>
-          <a:p>
-            <a:r>
-              <a:rPr lang="el-GR" sz="2400" dirty="0" smtClean="0"/>
-              <a:t>ϴ</a:t>
-            </a:r>
-            <a:endParaRPr lang="en-US" sz="2400" dirty="0"/>
-          </a:p>
-        </p:txBody>
-      </p:sp>
-      <p:sp>
-        <p:nvSpPr>
-          <p:cNvPr id="43" name="Flowchart: Summing Junction 42"/>
-          <p:cNvSpPr/>
-          <p:nvPr/>
-        </p:nvSpPr>
-        <p:spPr>
-          <a:xfrm>
-            <a:off x="3565475" y="4274305"/>
-            <a:ext cx="436729" cy="450377"/>
-          </a:xfrm>
-          <a:prstGeom prst="flowChartSummingJunction">
-            <a:avLst/>
-          </a:prstGeom>
-          <a:ln w="28575">
-            <a:solidFill>
-              <a:schemeClr val="tx1"/>
-            </a:solidFill>
-          </a:ln>
-        </p:spPr>
-        <p:style>
-          <a:lnRef idx="2">
-            <a:schemeClr val="accent6"/>
-          </a:lnRef>
-          <a:fillRef idx="1">
-            <a:schemeClr val="lt1"/>
-          </a:fillRef>
-          <a:effectRef idx="0">
-            <a:schemeClr val="accent6"/>
-          </a:effectRef>
-          <a:fontRef idx="minor">
-            <a:schemeClr val="dk1"/>
-          </a:fontRef>
-        </p:style>
-        <p:txBody>
-          <a:bodyPr rtlCol="0" anchor="ctr"/>
-          <a:lstStyle/>
-          <a:p>
-            <a:pPr algn="ctr"/>
-            <a:endParaRPr lang="en-US"/>
-          </a:p>
-        </p:txBody>
-      </p:sp>
-      <p:cxnSp>
-        <p:nvCxnSpPr>
-          <p:cNvPr id="44" name="Straight Arrow Connector 43"/>
-          <p:cNvCxnSpPr/>
-          <p:nvPr/>
-        </p:nvCxnSpPr>
-        <p:spPr>
-          <a:xfrm>
-            <a:off x="2705665" y="4499493"/>
-            <a:ext cx="859810" cy="0"/>
-          </a:xfrm>
-          <a:prstGeom prst="straightConnector1">
-            <a:avLst/>
-          </a:prstGeom>
-          <a:ln w="57150">
-            <a:solidFill>
-              <a:schemeClr val="tx1"/>
-            </a:solidFill>
-            <a:tailEnd type="triangle"/>
-          </a:ln>
-        </p:spPr>
-        <p:style>
-          <a:lnRef idx="1">
-            <a:schemeClr val="accent1"/>
-          </a:lnRef>
-          <a:fillRef idx="0">
-            <a:schemeClr val="accent1"/>
-          </a:fillRef>
-          <a:effectRef idx="0">
-            <a:schemeClr val="accent1"/>
-          </a:effectRef>
-          <a:fontRef idx="minor">
-            <a:schemeClr val="tx1"/>
-          </a:fontRef>
-        </p:style>
-      </p:cxnSp>
-      <p:sp>
-        <p:nvSpPr>
-          <p:cNvPr id="45" name="Rectangle 44"/>
-          <p:cNvSpPr/>
-          <p:nvPr/>
-        </p:nvSpPr>
-        <p:spPr>
-          <a:xfrm>
-            <a:off x="4370691" y="4226539"/>
-            <a:ext cx="900753" cy="545910"/>
-          </a:xfrm>
-          <a:prstGeom prst="rect">
-            <a:avLst/>
-          </a:prstGeom>
-          <a:ln w="57150">
-            <a:solidFill>
-              <a:schemeClr val="tx1"/>
-            </a:solidFill>
-          </a:ln>
-        </p:spPr>
-        <p:style>
-          <a:lnRef idx="2">
-            <a:schemeClr val="accent6"/>
-          </a:lnRef>
-          <a:fillRef idx="1">
-            <a:schemeClr val="lt1"/>
-          </a:fillRef>
-          <a:effectRef idx="0">
-            <a:schemeClr val="accent6"/>
-          </a:effectRef>
-          <a:fontRef idx="minor">
-            <a:schemeClr val="dk1"/>
-          </a:fontRef>
-        </p:style>
-        <p:txBody>
-          <a:bodyPr rtlCol="0" anchor="ctr"/>
-          <a:lstStyle/>
-          <a:p>
-            <a:pPr algn="ctr"/>
-            <a:r>
-              <a:rPr lang="en-US" sz="2400" dirty="0" smtClean="0"/>
-              <a:t>PID</a:t>
-            </a:r>
-            <a:endParaRPr lang="en-US" sz="2400" dirty="0"/>
-          </a:p>
-        </p:txBody>
-      </p:sp>
-      <p:cxnSp>
-        <p:nvCxnSpPr>
-          <p:cNvPr id="46" name="Straight Arrow Connector 45"/>
-          <p:cNvCxnSpPr>
-            <a:stCxn id="45" idx="3"/>
-            <a:endCxn id="58" idx="1"/>
-          </p:cNvCxnSpPr>
-          <p:nvPr/>
-        </p:nvCxnSpPr>
-        <p:spPr>
-          <a:xfrm flipV="1">
-            <a:off x="5271444" y="4490225"/>
-            <a:ext cx="979044" cy="9269"/>
-          </a:xfrm>
-          <a:prstGeom prst="straightConnector1">
-            <a:avLst/>
-          </a:prstGeom>
-          <a:ln w="57150">
-            <a:solidFill>
-              <a:schemeClr val="tx1"/>
-            </a:solidFill>
-            <a:tailEnd type="triangle"/>
-          </a:ln>
-        </p:spPr>
-        <p:style>
-          <a:lnRef idx="1">
-            <a:schemeClr val="accent1"/>
-          </a:lnRef>
-          <a:fillRef idx="0">
-            <a:schemeClr val="accent1"/>
-          </a:fillRef>
-          <a:effectRef idx="0">
-            <a:schemeClr val="accent1"/>
-          </a:effectRef>
-          <a:fontRef idx="minor">
-            <a:schemeClr val="tx1"/>
-          </a:fontRef>
-        </p:style>
-      </p:cxnSp>
-      <p:cxnSp>
-        <p:nvCxnSpPr>
-          <p:cNvPr id="47" name="Straight Arrow Connector 46"/>
-          <p:cNvCxnSpPr/>
-          <p:nvPr/>
-        </p:nvCxnSpPr>
-        <p:spPr>
-          <a:xfrm>
-            <a:off x="9476480" y="4490772"/>
-            <a:ext cx="0" cy="860034"/>
-          </a:xfrm>
-          <a:prstGeom prst="straightConnector1">
-            <a:avLst/>
-          </a:prstGeom>
-          <a:ln w="57150">
-            <a:solidFill>
-              <a:schemeClr val="tx1"/>
-            </a:solidFill>
-            <a:tailEnd type="triangle"/>
-          </a:ln>
-        </p:spPr>
-        <p:style>
-          <a:lnRef idx="1">
-            <a:schemeClr val="accent1"/>
-          </a:lnRef>
-          <a:fillRef idx="0">
-            <a:schemeClr val="accent1"/>
-          </a:fillRef>
-          <a:effectRef idx="0">
-            <a:schemeClr val="accent1"/>
-          </a:effectRef>
-          <a:fontRef idx="minor">
-            <a:schemeClr val="tx1"/>
-          </a:fontRef>
-        </p:style>
-      </p:cxnSp>
-      <p:sp>
-        <p:nvSpPr>
-          <p:cNvPr id="48" name="TextBox 47"/>
-          <p:cNvSpPr txBox="1"/>
-          <p:nvPr/>
-        </p:nvSpPr>
-        <p:spPr>
-          <a:xfrm>
-            <a:off x="1733267" y="4274305"/>
-            <a:ext cx="1120756" cy="461665"/>
-          </a:xfrm>
-          <a:prstGeom prst="rect">
-            <a:avLst/>
-          </a:prstGeom>
-          <a:noFill/>
-        </p:spPr>
-        <p:txBody>
-          <a:bodyPr wrap="square" rtlCol="0">
-            <a:spAutoFit/>
-          </a:bodyPr>
-          <a:lstStyle/>
-          <a:p>
-            <a:r>
-              <a:rPr lang="en-US" sz="2400" b="1" dirty="0" smtClean="0"/>
-              <a:t>Y_des</a:t>
-            </a:r>
-            <a:endParaRPr lang="en-US" sz="2400" b="1" dirty="0"/>
-          </a:p>
-        </p:txBody>
-      </p:sp>
-      <mc:AlternateContent xmlns:mc="http://schemas.openxmlformats.org/markup-compatibility/2006">
-        <mc:Choice xmlns:a14="http://schemas.microsoft.com/office/drawing/2010/main" Requires="a14">
-          <p:sp>
-            <p:nvSpPr>
-              <p:cNvPr id="49" name="TextBox 48"/>
-              <p:cNvSpPr txBox="1"/>
-              <p:nvPr/>
-            </p:nvSpPr>
-            <p:spPr>
-              <a:xfrm>
-                <a:off x="5146801" y="3977824"/>
-                <a:ext cx="1153443" cy="490199"/>
-              </a:xfrm>
-              <a:prstGeom prst="rect">
-                <a:avLst/>
-              </a:prstGeom>
-              <a:noFill/>
-            </p:spPr>
-            <p:txBody>
-              <a:bodyPr wrap="square" rtlCol="0">
-                <a:spAutoFit/>
-              </a:bodyPr>
-              <a:lstStyle/>
-              <a:p>
-                <a14:m>
-                  <m:oMathPara xmlns:m="http://schemas.openxmlformats.org/officeDocument/2006/math">
-                    <m:oMathParaPr>
-                      <m:jc m:val="centerGroup"/>
-                    </m:oMathParaPr>
-                    <m:oMath xmlns:m="http://schemas.openxmlformats.org/officeDocument/2006/math">
-                      <m:sSub>
-                        <m:sSubPr>
-                          <m:ctrlPr>
-                            <a:rPr lang="en-US" sz="2400" b="0" i="1" smtClean="0">
-                              <a:latin typeface="Cambria Math" panose="02040503050406030204" pitchFamily="18" charset="0"/>
-                              <a:ea typeface="Cambria Math" panose="02040503050406030204" pitchFamily="18" charset="0"/>
-                            </a:rPr>
-                          </m:ctrlPr>
-                        </m:sSubPr>
-                        <m:e>
-                          <m:r>
-                            <a:rPr lang="en-US" sz="2400" b="0" i="1" smtClean="0">
-                              <a:latin typeface="Cambria Math" panose="02040503050406030204" pitchFamily="18" charset="0"/>
-                              <a:ea typeface="Cambria Math" panose="02040503050406030204" pitchFamily="18" charset="0"/>
-                            </a:rPr>
-                            <m:t>∅</m:t>
-                          </m:r>
-                        </m:e>
-                        <m:sub>
-                          <m:r>
-                            <a:rPr lang="en-US" sz="2400" b="0" i="1" smtClean="0">
-                              <a:latin typeface="Cambria Math" panose="02040503050406030204" pitchFamily="18" charset="0"/>
-                              <a:ea typeface="Cambria Math" panose="02040503050406030204" pitchFamily="18" charset="0"/>
-                            </a:rPr>
-                            <m:t>𝑟𝑒𝑞</m:t>
-                          </m:r>
-                        </m:sub>
-                      </m:sSub>
-                    </m:oMath>
-                  </m:oMathPara>
-                </a14:m>
-                <a:endParaRPr lang="en-US" sz="2400" dirty="0"/>
-              </a:p>
-            </p:txBody>
-          </p:sp>
-        </mc:Choice>
-        <mc:Fallback>
-          <p:sp>
-            <p:nvSpPr>
-              <p:cNvPr id="49" name="TextBox 48"/>
-              <p:cNvSpPr txBox="1">
-                <a:spLocks noRot="1" noChangeAspect="1" noMove="1" noResize="1" noEditPoints="1" noAdjustHandles="1" noChangeArrowheads="1" noChangeShapeType="1" noTextEdit="1"/>
-              </p:cNvSpPr>
-              <p:nvPr/>
-            </p:nvSpPr>
-            <p:spPr>
-              <a:xfrm>
-                <a:off x="5146801" y="3977824"/>
-                <a:ext cx="1153443" cy="490199"/>
-              </a:xfrm>
-              <a:prstGeom prst="rect">
-                <a:avLst/>
-              </a:prstGeom>
-              <a:blipFill rotWithShape="0">
-                <a:blip r:embed="rId5"/>
-                <a:stretch>
-                  <a:fillRect b="-6250"/>
-                </a:stretch>
-              </a:blipFill>
-            </p:spPr>
-            <p:txBody>
-              <a:bodyPr/>
-              <a:lstStyle/>
-              <a:p>
-                <a:r>
-                  <a:rPr lang="en-US">
-                    <a:noFill/>
-                  </a:rPr>
-                  <a:t> </a:t>
-                </a:r>
-              </a:p>
-            </p:txBody>
-          </p:sp>
-        </mc:Fallback>
-      </mc:AlternateContent>
-      <p:cxnSp>
-        <p:nvCxnSpPr>
-          <p:cNvPr id="50" name="Straight Arrow Connector 49"/>
-          <p:cNvCxnSpPr/>
-          <p:nvPr/>
-        </p:nvCxnSpPr>
-        <p:spPr>
-          <a:xfrm>
-            <a:off x="4002204" y="4508761"/>
-            <a:ext cx="368487" cy="0"/>
-          </a:xfrm>
-          <a:prstGeom prst="straightConnector1">
-            <a:avLst/>
-          </a:prstGeom>
-          <a:ln w="57150">
-            <a:solidFill>
-              <a:schemeClr val="tx1"/>
-            </a:solidFill>
-            <a:tailEnd type="triangle"/>
-          </a:ln>
-        </p:spPr>
-        <p:style>
-          <a:lnRef idx="1">
-            <a:schemeClr val="accent1"/>
-          </a:lnRef>
-          <a:fillRef idx="0">
-            <a:schemeClr val="accent1"/>
-          </a:fillRef>
-          <a:effectRef idx="0">
-            <a:schemeClr val="accent1"/>
-          </a:effectRef>
-          <a:fontRef idx="minor">
-            <a:schemeClr val="tx1"/>
-          </a:fontRef>
-        </p:style>
-      </p:cxnSp>
-      <mc:AlternateContent xmlns:mc="http://schemas.openxmlformats.org/markup-compatibility/2006">
-        <mc:Choice xmlns:a14="http://schemas.microsoft.com/office/drawing/2010/main" Requires="a14">
-          <p:sp>
-            <p:nvSpPr>
-              <p:cNvPr id="51" name="Rounded Rectangle 50"/>
-              <p:cNvSpPr/>
-              <p:nvPr/>
-            </p:nvSpPr>
-            <p:spPr>
-              <a:xfrm>
-                <a:off x="8193590" y="3978336"/>
-                <a:ext cx="1115708" cy="975394"/>
-              </a:xfrm>
-              <a:prstGeom prst="roundRect">
-                <a:avLst/>
-              </a:prstGeom>
-              <a:ln w="57150">
-                <a:solidFill>
-                  <a:schemeClr val="tx1"/>
-                </a:solidFill>
-              </a:ln>
-            </p:spPr>
-            <p:style>
-              <a:lnRef idx="2">
-                <a:schemeClr val="accent6"/>
-              </a:lnRef>
-              <a:fillRef idx="1">
-                <a:schemeClr val="lt1"/>
-              </a:fillRef>
-              <a:effectRef idx="0">
-                <a:schemeClr val="accent6"/>
-              </a:effectRef>
-              <a:fontRef idx="minor">
-                <a:schemeClr val="dk1"/>
-              </a:fontRef>
-            </p:style>
-            <p:txBody>
-              <a:bodyPr rtlCol="0" anchor="ctr"/>
-              <a:lstStyle/>
-              <a:p>
-                <a:pPr algn="ctr"/>
-                <a14:m>
-                  <m:oMathPara xmlns:m="http://schemas.openxmlformats.org/officeDocument/2006/math">
-                    <m:oMathParaPr>
-                      <m:jc m:val="centerGroup"/>
-                    </m:oMathParaPr>
-                    <m:oMath xmlns:m="http://schemas.openxmlformats.org/officeDocument/2006/math">
-                      <m:f>
-                        <m:fPr>
-                          <m:ctrlPr>
-                            <a:rPr lang="en-US" sz="2400" b="1" i="1" smtClean="0">
-                              <a:latin typeface="Cambria Math" panose="02040503050406030204" pitchFamily="18" charset="0"/>
-                            </a:rPr>
-                          </m:ctrlPr>
-                        </m:fPr>
-                        <m:num>
-                          <m:r>
-                            <a:rPr lang="en-US" sz="2400" b="1" i="1" smtClean="0">
-                              <a:latin typeface="Cambria Math" panose="02040503050406030204" pitchFamily="18" charset="0"/>
-                            </a:rPr>
-                            <m:t>−</m:t>
-                          </m:r>
-                          <m:r>
-                            <a:rPr lang="en-US" sz="2400" b="1" i="1" smtClean="0">
-                              <a:latin typeface="Cambria Math" panose="02040503050406030204" pitchFamily="18" charset="0"/>
-                            </a:rPr>
-                            <m:t>𝒈</m:t>
-                          </m:r>
-                        </m:num>
-                        <m:den>
-                          <m:r>
-                            <a:rPr lang="en-US" sz="2400" b="1" i="1" smtClean="0">
-                              <a:latin typeface="Cambria Math" panose="02040503050406030204" pitchFamily="18" charset="0"/>
-                            </a:rPr>
-                            <m:t> </m:t>
-                          </m:r>
-                          <m:sSup>
-                            <m:sSupPr>
-                              <m:ctrlPr>
-                                <a:rPr lang="en-US" sz="2400" b="1" i="1" smtClean="0">
-                                  <a:latin typeface="Cambria Math" panose="02040503050406030204" pitchFamily="18" charset="0"/>
-                                </a:rPr>
-                              </m:ctrlPr>
-                            </m:sSupPr>
-                            <m:e>
-                              <m:r>
-                                <a:rPr lang="en-US" sz="2400" b="1" i="1" smtClean="0">
-                                  <a:latin typeface="Cambria Math" panose="02040503050406030204" pitchFamily="18" charset="0"/>
-                                </a:rPr>
-                                <m:t>𝒔</m:t>
-                              </m:r>
-                            </m:e>
-                            <m:sup>
-                              <m:r>
-                                <a:rPr lang="en-US" sz="2400" b="1" i="1" smtClean="0">
-                                  <a:latin typeface="Cambria Math" panose="02040503050406030204" pitchFamily="18" charset="0"/>
-                                </a:rPr>
-                                <m:t>𝟐</m:t>
-                              </m:r>
-                            </m:sup>
-                          </m:sSup>
-                        </m:den>
-                      </m:f>
-                    </m:oMath>
-                  </m:oMathPara>
-                </a14:m>
-                <a:endParaRPr lang="en-US" sz="2400" b="1" dirty="0"/>
-              </a:p>
-            </p:txBody>
-          </p:sp>
-        </mc:Choice>
-        <mc:Fallback>
-          <p:sp>
-            <p:nvSpPr>
-              <p:cNvPr id="51" name="Rounded Rectangle 50"/>
-              <p:cNvSpPr>
-                <a:spLocks noRot="1" noChangeAspect="1" noMove="1" noResize="1" noEditPoints="1" noAdjustHandles="1" noChangeArrowheads="1" noChangeShapeType="1" noTextEdit="1"/>
-              </p:cNvSpPr>
-              <p:nvPr/>
-            </p:nvSpPr>
-            <p:spPr>
-              <a:xfrm>
-                <a:off x="8193590" y="3978336"/>
-                <a:ext cx="1115708" cy="975394"/>
-              </a:xfrm>
-              <a:prstGeom prst="roundRect">
-                <a:avLst/>
-              </a:prstGeom>
-              <a:blipFill rotWithShape="0">
-                <a:blip r:embed="rId6"/>
-                <a:stretch>
-                  <a:fillRect/>
-                </a:stretch>
-              </a:blipFill>
-              <a:ln w="57150">
-                <a:solidFill>
-                  <a:schemeClr val="tx1"/>
-                </a:solidFill>
-              </a:ln>
-            </p:spPr>
-            <p:txBody>
-              <a:bodyPr/>
-              <a:lstStyle/>
-              <a:p>
-                <a:r>
-                  <a:rPr lang="en-US">
-                    <a:noFill/>
-                  </a:rPr>
-                  <a:t> </a:t>
-                </a:r>
-              </a:p>
-            </p:txBody>
-          </p:sp>
-        </mc:Fallback>
-      </mc:AlternateContent>
-      <p:sp>
-        <p:nvSpPr>
-          <p:cNvPr id="52" name="TextBox 51"/>
-          <p:cNvSpPr txBox="1"/>
-          <p:nvPr/>
-        </p:nvSpPr>
-        <p:spPr>
-          <a:xfrm>
-            <a:off x="8288015" y="3534700"/>
-            <a:ext cx="692818" cy="461665"/>
-          </a:xfrm>
-          <a:prstGeom prst="rect">
-            <a:avLst/>
-          </a:prstGeom>
-          <a:noFill/>
-        </p:spPr>
-        <p:txBody>
-          <a:bodyPr wrap="none" rtlCol="0">
-            <a:spAutoFit/>
-          </a:bodyPr>
-          <a:lstStyle/>
-          <a:p>
-            <a:r>
-              <a:rPr lang="en-US" sz="2400" dirty="0" smtClean="0"/>
-              <a:t>G_Y</a:t>
-            </a:r>
-            <a:endParaRPr lang="en-US" sz="2400" dirty="0"/>
-          </a:p>
-        </p:txBody>
-      </p:sp>
-      <p:cxnSp>
-        <p:nvCxnSpPr>
-          <p:cNvPr id="53" name="Straight Arrow Connector 52"/>
-          <p:cNvCxnSpPr/>
-          <p:nvPr/>
-        </p:nvCxnSpPr>
-        <p:spPr>
-          <a:xfrm>
-            <a:off x="9309298" y="4481504"/>
-            <a:ext cx="736979" cy="0"/>
-          </a:xfrm>
-          <a:prstGeom prst="straightConnector1">
-            <a:avLst/>
-          </a:prstGeom>
-          <a:ln w="57150">
-            <a:solidFill>
-              <a:schemeClr val="tx1"/>
-            </a:solidFill>
-            <a:tailEnd type="triangle"/>
-          </a:ln>
-        </p:spPr>
-        <p:style>
-          <a:lnRef idx="1">
-            <a:schemeClr val="accent1"/>
-          </a:lnRef>
-          <a:fillRef idx="0">
-            <a:schemeClr val="accent1"/>
-          </a:fillRef>
-          <a:effectRef idx="0">
-            <a:schemeClr val="accent1"/>
-          </a:effectRef>
-          <a:fontRef idx="minor">
-            <a:schemeClr val="tx1"/>
-          </a:fontRef>
-        </p:style>
-      </p:cxnSp>
-      <p:sp>
-        <p:nvSpPr>
-          <p:cNvPr id="54" name="TextBox 53"/>
-          <p:cNvSpPr txBox="1"/>
-          <p:nvPr/>
-        </p:nvSpPr>
-        <p:spPr>
-          <a:xfrm>
-            <a:off x="10213459" y="4274305"/>
-            <a:ext cx="484448" cy="584775"/>
-          </a:xfrm>
-          <a:prstGeom prst="rect">
-            <a:avLst/>
-          </a:prstGeom>
-          <a:noFill/>
-        </p:spPr>
-        <p:txBody>
-          <a:bodyPr wrap="square" rtlCol="0">
-            <a:spAutoFit/>
-          </a:bodyPr>
-          <a:lstStyle/>
-          <a:p>
-            <a:r>
-              <a:rPr lang="en-US" sz="3200" b="1" dirty="0" smtClean="0"/>
-              <a:t>Y</a:t>
-            </a:r>
-            <a:endParaRPr lang="en-US" sz="3200" b="1" dirty="0"/>
-          </a:p>
-        </p:txBody>
-      </p:sp>
-      <p:sp>
-        <p:nvSpPr>
-          <p:cNvPr id="55" name="TextBox 54"/>
-          <p:cNvSpPr txBox="1"/>
-          <p:nvPr/>
-        </p:nvSpPr>
-        <p:spPr>
-          <a:xfrm>
-            <a:off x="3240867" y="4811315"/>
-            <a:ext cx="484448" cy="584775"/>
-          </a:xfrm>
-          <a:prstGeom prst="rect">
-            <a:avLst/>
-          </a:prstGeom>
-          <a:noFill/>
-        </p:spPr>
-        <p:txBody>
-          <a:bodyPr wrap="square" rtlCol="0">
-            <a:spAutoFit/>
-          </a:bodyPr>
-          <a:lstStyle/>
-          <a:p>
-            <a:r>
-              <a:rPr lang="en-US" sz="3200" b="1" dirty="0" smtClean="0"/>
-              <a:t>Y</a:t>
-            </a:r>
-            <a:endParaRPr lang="en-US" sz="3200" b="1" dirty="0"/>
-          </a:p>
-        </p:txBody>
-      </p:sp>
-      <p:cxnSp>
-        <p:nvCxnSpPr>
-          <p:cNvPr id="56" name="Straight Arrow Connector 55"/>
-          <p:cNvCxnSpPr/>
-          <p:nvPr/>
-        </p:nvCxnSpPr>
-        <p:spPr>
-          <a:xfrm flipH="1">
-            <a:off x="3780474" y="5350806"/>
-            <a:ext cx="5696006" cy="45285"/>
-          </a:xfrm>
-          <a:prstGeom prst="straightConnector1">
-            <a:avLst/>
-          </a:prstGeom>
-          <a:ln w="57150">
-            <a:solidFill>
-              <a:schemeClr val="tx1"/>
-            </a:solidFill>
-            <a:tailEnd type="triangle"/>
-          </a:ln>
-        </p:spPr>
-        <p:style>
-          <a:lnRef idx="1">
-            <a:schemeClr val="accent1"/>
-          </a:lnRef>
-          <a:fillRef idx="0">
-            <a:schemeClr val="accent1"/>
-          </a:fillRef>
-          <a:effectRef idx="0">
-            <a:schemeClr val="accent1"/>
-          </a:effectRef>
-          <a:fontRef idx="minor">
-            <a:schemeClr val="tx1"/>
-          </a:fontRef>
-        </p:style>
-      </p:cxnSp>
-      <p:cxnSp>
-        <p:nvCxnSpPr>
-          <p:cNvPr id="57" name="Straight Arrow Connector 56"/>
-          <p:cNvCxnSpPr/>
-          <p:nvPr/>
-        </p:nvCxnSpPr>
-        <p:spPr>
-          <a:xfrm flipV="1">
-            <a:off x="3771125" y="4724683"/>
-            <a:ext cx="9349" cy="671407"/>
-          </a:xfrm>
-          <a:prstGeom prst="straightConnector1">
-            <a:avLst/>
-          </a:prstGeom>
-          <a:ln w="57150">
-            <a:solidFill>
-              <a:schemeClr val="tx1"/>
-            </a:solidFill>
-            <a:tailEnd type="triangle"/>
-          </a:ln>
-        </p:spPr>
-        <p:style>
-          <a:lnRef idx="1">
-            <a:schemeClr val="accent1"/>
-          </a:lnRef>
-          <a:fillRef idx="0">
-            <a:schemeClr val="accent1"/>
-          </a:fillRef>
-          <a:effectRef idx="0">
-            <a:schemeClr val="accent1"/>
-          </a:effectRef>
-          <a:fontRef idx="minor">
-            <a:schemeClr val="tx1"/>
-          </a:fontRef>
-        </p:style>
-      </p:cxnSp>
-      <mc:AlternateContent xmlns:mc="http://schemas.openxmlformats.org/markup-compatibility/2006">
-        <mc:Choice xmlns:a14="http://schemas.microsoft.com/office/drawing/2010/main" Requires="a14">
-          <p:sp>
-            <p:nvSpPr>
-              <p:cNvPr id="58" name="Rounded Rectangle 57"/>
-              <p:cNvSpPr/>
-              <p:nvPr/>
-            </p:nvSpPr>
-            <p:spPr>
-              <a:xfrm>
-                <a:off x="6250488" y="4002528"/>
-                <a:ext cx="1115708" cy="975394"/>
-              </a:xfrm>
-              <a:prstGeom prst="roundRect">
-                <a:avLst/>
-              </a:prstGeom>
-              <a:ln w="57150">
-                <a:solidFill>
-                  <a:schemeClr val="tx1"/>
-                </a:solidFill>
-              </a:ln>
-            </p:spPr>
-            <p:style>
-              <a:lnRef idx="2">
-                <a:schemeClr val="accent6"/>
-              </a:lnRef>
-              <a:fillRef idx="1">
-                <a:schemeClr val="lt1"/>
-              </a:fillRef>
-              <a:effectRef idx="0">
-                <a:schemeClr val="accent6"/>
-              </a:effectRef>
-              <a:fontRef idx="minor">
-                <a:schemeClr val="dk1"/>
-              </a:fontRef>
-            </p:style>
-            <p:txBody>
-              <a:bodyPr rtlCol="0" anchor="ctr"/>
-              <a:lstStyle/>
-              <a:p>
-                <a:pPr algn="ctr"/>
-                <a14:m>
-                  <m:oMathPara xmlns:m="http://schemas.openxmlformats.org/officeDocument/2006/math">
-                    <m:oMathParaPr>
-                      <m:jc m:val="centerGroup"/>
-                    </m:oMathParaPr>
-                    <m:oMath xmlns:m="http://schemas.openxmlformats.org/officeDocument/2006/math">
-                      <m:f>
-                        <m:fPr>
-                          <m:ctrlPr>
-                            <a:rPr lang="en-US" sz="2400" b="1" i="1" smtClean="0">
-                              <a:latin typeface="Cambria Math" panose="02040503050406030204" pitchFamily="18" charset="0"/>
-                            </a:rPr>
-                          </m:ctrlPr>
-                        </m:fPr>
-                        <m:num>
-                          <m:r>
-                            <a:rPr lang="el-GR" sz="2400" b="1" i="1" smtClean="0">
-                              <a:latin typeface="Cambria Math" panose="02040503050406030204" pitchFamily="18" charset="0"/>
-                              <a:ea typeface="Cambria Math" panose="02040503050406030204" pitchFamily="18" charset="0"/>
-                            </a:rPr>
-                            <m:t>∅</m:t>
-                          </m:r>
-                        </m:num>
-                        <m:den>
-                          <m:r>
-                            <a:rPr lang="en-US" sz="2400" b="1" i="1" smtClean="0">
-                              <a:latin typeface="Cambria Math" panose="02040503050406030204" pitchFamily="18" charset="0"/>
-                            </a:rPr>
-                            <m:t> </m:t>
-                          </m:r>
-                          <m:sSub>
-                            <m:sSubPr>
-                              <m:ctrlPr>
-                                <a:rPr lang="en-US" sz="2400" b="1" i="1" smtClean="0">
-                                  <a:latin typeface="Cambria Math" panose="02040503050406030204" pitchFamily="18" charset="0"/>
-                                </a:rPr>
-                              </m:ctrlPr>
-                            </m:sSubPr>
-                            <m:e>
-                              <m:r>
-                                <a:rPr lang="el-GR" sz="2400" b="1" i="1" smtClean="0">
-                                  <a:latin typeface="Cambria Math" panose="02040503050406030204" pitchFamily="18" charset="0"/>
-                                  <a:ea typeface="Cambria Math" panose="02040503050406030204" pitchFamily="18" charset="0"/>
-                                </a:rPr>
-                                <m:t>∅</m:t>
-                              </m:r>
-                            </m:e>
-                            <m:sub>
-                              <m:r>
-                                <a:rPr lang="en-US" sz="2400" b="1" i="1" smtClean="0">
-                                  <a:latin typeface="Cambria Math" panose="02040503050406030204" pitchFamily="18" charset="0"/>
-                                </a:rPr>
-                                <m:t>𝒓𝒆𝒒</m:t>
-                              </m:r>
-                            </m:sub>
-                          </m:sSub>
-                        </m:den>
-                      </m:f>
-                    </m:oMath>
-                  </m:oMathPara>
-                </a14:m>
-                <a:endParaRPr lang="en-US" sz="2400" b="1" dirty="0"/>
-              </a:p>
-            </p:txBody>
-          </p:sp>
-        </mc:Choice>
-        <mc:Fallback>
-          <p:sp>
-            <p:nvSpPr>
-              <p:cNvPr id="58" name="Rounded Rectangle 57"/>
-              <p:cNvSpPr>
-                <a:spLocks noRot="1" noChangeAspect="1" noMove="1" noResize="1" noEditPoints="1" noAdjustHandles="1" noChangeArrowheads="1" noChangeShapeType="1" noTextEdit="1"/>
-              </p:cNvSpPr>
-              <p:nvPr/>
-            </p:nvSpPr>
-            <p:spPr>
-              <a:xfrm>
-                <a:off x="6250488" y="4002528"/>
-                <a:ext cx="1115708" cy="975394"/>
-              </a:xfrm>
-              <a:prstGeom prst="roundRect">
-                <a:avLst/>
-              </a:prstGeom>
-              <a:blipFill rotWithShape="0">
-                <a:blip r:embed="rId7"/>
-                <a:stretch>
-                  <a:fillRect/>
-                </a:stretch>
-              </a:blipFill>
-              <a:ln w="57150">
-                <a:solidFill>
-                  <a:schemeClr val="tx1"/>
-                </a:solidFill>
-              </a:ln>
-            </p:spPr>
-            <p:txBody>
-              <a:bodyPr/>
-              <a:lstStyle/>
-              <a:p>
-                <a:r>
-                  <a:rPr lang="en-US">
-                    <a:noFill/>
-                  </a:rPr>
-                  <a:t> </a:t>
-                </a:r>
-              </a:p>
-            </p:txBody>
-          </p:sp>
-        </mc:Fallback>
-      </mc:AlternateContent>
-      <p:cxnSp>
-        <p:nvCxnSpPr>
-          <p:cNvPr id="59" name="Straight Arrow Connector 58"/>
-          <p:cNvCxnSpPr/>
-          <p:nvPr/>
-        </p:nvCxnSpPr>
-        <p:spPr>
-          <a:xfrm flipV="1">
-            <a:off x="7345903" y="4466033"/>
-            <a:ext cx="823738" cy="1"/>
-          </a:xfrm>
-          <a:prstGeom prst="straightConnector1">
-            <a:avLst/>
-          </a:prstGeom>
-          <a:ln w="57150">
-            <a:solidFill>
-              <a:schemeClr val="tx1"/>
-            </a:solidFill>
-            <a:tailEnd type="triangle"/>
-          </a:ln>
-        </p:spPr>
-        <p:style>
-          <a:lnRef idx="1">
-            <a:schemeClr val="accent1"/>
-          </a:lnRef>
-          <a:fillRef idx="0">
-            <a:schemeClr val="accent1"/>
-          </a:fillRef>
-          <a:effectRef idx="0">
-            <a:schemeClr val="accent1"/>
-          </a:effectRef>
-          <a:fontRef idx="minor">
-            <a:schemeClr val="tx1"/>
-          </a:fontRef>
-        </p:style>
-      </p:cxnSp>
-      <p:sp>
-        <p:nvSpPr>
-          <p:cNvPr id="60" name="TextBox 59"/>
-          <p:cNvSpPr txBox="1"/>
-          <p:nvPr/>
-        </p:nvSpPr>
-        <p:spPr>
-          <a:xfrm>
-            <a:off x="7527360" y="4008788"/>
-            <a:ext cx="388248" cy="461665"/>
-          </a:xfrm>
-          <a:prstGeom prst="rect">
-            <a:avLst/>
-          </a:prstGeom>
-          <a:noFill/>
-        </p:spPr>
-        <p:txBody>
-          <a:bodyPr wrap="none" rtlCol="0">
-            <a:spAutoFit/>
-          </a:bodyPr>
-          <a:lstStyle/>
-          <a:p>
-            <a:r>
-              <a:rPr lang="el-GR" sz="2400" dirty="0" smtClean="0"/>
-              <a:t>φ</a:t>
-            </a:r>
-            <a:endParaRPr lang="en-US" sz="2400" dirty="0"/>
-          </a:p>
-        </p:txBody>
-      </p:sp>
     </p:spTree>
     <p:extLst>
       <p:ext uri="{BB962C8B-B14F-4D97-AF65-F5344CB8AC3E}">
         <p14:creationId xmlns:p14="http://schemas.microsoft.com/office/powerpoint/2010/main" val="2586930293"/>
-      </p:ext>
-    </p:extLst>
-  </p:cSld>
-  <p:clrMapOvr>
-    <a:masterClrMapping/>
-  </p:clrMapOvr>
-</p:sld>
-</file>
-
-<file path=ppt/slides/slide7.xml><?xml version="1.0" encoding="utf-8"?>
-<p:sld xmlns:a="http://schemas.openxmlformats.org/drawingml/2006/main" xmlns:r="http://schemas.openxmlformats.org/officeDocument/2006/relationships" xmlns:p="http://schemas.openxmlformats.org/presentationml/2006/main">
-  <p:cSld>
-    <p:spTree>
-      <p:nvGrpSpPr>
-        <p:cNvPr id="1" name=""/>
-        <p:cNvGrpSpPr/>
-        <p:nvPr/>
-      </p:nvGrpSpPr>
-      <p:grpSpPr>
-        <a:xfrm>
-          <a:off x="0" y="0"/>
-          <a:ext cx="0" cy="0"/>
-          <a:chOff x="0" y="0"/>
-          <a:chExt cx="0" cy="0"/>
-        </a:xfrm>
-      </p:grpSpPr>
-      <p:pic>
-        <p:nvPicPr>
-          <p:cNvPr id="4" name="Picture 3"/>
-          <p:cNvPicPr>
-            <a:picLocks noChangeAspect="1"/>
-          </p:cNvPicPr>
-          <p:nvPr/>
-        </p:nvPicPr>
-        <p:blipFill>
-          <a:blip r:embed="rId2"/>
-          <a:stretch>
-            <a:fillRect/>
-          </a:stretch>
-        </p:blipFill>
-        <p:spPr>
-          <a:xfrm>
-            <a:off x="192997" y="1473958"/>
-            <a:ext cx="11379920" cy="3425588"/>
-          </a:xfrm>
-          <a:prstGeom prst="rect">
-            <a:avLst/>
-          </a:prstGeom>
-        </p:spPr>
-      </p:pic>
-      <p:sp>
-        <p:nvSpPr>
-          <p:cNvPr id="5" name="Oval 4"/>
-          <p:cNvSpPr/>
-          <p:nvPr/>
-        </p:nvSpPr>
-        <p:spPr>
-          <a:xfrm>
-            <a:off x="4926842" y="1992574"/>
-            <a:ext cx="4449170" cy="1760560"/>
-          </a:xfrm>
-          <a:prstGeom prst="ellipse">
-            <a:avLst/>
-          </a:prstGeom>
-          <a:noFill/>
-          <a:ln w="38100">
-            <a:solidFill>
-              <a:srgbClr val="FF0000"/>
-            </a:solidFill>
-          </a:ln>
-        </p:spPr>
-        <p:style>
-          <a:lnRef idx="2">
-            <a:schemeClr val="accent6"/>
-          </a:lnRef>
-          <a:fillRef idx="1">
-            <a:schemeClr val="lt1"/>
-          </a:fillRef>
-          <a:effectRef idx="0">
-            <a:schemeClr val="accent6"/>
-          </a:effectRef>
-          <a:fontRef idx="minor">
-            <a:schemeClr val="dk1"/>
-          </a:fontRef>
-        </p:style>
-        <p:txBody>
-          <a:bodyPr rtlCol="0" anchor="ctr"/>
-          <a:lstStyle/>
-          <a:p>
-            <a:pPr algn="ctr"/>
-            <a:endParaRPr lang="en-US"/>
-          </a:p>
-        </p:txBody>
-      </p:sp>
-    </p:spTree>
-    <p:extLst>
-      <p:ext uri="{BB962C8B-B14F-4D97-AF65-F5344CB8AC3E}">
-        <p14:creationId xmlns:p14="http://schemas.microsoft.com/office/powerpoint/2010/main" val="2467570227"/>
-      </p:ext>
-    </p:extLst>
-  </p:cSld>
-  <p:clrMapOvr>
-    <a:masterClrMapping/>
-  </p:clrMapOvr>
-</p:sld>
-</file>
-
-<file path=ppt/slides/slide8.xml><?xml version="1.0" encoding="utf-8"?>
-<p:sld xmlns:a="http://schemas.openxmlformats.org/drawingml/2006/main" xmlns:r="http://schemas.openxmlformats.org/officeDocument/2006/relationships" xmlns:p="http://schemas.openxmlformats.org/presentationml/2006/main">
-  <p:cSld>
-    <p:spTree>
-      <p:nvGrpSpPr>
-        <p:cNvPr id="1" name=""/>
-        <p:cNvGrpSpPr/>
-        <p:nvPr/>
-      </p:nvGrpSpPr>
-      <p:grpSpPr>
-        <a:xfrm>
-          <a:off x="0" y="0"/>
-          <a:ext cx="0" cy="0"/>
-          <a:chOff x="0" y="0"/>
-          <a:chExt cx="0" cy="0"/>
-        </a:xfrm>
-      </p:grpSpPr>
-      <p:cxnSp>
-        <p:nvCxnSpPr>
-          <p:cNvPr id="4" name="Straight Arrow Connector 3"/>
-          <p:cNvCxnSpPr/>
-          <p:nvPr/>
-        </p:nvCxnSpPr>
-        <p:spPr>
-          <a:xfrm>
-            <a:off x="579333" y="1330429"/>
-            <a:ext cx="736979" cy="0"/>
-          </a:xfrm>
-          <a:prstGeom prst="straightConnector1">
-            <a:avLst/>
-          </a:prstGeom>
-          <a:ln w="57150">
-            <a:solidFill>
-              <a:schemeClr val="tx1"/>
-            </a:solidFill>
-            <a:tailEnd type="triangle"/>
-          </a:ln>
-        </p:spPr>
-        <p:style>
-          <a:lnRef idx="1">
-            <a:schemeClr val="accent1"/>
-          </a:lnRef>
-          <a:fillRef idx="0">
-            <a:schemeClr val="accent1"/>
-          </a:fillRef>
-          <a:effectRef idx="0">
-            <a:schemeClr val="accent1"/>
-          </a:effectRef>
-          <a:fontRef idx="minor">
-            <a:schemeClr val="tx1"/>
-          </a:fontRef>
-        </p:style>
-      </p:cxnSp>
-      <p:sp>
-        <p:nvSpPr>
-          <p:cNvPr id="8" name="TextBox 7"/>
-          <p:cNvSpPr txBox="1"/>
-          <p:nvPr/>
-        </p:nvSpPr>
-        <p:spPr>
-          <a:xfrm>
-            <a:off x="504762" y="852759"/>
-            <a:ext cx="881184" cy="369332"/>
-          </a:xfrm>
-          <a:prstGeom prst="rect">
-            <a:avLst/>
-          </a:prstGeom>
-          <a:noFill/>
-        </p:spPr>
-        <p:txBody>
-          <a:bodyPr wrap="square" rtlCol="0">
-            <a:spAutoFit/>
-          </a:bodyPr>
-          <a:lstStyle/>
-          <a:p>
-            <a:r>
-              <a:rPr lang="en-US" dirty="0" smtClean="0"/>
-              <a:t>X_req</a:t>
-            </a:r>
-            <a:endParaRPr lang="en-US" dirty="0"/>
-          </a:p>
-        </p:txBody>
-      </p:sp>
-      <p:sp>
-        <p:nvSpPr>
-          <p:cNvPr id="13" name="Flowchart: Summing Junction 12"/>
-          <p:cNvSpPr/>
-          <p:nvPr/>
-        </p:nvSpPr>
-        <p:spPr>
-          <a:xfrm>
-            <a:off x="1328565" y="1089135"/>
-            <a:ext cx="436729" cy="450377"/>
-          </a:xfrm>
-          <a:prstGeom prst="flowChartSummingJunction">
-            <a:avLst/>
-          </a:prstGeom>
-          <a:ln w="28575">
-            <a:solidFill>
-              <a:schemeClr val="tx1"/>
-            </a:solidFill>
-          </a:ln>
-        </p:spPr>
-        <p:style>
-          <a:lnRef idx="2">
-            <a:schemeClr val="accent6"/>
-          </a:lnRef>
-          <a:fillRef idx="1">
-            <a:schemeClr val="lt1"/>
-          </a:fillRef>
-          <a:effectRef idx="0">
-            <a:schemeClr val="accent6"/>
-          </a:effectRef>
-          <a:fontRef idx="minor">
-            <a:schemeClr val="dk1"/>
-          </a:fontRef>
-        </p:style>
-        <p:txBody>
-          <a:bodyPr rtlCol="0" anchor="ctr"/>
-          <a:lstStyle/>
-          <a:p>
-            <a:pPr algn="ctr"/>
-            <a:endParaRPr lang="en-US"/>
-          </a:p>
-        </p:txBody>
-      </p:sp>
-      <p:sp>
-        <p:nvSpPr>
-          <p:cNvPr id="14" name="Rectangle 13"/>
-          <p:cNvSpPr/>
-          <p:nvPr/>
-        </p:nvSpPr>
-        <p:spPr>
-          <a:xfrm>
-            <a:off x="2328394" y="1089135"/>
-            <a:ext cx="521405" cy="498144"/>
-          </a:xfrm>
-          <a:prstGeom prst="rect">
-            <a:avLst/>
-          </a:prstGeom>
-          <a:ln w="57150">
-            <a:solidFill>
-              <a:schemeClr val="tx1"/>
-            </a:solidFill>
-          </a:ln>
-        </p:spPr>
-        <p:style>
-          <a:lnRef idx="2">
-            <a:schemeClr val="accent6"/>
-          </a:lnRef>
-          <a:fillRef idx="1">
-            <a:schemeClr val="lt1"/>
-          </a:fillRef>
-          <a:effectRef idx="0">
-            <a:schemeClr val="accent6"/>
-          </a:effectRef>
-          <a:fontRef idx="minor">
-            <a:schemeClr val="dk1"/>
-          </a:fontRef>
-        </p:style>
-        <p:txBody>
-          <a:bodyPr rtlCol="0" anchor="ctr"/>
-          <a:lstStyle/>
-          <a:p>
-            <a:pPr algn="ctr"/>
-            <a:r>
-              <a:rPr lang="en-US" sz="2400" dirty="0" smtClean="0"/>
-              <a:t>P</a:t>
-            </a:r>
-            <a:endParaRPr lang="en-US" sz="2400" dirty="0"/>
-          </a:p>
-        </p:txBody>
-      </p:sp>
-      <p:cxnSp>
-        <p:nvCxnSpPr>
-          <p:cNvPr id="15" name="Straight Arrow Connector 14"/>
-          <p:cNvCxnSpPr/>
-          <p:nvPr/>
-        </p:nvCxnSpPr>
-        <p:spPr>
-          <a:xfrm>
-            <a:off x="2862616" y="1338207"/>
-            <a:ext cx="1218065" cy="0"/>
-          </a:xfrm>
-          <a:prstGeom prst="straightConnector1">
-            <a:avLst/>
-          </a:prstGeom>
-          <a:ln w="57150">
-            <a:solidFill>
-              <a:schemeClr val="tx1"/>
-            </a:solidFill>
-            <a:tailEnd type="triangle"/>
-          </a:ln>
-        </p:spPr>
-        <p:style>
-          <a:lnRef idx="1">
-            <a:schemeClr val="accent1"/>
-          </a:lnRef>
-          <a:fillRef idx="0">
-            <a:schemeClr val="accent1"/>
-          </a:fillRef>
-          <a:effectRef idx="0">
-            <a:schemeClr val="accent1"/>
-          </a:effectRef>
-          <a:fontRef idx="minor">
-            <a:schemeClr val="tx1"/>
-          </a:fontRef>
-        </p:style>
-      </p:cxnSp>
-      <p:cxnSp>
-        <p:nvCxnSpPr>
-          <p:cNvPr id="16" name="Straight Arrow Connector 15"/>
-          <p:cNvCxnSpPr>
-            <a:endCxn id="14" idx="1"/>
-          </p:cNvCxnSpPr>
-          <p:nvPr/>
-        </p:nvCxnSpPr>
-        <p:spPr>
-          <a:xfrm>
-            <a:off x="1765294" y="1330429"/>
-            <a:ext cx="563100" cy="7778"/>
-          </a:xfrm>
-          <a:prstGeom prst="straightConnector1">
-            <a:avLst/>
-          </a:prstGeom>
-          <a:ln w="57150">
-            <a:solidFill>
-              <a:schemeClr val="tx1"/>
-            </a:solidFill>
-            <a:tailEnd type="triangle"/>
-          </a:ln>
-        </p:spPr>
-        <p:style>
-          <a:lnRef idx="1">
-            <a:schemeClr val="accent1"/>
-          </a:lnRef>
-          <a:fillRef idx="0">
-            <a:schemeClr val="accent1"/>
-          </a:fillRef>
-          <a:effectRef idx="0">
-            <a:schemeClr val="accent1"/>
-          </a:effectRef>
-          <a:fontRef idx="minor">
-            <a:schemeClr val="tx1"/>
-          </a:fontRef>
-        </p:style>
-      </p:cxnSp>
-      <p:cxnSp>
-        <p:nvCxnSpPr>
-          <p:cNvPr id="18" name="Straight Arrow Connector 17"/>
-          <p:cNvCxnSpPr/>
-          <p:nvPr/>
-        </p:nvCxnSpPr>
-        <p:spPr>
-          <a:xfrm flipV="1">
-            <a:off x="1546929" y="1539513"/>
-            <a:ext cx="4674" cy="425765"/>
-          </a:xfrm>
-          <a:prstGeom prst="straightConnector1">
-            <a:avLst/>
-          </a:prstGeom>
-          <a:ln w="57150">
-            <a:solidFill>
-              <a:schemeClr val="tx1"/>
-            </a:solidFill>
-            <a:tailEnd type="triangle"/>
-          </a:ln>
-        </p:spPr>
-        <p:style>
-          <a:lnRef idx="1">
-            <a:schemeClr val="accent1"/>
-          </a:lnRef>
-          <a:fillRef idx="0">
-            <a:schemeClr val="accent1"/>
-          </a:fillRef>
-          <a:effectRef idx="0">
-            <a:schemeClr val="accent1"/>
-          </a:effectRef>
-          <a:fontRef idx="minor">
-            <a:schemeClr val="tx1"/>
-          </a:fontRef>
-        </p:style>
-      </p:cxnSp>
-      <p:sp>
-        <p:nvSpPr>
-          <p:cNvPr id="20" name="TextBox 19"/>
-          <p:cNvSpPr txBox="1"/>
-          <p:nvPr/>
-        </p:nvSpPr>
-        <p:spPr>
-          <a:xfrm>
-            <a:off x="504762" y="1893205"/>
-            <a:ext cx="1392277" cy="369332"/>
-          </a:xfrm>
-          <a:prstGeom prst="rect">
-            <a:avLst/>
-          </a:prstGeom>
-          <a:noFill/>
-        </p:spPr>
-        <p:txBody>
-          <a:bodyPr wrap="square" rtlCol="0">
-            <a:spAutoFit/>
-          </a:bodyPr>
-          <a:lstStyle/>
-          <a:p>
-            <a:r>
-              <a:rPr lang="en-US" dirty="0" smtClean="0"/>
-              <a:t>X_estimated</a:t>
-            </a:r>
-            <a:endParaRPr lang="en-US" dirty="0"/>
-          </a:p>
-        </p:txBody>
-      </p:sp>
-      <p:sp>
-        <p:nvSpPr>
-          <p:cNvPr id="22" name="TextBox 21"/>
-          <p:cNvSpPr txBox="1"/>
-          <p:nvPr/>
-        </p:nvSpPr>
-        <p:spPr>
-          <a:xfrm>
-            <a:off x="2876161" y="934723"/>
-            <a:ext cx="1068042" cy="369332"/>
-          </a:xfrm>
-          <a:prstGeom prst="rect">
-            <a:avLst/>
-          </a:prstGeom>
-          <a:noFill/>
-        </p:spPr>
-        <p:txBody>
-          <a:bodyPr wrap="square" rtlCol="0">
-            <a:spAutoFit/>
-          </a:bodyPr>
-          <a:lstStyle/>
-          <a:p>
-            <a:r>
-              <a:rPr lang="en-US" dirty="0" smtClean="0"/>
-              <a:t>V_x_req</a:t>
-            </a:r>
-            <a:endParaRPr lang="en-US" dirty="0"/>
-          </a:p>
-        </p:txBody>
-      </p:sp>
-      <p:sp>
-        <p:nvSpPr>
-          <p:cNvPr id="24" name="Flowchart: Summing Junction 23"/>
-          <p:cNvSpPr/>
-          <p:nvPr/>
-        </p:nvSpPr>
-        <p:spPr>
-          <a:xfrm>
-            <a:off x="4074110" y="1128313"/>
-            <a:ext cx="436729" cy="450377"/>
-          </a:xfrm>
-          <a:prstGeom prst="flowChartSummingJunction">
-            <a:avLst/>
-          </a:prstGeom>
-          <a:ln w="28575">
-            <a:solidFill>
-              <a:schemeClr val="tx1"/>
-            </a:solidFill>
-          </a:ln>
-        </p:spPr>
-        <p:style>
-          <a:lnRef idx="2">
-            <a:schemeClr val="accent6"/>
-          </a:lnRef>
-          <a:fillRef idx="1">
-            <a:schemeClr val="lt1"/>
-          </a:fillRef>
-          <a:effectRef idx="0">
-            <a:schemeClr val="accent6"/>
-          </a:effectRef>
-          <a:fontRef idx="minor">
-            <a:schemeClr val="dk1"/>
-          </a:fontRef>
-        </p:style>
-        <p:txBody>
-          <a:bodyPr rtlCol="0" anchor="ctr"/>
-          <a:lstStyle/>
-          <a:p>
-            <a:pPr algn="ctr"/>
-            <a:endParaRPr lang="en-US"/>
-          </a:p>
-        </p:txBody>
-      </p:sp>
-      <p:sp>
-        <p:nvSpPr>
-          <p:cNvPr id="25" name="Rectangle 24"/>
-          <p:cNvSpPr/>
-          <p:nvPr/>
-        </p:nvSpPr>
-        <p:spPr>
-          <a:xfrm>
-            <a:off x="5168514" y="1089135"/>
-            <a:ext cx="581455" cy="545910"/>
-          </a:xfrm>
-          <a:prstGeom prst="rect">
-            <a:avLst/>
-          </a:prstGeom>
-          <a:ln w="57150">
-            <a:solidFill>
-              <a:schemeClr val="tx1"/>
-            </a:solidFill>
-          </a:ln>
-        </p:spPr>
-        <p:style>
-          <a:lnRef idx="2">
-            <a:schemeClr val="accent6"/>
-          </a:lnRef>
-          <a:fillRef idx="1">
-            <a:schemeClr val="lt1"/>
-          </a:fillRef>
-          <a:effectRef idx="0">
-            <a:schemeClr val="accent6"/>
-          </a:effectRef>
-          <a:fontRef idx="minor">
-            <a:schemeClr val="dk1"/>
-          </a:fontRef>
-        </p:style>
-        <p:txBody>
-          <a:bodyPr rtlCol="0" anchor="ctr"/>
-          <a:lstStyle/>
-          <a:p>
-            <a:pPr algn="ctr"/>
-            <a:r>
-              <a:rPr lang="en-US" sz="2400" dirty="0" smtClean="0"/>
-              <a:t>PI</a:t>
-            </a:r>
-            <a:endParaRPr lang="en-US" sz="2400" dirty="0"/>
-          </a:p>
-        </p:txBody>
-      </p:sp>
-      <p:cxnSp>
-        <p:nvCxnSpPr>
-          <p:cNvPr id="29" name="Straight Arrow Connector 28"/>
-          <p:cNvCxnSpPr>
-            <a:stCxn id="24" idx="6"/>
-          </p:cNvCxnSpPr>
-          <p:nvPr/>
-        </p:nvCxnSpPr>
-        <p:spPr>
-          <a:xfrm>
-            <a:off x="4510839" y="1353502"/>
-            <a:ext cx="623967" cy="0"/>
-          </a:xfrm>
-          <a:prstGeom prst="straightConnector1">
-            <a:avLst/>
-          </a:prstGeom>
-          <a:ln w="57150">
-            <a:solidFill>
-              <a:schemeClr val="tx1"/>
-            </a:solidFill>
-            <a:tailEnd type="triangle"/>
-          </a:ln>
-        </p:spPr>
-        <p:style>
-          <a:lnRef idx="1">
-            <a:schemeClr val="accent1"/>
-          </a:lnRef>
-          <a:fillRef idx="0">
-            <a:schemeClr val="accent1"/>
-          </a:fillRef>
-          <a:effectRef idx="0">
-            <a:schemeClr val="accent1"/>
-          </a:effectRef>
-          <a:fontRef idx="minor">
-            <a:schemeClr val="tx1"/>
-          </a:fontRef>
-        </p:style>
-      </p:cxnSp>
-      <p:sp>
-        <p:nvSpPr>
-          <p:cNvPr id="30" name="Rectangle 29"/>
-          <p:cNvSpPr/>
-          <p:nvPr/>
-        </p:nvSpPr>
-        <p:spPr>
-          <a:xfrm>
-            <a:off x="5168514" y="1893205"/>
-            <a:ext cx="581455" cy="549744"/>
-          </a:xfrm>
-          <a:prstGeom prst="rect">
-            <a:avLst/>
-          </a:prstGeom>
-          <a:ln w="57150">
-            <a:solidFill>
-              <a:schemeClr val="tx1"/>
-            </a:solidFill>
-          </a:ln>
-        </p:spPr>
-        <p:style>
-          <a:lnRef idx="2">
-            <a:schemeClr val="accent6"/>
-          </a:lnRef>
-          <a:fillRef idx="1">
-            <a:schemeClr val="lt1"/>
-          </a:fillRef>
-          <a:effectRef idx="0">
-            <a:schemeClr val="accent6"/>
-          </a:effectRef>
-          <a:fontRef idx="minor">
-            <a:schemeClr val="dk1"/>
-          </a:fontRef>
-        </p:style>
-        <p:txBody>
-          <a:bodyPr rtlCol="0" anchor="ctr"/>
-          <a:lstStyle/>
-          <a:p>
-            <a:pPr algn="ctr"/>
-            <a:r>
-              <a:rPr lang="en-US" sz="2400" dirty="0" smtClean="0"/>
-              <a:t>D</a:t>
-            </a:r>
-            <a:endParaRPr lang="en-US" sz="2400" dirty="0"/>
-          </a:p>
-        </p:txBody>
-      </p:sp>
-      <p:cxnSp>
-        <p:nvCxnSpPr>
-          <p:cNvPr id="32" name="Straight Arrow Connector 31"/>
-          <p:cNvCxnSpPr/>
-          <p:nvPr/>
-        </p:nvCxnSpPr>
-        <p:spPr>
-          <a:xfrm>
-            <a:off x="4575535" y="2157613"/>
-            <a:ext cx="563100" cy="7778"/>
-          </a:xfrm>
-          <a:prstGeom prst="straightConnector1">
-            <a:avLst/>
-          </a:prstGeom>
-          <a:ln w="57150">
-            <a:solidFill>
-              <a:schemeClr val="tx1"/>
-            </a:solidFill>
-            <a:tailEnd type="triangle"/>
-          </a:ln>
-        </p:spPr>
-        <p:style>
-          <a:lnRef idx="1">
-            <a:schemeClr val="accent1"/>
-          </a:lnRef>
-          <a:fillRef idx="0">
-            <a:schemeClr val="accent1"/>
-          </a:fillRef>
-          <a:effectRef idx="0">
-            <a:schemeClr val="accent1"/>
-          </a:effectRef>
-          <a:fontRef idx="minor">
-            <a:schemeClr val="tx1"/>
-          </a:fontRef>
-        </p:style>
-      </p:cxnSp>
-      <p:sp>
-        <p:nvSpPr>
-          <p:cNvPr id="33" name="TextBox 32"/>
-          <p:cNvSpPr txBox="1"/>
-          <p:nvPr/>
-        </p:nvSpPr>
-        <p:spPr>
-          <a:xfrm>
-            <a:off x="3012741" y="1980725"/>
-            <a:ext cx="1571633" cy="369332"/>
-          </a:xfrm>
-          <a:prstGeom prst="rect">
-            <a:avLst/>
-          </a:prstGeom>
-          <a:noFill/>
-        </p:spPr>
-        <p:txBody>
-          <a:bodyPr wrap="square" rtlCol="0">
-            <a:spAutoFit/>
-          </a:bodyPr>
-          <a:lstStyle/>
-          <a:p>
-            <a:r>
-              <a:rPr lang="en-US" dirty="0" smtClean="0"/>
-              <a:t>V_x_estimated</a:t>
-            </a:r>
-            <a:endParaRPr lang="en-US" dirty="0"/>
-          </a:p>
-        </p:txBody>
-      </p:sp>
-      <p:cxnSp>
-        <p:nvCxnSpPr>
-          <p:cNvPr id="34" name="Straight Arrow Connector 33"/>
-          <p:cNvCxnSpPr/>
-          <p:nvPr/>
-        </p:nvCxnSpPr>
-        <p:spPr>
-          <a:xfrm flipV="1">
-            <a:off x="4290137" y="1566825"/>
-            <a:ext cx="4674" cy="425765"/>
-          </a:xfrm>
-          <a:prstGeom prst="straightConnector1">
-            <a:avLst/>
-          </a:prstGeom>
-          <a:ln w="57150">
-            <a:solidFill>
-              <a:schemeClr val="tx1"/>
-            </a:solidFill>
-            <a:tailEnd type="triangle"/>
-          </a:ln>
-        </p:spPr>
-        <p:style>
-          <a:lnRef idx="1">
-            <a:schemeClr val="accent1"/>
-          </a:lnRef>
-          <a:fillRef idx="0">
-            <a:schemeClr val="accent1"/>
-          </a:fillRef>
-          <a:effectRef idx="0">
-            <a:schemeClr val="accent1"/>
-          </a:effectRef>
-          <a:fontRef idx="minor">
-            <a:schemeClr val="tx1"/>
-          </a:fontRef>
-        </p:style>
-      </p:cxnSp>
-      <p:cxnSp>
-        <p:nvCxnSpPr>
-          <p:cNvPr id="35" name="Straight Arrow Connector 34"/>
-          <p:cNvCxnSpPr/>
-          <p:nvPr/>
-        </p:nvCxnSpPr>
-        <p:spPr>
-          <a:xfrm>
-            <a:off x="5749969" y="1378111"/>
-            <a:ext cx="623967" cy="0"/>
-          </a:xfrm>
-          <a:prstGeom prst="straightConnector1">
-            <a:avLst/>
-          </a:prstGeom>
-          <a:ln w="57150">
-            <a:solidFill>
-              <a:schemeClr val="tx1"/>
-            </a:solidFill>
-            <a:tailEnd type="triangle"/>
-          </a:ln>
-        </p:spPr>
-        <p:style>
-          <a:lnRef idx="1">
-            <a:schemeClr val="accent1"/>
-          </a:lnRef>
-          <a:fillRef idx="0">
-            <a:schemeClr val="accent1"/>
-          </a:fillRef>
-          <a:effectRef idx="0">
-            <a:schemeClr val="accent1"/>
-          </a:effectRef>
-          <a:fontRef idx="minor">
-            <a:schemeClr val="tx1"/>
-          </a:fontRef>
-        </p:style>
-      </p:cxnSp>
-      <p:sp>
-        <p:nvSpPr>
-          <p:cNvPr id="36" name="Flowchart: Summing Junction 35"/>
-          <p:cNvSpPr/>
-          <p:nvPr/>
-        </p:nvSpPr>
-        <p:spPr>
-          <a:xfrm>
-            <a:off x="6357123" y="1184355"/>
-            <a:ext cx="436729" cy="450377"/>
-          </a:xfrm>
-          <a:prstGeom prst="flowChartSummingJunction">
-            <a:avLst/>
-          </a:prstGeom>
-          <a:ln w="28575">
-            <a:solidFill>
-              <a:schemeClr val="tx1"/>
-            </a:solidFill>
-          </a:ln>
-        </p:spPr>
-        <p:style>
-          <a:lnRef idx="2">
-            <a:schemeClr val="accent6"/>
-          </a:lnRef>
-          <a:fillRef idx="1">
-            <a:schemeClr val="lt1"/>
-          </a:fillRef>
-          <a:effectRef idx="0">
-            <a:schemeClr val="accent6"/>
-          </a:effectRef>
-          <a:fontRef idx="minor">
-            <a:schemeClr val="dk1"/>
-          </a:fontRef>
-        </p:style>
-        <p:txBody>
-          <a:bodyPr rtlCol="0" anchor="ctr"/>
-          <a:lstStyle/>
-          <a:p>
-            <a:pPr algn="ctr"/>
-            <a:endParaRPr lang="en-US"/>
-          </a:p>
-        </p:txBody>
-      </p:sp>
-      <p:sp>
-        <p:nvSpPr>
-          <p:cNvPr id="37" name="TextBox 36"/>
-          <p:cNvSpPr txBox="1"/>
-          <p:nvPr/>
-        </p:nvSpPr>
-        <p:spPr>
-          <a:xfrm>
-            <a:off x="6407644" y="1256487"/>
-            <a:ext cx="881184" cy="523220"/>
-          </a:xfrm>
-          <a:prstGeom prst="rect">
-            <a:avLst/>
-          </a:prstGeom>
-          <a:noFill/>
-        </p:spPr>
-        <p:txBody>
-          <a:bodyPr wrap="square" rtlCol="0">
-            <a:spAutoFit/>
-          </a:bodyPr>
-          <a:lstStyle/>
-          <a:p>
-            <a:r>
-              <a:rPr lang="en-US" sz="2800" b="1" dirty="0" smtClean="0"/>
-              <a:t>-</a:t>
-            </a:r>
-            <a:endParaRPr lang="en-US" b="1" dirty="0"/>
-          </a:p>
-        </p:txBody>
-      </p:sp>
-      <p:cxnSp>
-        <p:nvCxnSpPr>
-          <p:cNvPr id="39" name="Straight Arrow Connector 38"/>
-          <p:cNvCxnSpPr>
-            <a:stCxn id="30" idx="3"/>
-          </p:cNvCxnSpPr>
-          <p:nvPr/>
-        </p:nvCxnSpPr>
-        <p:spPr>
-          <a:xfrm flipV="1">
-            <a:off x="5749969" y="1634732"/>
-            <a:ext cx="787309" cy="533345"/>
-          </a:xfrm>
-          <a:prstGeom prst="straightConnector1">
-            <a:avLst/>
-          </a:prstGeom>
-          <a:ln w="57150">
-            <a:solidFill>
-              <a:schemeClr val="tx1"/>
-            </a:solidFill>
-            <a:tailEnd type="triangle"/>
-          </a:ln>
-        </p:spPr>
-        <p:style>
-          <a:lnRef idx="1">
-            <a:schemeClr val="accent1"/>
-          </a:lnRef>
-          <a:fillRef idx="0">
-            <a:schemeClr val="accent1"/>
-          </a:fillRef>
-          <a:effectRef idx="0">
-            <a:schemeClr val="accent1"/>
-          </a:effectRef>
-          <a:fontRef idx="minor">
-            <a:schemeClr val="tx1"/>
-          </a:fontRef>
-        </p:style>
-      </p:cxnSp>
-      <p:cxnSp>
-        <p:nvCxnSpPr>
-          <p:cNvPr id="40" name="Straight Arrow Connector 39"/>
-          <p:cNvCxnSpPr/>
-          <p:nvPr/>
-        </p:nvCxnSpPr>
-        <p:spPr>
-          <a:xfrm>
-            <a:off x="6793852" y="1378837"/>
-            <a:ext cx="1935990" cy="1491571"/>
-          </a:xfrm>
-          <a:prstGeom prst="straightConnector1">
-            <a:avLst/>
-          </a:prstGeom>
-          <a:ln w="57150">
-            <a:solidFill>
-              <a:schemeClr val="tx1"/>
-            </a:solidFill>
-            <a:tailEnd type="triangle"/>
-          </a:ln>
-        </p:spPr>
-        <p:style>
-          <a:lnRef idx="1">
-            <a:schemeClr val="accent1"/>
-          </a:lnRef>
-          <a:fillRef idx="0">
-            <a:schemeClr val="accent1"/>
-          </a:fillRef>
-          <a:effectRef idx="0">
-            <a:schemeClr val="accent1"/>
-          </a:effectRef>
-          <a:fontRef idx="minor">
-            <a:schemeClr val="tx1"/>
-          </a:fontRef>
-        </p:style>
-      </p:cxnSp>
-      <p:sp>
-        <p:nvSpPr>
-          <p:cNvPr id="41" name="TextBox 40"/>
-          <p:cNvSpPr txBox="1"/>
-          <p:nvPr/>
-        </p:nvSpPr>
-        <p:spPr>
-          <a:xfrm>
-            <a:off x="6848236" y="832061"/>
-            <a:ext cx="2047108" cy="369332"/>
-          </a:xfrm>
-          <a:prstGeom prst="rect">
-            <a:avLst/>
-          </a:prstGeom>
-          <a:noFill/>
-        </p:spPr>
-        <p:txBody>
-          <a:bodyPr wrap="square" rtlCol="0">
-            <a:spAutoFit/>
-          </a:bodyPr>
-          <a:lstStyle/>
-          <a:p>
-            <a:r>
-              <a:rPr lang="en-US" dirty="0" smtClean="0"/>
-              <a:t>Accel_x_req</a:t>
-            </a:r>
-            <a:endParaRPr lang="en-US" dirty="0"/>
-          </a:p>
-        </p:txBody>
-      </p:sp>
-      <p:cxnSp>
-        <p:nvCxnSpPr>
-          <p:cNvPr id="42" name="Straight Arrow Connector 41"/>
-          <p:cNvCxnSpPr/>
-          <p:nvPr/>
-        </p:nvCxnSpPr>
-        <p:spPr>
-          <a:xfrm>
-            <a:off x="579333" y="3228109"/>
-            <a:ext cx="736979" cy="0"/>
-          </a:xfrm>
-          <a:prstGeom prst="straightConnector1">
-            <a:avLst/>
-          </a:prstGeom>
-          <a:ln w="57150">
-            <a:solidFill>
-              <a:schemeClr val="tx1"/>
-            </a:solidFill>
-            <a:tailEnd type="triangle"/>
-          </a:ln>
-        </p:spPr>
-        <p:style>
-          <a:lnRef idx="1">
-            <a:schemeClr val="accent1"/>
-          </a:lnRef>
-          <a:fillRef idx="0">
-            <a:schemeClr val="accent1"/>
-          </a:fillRef>
-          <a:effectRef idx="0">
-            <a:schemeClr val="accent1"/>
-          </a:effectRef>
-          <a:fontRef idx="minor">
-            <a:schemeClr val="tx1"/>
-          </a:fontRef>
-        </p:style>
-      </p:cxnSp>
-      <p:sp>
-        <p:nvSpPr>
-          <p:cNvPr id="43" name="TextBox 42"/>
-          <p:cNvSpPr txBox="1"/>
-          <p:nvPr/>
-        </p:nvSpPr>
-        <p:spPr>
-          <a:xfrm>
-            <a:off x="504762" y="2750439"/>
-            <a:ext cx="881184" cy="369332"/>
-          </a:xfrm>
-          <a:prstGeom prst="rect">
-            <a:avLst/>
-          </a:prstGeom>
-          <a:noFill/>
-        </p:spPr>
-        <p:txBody>
-          <a:bodyPr wrap="square" rtlCol="0">
-            <a:spAutoFit/>
-          </a:bodyPr>
-          <a:lstStyle/>
-          <a:p>
-            <a:r>
-              <a:rPr lang="en-US" dirty="0" smtClean="0"/>
-              <a:t>Y_req</a:t>
-            </a:r>
-            <a:endParaRPr lang="en-US" dirty="0"/>
-          </a:p>
-        </p:txBody>
-      </p:sp>
-      <p:sp>
-        <p:nvSpPr>
-          <p:cNvPr id="44" name="Flowchart: Summing Junction 43"/>
-          <p:cNvSpPr/>
-          <p:nvPr/>
-        </p:nvSpPr>
-        <p:spPr>
-          <a:xfrm>
-            <a:off x="1328565" y="2986815"/>
-            <a:ext cx="436729" cy="450377"/>
-          </a:xfrm>
-          <a:prstGeom prst="flowChartSummingJunction">
-            <a:avLst/>
-          </a:prstGeom>
-          <a:ln w="28575">
-            <a:solidFill>
-              <a:schemeClr val="tx1"/>
-            </a:solidFill>
-          </a:ln>
-        </p:spPr>
-        <p:style>
-          <a:lnRef idx="2">
-            <a:schemeClr val="accent6"/>
-          </a:lnRef>
-          <a:fillRef idx="1">
-            <a:schemeClr val="lt1"/>
-          </a:fillRef>
-          <a:effectRef idx="0">
-            <a:schemeClr val="accent6"/>
-          </a:effectRef>
-          <a:fontRef idx="minor">
-            <a:schemeClr val="dk1"/>
-          </a:fontRef>
-        </p:style>
-        <p:txBody>
-          <a:bodyPr rtlCol="0" anchor="ctr"/>
-          <a:lstStyle/>
-          <a:p>
-            <a:pPr algn="ctr"/>
-            <a:endParaRPr lang="en-US"/>
-          </a:p>
-        </p:txBody>
-      </p:sp>
-      <p:sp>
-        <p:nvSpPr>
-          <p:cNvPr id="45" name="Rectangle 44"/>
-          <p:cNvSpPr/>
-          <p:nvPr/>
-        </p:nvSpPr>
-        <p:spPr>
-          <a:xfrm>
-            <a:off x="2328394" y="2986815"/>
-            <a:ext cx="521405" cy="498144"/>
-          </a:xfrm>
-          <a:prstGeom prst="rect">
-            <a:avLst/>
-          </a:prstGeom>
-          <a:ln w="57150">
-            <a:solidFill>
-              <a:schemeClr val="tx1"/>
-            </a:solidFill>
-          </a:ln>
-        </p:spPr>
-        <p:style>
-          <a:lnRef idx="2">
-            <a:schemeClr val="accent6"/>
-          </a:lnRef>
-          <a:fillRef idx="1">
-            <a:schemeClr val="lt1"/>
-          </a:fillRef>
-          <a:effectRef idx="0">
-            <a:schemeClr val="accent6"/>
-          </a:effectRef>
-          <a:fontRef idx="minor">
-            <a:schemeClr val="dk1"/>
-          </a:fontRef>
-        </p:style>
-        <p:txBody>
-          <a:bodyPr rtlCol="0" anchor="ctr"/>
-          <a:lstStyle/>
-          <a:p>
-            <a:pPr algn="ctr"/>
-            <a:r>
-              <a:rPr lang="en-US" sz="2400" dirty="0" smtClean="0"/>
-              <a:t>P</a:t>
-            </a:r>
-            <a:endParaRPr lang="en-US" sz="2400" dirty="0"/>
-          </a:p>
-        </p:txBody>
-      </p:sp>
-      <p:cxnSp>
-        <p:nvCxnSpPr>
-          <p:cNvPr id="46" name="Straight Arrow Connector 45"/>
-          <p:cNvCxnSpPr/>
-          <p:nvPr/>
-        </p:nvCxnSpPr>
-        <p:spPr>
-          <a:xfrm>
-            <a:off x="2862616" y="3235887"/>
-            <a:ext cx="1218065" cy="0"/>
-          </a:xfrm>
-          <a:prstGeom prst="straightConnector1">
-            <a:avLst/>
-          </a:prstGeom>
-          <a:ln w="57150">
-            <a:solidFill>
-              <a:schemeClr val="tx1"/>
-            </a:solidFill>
-            <a:tailEnd type="triangle"/>
-          </a:ln>
-        </p:spPr>
-        <p:style>
-          <a:lnRef idx="1">
-            <a:schemeClr val="accent1"/>
-          </a:lnRef>
-          <a:fillRef idx="0">
-            <a:schemeClr val="accent1"/>
-          </a:fillRef>
-          <a:effectRef idx="0">
-            <a:schemeClr val="accent1"/>
-          </a:effectRef>
-          <a:fontRef idx="minor">
-            <a:schemeClr val="tx1"/>
-          </a:fontRef>
-        </p:style>
-      </p:cxnSp>
-      <p:cxnSp>
-        <p:nvCxnSpPr>
-          <p:cNvPr id="47" name="Straight Arrow Connector 46"/>
-          <p:cNvCxnSpPr>
-            <a:endCxn id="45" idx="1"/>
-          </p:cNvCxnSpPr>
-          <p:nvPr/>
-        </p:nvCxnSpPr>
-        <p:spPr>
-          <a:xfrm>
-            <a:off x="1765294" y="3228109"/>
-            <a:ext cx="563100" cy="7778"/>
-          </a:xfrm>
-          <a:prstGeom prst="straightConnector1">
-            <a:avLst/>
-          </a:prstGeom>
-          <a:ln w="57150">
-            <a:solidFill>
-              <a:schemeClr val="tx1"/>
-            </a:solidFill>
-            <a:tailEnd type="triangle"/>
-          </a:ln>
-        </p:spPr>
-        <p:style>
-          <a:lnRef idx="1">
-            <a:schemeClr val="accent1"/>
-          </a:lnRef>
-          <a:fillRef idx="0">
-            <a:schemeClr val="accent1"/>
-          </a:fillRef>
-          <a:effectRef idx="0">
-            <a:schemeClr val="accent1"/>
-          </a:effectRef>
-          <a:fontRef idx="minor">
-            <a:schemeClr val="tx1"/>
-          </a:fontRef>
-        </p:style>
-      </p:cxnSp>
-      <p:cxnSp>
-        <p:nvCxnSpPr>
-          <p:cNvPr id="48" name="Straight Arrow Connector 47"/>
-          <p:cNvCxnSpPr/>
-          <p:nvPr/>
-        </p:nvCxnSpPr>
-        <p:spPr>
-          <a:xfrm flipV="1">
-            <a:off x="1546929" y="3437193"/>
-            <a:ext cx="4674" cy="425765"/>
-          </a:xfrm>
-          <a:prstGeom prst="straightConnector1">
-            <a:avLst/>
-          </a:prstGeom>
-          <a:ln w="57150">
-            <a:solidFill>
-              <a:schemeClr val="tx1"/>
-            </a:solidFill>
-            <a:tailEnd type="triangle"/>
-          </a:ln>
-        </p:spPr>
-        <p:style>
-          <a:lnRef idx="1">
-            <a:schemeClr val="accent1"/>
-          </a:lnRef>
-          <a:fillRef idx="0">
-            <a:schemeClr val="accent1"/>
-          </a:fillRef>
-          <a:effectRef idx="0">
-            <a:schemeClr val="accent1"/>
-          </a:effectRef>
-          <a:fontRef idx="minor">
-            <a:schemeClr val="tx1"/>
-          </a:fontRef>
-        </p:style>
-      </p:cxnSp>
-      <p:sp>
-        <p:nvSpPr>
-          <p:cNvPr id="49" name="TextBox 48"/>
-          <p:cNvSpPr txBox="1"/>
-          <p:nvPr/>
-        </p:nvSpPr>
-        <p:spPr>
-          <a:xfrm>
-            <a:off x="504762" y="3790885"/>
-            <a:ext cx="1392277" cy="369332"/>
-          </a:xfrm>
-          <a:prstGeom prst="rect">
-            <a:avLst/>
-          </a:prstGeom>
-          <a:noFill/>
-        </p:spPr>
-        <p:txBody>
-          <a:bodyPr wrap="square" rtlCol="0">
-            <a:spAutoFit/>
-          </a:bodyPr>
-          <a:lstStyle/>
-          <a:p>
-            <a:r>
-              <a:rPr lang="en-US" dirty="0"/>
-              <a:t>Y</a:t>
-            </a:r>
-            <a:r>
-              <a:rPr lang="en-US" dirty="0" smtClean="0"/>
-              <a:t>_estimated</a:t>
-            </a:r>
-            <a:endParaRPr lang="en-US" dirty="0"/>
-          </a:p>
-        </p:txBody>
-      </p:sp>
-      <p:sp>
-        <p:nvSpPr>
-          <p:cNvPr id="50" name="TextBox 49"/>
-          <p:cNvSpPr txBox="1"/>
-          <p:nvPr/>
-        </p:nvSpPr>
-        <p:spPr>
-          <a:xfrm>
-            <a:off x="2876161" y="2832403"/>
-            <a:ext cx="1068042" cy="369332"/>
-          </a:xfrm>
-          <a:prstGeom prst="rect">
-            <a:avLst/>
-          </a:prstGeom>
-          <a:noFill/>
-        </p:spPr>
-        <p:txBody>
-          <a:bodyPr wrap="square" rtlCol="0">
-            <a:spAutoFit/>
-          </a:bodyPr>
-          <a:lstStyle/>
-          <a:p>
-            <a:r>
-              <a:rPr lang="en-US" dirty="0" smtClean="0"/>
-              <a:t>V_y_req</a:t>
-            </a:r>
-            <a:endParaRPr lang="en-US" dirty="0"/>
-          </a:p>
-        </p:txBody>
-      </p:sp>
-      <p:sp>
-        <p:nvSpPr>
-          <p:cNvPr id="51" name="Flowchart: Summing Junction 50"/>
-          <p:cNvSpPr/>
-          <p:nvPr/>
-        </p:nvSpPr>
-        <p:spPr>
-          <a:xfrm>
-            <a:off x="4074110" y="3025993"/>
-            <a:ext cx="436729" cy="450377"/>
-          </a:xfrm>
-          <a:prstGeom prst="flowChartSummingJunction">
-            <a:avLst/>
-          </a:prstGeom>
-          <a:ln w="28575">
-            <a:solidFill>
-              <a:schemeClr val="tx1"/>
-            </a:solidFill>
-          </a:ln>
-        </p:spPr>
-        <p:style>
-          <a:lnRef idx="2">
-            <a:schemeClr val="accent6"/>
-          </a:lnRef>
-          <a:fillRef idx="1">
-            <a:schemeClr val="lt1"/>
-          </a:fillRef>
-          <a:effectRef idx="0">
-            <a:schemeClr val="accent6"/>
-          </a:effectRef>
-          <a:fontRef idx="minor">
-            <a:schemeClr val="dk1"/>
-          </a:fontRef>
-        </p:style>
-        <p:txBody>
-          <a:bodyPr rtlCol="0" anchor="ctr"/>
-          <a:lstStyle/>
-          <a:p>
-            <a:pPr algn="ctr"/>
-            <a:endParaRPr lang="en-US"/>
-          </a:p>
-        </p:txBody>
-      </p:sp>
-      <p:sp>
-        <p:nvSpPr>
-          <p:cNvPr id="52" name="Rectangle 51"/>
-          <p:cNvSpPr/>
-          <p:nvPr/>
-        </p:nvSpPr>
-        <p:spPr>
-          <a:xfrm>
-            <a:off x="5168514" y="2986815"/>
-            <a:ext cx="581455" cy="545910"/>
-          </a:xfrm>
-          <a:prstGeom prst="rect">
-            <a:avLst/>
-          </a:prstGeom>
-          <a:ln w="57150">
-            <a:solidFill>
-              <a:schemeClr val="tx1"/>
-            </a:solidFill>
-          </a:ln>
-        </p:spPr>
-        <p:style>
-          <a:lnRef idx="2">
-            <a:schemeClr val="accent6"/>
-          </a:lnRef>
-          <a:fillRef idx="1">
-            <a:schemeClr val="lt1"/>
-          </a:fillRef>
-          <a:effectRef idx="0">
-            <a:schemeClr val="accent6"/>
-          </a:effectRef>
-          <a:fontRef idx="minor">
-            <a:schemeClr val="dk1"/>
-          </a:fontRef>
-        </p:style>
-        <p:txBody>
-          <a:bodyPr rtlCol="0" anchor="ctr"/>
-          <a:lstStyle/>
-          <a:p>
-            <a:pPr algn="ctr"/>
-            <a:r>
-              <a:rPr lang="en-US" sz="2400" dirty="0" smtClean="0"/>
-              <a:t>PI</a:t>
-            </a:r>
-            <a:endParaRPr lang="en-US" sz="2400" dirty="0"/>
-          </a:p>
-        </p:txBody>
-      </p:sp>
-      <p:cxnSp>
-        <p:nvCxnSpPr>
-          <p:cNvPr id="53" name="Straight Arrow Connector 52"/>
-          <p:cNvCxnSpPr/>
-          <p:nvPr/>
-        </p:nvCxnSpPr>
-        <p:spPr>
-          <a:xfrm>
-            <a:off x="9782896" y="2643176"/>
-            <a:ext cx="623967" cy="0"/>
-          </a:xfrm>
-          <a:prstGeom prst="straightConnector1">
-            <a:avLst/>
-          </a:prstGeom>
-          <a:ln w="57150">
-            <a:solidFill>
-              <a:schemeClr val="tx1"/>
-            </a:solidFill>
-            <a:tailEnd type="triangle"/>
-          </a:ln>
-        </p:spPr>
-        <p:style>
-          <a:lnRef idx="1">
-            <a:schemeClr val="accent1"/>
-          </a:lnRef>
-          <a:fillRef idx="0">
-            <a:schemeClr val="accent1"/>
-          </a:fillRef>
-          <a:effectRef idx="0">
-            <a:schemeClr val="accent1"/>
-          </a:effectRef>
-          <a:fontRef idx="minor">
-            <a:schemeClr val="tx1"/>
-          </a:fontRef>
-        </p:style>
-      </p:cxnSp>
-      <p:sp>
-        <p:nvSpPr>
-          <p:cNvPr id="54" name="Rectangle 53"/>
-          <p:cNvSpPr/>
-          <p:nvPr/>
-        </p:nvSpPr>
-        <p:spPr>
-          <a:xfrm>
-            <a:off x="5168514" y="3790885"/>
-            <a:ext cx="581455" cy="549744"/>
-          </a:xfrm>
-          <a:prstGeom prst="rect">
-            <a:avLst/>
-          </a:prstGeom>
-          <a:ln w="57150">
-            <a:solidFill>
-              <a:schemeClr val="tx1"/>
-            </a:solidFill>
-          </a:ln>
-        </p:spPr>
-        <p:style>
-          <a:lnRef idx="2">
-            <a:schemeClr val="accent6"/>
-          </a:lnRef>
-          <a:fillRef idx="1">
-            <a:schemeClr val="lt1"/>
-          </a:fillRef>
-          <a:effectRef idx="0">
-            <a:schemeClr val="accent6"/>
-          </a:effectRef>
-          <a:fontRef idx="minor">
-            <a:schemeClr val="dk1"/>
-          </a:fontRef>
-        </p:style>
-        <p:txBody>
-          <a:bodyPr rtlCol="0" anchor="ctr"/>
-          <a:lstStyle/>
-          <a:p>
-            <a:pPr algn="ctr"/>
-            <a:r>
-              <a:rPr lang="en-US" sz="2400" dirty="0" smtClean="0"/>
-              <a:t>D</a:t>
-            </a:r>
-            <a:endParaRPr lang="en-US" sz="2400" dirty="0"/>
-          </a:p>
-        </p:txBody>
-      </p:sp>
-      <p:cxnSp>
-        <p:nvCxnSpPr>
-          <p:cNvPr id="55" name="Straight Arrow Connector 54"/>
-          <p:cNvCxnSpPr/>
-          <p:nvPr/>
-        </p:nvCxnSpPr>
-        <p:spPr>
-          <a:xfrm>
-            <a:off x="4575535" y="4055293"/>
-            <a:ext cx="563100" cy="7778"/>
-          </a:xfrm>
-          <a:prstGeom prst="straightConnector1">
-            <a:avLst/>
-          </a:prstGeom>
-          <a:ln w="57150">
-            <a:solidFill>
-              <a:schemeClr val="tx1"/>
-            </a:solidFill>
-            <a:tailEnd type="triangle"/>
-          </a:ln>
-        </p:spPr>
-        <p:style>
-          <a:lnRef idx="1">
-            <a:schemeClr val="accent1"/>
-          </a:lnRef>
-          <a:fillRef idx="0">
-            <a:schemeClr val="accent1"/>
-          </a:fillRef>
-          <a:effectRef idx="0">
-            <a:schemeClr val="accent1"/>
-          </a:effectRef>
-          <a:fontRef idx="minor">
-            <a:schemeClr val="tx1"/>
-          </a:fontRef>
-        </p:style>
-      </p:cxnSp>
-      <p:sp>
-        <p:nvSpPr>
-          <p:cNvPr id="56" name="TextBox 55"/>
-          <p:cNvSpPr txBox="1"/>
-          <p:nvPr/>
-        </p:nvSpPr>
-        <p:spPr>
-          <a:xfrm>
-            <a:off x="2876161" y="3878405"/>
-            <a:ext cx="1708213" cy="369332"/>
-          </a:xfrm>
-          <a:prstGeom prst="rect">
-            <a:avLst/>
-          </a:prstGeom>
-          <a:noFill/>
-        </p:spPr>
-        <p:txBody>
-          <a:bodyPr wrap="square" rtlCol="0">
-            <a:spAutoFit/>
-          </a:bodyPr>
-          <a:lstStyle/>
-          <a:p>
-            <a:r>
-              <a:rPr lang="en-US" dirty="0" smtClean="0"/>
-              <a:t>V_y_estimated</a:t>
-            </a:r>
-            <a:endParaRPr lang="en-US" dirty="0"/>
-          </a:p>
-        </p:txBody>
-      </p:sp>
-      <p:cxnSp>
-        <p:nvCxnSpPr>
-          <p:cNvPr id="57" name="Straight Arrow Connector 56"/>
-          <p:cNvCxnSpPr/>
-          <p:nvPr/>
-        </p:nvCxnSpPr>
-        <p:spPr>
-          <a:xfrm flipV="1">
-            <a:off x="4290137" y="3464505"/>
-            <a:ext cx="4674" cy="425765"/>
-          </a:xfrm>
-          <a:prstGeom prst="straightConnector1">
-            <a:avLst/>
-          </a:prstGeom>
-          <a:ln w="57150">
-            <a:solidFill>
-              <a:schemeClr val="tx1"/>
-            </a:solidFill>
-            <a:tailEnd type="triangle"/>
-          </a:ln>
-        </p:spPr>
-        <p:style>
-          <a:lnRef idx="1">
-            <a:schemeClr val="accent1"/>
-          </a:lnRef>
-          <a:fillRef idx="0">
-            <a:schemeClr val="accent1"/>
-          </a:fillRef>
-          <a:effectRef idx="0">
-            <a:schemeClr val="accent1"/>
-          </a:effectRef>
-          <a:fontRef idx="minor">
-            <a:schemeClr val="tx1"/>
-          </a:fontRef>
-        </p:style>
-      </p:cxnSp>
-      <p:cxnSp>
-        <p:nvCxnSpPr>
-          <p:cNvPr id="58" name="Straight Arrow Connector 57"/>
-          <p:cNvCxnSpPr/>
-          <p:nvPr/>
-        </p:nvCxnSpPr>
-        <p:spPr>
-          <a:xfrm>
-            <a:off x="5749969" y="3275791"/>
-            <a:ext cx="623967" cy="0"/>
-          </a:xfrm>
-          <a:prstGeom prst="straightConnector1">
-            <a:avLst/>
-          </a:prstGeom>
-          <a:ln w="57150">
-            <a:solidFill>
-              <a:schemeClr val="tx1"/>
-            </a:solidFill>
-            <a:tailEnd type="triangle"/>
-          </a:ln>
-        </p:spPr>
-        <p:style>
-          <a:lnRef idx="1">
-            <a:schemeClr val="accent1"/>
-          </a:lnRef>
-          <a:fillRef idx="0">
-            <a:schemeClr val="accent1"/>
-          </a:fillRef>
-          <a:effectRef idx="0">
-            <a:schemeClr val="accent1"/>
-          </a:effectRef>
-          <a:fontRef idx="minor">
-            <a:schemeClr val="tx1"/>
-          </a:fontRef>
-        </p:style>
-      </p:cxnSp>
-      <p:sp>
-        <p:nvSpPr>
-          <p:cNvPr id="59" name="Flowchart: Summing Junction 58"/>
-          <p:cNvSpPr/>
-          <p:nvPr/>
-        </p:nvSpPr>
-        <p:spPr>
-          <a:xfrm>
-            <a:off x="6357123" y="3082035"/>
-            <a:ext cx="436729" cy="450377"/>
-          </a:xfrm>
-          <a:prstGeom prst="flowChartSummingJunction">
-            <a:avLst/>
-          </a:prstGeom>
-          <a:ln w="28575">
-            <a:solidFill>
-              <a:schemeClr val="tx1"/>
-            </a:solidFill>
-          </a:ln>
-        </p:spPr>
-        <p:style>
-          <a:lnRef idx="2">
-            <a:schemeClr val="accent6"/>
-          </a:lnRef>
-          <a:fillRef idx="1">
-            <a:schemeClr val="lt1"/>
-          </a:fillRef>
-          <a:effectRef idx="0">
-            <a:schemeClr val="accent6"/>
-          </a:effectRef>
-          <a:fontRef idx="minor">
-            <a:schemeClr val="dk1"/>
-          </a:fontRef>
-        </p:style>
-        <p:txBody>
-          <a:bodyPr rtlCol="0" anchor="ctr"/>
-          <a:lstStyle/>
-          <a:p>
-            <a:pPr algn="ctr"/>
-            <a:endParaRPr lang="en-US"/>
-          </a:p>
-        </p:txBody>
-      </p:sp>
-      <p:sp>
-        <p:nvSpPr>
-          <p:cNvPr id="60" name="TextBox 59"/>
-          <p:cNvSpPr txBox="1"/>
-          <p:nvPr/>
-        </p:nvSpPr>
-        <p:spPr>
-          <a:xfrm>
-            <a:off x="6407644" y="3154167"/>
-            <a:ext cx="881184" cy="523220"/>
-          </a:xfrm>
-          <a:prstGeom prst="rect">
-            <a:avLst/>
-          </a:prstGeom>
-          <a:noFill/>
-        </p:spPr>
-        <p:txBody>
-          <a:bodyPr wrap="square" rtlCol="0">
-            <a:spAutoFit/>
-          </a:bodyPr>
-          <a:lstStyle/>
-          <a:p>
-            <a:r>
-              <a:rPr lang="en-US" sz="2800" b="1" dirty="0" smtClean="0"/>
-              <a:t>-</a:t>
-            </a:r>
-            <a:endParaRPr lang="en-US" b="1" dirty="0"/>
-          </a:p>
-        </p:txBody>
-      </p:sp>
-      <p:cxnSp>
-        <p:nvCxnSpPr>
-          <p:cNvPr id="61" name="Straight Arrow Connector 60"/>
-          <p:cNvCxnSpPr>
-            <a:stCxn id="54" idx="3"/>
-          </p:cNvCxnSpPr>
-          <p:nvPr/>
-        </p:nvCxnSpPr>
-        <p:spPr>
-          <a:xfrm flipV="1">
-            <a:off x="5749969" y="3532412"/>
-            <a:ext cx="787309" cy="533345"/>
-          </a:xfrm>
-          <a:prstGeom prst="straightConnector1">
-            <a:avLst/>
-          </a:prstGeom>
-          <a:ln w="57150">
-            <a:solidFill>
-              <a:schemeClr val="tx1"/>
-            </a:solidFill>
-            <a:tailEnd type="triangle"/>
-          </a:ln>
-        </p:spPr>
-        <p:style>
-          <a:lnRef idx="1">
-            <a:schemeClr val="accent1"/>
-          </a:lnRef>
-          <a:fillRef idx="0">
-            <a:schemeClr val="accent1"/>
-          </a:fillRef>
-          <a:effectRef idx="0">
-            <a:schemeClr val="accent1"/>
-          </a:effectRef>
-          <a:fontRef idx="minor">
-            <a:schemeClr val="tx1"/>
-          </a:fontRef>
-        </p:style>
-      </p:cxnSp>
-      <p:cxnSp>
-        <p:nvCxnSpPr>
-          <p:cNvPr id="62" name="Straight Arrow Connector 61"/>
-          <p:cNvCxnSpPr/>
-          <p:nvPr/>
-        </p:nvCxnSpPr>
-        <p:spPr>
-          <a:xfrm flipV="1">
-            <a:off x="6793852" y="3251181"/>
-            <a:ext cx="1817885" cy="25336"/>
-          </a:xfrm>
-          <a:prstGeom prst="straightConnector1">
-            <a:avLst/>
-          </a:prstGeom>
-          <a:ln w="57150">
-            <a:solidFill>
-              <a:schemeClr val="tx1"/>
-            </a:solidFill>
-            <a:tailEnd type="triangle"/>
-          </a:ln>
-        </p:spPr>
-        <p:style>
-          <a:lnRef idx="1">
-            <a:schemeClr val="accent1"/>
-          </a:lnRef>
-          <a:fillRef idx="0">
-            <a:schemeClr val="accent1"/>
-          </a:fillRef>
-          <a:effectRef idx="0">
-            <a:schemeClr val="accent1"/>
-          </a:effectRef>
-          <a:fontRef idx="minor">
-            <a:schemeClr val="tx1"/>
-          </a:fontRef>
-        </p:style>
-      </p:cxnSp>
-      <p:sp>
-        <p:nvSpPr>
-          <p:cNvPr id="63" name="TextBox 62"/>
-          <p:cNvSpPr txBox="1"/>
-          <p:nvPr/>
-        </p:nvSpPr>
-        <p:spPr>
-          <a:xfrm>
-            <a:off x="6853291" y="2765797"/>
-            <a:ext cx="2047108" cy="369332"/>
-          </a:xfrm>
-          <a:prstGeom prst="rect">
-            <a:avLst/>
-          </a:prstGeom>
-          <a:noFill/>
-        </p:spPr>
-        <p:txBody>
-          <a:bodyPr wrap="square" rtlCol="0">
-            <a:spAutoFit/>
-          </a:bodyPr>
-          <a:lstStyle/>
-          <a:p>
-            <a:r>
-              <a:rPr lang="en-US" dirty="0" smtClean="0"/>
-              <a:t>Accel_y_req</a:t>
-            </a:r>
-            <a:endParaRPr lang="en-US" dirty="0"/>
-          </a:p>
-        </p:txBody>
-      </p:sp>
-      <p:cxnSp>
-        <p:nvCxnSpPr>
-          <p:cNvPr id="64" name="Straight Arrow Connector 63"/>
-          <p:cNvCxnSpPr/>
-          <p:nvPr/>
-        </p:nvCxnSpPr>
-        <p:spPr>
-          <a:xfrm>
-            <a:off x="519894" y="5102438"/>
-            <a:ext cx="736979" cy="0"/>
-          </a:xfrm>
-          <a:prstGeom prst="straightConnector1">
-            <a:avLst/>
-          </a:prstGeom>
-          <a:ln w="57150">
-            <a:solidFill>
-              <a:schemeClr val="tx1"/>
-            </a:solidFill>
-            <a:tailEnd type="triangle"/>
-          </a:ln>
-        </p:spPr>
-        <p:style>
-          <a:lnRef idx="1">
-            <a:schemeClr val="accent1"/>
-          </a:lnRef>
-          <a:fillRef idx="0">
-            <a:schemeClr val="accent1"/>
-          </a:fillRef>
-          <a:effectRef idx="0">
-            <a:schemeClr val="accent1"/>
-          </a:effectRef>
-          <a:fontRef idx="minor">
-            <a:schemeClr val="tx1"/>
-          </a:fontRef>
-        </p:style>
-      </p:cxnSp>
-      <p:sp>
-        <p:nvSpPr>
-          <p:cNvPr id="65" name="TextBox 64"/>
-          <p:cNvSpPr txBox="1"/>
-          <p:nvPr/>
-        </p:nvSpPr>
-        <p:spPr>
-          <a:xfrm>
-            <a:off x="445323" y="4624768"/>
-            <a:ext cx="881184" cy="369332"/>
-          </a:xfrm>
-          <a:prstGeom prst="rect">
-            <a:avLst/>
-          </a:prstGeom>
-          <a:noFill/>
-        </p:spPr>
-        <p:txBody>
-          <a:bodyPr wrap="square" rtlCol="0">
-            <a:spAutoFit/>
-          </a:bodyPr>
-          <a:lstStyle/>
-          <a:p>
-            <a:r>
-              <a:rPr lang="en-US" dirty="0"/>
-              <a:t>Z</a:t>
-            </a:r>
-            <a:r>
-              <a:rPr lang="en-US" dirty="0" smtClean="0"/>
-              <a:t>_req</a:t>
-            </a:r>
-            <a:endParaRPr lang="en-US" dirty="0"/>
-          </a:p>
-        </p:txBody>
-      </p:sp>
-      <p:sp>
-        <p:nvSpPr>
-          <p:cNvPr id="66" name="Flowchart: Summing Junction 65"/>
-          <p:cNvSpPr/>
-          <p:nvPr/>
-        </p:nvSpPr>
-        <p:spPr>
-          <a:xfrm>
-            <a:off x="1269126" y="4861144"/>
-            <a:ext cx="436729" cy="450377"/>
-          </a:xfrm>
-          <a:prstGeom prst="flowChartSummingJunction">
-            <a:avLst/>
-          </a:prstGeom>
-          <a:ln w="28575">
-            <a:solidFill>
-              <a:schemeClr val="tx1"/>
-            </a:solidFill>
-          </a:ln>
-        </p:spPr>
-        <p:style>
-          <a:lnRef idx="2">
-            <a:schemeClr val="accent6"/>
-          </a:lnRef>
-          <a:fillRef idx="1">
-            <a:schemeClr val="lt1"/>
-          </a:fillRef>
-          <a:effectRef idx="0">
-            <a:schemeClr val="accent6"/>
-          </a:effectRef>
-          <a:fontRef idx="minor">
-            <a:schemeClr val="dk1"/>
-          </a:fontRef>
-        </p:style>
-        <p:txBody>
-          <a:bodyPr rtlCol="0" anchor="ctr"/>
-          <a:lstStyle/>
-          <a:p>
-            <a:pPr algn="ctr"/>
-            <a:endParaRPr lang="en-US"/>
-          </a:p>
-        </p:txBody>
-      </p:sp>
-      <p:sp>
-        <p:nvSpPr>
-          <p:cNvPr id="67" name="Rectangle 66"/>
-          <p:cNvSpPr/>
-          <p:nvPr/>
-        </p:nvSpPr>
-        <p:spPr>
-          <a:xfrm>
-            <a:off x="2268955" y="4861144"/>
-            <a:ext cx="521405" cy="498144"/>
-          </a:xfrm>
-          <a:prstGeom prst="rect">
-            <a:avLst/>
-          </a:prstGeom>
-          <a:ln w="57150">
-            <a:solidFill>
-              <a:schemeClr val="tx1"/>
-            </a:solidFill>
-          </a:ln>
-        </p:spPr>
-        <p:style>
-          <a:lnRef idx="2">
-            <a:schemeClr val="accent6"/>
-          </a:lnRef>
-          <a:fillRef idx="1">
-            <a:schemeClr val="lt1"/>
-          </a:fillRef>
-          <a:effectRef idx="0">
-            <a:schemeClr val="accent6"/>
-          </a:effectRef>
-          <a:fontRef idx="minor">
-            <a:schemeClr val="dk1"/>
-          </a:fontRef>
-        </p:style>
-        <p:txBody>
-          <a:bodyPr rtlCol="0" anchor="ctr"/>
-          <a:lstStyle/>
-          <a:p>
-            <a:pPr algn="ctr"/>
-            <a:r>
-              <a:rPr lang="en-US" sz="2400" dirty="0" smtClean="0"/>
-              <a:t>P</a:t>
-            </a:r>
-            <a:endParaRPr lang="en-US" sz="2400" dirty="0"/>
-          </a:p>
-        </p:txBody>
-      </p:sp>
-      <p:cxnSp>
-        <p:nvCxnSpPr>
-          <p:cNvPr id="68" name="Straight Arrow Connector 67"/>
-          <p:cNvCxnSpPr/>
-          <p:nvPr/>
-        </p:nvCxnSpPr>
-        <p:spPr>
-          <a:xfrm>
-            <a:off x="2803177" y="5110216"/>
-            <a:ext cx="1218065" cy="0"/>
-          </a:xfrm>
-          <a:prstGeom prst="straightConnector1">
-            <a:avLst/>
-          </a:prstGeom>
-          <a:ln w="57150">
-            <a:solidFill>
-              <a:schemeClr val="tx1"/>
-            </a:solidFill>
-            <a:tailEnd type="triangle"/>
-          </a:ln>
-        </p:spPr>
-        <p:style>
-          <a:lnRef idx="1">
-            <a:schemeClr val="accent1"/>
-          </a:lnRef>
-          <a:fillRef idx="0">
-            <a:schemeClr val="accent1"/>
-          </a:fillRef>
-          <a:effectRef idx="0">
-            <a:schemeClr val="accent1"/>
-          </a:effectRef>
-          <a:fontRef idx="minor">
-            <a:schemeClr val="tx1"/>
-          </a:fontRef>
-        </p:style>
-      </p:cxnSp>
-      <p:cxnSp>
-        <p:nvCxnSpPr>
-          <p:cNvPr id="69" name="Straight Arrow Connector 68"/>
-          <p:cNvCxnSpPr>
-            <a:endCxn id="67" idx="1"/>
-          </p:cNvCxnSpPr>
-          <p:nvPr/>
-        </p:nvCxnSpPr>
-        <p:spPr>
-          <a:xfrm>
-            <a:off x="1705855" y="5102438"/>
-            <a:ext cx="563100" cy="7778"/>
-          </a:xfrm>
-          <a:prstGeom prst="straightConnector1">
-            <a:avLst/>
-          </a:prstGeom>
-          <a:ln w="57150">
-            <a:solidFill>
-              <a:schemeClr val="tx1"/>
-            </a:solidFill>
-            <a:tailEnd type="triangle"/>
-          </a:ln>
-        </p:spPr>
-        <p:style>
-          <a:lnRef idx="1">
-            <a:schemeClr val="accent1"/>
-          </a:lnRef>
-          <a:fillRef idx="0">
-            <a:schemeClr val="accent1"/>
-          </a:fillRef>
-          <a:effectRef idx="0">
-            <a:schemeClr val="accent1"/>
-          </a:effectRef>
-          <a:fontRef idx="minor">
-            <a:schemeClr val="tx1"/>
-          </a:fontRef>
-        </p:style>
-      </p:cxnSp>
-      <p:cxnSp>
-        <p:nvCxnSpPr>
-          <p:cNvPr id="70" name="Straight Arrow Connector 69"/>
-          <p:cNvCxnSpPr/>
-          <p:nvPr/>
-        </p:nvCxnSpPr>
-        <p:spPr>
-          <a:xfrm flipV="1">
-            <a:off x="1487490" y="5311522"/>
-            <a:ext cx="4674" cy="425765"/>
-          </a:xfrm>
-          <a:prstGeom prst="straightConnector1">
-            <a:avLst/>
-          </a:prstGeom>
-          <a:ln w="57150">
-            <a:solidFill>
-              <a:schemeClr val="tx1"/>
-            </a:solidFill>
-            <a:tailEnd type="triangle"/>
-          </a:ln>
-        </p:spPr>
-        <p:style>
-          <a:lnRef idx="1">
-            <a:schemeClr val="accent1"/>
-          </a:lnRef>
-          <a:fillRef idx="0">
-            <a:schemeClr val="accent1"/>
-          </a:fillRef>
-          <a:effectRef idx="0">
-            <a:schemeClr val="accent1"/>
-          </a:effectRef>
-          <a:fontRef idx="minor">
-            <a:schemeClr val="tx1"/>
-          </a:fontRef>
-        </p:style>
-      </p:cxnSp>
-      <p:sp>
-        <p:nvSpPr>
-          <p:cNvPr id="71" name="TextBox 70"/>
-          <p:cNvSpPr txBox="1"/>
-          <p:nvPr/>
-        </p:nvSpPr>
-        <p:spPr>
-          <a:xfrm>
-            <a:off x="445323" y="5665214"/>
-            <a:ext cx="1392277" cy="369332"/>
-          </a:xfrm>
-          <a:prstGeom prst="rect">
-            <a:avLst/>
-          </a:prstGeom>
-          <a:noFill/>
-        </p:spPr>
-        <p:txBody>
-          <a:bodyPr wrap="square" rtlCol="0">
-            <a:spAutoFit/>
-          </a:bodyPr>
-          <a:lstStyle/>
-          <a:p>
-            <a:r>
-              <a:rPr lang="en-US" dirty="0" smtClean="0"/>
-              <a:t>Z_estimated</a:t>
-            </a:r>
-            <a:endParaRPr lang="en-US" dirty="0"/>
-          </a:p>
-        </p:txBody>
-      </p:sp>
-      <p:sp>
-        <p:nvSpPr>
-          <p:cNvPr id="72" name="TextBox 71"/>
-          <p:cNvSpPr txBox="1"/>
-          <p:nvPr/>
-        </p:nvSpPr>
-        <p:spPr>
-          <a:xfrm>
-            <a:off x="2816722" y="4706732"/>
-            <a:ext cx="1068042" cy="369332"/>
-          </a:xfrm>
-          <a:prstGeom prst="rect">
-            <a:avLst/>
-          </a:prstGeom>
-          <a:noFill/>
-        </p:spPr>
-        <p:txBody>
-          <a:bodyPr wrap="square" rtlCol="0">
-            <a:spAutoFit/>
-          </a:bodyPr>
-          <a:lstStyle/>
-          <a:p>
-            <a:r>
-              <a:rPr lang="en-US" dirty="0" smtClean="0"/>
-              <a:t>V_z_req</a:t>
-            </a:r>
-            <a:endParaRPr lang="en-US" dirty="0"/>
-          </a:p>
-        </p:txBody>
-      </p:sp>
-      <p:sp>
-        <p:nvSpPr>
-          <p:cNvPr id="73" name="Flowchart: Summing Junction 72"/>
-          <p:cNvSpPr/>
-          <p:nvPr/>
-        </p:nvSpPr>
-        <p:spPr>
-          <a:xfrm>
-            <a:off x="4014671" y="4900322"/>
-            <a:ext cx="436729" cy="450377"/>
-          </a:xfrm>
-          <a:prstGeom prst="flowChartSummingJunction">
-            <a:avLst/>
-          </a:prstGeom>
-          <a:ln w="28575">
-            <a:solidFill>
-              <a:schemeClr val="tx1"/>
-            </a:solidFill>
-          </a:ln>
-        </p:spPr>
-        <p:style>
-          <a:lnRef idx="2">
-            <a:schemeClr val="accent6"/>
-          </a:lnRef>
-          <a:fillRef idx="1">
-            <a:schemeClr val="lt1"/>
-          </a:fillRef>
-          <a:effectRef idx="0">
-            <a:schemeClr val="accent6"/>
-          </a:effectRef>
-          <a:fontRef idx="minor">
-            <a:schemeClr val="dk1"/>
-          </a:fontRef>
-        </p:style>
-        <p:txBody>
-          <a:bodyPr rtlCol="0" anchor="ctr"/>
-          <a:lstStyle/>
-          <a:p>
-            <a:pPr algn="ctr"/>
-            <a:endParaRPr lang="en-US"/>
-          </a:p>
-        </p:txBody>
-      </p:sp>
-      <p:sp>
-        <p:nvSpPr>
-          <p:cNvPr id="74" name="Rectangle 73"/>
-          <p:cNvSpPr/>
-          <p:nvPr/>
-        </p:nvSpPr>
-        <p:spPr>
-          <a:xfrm>
-            <a:off x="5109075" y="4861144"/>
-            <a:ext cx="581455" cy="545910"/>
-          </a:xfrm>
-          <a:prstGeom prst="rect">
-            <a:avLst/>
-          </a:prstGeom>
-          <a:ln w="57150">
-            <a:solidFill>
-              <a:schemeClr val="tx1"/>
-            </a:solidFill>
-          </a:ln>
-        </p:spPr>
-        <p:style>
-          <a:lnRef idx="2">
-            <a:schemeClr val="accent6"/>
-          </a:lnRef>
-          <a:fillRef idx="1">
-            <a:schemeClr val="lt1"/>
-          </a:fillRef>
-          <a:effectRef idx="0">
-            <a:schemeClr val="accent6"/>
-          </a:effectRef>
-          <a:fontRef idx="minor">
-            <a:schemeClr val="dk1"/>
-          </a:fontRef>
-        </p:style>
-        <p:txBody>
-          <a:bodyPr rtlCol="0" anchor="ctr"/>
-          <a:lstStyle/>
-          <a:p>
-            <a:pPr algn="ctr"/>
-            <a:r>
-              <a:rPr lang="en-US" sz="2400" dirty="0" smtClean="0"/>
-              <a:t>PI</a:t>
-            </a:r>
-            <a:endParaRPr lang="en-US" sz="2400" dirty="0"/>
-          </a:p>
-        </p:txBody>
-      </p:sp>
-      <p:cxnSp>
-        <p:nvCxnSpPr>
-          <p:cNvPr id="75" name="Straight Arrow Connector 74"/>
-          <p:cNvCxnSpPr>
-            <a:stCxn id="73" idx="6"/>
-          </p:cNvCxnSpPr>
-          <p:nvPr/>
-        </p:nvCxnSpPr>
-        <p:spPr>
-          <a:xfrm>
-            <a:off x="4451400" y="5125511"/>
-            <a:ext cx="623967" cy="0"/>
-          </a:xfrm>
-          <a:prstGeom prst="straightConnector1">
-            <a:avLst/>
-          </a:prstGeom>
-          <a:ln w="57150">
-            <a:solidFill>
-              <a:schemeClr val="tx1"/>
-            </a:solidFill>
-            <a:tailEnd type="triangle"/>
-          </a:ln>
-        </p:spPr>
-        <p:style>
-          <a:lnRef idx="1">
-            <a:schemeClr val="accent1"/>
-          </a:lnRef>
-          <a:fillRef idx="0">
-            <a:schemeClr val="accent1"/>
-          </a:fillRef>
-          <a:effectRef idx="0">
-            <a:schemeClr val="accent1"/>
-          </a:effectRef>
-          <a:fontRef idx="minor">
-            <a:schemeClr val="tx1"/>
-          </a:fontRef>
-        </p:style>
-      </p:cxnSp>
-      <p:sp>
-        <p:nvSpPr>
-          <p:cNvPr id="76" name="Rectangle 75"/>
-          <p:cNvSpPr/>
-          <p:nvPr/>
-        </p:nvSpPr>
-        <p:spPr>
-          <a:xfrm>
-            <a:off x="5109075" y="5665214"/>
-            <a:ext cx="581455" cy="549744"/>
-          </a:xfrm>
-          <a:prstGeom prst="rect">
-            <a:avLst/>
-          </a:prstGeom>
-          <a:ln w="57150">
-            <a:solidFill>
-              <a:schemeClr val="tx1"/>
-            </a:solidFill>
-          </a:ln>
-        </p:spPr>
-        <p:style>
-          <a:lnRef idx="2">
-            <a:schemeClr val="accent6"/>
-          </a:lnRef>
-          <a:fillRef idx="1">
-            <a:schemeClr val="lt1"/>
-          </a:fillRef>
-          <a:effectRef idx="0">
-            <a:schemeClr val="accent6"/>
-          </a:effectRef>
-          <a:fontRef idx="minor">
-            <a:schemeClr val="dk1"/>
-          </a:fontRef>
-        </p:style>
-        <p:txBody>
-          <a:bodyPr rtlCol="0" anchor="ctr"/>
-          <a:lstStyle/>
-          <a:p>
-            <a:pPr algn="ctr"/>
-            <a:r>
-              <a:rPr lang="en-US" sz="2400" dirty="0" smtClean="0"/>
-              <a:t>D</a:t>
-            </a:r>
-            <a:endParaRPr lang="en-US" sz="2400" dirty="0"/>
-          </a:p>
-        </p:txBody>
-      </p:sp>
-      <p:cxnSp>
-        <p:nvCxnSpPr>
-          <p:cNvPr id="77" name="Straight Arrow Connector 76"/>
-          <p:cNvCxnSpPr/>
-          <p:nvPr/>
-        </p:nvCxnSpPr>
-        <p:spPr>
-          <a:xfrm>
-            <a:off x="4516096" y="5929622"/>
-            <a:ext cx="563100" cy="7778"/>
-          </a:xfrm>
-          <a:prstGeom prst="straightConnector1">
-            <a:avLst/>
-          </a:prstGeom>
-          <a:ln w="57150">
-            <a:solidFill>
-              <a:schemeClr val="tx1"/>
-            </a:solidFill>
-            <a:tailEnd type="triangle"/>
-          </a:ln>
-        </p:spPr>
-        <p:style>
-          <a:lnRef idx="1">
-            <a:schemeClr val="accent1"/>
-          </a:lnRef>
-          <a:fillRef idx="0">
-            <a:schemeClr val="accent1"/>
-          </a:fillRef>
-          <a:effectRef idx="0">
-            <a:schemeClr val="accent1"/>
-          </a:effectRef>
-          <a:fontRef idx="minor">
-            <a:schemeClr val="tx1"/>
-          </a:fontRef>
-        </p:style>
-      </p:cxnSp>
-      <p:sp>
-        <p:nvSpPr>
-          <p:cNvPr id="78" name="TextBox 77"/>
-          <p:cNvSpPr txBox="1"/>
-          <p:nvPr/>
-        </p:nvSpPr>
-        <p:spPr>
-          <a:xfrm>
-            <a:off x="2816722" y="5752734"/>
-            <a:ext cx="1708213" cy="369332"/>
-          </a:xfrm>
-          <a:prstGeom prst="rect">
-            <a:avLst/>
-          </a:prstGeom>
-          <a:noFill/>
-        </p:spPr>
-        <p:txBody>
-          <a:bodyPr wrap="square" rtlCol="0">
-            <a:spAutoFit/>
-          </a:bodyPr>
-          <a:lstStyle/>
-          <a:p>
-            <a:r>
-              <a:rPr lang="en-US" dirty="0" smtClean="0"/>
-              <a:t>V_z_estimated</a:t>
-            </a:r>
-            <a:endParaRPr lang="en-US" dirty="0"/>
-          </a:p>
-        </p:txBody>
-      </p:sp>
-      <p:cxnSp>
-        <p:nvCxnSpPr>
-          <p:cNvPr id="79" name="Straight Arrow Connector 78"/>
-          <p:cNvCxnSpPr/>
-          <p:nvPr/>
-        </p:nvCxnSpPr>
-        <p:spPr>
-          <a:xfrm flipV="1">
-            <a:off x="4230698" y="5338834"/>
-            <a:ext cx="4674" cy="425765"/>
-          </a:xfrm>
-          <a:prstGeom prst="straightConnector1">
-            <a:avLst/>
-          </a:prstGeom>
-          <a:ln w="57150">
-            <a:solidFill>
-              <a:schemeClr val="tx1"/>
-            </a:solidFill>
-            <a:tailEnd type="triangle"/>
-          </a:ln>
-        </p:spPr>
-        <p:style>
-          <a:lnRef idx="1">
-            <a:schemeClr val="accent1"/>
-          </a:lnRef>
-          <a:fillRef idx="0">
-            <a:schemeClr val="accent1"/>
-          </a:fillRef>
-          <a:effectRef idx="0">
-            <a:schemeClr val="accent1"/>
-          </a:effectRef>
-          <a:fontRef idx="minor">
-            <a:schemeClr val="tx1"/>
-          </a:fontRef>
-        </p:style>
-      </p:cxnSp>
-      <p:cxnSp>
-        <p:nvCxnSpPr>
-          <p:cNvPr id="80" name="Straight Arrow Connector 79"/>
-          <p:cNvCxnSpPr/>
-          <p:nvPr/>
-        </p:nvCxnSpPr>
-        <p:spPr>
-          <a:xfrm>
-            <a:off x="5690530" y="5150120"/>
-            <a:ext cx="623967" cy="0"/>
-          </a:xfrm>
-          <a:prstGeom prst="straightConnector1">
-            <a:avLst/>
-          </a:prstGeom>
-          <a:ln w="57150">
-            <a:solidFill>
-              <a:schemeClr val="tx1"/>
-            </a:solidFill>
-            <a:tailEnd type="triangle"/>
-          </a:ln>
-        </p:spPr>
-        <p:style>
-          <a:lnRef idx="1">
-            <a:schemeClr val="accent1"/>
-          </a:lnRef>
-          <a:fillRef idx="0">
-            <a:schemeClr val="accent1"/>
-          </a:fillRef>
-          <a:effectRef idx="0">
-            <a:schemeClr val="accent1"/>
-          </a:effectRef>
-          <a:fontRef idx="minor">
-            <a:schemeClr val="tx1"/>
-          </a:fontRef>
-        </p:style>
-      </p:cxnSp>
-      <p:sp>
-        <p:nvSpPr>
-          <p:cNvPr id="81" name="Flowchart: Summing Junction 80"/>
-          <p:cNvSpPr/>
-          <p:nvPr/>
-        </p:nvSpPr>
-        <p:spPr>
-          <a:xfrm>
-            <a:off x="6297684" y="4956364"/>
-            <a:ext cx="436729" cy="450377"/>
-          </a:xfrm>
-          <a:prstGeom prst="flowChartSummingJunction">
-            <a:avLst/>
-          </a:prstGeom>
-          <a:ln w="28575">
-            <a:solidFill>
-              <a:schemeClr val="tx1"/>
-            </a:solidFill>
-          </a:ln>
-        </p:spPr>
-        <p:style>
-          <a:lnRef idx="2">
-            <a:schemeClr val="accent6"/>
-          </a:lnRef>
-          <a:fillRef idx="1">
-            <a:schemeClr val="lt1"/>
-          </a:fillRef>
-          <a:effectRef idx="0">
-            <a:schemeClr val="accent6"/>
-          </a:effectRef>
-          <a:fontRef idx="minor">
-            <a:schemeClr val="dk1"/>
-          </a:fontRef>
-        </p:style>
-        <p:txBody>
-          <a:bodyPr rtlCol="0" anchor="ctr"/>
-          <a:lstStyle/>
-          <a:p>
-            <a:pPr algn="ctr"/>
-            <a:endParaRPr lang="en-US"/>
-          </a:p>
-        </p:txBody>
-      </p:sp>
-      <p:sp>
-        <p:nvSpPr>
-          <p:cNvPr id="82" name="TextBox 81"/>
-          <p:cNvSpPr txBox="1"/>
-          <p:nvPr/>
-        </p:nvSpPr>
-        <p:spPr>
-          <a:xfrm>
-            <a:off x="6348205" y="5028496"/>
-            <a:ext cx="881184" cy="523220"/>
-          </a:xfrm>
-          <a:prstGeom prst="rect">
-            <a:avLst/>
-          </a:prstGeom>
-          <a:noFill/>
-        </p:spPr>
-        <p:txBody>
-          <a:bodyPr wrap="square" rtlCol="0">
-            <a:spAutoFit/>
-          </a:bodyPr>
-          <a:lstStyle/>
-          <a:p>
-            <a:r>
-              <a:rPr lang="en-US" sz="2800" b="1" dirty="0" smtClean="0"/>
-              <a:t>-</a:t>
-            </a:r>
-            <a:endParaRPr lang="en-US" b="1" dirty="0"/>
-          </a:p>
-        </p:txBody>
-      </p:sp>
-      <p:cxnSp>
-        <p:nvCxnSpPr>
-          <p:cNvPr id="83" name="Straight Arrow Connector 82"/>
-          <p:cNvCxnSpPr>
-            <a:stCxn id="76" idx="3"/>
-          </p:cNvCxnSpPr>
-          <p:nvPr/>
-        </p:nvCxnSpPr>
-        <p:spPr>
-          <a:xfrm flipV="1">
-            <a:off x="5690530" y="5406741"/>
-            <a:ext cx="787309" cy="533345"/>
-          </a:xfrm>
-          <a:prstGeom prst="straightConnector1">
-            <a:avLst/>
-          </a:prstGeom>
-          <a:ln w="57150">
-            <a:solidFill>
-              <a:schemeClr val="tx1"/>
-            </a:solidFill>
-            <a:tailEnd type="triangle"/>
-          </a:ln>
-        </p:spPr>
-        <p:style>
-          <a:lnRef idx="1">
-            <a:schemeClr val="accent1"/>
-          </a:lnRef>
-          <a:fillRef idx="0">
-            <a:schemeClr val="accent1"/>
-          </a:fillRef>
-          <a:effectRef idx="0">
-            <a:schemeClr val="accent1"/>
-          </a:effectRef>
-          <a:fontRef idx="minor">
-            <a:schemeClr val="tx1"/>
-          </a:fontRef>
-        </p:style>
-      </p:cxnSp>
-      <p:cxnSp>
-        <p:nvCxnSpPr>
-          <p:cNvPr id="84" name="Straight Arrow Connector 83"/>
-          <p:cNvCxnSpPr/>
-          <p:nvPr/>
-        </p:nvCxnSpPr>
-        <p:spPr>
-          <a:xfrm flipV="1">
-            <a:off x="6734413" y="3716410"/>
-            <a:ext cx="1995429" cy="1434436"/>
-          </a:xfrm>
-          <a:prstGeom prst="straightConnector1">
-            <a:avLst/>
-          </a:prstGeom>
-          <a:ln w="57150">
-            <a:solidFill>
-              <a:schemeClr val="tx1"/>
-            </a:solidFill>
-            <a:tailEnd type="triangle"/>
-          </a:ln>
-        </p:spPr>
-        <p:style>
-          <a:lnRef idx="1">
-            <a:schemeClr val="accent1"/>
-          </a:lnRef>
-          <a:fillRef idx="0">
-            <a:schemeClr val="accent1"/>
-          </a:fillRef>
-          <a:effectRef idx="0">
-            <a:schemeClr val="accent1"/>
-          </a:effectRef>
-          <a:fontRef idx="minor">
-            <a:schemeClr val="tx1"/>
-          </a:fontRef>
-        </p:style>
-      </p:cxnSp>
-      <p:sp>
-        <p:nvSpPr>
-          <p:cNvPr id="85" name="TextBox 84"/>
-          <p:cNvSpPr txBox="1"/>
-          <p:nvPr/>
-        </p:nvSpPr>
-        <p:spPr>
-          <a:xfrm>
-            <a:off x="6863510" y="5310331"/>
-            <a:ext cx="2047108" cy="369332"/>
-          </a:xfrm>
-          <a:prstGeom prst="rect">
-            <a:avLst/>
-          </a:prstGeom>
-          <a:noFill/>
-        </p:spPr>
-        <p:txBody>
-          <a:bodyPr wrap="square" rtlCol="0">
-            <a:spAutoFit/>
-          </a:bodyPr>
-          <a:lstStyle/>
-          <a:p>
-            <a:r>
-              <a:rPr lang="en-US" dirty="0" smtClean="0"/>
-              <a:t>Accel_z_req</a:t>
-            </a:r>
-            <a:endParaRPr lang="en-US" dirty="0"/>
-          </a:p>
-        </p:txBody>
-      </p:sp>
-      <p:sp>
-        <p:nvSpPr>
-          <p:cNvPr id="87" name="Rounded Rectangle 86"/>
-          <p:cNvSpPr/>
-          <p:nvPr/>
-        </p:nvSpPr>
-        <p:spPr>
-          <a:xfrm>
-            <a:off x="8773332" y="2407463"/>
-            <a:ext cx="1009564" cy="1933165"/>
-          </a:xfrm>
-          <a:prstGeom prst="roundRect">
-            <a:avLst/>
-          </a:prstGeom>
-          <a:ln w="57150">
-            <a:solidFill>
-              <a:schemeClr val="tx1"/>
-            </a:solidFill>
-          </a:ln>
-        </p:spPr>
-        <p:style>
-          <a:lnRef idx="2">
-            <a:schemeClr val="accent6"/>
-          </a:lnRef>
-          <a:fillRef idx="1">
-            <a:schemeClr val="lt1"/>
-          </a:fillRef>
-          <a:effectRef idx="0">
-            <a:schemeClr val="accent6"/>
-          </a:effectRef>
-          <a:fontRef idx="minor">
-            <a:schemeClr val="dk1"/>
-          </a:fontRef>
-        </p:style>
-        <p:txBody>
-          <a:bodyPr rtlCol="0" anchor="ctr"/>
-          <a:lstStyle/>
-          <a:p>
-            <a:pPr algn="ctr"/>
-            <a:endParaRPr lang="en-US" sz="2400" b="1" dirty="0"/>
-          </a:p>
-        </p:txBody>
-      </p:sp>
-      <p:cxnSp>
-        <p:nvCxnSpPr>
-          <p:cNvPr id="91" name="Straight Arrow Connector 90"/>
-          <p:cNvCxnSpPr/>
-          <p:nvPr/>
-        </p:nvCxnSpPr>
-        <p:spPr>
-          <a:xfrm>
-            <a:off x="9782896" y="3862958"/>
-            <a:ext cx="623967" cy="0"/>
-          </a:xfrm>
-          <a:prstGeom prst="straightConnector1">
-            <a:avLst/>
-          </a:prstGeom>
-          <a:ln w="57150">
-            <a:solidFill>
-              <a:schemeClr val="tx1"/>
-            </a:solidFill>
-            <a:tailEnd type="triangle"/>
-          </a:ln>
-        </p:spPr>
-        <p:style>
-          <a:lnRef idx="1">
-            <a:schemeClr val="accent1"/>
-          </a:lnRef>
-          <a:fillRef idx="0">
-            <a:schemeClr val="accent1"/>
-          </a:fillRef>
-          <a:effectRef idx="0">
-            <a:schemeClr val="accent1"/>
-          </a:effectRef>
-          <a:fontRef idx="minor">
-            <a:schemeClr val="tx1"/>
-          </a:fontRef>
-        </p:style>
-      </p:cxnSp>
-      <p:cxnSp>
-        <p:nvCxnSpPr>
-          <p:cNvPr id="92" name="Straight Arrow Connector 91"/>
-          <p:cNvCxnSpPr/>
-          <p:nvPr/>
-        </p:nvCxnSpPr>
-        <p:spPr>
-          <a:xfrm>
-            <a:off x="9782896" y="3275791"/>
-            <a:ext cx="623967" cy="0"/>
-          </a:xfrm>
-          <a:prstGeom prst="straightConnector1">
-            <a:avLst/>
-          </a:prstGeom>
-          <a:ln w="57150">
-            <a:solidFill>
-              <a:schemeClr val="tx1"/>
-            </a:solidFill>
-            <a:tailEnd type="triangle"/>
-          </a:ln>
-        </p:spPr>
-        <p:style>
-          <a:lnRef idx="1">
-            <a:schemeClr val="accent1"/>
-          </a:lnRef>
-          <a:fillRef idx="0">
-            <a:schemeClr val="accent1"/>
-          </a:fillRef>
-          <a:effectRef idx="0">
-            <a:schemeClr val="accent1"/>
-          </a:effectRef>
-          <a:fontRef idx="minor">
-            <a:schemeClr val="tx1"/>
-          </a:fontRef>
-        </p:style>
-      </p:cxnSp>
-      <p:sp>
-        <p:nvSpPr>
-          <p:cNvPr id="93" name="TextBox 92"/>
-          <p:cNvSpPr txBox="1"/>
-          <p:nvPr/>
-        </p:nvSpPr>
-        <p:spPr>
-          <a:xfrm>
-            <a:off x="10406863" y="2275126"/>
-            <a:ext cx="1172628" cy="646331"/>
-          </a:xfrm>
-          <a:prstGeom prst="rect">
-            <a:avLst/>
-          </a:prstGeom>
-          <a:noFill/>
-        </p:spPr>
-        <p:txBody>
-          <a:bodyPr wrap="square" rtlCol="0">
-            <a:spAutoFit/>
-          </a:bodyPr>
-          <a:lstStyle/>
-          <a:p>
-            <a:r>
-              <a:rPr lang="en-US" dirty="0" smtClean="0"/>
-              <a:t>Required</a:t>
-            </a:r>
-          </a:p>
-          <a:p>
-            <a:r>
-              <a:rPr lang="en-US" dirty="0" smtClean="0"/>
-              <a:t> Roll angle </a:t>
-            </a:r>
-            <a:endParaRPr lang="en-US" dirty="0"/>
-          </a:p>
-        </p:txBody>
-      </p:sp>
-      <p:sp>
-        <p:nvSpPr>
-          <p:cNvPr id="94" name="TextBox 93"/>
-          <p:cNvSpPr txBox="1"/>
-          <p:nvPr/>
-        </p:nvSpPr>
-        <p:spPr>
-          <a:xfrm>
-            <a:off x="10422624" y="2932114"/>
-            <a:ext cx="1339751" cy="646331"/>
-          </a:xfrm>
-          <a:prstGeom prst="rect">
-            <a:avLst/>
-          </a:prstGeom>
-          <a:noFill/>
-        </p:spPr>
-        <p:txBody>
-          <a:bodyPr wrap="square" rtlCol="0">
-            <a:spAutoFit/>
-          </a:bodyPr>
-          <a:lstStyle/>
-          <a:p>
-            <a:r>
-              <a:rPr lang="en-US" dirty="0" smtClean="0"/>
-              <a:t>Required</a:t>
-            </a:r>
-          </a:p>
-          <a:p>
-            <a:r>
-              <a:rPr lang="en-US" dirty="0" smtClean="0"/>
-              <a:t>Pitch angle </a:t>
-            </a:r>
-            <a:endParaRPr lang="en-US" dirty="0"/>
-          </a:p>
-        </p:txBody>
-      </p:sp>
-      <p:sp>
-        <p:nvSpPr>
-          <p:cNvPr id="95" name="TextBox 94"/>
-          <p:cNvSpPr txBox="1"/>
-          <p:nvPr/>
-        </p:nvSpPr>
-        <p:spPr>
-          <a:xfrm>
-            <a:off x="10406863" y="3666471"/>
-            <a:ext cx="1182111" cy="646331"/>
-          </a:xfrm>
-          <a:prstGeom prst="rect">
-            <a:avLst/>
-          </a:prstGeom>
-          <a:noFill/>
-        </p:spPr>
-        <p:txBody>
-          <a:bodyPr wrap="square" rtlCol="0">
-            <a:spAutoFit/>
-          </a:bodyPr>
-          <a:lstStyle/>
-          <a:p>
-            <a:r>
-              <a:rPr lang="en-US" dirty="0" smtClean="0"/>
-              <a:t>Required</a:t>
-            </a:r>
-          </a:p>
-          <a:p>
-            <a:r>
-              <a:rPr lang="en-US" dirty="0" smtClean="0"/>
-              <a:t>Thrust</a:t>
-            </a:r>
-            <a:endParaRPr lang="en-US" dirty="0"/>
-          </a:p>
-        </p:txBody>
-      </p:sp>
-      <p:cxnSp>
-        <p:nvCxnSpPr>
-          <p:cNvPr id="96" name="Straight Arrow Connector 95"/>
-          <p:cNvCxnSpPr/>
-          <p:nvPr/>
-        </p:nvCxnSpPr>
-        <p:spPr>
-          <a:xfrm>
-            <a:off x="9798657" y="4971624"/>
-            <a:ext cx="623967" cy="0"/>
-          </a:xfrm>
-          <a:prstGeom prst="straightConnector1">
-            <a:avLst/>
-          </a:prstGeom>
-          <a:ln w="57150">
-            <a:solidFill>
-              <a:schemeClr val="tx1"/>
-            </a:solidFill>
-            <a:tailEnd type="triangle"/>
-          </a:ln>
-        </p:spPr>
-        <p:style>
-          <a:lnRef idx="1">
-            <a:schemeClr val="accent1"/>
-          </a:lnRef>
-          <a:fillRef idx="0">
-            <a:schemeClr val="accent1"/>
-          </a:fillRef>
-          <a:effectRef idx="0">
-            <a:schemeClr val="accent1"/>
-          </a:effectRef>
-          <a:fontRef idx="minor">
-            <a:schemeClr val="tx1"/>
-          </a:fontRef>
-        </p:style>
-      </p:cxnSp>
-      <p:sp>
-        <p:nvSpPr>
-          <p:cNvPr id="97" name="TextBox 96"/>
-          <p:cNvSpPr txBox="1"/>
-          <p:nvPr/>
-        </p:nvSpPr>
-        <p:spPr>
-          <a:xfrm>
-            <a:off x="10422624" y="4624768"/>
-            <a:ext cx="1182111" cy="646331"/>
-          </a:xfrm>
-          <a:prstGeom prst="rect">
-            <a:avLst/>
-          </a:prstGeom>
-          <a:noFill/>
-        </p:spPr>
-        <p:txBody>
-          <a:bodyPr wrap="square" rtlCol="0">
-            <a:spAutoFit/>
-          </a:bodyPr>
-          <a:lstStyle/>
-          <a:p>
-            <a:r>
-              <a:rPr lang="en-US" dirty="0" smtClean="0"/>
-              <a:t>Required</a:t>
-            </a:r>
-          </a:p>
-          <a:p>
-            <a:r>
-              <a:rPr lang="en-US" dirty="0" smtClean="0"/>
-              <a:t>heading</a:t>
-            </a:r>
-            <a:endParaRPr lang="en-US" dirty="0"/>
-          </a:p>
-        </p:txBody>
-      </p:sp>
-      <p:cxnSp>
-        <p:nvCxnSpPr>
-          <p:cNvPr id="99" name="Straight Arrow Connector 98"/>
-          <p:cNvCxnSpPr>
-            <a:stCxn id="51" idx="6"/>
-          </p:cNvCxnSpPr>
-          <p:nvPr/>
-        </p:nvCxnSpPr>
-        <p:spPr>
-          <a:xfrm>
-            <a:off x="4510839" y="3251182"/>
-            <a:ext cx="627796" cy="16574"/>
-          </a:xfrm>
-          <a:prstGeom prst="straightConnector1">
-            <a:avLst/>
-          </a:prstGeom>
-          <a:ln w="57150">
-            <a:solidFill>
-              <a:schemeClr val="tx1"/>
-            </a:solidFill>
-            <a:tailEnd type="triangle"/>
-          </a:ln>
-        </p:spPr>
-        <p:style>
-          <a:lnRef idx="1">
-            <a:schemeClr val="accent1"/>
-          </a:lnRef>
-          <a:fillRef idx="0">
-            <a:schemeClr val="accent1"/>
-          </a:fillRef>
-          <a:effectRef idx="0">
-            <a:schemeClr val="accent1"/>
-          </a:effectRef>
-          <a:fontRef idx="minor">
-            <a:schemeClr val="tx1"/>
-          </a:fontRef>
-        </p:style>
-      </p:cxnSp>
-    </p:spTree>
-    <p:extLst>
-      <p:ext uri="{BB962C8B-B14F-4D97-AF65-F5344CB8AC3E}">
-        <p14:creationId xmlns:p14="http://schemas.microsoft.com/office/powerpoint/2010/main" val="2098695018"/>
-      </p:ext>
-    </p:extLst>
-  </p:cSld>
-  <p:clrMapOvr>
-    <a:masterClrMapping/>
-  </p:clrMapOvr>
-</p:sld>
-</file>
-
-<file path=ppt/slides/slide9.xml><?xml version="1.0" encoding="utf-8"?>
-<p:sld xmlns:a="http://schemas.openxmlformats.org/drawingml/2006/main" xmlns:r="http://schemas.openxmlformats.org/officeDocument/2006/relationships" xmlns:p="http://schemas.openxmlformats.org/presentationml/2006/main">
-  <p:cSld>
-    <p:spTree>
-      <p:nvGrpSpPr>
-        <p:cNvPr id="1" name=""/>
-        <p:cNvGrpSpPr/>
-        <p:nvPr/>
-      </p:nvGrpSpPr>
-      <p:grpSpPr>
-        <a:xfrm>
-          <a:off x="0" y="0"/>
-          <a:ext cx="0" cy="0"/>
-          <a:chOff x="0" y="0"/>
-          <a:chExt cx="0" cy="0"/>
-        </a:xfrm>
-      </p:grpSpPr>
-      <p:cxnSp>
-        <p:nvCxnSpPr>
-          <p:cNvPr id="4" name="Straight Arrow Connector 3"/>
-          <p:cNvCxnSpPr/>
-          <p:nvPr/>
-        </p:nvCxnSpPr>
-        <p:spPr>
-          <a:xfrm>
-            <a:off x="579333" y="1330429"/>
-            <a:ext cx="736979" cy="0"/>
-          </a:xfrm>
-          <a:prstGeom prst="straightConnector1">
-            <a:avLst/>
-          </a:prstGeom>
-          <a:ln w="57150">
-            <a:solidFill>
-              <a:schemeClr val="tx1"/>
-            </a:solidFill>
-            <a:tailEnd type="triangle"/>
-          </a:ln>
-        </p:spPr>
-        <p:style>
-          <a:lnRef idx="1">
-            <a:schemeClr val="accent1"/>
-          </a:lnRef>
-          <a:fillRef idx="0">
-            <a:schemeClr val="accent1"/>
-          </a:fillRef>
-          <a:effectRef idx="0">
-            <a:schemeClr val="accent1"/>
-          </a:effectRef>
-          <a:fontRef idx="minor">
-            <a:schemeClr val="tx1"/>
-          </a:fontRef>
-        </p:style>
-      </p:cxnSp>
-      <p:sp>
-        <p:nvSpPr>
-          <p:cNvPr id="8" name="TextBox 7"/>
-          <p:cNvSpPr txBox="1"/>
-          <p:nvPr/>
-        </p:nvSpPr>
-        <p:spPr>
-          <a:xfrm>
-            <a:off x="324280" y="852759"/>
-            <a:ext cx="1061666" cy="369332"/>
-          </a:xfrm>
-          <a:prstGeom prst="rect">
-            <a:avLst/>
-          </a:prstGeom>
-          <a:noFill/>
-        </p:spPr>
-        <p:txBody>
-          <a:bodyPr wrap="square" rtlCol="0">
-            <a:spAutoFit/>
-          </a:bodyPr>
-          <a:lstStyle/>
-          <a:p>
-            <a:r>
-              <a:rPr lang="en-US" dirty="0" smtClean="0"/>
-              <a:t>phi_req</a:t>
-            </a:r>
-            <a:endParaRPr lang="en-US" dirty="0"/>
-          </a:p>
-        </p:txBody>
-      </p:sp>
-      <p:sp>
-        <p:nvSpPr>
-          <p:cNvPr id="13" name="Flowchart: Summing Junction 12"/>
-          <p:cNvSpPr/>
-          <p:nvPr/>
-        </p:nvSpPr>
-        <p:spPr>
-          <a:xfrm>
-            <a:off x="1328565" y="1089135"/>
-            <a:ext cx="436729" cy="450377"/>
-          </a:xfrm>
-          <a:prstGeom prst="flowChartSummingJunction">
-            <a:avLst/>
-          </a:prstGeom>
-          <a:ln w="28575">
-            <a:solidFill>
-              <a:schemeClr val="tx1"/>
-            </a:solidFill>
-          </a:ln>
-        </p:spPr>
-        <p:style>
-          <a:lnRef idx="2">
-            <a:schemeClr val="accent6"/>
-          </a:lnRef>
-          <a:fillRef idx="1">
-            <a:schemeClr val="lt1"/>
-          </a:fillRef>
-          <a:effectRef idx="0">
-            <a:schemeClr val="accent6"/>
-          </a:effectRef>
-          <a:fontRef idx="minor">
-            <a:schemeClr val="dk1"/>
-          </a:fontRef>
-        </p:style>
-        <p:txBody>
-          <a:bodyPr rtlCol="0" anchor="ctr"/>
-          <a:lstStyle/>
-          <a:p>
-            <a:pPr algn="ctr"/>
-            <a:endParaRPr lang="en-US"/>
-          </a:p>
-        </p:txBody>
-      </p:sp>
-      <p:sp>
-        <p:nvSpPr>
-          <p:cNvPr id="14" name="Rectangle 13"/>
-          <p:cNvSpPr/>
-          <p:nvPr/>
-        </p:nvSpPr>
-        <p:spPr>
-          <a:xfrm>
-            <a:off x="2328394" y="1089135"/>
-            <a:ext cx="521405" cy="498144"/>
-          </a:xfrm>
-          <a:prstGeom prst="rect">
-            <a:avLst/>
-          </a:prstGeom>
-          <a:ln w="57150">
-            <a:solidFill>
-              <a:schemeClr val="tx1"/>
-            </a:solidFill>
-          </a:ln>
-        </p:spPr>
-        <p:style>
-          <a:lnRef idx="2">
-            <a:schemeClr val="accent6"/>
-          </a:lnRef>
-          <a:fillRef idx="1">
-            <a:schemeClr val="lt1"/>
-          </a:fillRef>
-          <a:effectRef idx="0">
-            <a:schemeClr val="accent6"/>
-          </a:effectRef>
-          <a:fontRef idx="minor">
-            <a:schemeClr val="dk1"/>
-          </a:fontRef>
-        </p:style>
-        <p:txBody>
-          <a:bodyPr rtlCol="0" anchor="ctr"/>
-          <a:lstStyle/>
-          <a:p>
-            <a:pPr algn="ctr"/>
-            <a:r>
-              <a:rPr lang="en-US" sz="2400" dirty="0" smtClean="0"/>
-              <a:t>P</a:t>
-            </a:r>
-            <a:endParaRPr lang="en-US" sz="2400" dirty="0"/>
-          </a:p>
-        </p:txBody>
-      </p:sp>
-      <p:cxnSp>
-        <p:nvCxnSpPr>
-          <p:cNvPr id="15" name="Straight Arrow Connector 14"/>
-          <p:cNvCxnSpPr/>
-          <p:nvPr/>
-        </p:nvCxnSpPr>
-        <p:spPr>
-          <a:xfrm>
-            <a:off x="2862616" y="1338207"/>
-            <a:ext cx="1218065" cy="0"/>
-          </a:xfrm>
-          <a:prstGeom prst="straightConnector1">
-            <a:avLst/>
-          </a:prstGeom>
-          <a:ln w="57150">
-            <a:solidFill>
-              <a:schemeClr val="tx1"/>
-            </a:solidFill>
-            <a:tailEnd type="triangle"/>
-          </a:ln>
-        </p:spPr>
-        <p:style>
-          <a:lnRef idx="1">
-            <a:schemeClr val="accent1"/>
-          </a:lnRef>
-          <a:fillRef idx="0">
-            <a:schemeClr val="accent1"/>
-          </a:fillRef>
-          <a:effectRef idx="0">
-            <a:schemeClr val="accent1"/>
-          </a:effectRef>
-          <a:fontRef idx="minor">
-            <a:schemeClr val="tx1"/>
-          </a:fontRef>
-        </p:style>
-      </p:cxnSp>
-      <p:cxnSp>
-        <p:nvCxnSpPr>
-          <p:cNvPr id="16" name="Straight Arrow Connector 15"/>
-          <p:cNvCxnSpPr>
-            <a:endCxn id="14" idx="1"/>
-          </p:cNvCxnSpPr>
-          <p:nvPr/>
-        </p:nvCxnSpPr>
-        <p:spPr>
-          <a:xfrm>
-            <a:off x="1765294" y="1330429"/>
-            <a:ext cx="563100" cy="7778"/>
-          </a:xfrm>
-          <a:prstGeom prst="straightConnector1">
-            <a:avLst/>
-          </a:prstGeom>
-          <a:ln w="57150">
-            <a:solidFill>
-              <a:schemeClr val="tx1"/>
-            </a:solidFill>
-            <a:tailEnd type="triangle"/>
-          </a:ln>
-        </p:spPr>
-        <p:style>
-          <a:lnRef idx="1">
-            <a:schemeClr val="accent1"/>
-          </a:lnRef>
-          <a:fillRef idx="0">
-            <a:schemeClr val="accent1"/>
-          </a:fillRef>
-          <a:effectRef idx="0">
-            <a:schemeClr val="accent1"/>
-          </a:effectRef>
-          <a:fontRef idx="minor">
-            <a:schemeClr val="tx1"/>
-          </a:fontRef>
-        </p:style>
-      </p:cxnSp>
-      <p:cxnSp>
-        <p:nvCxnSpPr>
-          <p:cNvPr id="18" name="Straight Arrow Connector 17"/>
-          <p:cNvCxnSpPr/>
-          <p:nvPr/>
-        </p:nvCxnSpPr>
-        <p:spPr>
-          <a:xfrm flipV="1">
-            <a:off x="1546929" y="1539513"/>
-            <a:ext cx="4674" cy="425765"/>
-          </a:xfrm>
-          <a:prstGeom prst="straightConnector1">
-            <a:avLst/>
-          </a:prstGeom>
-          <a:ln w="57150">
-            <a:solidFill>
-              <a:schemeClr val="tx1"/>
-            </a:solidFill>
-            <a:tailEnd type="triangle"/>
-          </a:ln>
-        </p:spPr>
-        <p:style>
-          <a:lnRef idx="1">
-            <a:schemeClr val="accent1"/>
-          </a:lnRef>
-          <a:fillRef idx="0">
-            <a:schemeClr val="accent1"/>
-          </a:fillRef>
-          <a:effectRef idx="0">
-            <a:schemeClr val="accent1"/>
-          </a:effectRef>
-          <a:fontRef idx="minor">
-            <a:schemeClr val="tx1"/>
-          </a:fontRef>
-        </p:style>
-      </p:cxnSp>
-      <p:sp>
-        <p:nvSpPr>
-          <p:cNvPr id="20" name="TextBox 19"/>
-          <p:cNvSpPr txBox="1"/>
-          <p:nvPr/>
-        </p:nvSpPr>
-        <p:spPr>
-          <a:xfrm>
-            <a:off x="324280" y="1893205"/>
-            <a:ext cx="1572759" cy="369332"/>
-          </a:xfrm>
-          <a:prstGeom prst="rect">
-            <a:avLst/>
-          </a:prstGeom>
-          <a:noFill/>
-        </p:spPr>
-        <p:txBody>
-          <a:bodyPr wrap="square" rtlCol="0">
-            <a:spAutoFit/>
-          </a:bodyPr>
-          <a:lstStyle/>
-          <a:p>
-            <a:r>
-              <a:rPr lang="en-US" dirty="0" smtClean="0"/>
-              <a:t>phi</a:t>
-            </a:r>
-            <a:r>
-              <a:rPr lang="en-US" dirty="0" smtClean="0"/>
-              <a:t>_estimated</a:t>
-            </a:r>
-            <a:endParaRPr lang="en-US" dirty="0"/>
-          </a:p>
-        </p:txBody>
-      </p:sp>
-      <p:sp>
-        <p:nvSpPr>
-          <p:cNvPr id="22" name="TextBox 21"/>
-          <p:cNvSpPr txBox="1"/>
-          <p:nvPr/>
-        </p:nvSpPr>
-        <p:spPr>
-          <a:xfrm>
-            <a:off x="2876160" y="934723"/>
-            <a:ext cx="1248319" cy="369332"/>
-          </a:xfrm>
-          <a:prstGeom prst="rect">
-            <a:avLst/>
-          </a:prstGeom>
-          <a:noFill/>
-        </p:spPr>
-        <p:txBody>
-          <a:bodyPr wrap="square" rtlCol="0">
-            <a:spAutoFit/>
-          </a:bodyPr>
-          <a:lstStyle/>
-          <a:p>
-            <a:r>
-              <a:rPr lang="en-US" dirty="0" smtClean="0"/>
-              <a:t>phi</a:t>
-            </a:r>
-            <a:r>
-              <a:rPr lang="en-US" dirty="0" smtClean="0"/>
-              <a:t>dot_req</a:t>
-            </a:r>
-            <a:endParaRPr lang="en-US" dirty="0"/>
-          </a:p>
-        </p:txBody>
-      </p:sp>
-      <p:sp>
-        <p:nvSpPr>
-          <p:cNvPr id="24" name="Flowchart: Summing Junction 23"/>
-          <p:cNvSpPr/>
-          <p:nvPr/>
-        </p:nvSpPr>
-        <p:spPr>
-          <a:xfrm>
-            <a:off x="4074110" y="1128313"/>
-            <a:ext cx="436729" cy="450377"/>
-          </a:xfrm>
-          <a:prstGeom prst="flowChartSummingJunction">
-            <a:avLst/>
-          </a:prstGeom>
-          <a:ln w="28575">
-            <a:solidFill>
-              <a:schemeClr val="tx1"/>
-            </a:solidFill>
-          </a:ln>
-        </p:spPr>
-        <p:style>
-          <a:lnRef idx="2">
-            <a:schemeClr val="accent6"/>
-          </a:lnRef>
-          <a:fillRef idx="1">
-            <a:schemeClr val="lt1"/>
-          </a:fillRef>
-          <a:effectRef idx="0">
-            <a:schemeClr val="accent6"/>
-          </a:effectRef>
-          <a:fontRef idx="minor">
-            <a:schemeClr val="dk1"/>
-          </a:fontRef>
-        </p:style>
-        <p:txBody>
-          <a:bodyPr rtlCol="0" anchor="ctr"/>
-          <a:lstStyle/>
-          <a:p>
-            <a:pPr algn="ctr"/>
-            <a:endParaRPr lang="en-US"/>
-          </a:p>
-        </p:txBody>
-      </p:sp>
-      <p:sp>
-        <p:nvSpPr>
-          <p:cNvPr id="25" name="Rectangle 24"/>
-          <p:cNvSpPr/>
-          <p:nvPr/>
-        </p:nvSpPr>
-        <p:spPr>
-          <a:xfrm>
-            <a:off x="5168514" y="1089135"/>
-            <a:ext cx="581455" cy="545910"/>
-          </a:xfrm>
-          <a:prstGeom prst="rect">
-            <a:avLst/>
-          </a:prstGeom>
-          <a:ln w="57150">
-            <a:solidFill>
-              <a:schemeClr val="tx1"/>
-            </a:solidFill>
-          </a:ln>
-        </p:spPr>
-        <p:style>
-          <a:lnRef idx="2">
-            <a:schemeClr val="accent6"/>
-          </a:lnRef>
-          <a:fillRef idx="1">
-            <a:schemeClr val="lt1"/>
-          </a:fillRef>
-          <a:effectRef idx="0">
-            <a:schemeClr val="accent6"/>
-          </a:effectRef>
-          <a:fontRef idx="minor">
-            <a:schemeClr val="dk1"/>
-          </a:fontRef>
-        </p:style>
-        <p:txBody>
-          <a:bodyPr rtlCol="0" anchor="ctr"/>
-          <a:lstStyle/>
-          <a:p>
-            <a:pPr algn="ctr"/>
-            <a:r>
-              <a:rPr lang="en-US" sz="2400" dirty="0" smtClean="0"/>
-              <a:t>PI</a:t>
-            </a:r>
-            <a:endParaRPr lang="en-US" sz="2400" dirty="0"/>
-          </a:p>
-        </p:txBody>
-      </p:sp>
-      <p:cxnSp>
-        <p:nvCxnSpPr>
-          <p:cNvPr id="29" name="Straight Arrow Connector 28"/>
-          <p:cNvCxnSpPr>
-            <a:stCxn id="24" idx="6"/>
-          </p:cNvCxnSpPr>
-          <p:nvPr/>
-        </p:nvCxnSpPr>
-        <p:spPr>
-          <a:xfrm>
-            <a:off x="4510839" y="1353502"/>
-            <a:ext cx="623967" cy="0"/>
-          </a:xfrm>
-          <a:prstGeom prst="straightConnector1">
-            <a:avLst/>
-          </a:prstGeom>
-          <a:ln w="57150">
-            <a:solidFill>
-              <a:schemeClr val="tx1"/>
-            </a:solidFill>
-            <a:tailEnd type="triangle"/>
-          </a:ln>
-        </p:spPr>
-        <p:style>
-          <a:lnRef idx="1">
-            <a:schemeClr val="accent1"/>
-          </a:lnRef>
-          <a:fillRef idx="0">
-            <a:schemeClr val="accent1"/>
-          </a:fillRef>
-          <a:effectRef idx="0">
-            <a:schemeClr val="accent1"/>
-          </a:effectRef>
-          <a:fontRef idx="minor">
-            <a:schemeClr val="tx1"/>
-          </a:fontRef>
-        </p:style>
-      </p:cxnSp>
-      <p:sp>
-        <p:nvSpPr>
-          <p:cNvPr id="30" name="Rectangle 29"/>
-          <p:cNvSpPr/>
-          <p:nvPr/>
-        </p:nvSpPr>
-        <p:spPr>
-          <a:xfrm>
-            <a:off x="5168514" y="1893205"/>
-            <a:ext cx="581455" cy="549744"/>
-          </a:xfrm>
-          <a:prstGeom prst="rect">
-            <a:avLst/>
-          </a:prstGeom>
-          <a:ln w="57150">
-            <a:solidFill>
-              <a:schemeClr val="tx1"/>
-            </a:solidFill>
-          </a:ln>
-        </p:spPr>
-        <p:style>
-          <a:lnRef idx="2">
-            <a:schemeClr val="accent6"/>
-          </a:lnRef>
-          <a:fillRef idx="1">
-            <a:schemeClr val="lt1"/>
-          </a:fillRef>
-          <a:effectRef idx="0">
-            <a:schemeClr val="accent6"/>
-          </a:effectRef>
-          <a:fontRef idx="minor">
-            <a:schemeClr val="dk1"/>
-          </a:fontRef>
-        </p:style>
-        <p:txBody>
-          <a:bodyPr rtlCol="0" anchor="ctr"/>
-          <a:lstStyle/>
-          <a:p>
-            <a:pPr algn="ctr"/>
-            <a:r>
-              <a:rPr lang="en-US" sz="2400" dirty="0" smtClean="0"/>
-              <a:t>D</a:t>
-            </a:r>
-            <a:endParaRPr lang="en-US" sz="2400" dirty="0"/>
-          </a:p>
-        </p:txBody>
-      </p:sp>
-      <p:cxnSp>
-        <p:nvCxnSpPr>
-          <p:cNvPr id="32" name="Straight Arrow Connector 31"/>
-          <p:cNvCxnSpPr/>
-          <p:nvPr/>
-        </p:nvCxnSpPr>
-        <p:spPr>
-          <a:xfrm>
-            <a:off x="4575535" y="2157613"/>
-            <a:ext cx="563100" cy="7778"/>
-          </a:xfrm>
-          <a:prstGeom prst="straightConnector1">
-            <a:avLst/>
-          </a:prstGeom>
-          <a:ln w="57150">
-            <a:solidFill>
-              <a:schemeClr val="tx1"/>
-            </a:solidFill>
-            <a:tailEnd type="triangle"/>
-          </a:ln>
-        </p:spPr>
-        <p:style>
-          <a:lnRef idx="1">
-            <a:schemeClr val="accent1"/>
-          </a:lnRef>
-          <a:fillRef idx="0">
-            <a:schemeClr val="accent1"/>
-          </a:fillRef>
-          <a:effectRef idx="0">
-            <a:schemeClr val="accent1"/>
-          </a:effectRef>
-          <a:fontRef idx="minor">
-            <a:schemeClr val="tx1"/>
-          </a:fontRef>
-        </p:style>
-      </p:cxnSp>
-      <p:sp>
-        <p:nvSpPr>
-          <p:cNvPr id="33" name="TextBox 32"/>
-          <p:cNvSpPr txBox="1"/>
-          <p:nvPr/>
-        </p:nvSpPr>
-        <p:spPr>
-          <a:xfrm>
-            <a:off x="2674961" y="1980725"/>
-            <a:ext cx="1909413" cy="369332"/>
-          </a:xfrm>
-          <a:prstGeom prst="rect">
-            <a:avLst/>
-          </a:prstGeom>
-          <a:noFill/>
-        </p:spPr>
-        <p:txBody>
-          <a:bodyPr wrap="square" rtlCol="0">
-            <a:spAutoFit/>
-          </a:bodyPr>
-          <a:lstStyle/>
-          <a:p>
-            <a:r>
-              <a:rPr lang="en-US" dirty="0" smtClean="0"/>
-              <a:t>phidot_estimated</a:t>
-            </a:r>
-            <a:endParaRPr lang="en-US" dirty="0"/>
-          </a:p>
-        </p:txBody>
-      </p:sp>
-      <p:cxnSp>
-        <p:nvCxnSpPr>
-          <p:cNvPr id="34" name="Straight Arrow Connector 33"/>
-          <p:cNvCxnSpPr/>
-          <p:nvPr/>
-        </p:nvCxnSpPr>
-        <p:spPr>
-          <a:xfrm flipV="1">
-            <a:off x="4290137" y="1566825"/>
-            <a:ext cx="4674" cy="425765"/>
-          </a:xfrm>
-          <a:prstGeom prst="straightConnector1">
-            <a:avLst/>
-          </a:prstGeom>
-          <a:ln w="57150">
-            <a:solidFill>
-              <a:schemeClr val="tx1"/>
-            </a:solidFill>
-            <a:tailEnd type="triangle"/>
-          </a:ln>
-        </p:spPr>
-        <p:style>
-          <a:lnRef idx="1">
-            <a:schemeClr val="accent1"/>
-          </a:lnRef>
-          <a:fillRef idx="0">
-            <a:schemeClr val="accent1"/>
-          </a:fillRef>
-          <a:effectRef idx="0">
-            <a:schemeClr val="accent1"/>
-          </a:effectRef>
-          <a:fontRef idx="minor">
-            <a:schemeClr val="tx1"/>
-          </a:fontRef>
-        </p:style>
-      </p:cxnSp>
-      <p:cxnSp>
-        <p:nvCxnSpPr>
-          <p:cNvPr id="35" name="Straight Arrow Connector 34"/>
-          <p:cNvCxnSpPr/>
-          <p:nvPr/>
-        </p:nvCxnSpPr>
-        <p:spPr>
-          <a:xfrm>
-            <a:off x="5749969" y="1378111"/>
-            <a:ext cx="623967" cy="0"/>
-          </a:xfrm>
-          <a:prstGeom prst="straightConnector1">
-            <a:avLst/>
-          </a:prstGeom>
-          <a:ln w="57150">
-            <a:solidFill>
-              <a:schemeClr val="tx1"/>
-            </a:solidFill>
-            <a:tailEnd type="triangle"/>
-          </a:ln>
-        </p:spPr>
-        <p:style>
-          <a:lnRef idx="1">
-            <a:schemeClr val="accent1"/>
-          </a:lnRef>
-          <a:fillRef idx="0">
-            <a:schemeClr val="accent1"/>
-          </a:fillRef>
-          <a:effectRef idx="0">
-            <a:schemeClr val="accent1"/>
-          </a:effectRef>
-          <a:fontRef idx="minor">
-            <a:schemeClr val="tx1"/>
-          </a:fontRef>
-        </p:style>
-      </p:cxnSp>
-      <p:sp>
-        <p:nvSpPr>
-          <p:cNvPr id="36" name="Flowchart: Summing Junction 35"/>
-          <p:cNvSpPr/>
-          <p:nvPr/>
-        </p:nvSpPr>
-        <p:spPr>
-          <a:xfrm>
-            <a:off x="6357123" y="1184355"/>
-            <a:ext cx="436729" cy="450377"/>
-          </a:xfrm>
-          <a:prstGeom prst="flowChartSummingJunction">
-            <a:avLst/>
-          </a:prstGeom>
-          <a:ln w="28575">
-            <a:solidFill>
-              <a:schemeClr val="tx1"/>
-            </a:solidFill>
-          </a:ln>
-        </p:spPr>
-        <p:style>
-          <a:lnRef idx="2">
-            <a:schemeClr val="accent6"/>
-          </a:lnRef>
-          <a:fillRef idx="1">
-            <a:schemeClr val="lt1"/>
-          </a:fillRef>
-          <a:effectRef idx="0">
-            <a:schemeClr val="accent6"/>
-          </a:effectRef>
-          <a:fontRef idx="minor">
-            <a:schemeClr val="dk1"/>
-          </a:fontRef>
-        </p:style>
-        <p:txBody>
-          <a:bodyPr rtlCol="0" anchor="ctr"/>
-          <a:lstStyle/>
-          <a:p>
-            <a:pPr algn="ctr"/>
-            <a:endParaRPr lang="en-US"/>
-          </a:p>
-        </p:txBody>
-      </p:sp>
-      <p:sp>
-        <p:nvSpPr>
-          <p:cNvPr id="37" name="TextBox 36"/>
-          <p:cNvSpPr txBox="1"/>
-          <p:nvPr/>
-        </p:nvSpPr>
-        <p:spPr>
-          <a:xfrm>
-            <a:off x="6407644" y="1256487"/>
-            <a:ext cx="881184" cy="523220"/>
-          </a:xfrm>
-          <a:prstGeom prst="rect">
-            <a:avLst/>
-          </a:prstGeom>
-          <a:noFill/>
-        </p:spPr>
-        <p:txBody>
-          <a:bodyPr wrap="square" rtlCol="0">
-            <a:spAutoFit/>
-          </a:bodyPr>
-          <a:lstStyle/>
-          <a:p>
-            <a:r>
-              <a:rPr lang="en-US" sz="2800" b="1" dirty="0" smtClean="0"/>
-              <a:t>-</a:t>
-            </a:r>
-            <a:endParaRPr lang="en-US" b="1" dirty="0"/>
-          </a:p>
-        </p:txBody>
-      </p:sp>
-      <p:cxnSp>
-        <p:nvCxnSpPr>
-          <p:cNvPr id="39" name="Straight Arrow Connector 38"/>
-          <p:cNvCxnSpPr>
-            <a:stCxn id="30" idx="3"/>
-          </p:cNvCxnSpPr>
-          <p:nvPr/>
-        </p:nvCxnSpPr>
-        <p:spPr>
-          <a:xfrm flipV="1">
-            <a:off x="5749969" y="1634732"/>
-            <a:ext cx="787309" cy="533345"/>
-          </a:xfrm>
-          <a:prstGeom prst="straightConnector1">
-            <a:avLst/>
-          </a:prstGeom>
-          <a:ln w="57150">
-            <a:solidFill>
-              <a:schemeClr val="tx1"/>
-            </a:solidFill>
-            <a:tailEnd type="triangle"/>
-          </a:ln>
-        </p:spPr>
-        <p:style>
-          <a:lnRef idx="1">
-            <a:schemeClr val="accent1"/>
-          </a:lnRef>
-          <a:fillRef idx="0">
-            <a:schemeClr val="accent1"/>
-          </a:fillRef>
-          <a:effectRef idx="0">
-            <a:schemeClr val="accent1"/>
-          </a:effectRef>
-          <a:fontRef idx="minor">
-            <a:schemeClr val="tx1"/>
-          </a:fontRef>
-        </p:style>
-      </p:cxnSp>
-      <p:cxnSp>
-        <p:nvCxnSpPr>
-          <p:cNvPr id="40" name="Straight Arrow Connector 39"/>
-          <p:cNvCxnSpPr/>
-          <p:nvPr/>
-        </p:nvCxnSpPr>
-        <p:spPr>
-          <a:xfrm flipV="1">
-            <a:off x="6793852" y="1378111"/>
-            <a:ext cx="1979480" cy="726"/>
-          </a:xfrm>
-          <a:prstGeom prst="straightConnector1">
-            <a:avLst/>
-          </a:prstGeom>
-          <a:ln w="57150">
-            <a:solidFill>
-              <a:schemeClr val="tx1"/>
-            </a:solidFill>
-            <a:tailEnd type="triangle"/>
-          </a:ln>
-        </p:spPr>
-        <p:style>
-          <a:lnRef idx="1">
-            <a:schemeClr val="accent1"/>
-          </a:lnRef>
-          <a:fillRef idx="0">
-            <a:schemeClr val="accent1"/>
-          </a:fillRef>
-          <a:effectRef idx="0">
-            <a:schemeClr val="accent1"/>
-          </a:effectRef>
-          <a:fontRef idx="minor">
-            <a:schemeClr val="tx1"/>
-          </a:fontRef>
-        </p:style>
-      </p:cxnSp>
-      <p:sp>
-        <p:nvSpPr>
-          <p:cNvPr id="41" name="TextBox 40"/>
-          <p:cNvSpPr txBox="1"/>
-          <p:nvPr/>
-        </p:nvSpPr>
-        <p:spPr>
-          <a:xfrm>
-            <a:off x="6848236" y="832061"/>
-            <a:ext cx="2047108" cy="369332"/>
-          </a:xfrm>
-          <a:prstGeom prst="rect">
-            <a:avLst/>
-          </a:prstGeom>
-          <a:noFill/>
-        </p:spPr>
-        <p:txBody>
-          <a:bodyPr wrap="square" rtlCol="0">
-            <a:spAutoFit/>
-          </a:bodyPr>
-          <a:lstStyle/>
-          <a:p>
-            <a:r>
-              <a:rPr lang="en-US" dirty="0" smtClean="0"/>
-              <a:t>Torque_x_req</a:t>
-            </a:r>
-            <a:endParaRPr lang="en-US" dirty="0"/>
-          </a:p>
-        </p:txBody>
-      </p:sp>
-      <p:cxnSp>
-        <p:nvCxnSpPr>
-          <p:cNvPr id="42" name="Straight Arrow Connector 41"/>
-          <p:cNvCxnSpPr/>
-          <p:nvPr/>
-        </p:nvCxnSpPr>
-        <p:spPr>
-          <a:xfrm>
-            <a:off x="579333" y="3228109"/>
-            <a:ext cx="736979" cy="0"/>
-          </a:xfrm>
-          <a:prstGeom prst="straightConnector1">
-            <a:avLst/>
-          </a:prstGeom>
-          <a:ln w="57150">
-            <a:solidFill>
-              <a:schemeClr val="tx1"/>
-            </a:solidFill>
-            <a:tailEnd type="triangle"/>
-          </a:ln>
-        </p:spPr>
-        <p:style>
-          <a:lnRef idx="1">
-            <a:schemeClr val="accent1"/>
-          </a:lnRef>
-          <a:fillRef idx="0">
-            <a:schemeClr val="accent1"/>
-          </a:fillRef>
-          <a:effectRef idx="0">
-            <a:schemeClr val="accent1"/>
-          </a:effectRef>
-          <a:fontRef idx="minor">
-            <a:schemeClr val="tx1"/>
-          </a:fontRef>
-        </p:style>
-      </p:cxnSp>
-      <p:sp>
-        <p:nvSpPr>
-          <p:cNvPr id="43" name="TextBox 42"/>
-          <p:cNvSpPr txBox="1"/>
-          <p:nvPr/>
-        </p:nvSpPr>
-        <p:spPr>
-          <a:xfrm>
-            <a:off x="280790" y="2750439"/>
-            <a:ext cx="1105156" cy="369332"/>
-          </a:xfrm>
-          <a:prstGeom prst="rect">
-            <a:avLst/>
-          </a:prstGeom>
-          <a:noFill/>
-        </p:spPr>
-        <p:txBody>
-          <a:bodyPr wrap="square" rtlCol="0">
-            <a:spAutoFit/>
-          </a:bodyPr>
-          <a:lstStyle/>
-          <a:p>
-            <a:r>
-              <a:rPr lang="en-US" dirty="0" smtClean="0"/>
-              <a:t>pitch_req</a:t>
-            </a:r>
-            <a:endParaRPr lang="en-US" dirty="0"/>
-          </a:p>
-        </p:txBody>
-      </p:sp>
-      <p:sp>
-        <p:nvSpPr>
-          <p:cNvPr id="44" name="Flowchart: Summing Junction 43"/>
-          <p:cNvSpPr/>
-          <p:nvPr/>
-        </p:nvSpPr>
-        <p:spPr>
-          <a:xfrm>
-            <a:off x="1328565" y="2986815"/>
-            <a:ext cx="436729" cy="450377"/>
-          </a:xfrm>
-          <a:prstGeom prst="flowChartSummingJunction">
-            <a:avLst/>
-          </a:prstGeom>
-          <a:ln w="28575">
-            <a:solidFill>
-              <a:schemeClr val="tx1"/>
-            </a:solidFill>
-          </a:ln>
-        </p:spPr>
-        <p:style>
-          <a:lnRef idx="2">
-            <a:schemeClr val="accent6"/>
-          </a:lnRef>
-          <a:fillRef idx="1">
-            <a:schemeClr val="lt1"/>
-          </a:fillRef>
-          <a:effectRef idx="0">
-            <a:schemeClr val="accent6"/>
-          </a:effectRef>
-          <a:fontRef idx="minor">
-            <a:schemeClr val="dk1"/>
-          </a:fontRef>
-        </p:style>
-        <p:txBody>
-          <a:bodyPr rtlCol="0" anchor="ctr"/>
-          <a:lstStyle/>
-          <a:p>
-            <a:pPr algn="ctr"/>
-            <a:endParaRPr lang="en-US"/>
-          </a:p>
-        </p:txBody>
-      </p:sp>
-      <p:sp>
-        <p:nvSpPr>
-          <p:cNvPr id="45" name="Rectangle 44"/>
-          <p:cNvSpPr/>
-          <p:nvPr/>
-        </p:nvSpPr>
-        <p:spPr>
-          <a:xfrm>
-            <a:off x="2328394" y="2986815"/>
-            <a:ext cx="521405" cy="498144"/>
-          </a:xfrm>
-          <a:prstGeom prst="rect">
-            <a:avLst/>
-          </a:prstGeom>
-          <a:ln w="57150">
-            <a:solidFill>
-              <a:schemeClr val="tx1"/>
-            </a:solidFill>
-          </a:ln>
-        </p:spPr>
-        <p:style>
-          <a:lnRef idx="2">
-            <a:schemeClr val="accent6"/>
-          </a:lnRef>
-          <a:fillRef idx="1">
-            <a:schemeClr val="lt1"/>
-          </a:fillRef>
-          <a:effectRef idx="0">
-            <a:schemeClr val="accent6"/>
-          </a:effectRef>
-          <a:fontRef idx="minor">
-            <a:schemeClr val="dk1"/>
-          </a:fontRef>
-        </p:style>
-        <p:txBody>
-          <a:bodyPr rtlCol="0" anchor="ctr"/>
-          <a:lstStyle/>
-          <a:p>
-            <a:pPr algn="ctr"/>
-            <a:r>
-              <a:rPr lang="en-US" sz="2400" dirty="0" smtClean="0"/>
-              <a:t>P</a:t>
-            </a:r>
-            <a:endParaRPr lang="en-US" sz="2400" dirty="0"/>
-          </a:p>
-        </p:txBody>
-      </p:sp>
-      <p:cxnSp>
-        <p:nvCxnSpPr>
-          <p:cNvPr id="46" name="Straight Arrow Connector 45"/>
-          <p:cNvCxnSpPr/>
-          <p:nvPr/>
-        </p:nvCxnSpPr>
-        <p:spPr>
-          <a:xfrm>
-            <a:off x="2862616" y="3235887"/>
-            <a:ext cx="1218065" cy="0"/>
-          </a:xfrm>
-          <a:prstGeom prst="straightConnector1">
-            <a:avLst/>
-          </a:prstGeom>
-          <a:ln w="57150">
-            <a:solidFill>
-              <a:schemeClr val="tx1"/>
-            </a:solidFill>
-            <a:tailEnd type="triangle"/>
-          </a:ln>
-        </p:spPr>
-        <p:style>
-          <a:lnRef idx="1">
-            <a:schemeClr val="accent1"/>
-          </a:lnRef>
-          <a:fillRef idx="0">
-            <a:schemeClr val="accent1"/>
-          </a:fillRef>
-          <a:effectRef idx="0">
-            <a:schemeClr val="accent1"/>
-          </a:effectRef>
-          <a:fontRef idx="minor">
-            <a:schemeClr val="tx1"/>
-          </a:fontRef>
-        </p:style>
-      </p:cxnSp>
-      <p:cxnSp>
-        <p:nvCxnSpPr>
-          <p:cNvPr id="47" name="Straight Arrow Connector 46"/>
-          <p:cNvCxnSpPr>
-            <a:endCxn id="45" idx="1"/>
-          </p:cNvCxnSpPr>
-          <p:nvPr/>
-        </p:nvCxnSpPr>
-        <p:spPr>
-          <a:xfrm>
-            <a:off x="1765294" y="3228109"/>
-            <a:ext cx="563100" cy="7778"/>
-          </a:xfrm>
-          <a:prstGeom prst="straightConnector1">
-            <a:avLst/>
-          </a:prstGeom>
-          <a:ln w="57150">
-            <a:solidFill>
-              <a:schemeClr val="tx1"/>
-            </a:solidFill>
-            <a:tailEnd type="triangle"/>
-          </a:ln>
-        </p:spPr>
-        <p:style>
-          <a:lnRef idx="1">
-            <a:schemeClr val="accent1"/>
-          </a:lnRef>
-          <a:fillRef idx="0">
-            <a:schemeClr val="accent1"/>
-          </a:fillRef>
-          <a:effectRef idx="0">
-            <a:schemeClr val="accent1"/>
-          </a:effectRef>
-          <a:fontRef idx="minor">
-            <a:schemeClr val="tx1"/>
-          </a:fontRef>
-        </p:style>
-      </p:cxnSp>
-      <p:cxnSp>
-        <p:nvCxnSpPr>
-          <p:cNvPr id="48" name="Straight Arrow Connector 47"/>
-          <p:cNvCxnSpPr/>
-          <p:nvPr/>
-        </p:nvCxnSpPr>
-        <p:spPr>
-          <a:xfrm flipV="1">
-            <a:off x="1546929" y="3437193"/>
-            <a:ext cx="4674" cy="425765"/>
-          </a:xfrm>
-          <a:prstGeom prst="straightConnector1">
-            <a:avLst/>
-          </a:prstGeom>
-          <a:ln w="57150">
-            <a:solidFill>
-              <a:schemeClr val="tx1"/>
-            </a:solidFill>
-            <a:tailEnd type="triangle"/>
-          </a:ln>
-        </p:spPr>
-        <p:style>
-          <a:lnRef idx="1">
-            <a:schemeClr val="accent1"/>
-          </a:lnRef>
-          <a:fillRef idx="0">
-            <a:schemeClr val="accent1"/>
-          </a:fillRef>
-          <a:effectRef idx="0">
-            <a:schemeClr val="accent1"/>
-          </a:effectRef>
-          <a:fontRef idx="minor">
-            <a:schemeClr val="tx1"/>
-          </a:fontRef>
-        </p:style>
-      </p:cxnSp>
-      <p:sp>
-        <p:nvSpPr>
-          <p:cNvPr id="49" name="TextBox 48"/>
-          <p:cNvSpPr txBox="1"/>
-          <p:nvPr/>
-        </p:nvSpPr>
-        <p:spPr>
-          <a:xfrm>
-            <a:off x="504762" y="3790885"/>
-            <a:ext cx="1684169" cy="369332"/>
-          </a:xfrm>
-          <a:prstGeom prst="rect">
-            <a:avLst/>
-          </a:prstGeom>
-          <a:noFill/>
-        </p:spPr>
-        <p:txBody>
-          <a:bodyPr wrap="square" rtlCol="0">
-            <a:spAutoFit/>
-          </a:bodyPr>
-          <a:lstStyle/>
-          <a:p>
-            <a:r>
-              <a:rPr lang="en-US" dirty="0" smtClean="0"/>
-              <a:t>pitch_estimsted</a:t>
-            </a:r>
-            <a:endParaRPr lang="en-US" dirty="0"/>
-          </a:p>
-        </p:txBody>
-      </p:sp>
-      <p:sp>
-        <p:nvSpPr>
-          <p:cNvPr id="50" name="TextBox 49"/>
-          <p:cNvSpPr txBox="1"/>
-          <p:nvPr/>
-        </p:nvSpPr>
-        <p:spPr>
-          <a:xfrm>
-            <a:off x="2876160" y="2832403"/>
-            <a:ext cx="1217337" cy="369332"/>
-          </a:xfrm>
-          <a:prstGeom prst="rect">
-            <a:avLst/>
-          </a:prstGeom>
-          <a:noFill/>
-        </p:spPr>
-        <p:txBody>
-          <a:bodyPr wrap="square" rtlCol="0">
-            <a:spAutoFit/>
-          </a:bodyPr>
-          <a:lstStyle/>
-          <a:p>
-            <a:r>
-              <a:rPr lang="en-US" dirty="0" smtClean="0"/>
-              <a:t>pitdot_req</a:t>
-            </a:r>
-            <a:endParaRPr lang="en-US" dirty="0"/>
-          </a:p>
-        </p:txBody>
-      </p:sp>
-      <p:sp>
-        <p:nvSpPr>
-          <p:cNvPr id="51" name="Flowchart: Summing Junction 50"/>
-          <p:cNvSpPr/>
-          <p:nvPr/>
-        </p:nvSpPr>
-        <p:spPr>
-          <a:xfrm>
-            <a:off x="4074110" y="3025993"/>
-            <a:ext cx="436729" cy="450377"/>
-          </a:xfrm>
-          <a:prstGeom prst="flowChartSummingJunction">
-            <a:avLst/>
-          </a:prstGeom>
-          <a:ln w="28575">
-            <a:solidFill>
-              <a:schemeClr val="tx1"/>
-            </a:solidFill>
-          </a:ln>
-        </p:spPr>
-        <p:style>
-          <a:lnRef idx="2">
-            <a:schemeClr val="accent6"/>
-          </a:lnRef>
-          <a:fillRef idx="1">
-            <a:schemeClr val="lt1"/>
-          </a:fillRef>
-          <a:effectRef idx="0">
-            <a:schemeClr val="accent6"/>
-          </a:effectRef>
-          <a:fontRef idx="minor">
-            <a:schemeClr val="dk1"/>
-          </a:fontRef>
-        </p:style>
-        <p:txBody>
-          <a:bodyPr rtlCol="0" anchor="ctr"/>
-          <a:lstStyle/>
-          <a:p>
-            <a:pPr algn="ctr"/>
-            <a:endParaRPr lang="en-US"/>
-          </a:p>
-        </p:txBody>
-      </p:sp>
-      <p:sp>
-        <p:nvSpPr>
-          <p:cNvPr id="52" name="Rectangle 51"/>
-          <p:cNvSpPr/>
-          <p:nvPr/>
-        </p:nvSpPr>
-        <p:spPr>
-          <a:xfrm>
-            <a:off x="5168514" y="2986815"/>
-            <a:ext cx="581455" cy="545910"/>
-          </a:xfrm>
-          <a:prstGeom prst="rect">
-            <a:avLst/>
-          </a:prstGeom>
-          <a:ln w="57150">
-            <a:solidFill>
-              <a:schemeClr val="tx1"/>
-            </a:solidFill>
-          </a:ln>
-        </p:spPr>
-        <p:style>
-          <a:lnRef idx="2">
-            <a:schemeClr val="accent6"/>
-          </a:lnRef>
-          <a:fillRef idx="1">
-            <a:schemeClr val="lt1"/>
-          </a:fillRef>
-          <a:effectRef idx="0">
-            <a:schemeClr val="accent6"/>
-          </a:effectRef>
-          <a:fontRef idx="minor">
-            <a:schemeClr val="dk1"/>
-          </a:fontRef>
-        </p:style>
-        <p:txBody>
-          <a:bodyPr rtlCol="0" anchor="ctr"/>
-          <a:lstStyle/>
-          <a:p>
-            <a:pPr algn="ctr"/>
-            <a:r>
-              <a:rPr lang="en-US" sz="2400" dirty="0" smtClean="0"/>
-              <a:t>PI</a:t>
-            </a:r>
-            <a:endParaRPr lang="en-US" sz="2400" dirty="0"/>
-          </a:p>
-        </p:txBody>
-      </p:sp>
-      <p:sp>
-        <p:nvSpPr>
-          <p:cNvPr id="54" name="Rectangle 53"/>
-          <p:cNvSpPr/>
-          <p:nvPr/>
-        </p:nvSpPr>
-        <p:spPr>
-          <a:xfrm>
-            <a:off x="5168514" y="3790885"/>
-            <a:ext cx="581455" cy="549744"/>
-          </a:xfrm>
-          <a:prstGeom prst="rect">
-            <a:avLst/>
-          </a:prstGeom>
-          <a:ln w="57150">
-            <a:solidFill>
-              <a:schemeClr val="tx1"/>
-            </a:solidFill>
-          </a:ln>
-        </p:spPr>
-        <p:style>
-          <a:lnRef idx="2">
-            <a:schemeClr val="accent6"/>
-          </a:lnRef>
-          <a:fillRef idx="1">
-            <a:schemeClr val="lt1"/>
-          </a:fillRef>
-          <a:effectRef idx="0">
-            <a:schemeClr val="accent6"/>
-          </a:effectRef>
-          <a:fontRef idx="minor">
-            <a:schemeClr val="dk1"/>
-          </a:fontRef>
-        </p:style>
-        <p:txBody>
-          <a:bodyPr rtlCol="0" anchor="ctr"/>
-          <a:lstStyle/>
-          <a:p>
-            <a:pPr algn="ctr"/>
-            <a:r>
-              <a:rPr lang="en-US" sz="2400" dirty="0" smtClean="0"/>
-              <a:t>D</a:t>
-            </a:r>
-            <a:endParaRPr lang="en-US" sz="2400" dirty="0"/>
-          </a:p>
-        </p:txBody>
-      </p:sp>
-      <p:cxnSp>
-        <p:nvCxnSpPr>
-          <p:cNvPr id="55" name="Straight Arrow Connector 54"/>
-          <p:cNvCxnSpPr/>
-          <p:nvPr/>
-        </p:nvCxnSpPr>
-        <p:spPr>
-          <a:xfrm>
-            <a:off x="4575535" y="4055293"/>
-            <a:ext cx="563100" cy="7778"/>
-          </a:xfrm>
-          <a:prstGeom prst="straightConnector1">
-            <a:avLst/>
-          </a:prstGeom>
-          <a:ln w="57150">
-            <a:solidFill>
-              <a:schemeClr val="tx1"/>
-            </a:solidFill>
-            <a:tailEnd type="triangle"/>
-          </a:ln>
-        </p:spPr>
-        <p:style>
-          <a:lnRef idx="1">
-            <a:schemeClr val="accent1"/>
-          </a:lnRef>
-          <a:fillRef idx="0">
-            <a:schemeClr val="accent1"/>
-          </a:fillRef>
-          <a:effectRef idx="0">
-            <a:schemeClr val="accent1"/>
-          </a:effectRef>
-          <a:fontRef idx="minor">
-            <a:schemeClr val="tx1"/>
-          </a:fontRef>
-        </p:style>
-      </p:cxnSp>
-      <p:sp>
-        <p:nvSpPr>
-          <p:cNvPr id="56" name="TextBox 55"/>
-          <p:cNvSpPr txBox="1"/>
-          <p:nvPr/>
-        </p:nvSpPr>
-        <p:spPr>
-          <a:xfrm>
-            <a:off x="2478495" y="3878405"/>
-            <a:ext cx="2105880" cy="369332"/>
-          </a:xfrm>
-          <a:prstGeom prst="rect">
-            <a:avLst/>
-          </a:prstGeom>
-          <a:noFill/>
-        </p:spPr>
-        <p:txBody>
-          <a:bodyPr wrap="square" rtlCol="0">
-            <a:spAutoFit/>
-          </a:bodyPr>
-          <a:lstStyle/>
-          <a:p>
-            <a:r>
-              <a:rPr lang="en-US" dirty="0" smtClean="0"/>
-              <a:t>pitchdot_estimated</a:t>
-            </a:r>
-            <a:endParaRPr lang="en-US" dirty="0"/>
-          </a:p>
-        </p:txBody>
-      </p:sp>
-      <p:cxnSp>
-        <p:nvCxnSpPr>
-          <p:cNvPr id="57" name="Straight Arrow Connector 56"/>
-          <p:cNvCxnSpPr/>
-          <p:nvPr/>
-        </p:nvCxnSpPr>
-        <p:spPr>
-          <a:xfrm flipV="1">
-            <a:off x="4290137" y="3464505"/>
-            <a:ext cx="4674" cy="425765"/>
-          </a:xfrm>
-          <a:prstGeom prst="straightConnector1">
-            <a:avLst/>
-          </a:prstGeom>
-          <a:ln w="57150">
-            <a:solidFill>
-              <a:schemeClr val="tx1"/>
-            </a:solidFill>
-            <a:tailEnd type="triangle"/>
-          </a:ln>
-        </p:spPr>
-        <p:style>
-          <a:lnRef idx="1">
-            <a:schemeClr val="accent1"/>
-          </a:lnRef>
-          <a:fillRef idx="0">
-            <a:schemeClr val="accent1"/>
-          </a:fillRef>
-          <a:effectRef idx="0">
-            <a:schemeClr val="accent1"/>
-          </a:effectRef>
-          <a:fontRef idx="minor">
-            <a:schemeClr val="tx1"/>
-          </a:fontRef>
-        </p:style>
-      </p:cxnSp>
-      <p:cxnSp>
-        <p:nvCxnSpPr>
-          <p:cNvPr id="58" name="Straight Arrow Connector 57"/>
-          <p:cNvCxnSpPr/>
-          <p:nvPr/>
-        </p:nvCxnSpPr>
-        <p:spPr>
-          <a:xfrm>
-            <a:off x="5749969" y="3275791"/>
-            <a:ext cx="623967" cy="0"/>
-          </a:xfrm>
-          <a:prstGeom prst="straightConnector1">
-            <a:avLst/>
-          </a:prstGeom>
-          <a:ln w="57150">
-            <a:solidFill>
-              <a:schemeClr val="tx1"/>
-            </a:solidFill>
-            <a:tailEnd type="triangle"/>
-          </a:ln>
-        </p:spPr>
-        <p:style>
-          <a:lnRef idx="1">
-            <a:schemeClr val="accent1"/>
-          </a:lnRef>
-          <a:fillRef idx="0">
-            <a:schemeClr val="accent1"/>
-          </a:fillRef>
-          <a:effectRef idx="0">
-            <a:schemeClr val="accent1"/>
-          </a:effectRef>
-          <a:fontRef idx="minor">
-            <a:schemeClr val="tx1"/>
-          </a:fontRef>
-        </p:style>
-      </p:cxnSp>
-      <p:sp>
-        <p:nvSpPr>
-          <p:cNvPr id="59" name="Flowchart: Summing Junction 58"/>
-          <p:cNvSpPr/>
-          <p:nvPr/>
-        </p:nvSpPr>
-        <p:spPr>
-          <a:xfrm>
-            <a:off x="6357123" y="3082035"/>
-            <a:ext cx="436729" cy="450377"/>
-          </a:xfrm>
-          <a:prstGeom prst="flowChartSummingJunction">
-            <a:avLst/>
-          </a:prstGeom>
-          <a:ln w="28575">
-            <a:solidFill>
-              <a:schemeClr val="tx1"/>
-            </a:solidFill>
-          </a:ln>
-        </p:spPr>
-        <p:style>
-          <a:lnRef idx="2">
-            <a:schemeClr val="accent6"/>
-          </a:lnRef>
-          <a:fillRef idx="1">
-            <a:schemeClr val="lt1"/>
-          </a:fillRef>
-          <a:effectRef idx="0">
-            <a:schemeClr val="accent6"/>
-          </a:effectRef>
-          <a:fontRef idx="minor">
-            <a:schemeClr val="dk1"/>
-          </a:fontRef>
-        </p:style>
-        <p:txBody>
-          <a:bodyPr rtlCol="0" anchor="ctr"/>
-          <a:lstStyle/>
-          <a:p>
-            <a:pPr algn="ctr"/>
-            <a:endParaRPr lang="en-US"/>
-          </a:p>
-        </p:txBody>
-      </p:sp>
-      <p:sp>
-        <p:nvSpPr>
-          <p:cNvPr id="60" name="TextBox 59"/>
-          <p:cNvSpPr txBox="1"/>
-          <p:nvPr/>
-        </p:nvSpPr>
-        <p:spPr>
-          <a:xfrm>
-            <a:off x="6407644" y="3154167"/>
-            <a:ext cx="881184" cy="523220"/>
-          </a:xfrm>
-          <a:prstGeom prst="rect">
-            <a:avLst/>
-          </a:prstGeom>
-          <a:noFill/>
-        </p:spPr>
-        <p:txBody>
-          <a:bodyPr wrap="square" rtlCol="0">
-            <a:spAutoFit/>
-          </a:bodyPr>
-          <a:lstStyle/>
-          <a:p>
-            <a:r>
-              <a:rPr lang="en-US" sz="2800" b="1" dirty="0" smtClean="0"/>
-              <a:t>-</a:t>
-            </a:r>
-            <a:endParaRPr lang="en-US" b="1" dirty="0"/>
-          </a:p>
-        </p:txBody>
-      </p:sp>
-      <p:cxnSp>
-        <p:nvCxnSpPr>
-          <p:cNvPr id="61" name="Straight Arrow Connector 60"/>
-          <p:cNvCxnSpPr>
-            <a:stCxn id="54" idx="3"/>
-          </p:cNvCxnSpPr>
-          <p:nvPr/>
-        </p:nvCxnSpPr>
-        <p:spPr>
-          <a:xfrm flipV="1">
-            <a:off x="5749969" y="3532412"/>
-            <a:ext cx="787309" cy="533345"/>
-          </a:xfrm>
-          <a:prstGeom prst="straightConnector1">
-            <a:avLst/>
-          </a:prstGeom>
-          <a:ln w="57150">
-            <a:solidFill>
-              <a:schemeClr val="tx1"/>
-            </a:solidFill>
-            <a:tailEnd type="triangle"/>
-          </a:ln>
-        </p:spPr>
-        <p:style>
-          <a:lnRef idx="1">
-            <a:schemeClr val="accent1"/>
-          </a:lnRef>
-          <a:fillRef idx="0">
-            <a:schemeClr val="accent1"/>
-          </a:fillRef>
-          <a:effectRef idx="0">
-            <a:schemeClr val="accent1"/>
-          </a:effectRef>
-          <a:fontRef idx="minor">
-            <a:schemeClr val="tx1"/>
-          </a:fontRef>
-        </p:style>
-      </p:cxnSp>
-      <p:cxnSp>
-        <p:nvCxnSpPr>
-          <p:cNvPr id="62" name="Straight Arrow Connector 61"/>
-          <p:cNvCxnSpPr/>
-          <p:nvPr/>
-        </p:nvCxnSpPr>
-        <p:spPr>
-          <a:xfrm flipV="1">
-            <a:off x="6793852" y="3251181"/>
-            <a:ext cx="1817885" cy="25336"/>
-          </a:xfrm>
-          <a:prstGeom prst="straightConnector1">
-            <a:avLst/>
-          </a:prstGeom>
-          <a:ln w="57150">
-            <a:solidFill>
-              <a:schemeClr val="tx1"/>
-            </a:solidFill>
-            <a:tailEnd type="triangle"/>
-          </a:ln>
-        </p:spPr>
-        <p:style>
-          <a:lnRef idx="1">
-            <a:schemeClr val="accent1"/>
-          </a:lnRef>
-          <a:fillRef idx="0">
-            <a:schemeClr val="accent1"/>
-          </a:fillRef>
-          <a:effectRef idx="0">
-            <a:schemeClr val="accent1"/>
-          </a:effectRef>
-          <a:fontRef idx="minor">
-            <a:schemeClr val="tx1"/>
-          </a:fontRef>
-        </p:style>
-      </p:cxnSp>
-      <p:sp>
-        <p:nvSpPr>
-          <p:cNvPr id="63" name="TextBox 62"/>
-          <p:cNvSpPr txBox="1"/>
-          <p:nvPr/>
-        </p:nvSpPr>
-        <p:spPr>
-          <a:xfrm>
-            <a:off x="6853291" y="2765797"/>
-            <a:ext cx="2047108" cy="369332"/>
-          </a:xfrm>
-          <a:prstGeom prst="rect">
-            <a:avLst/>
-          </a:prstGeom>
-          <a:noFill/>
-        </p:spPr>
-        <p:txBody>
-          <a:bodyPr wrap="square" rtlCol="0">
-            <a:spAutoFit/>
-          </a:bodyPr>
-          <a:lstStyle/>
-          <a:p>
-            <a:r>
-              <a:rPr lang="en-US" dirty="0" smtClean="0"/>
-              <a:t>Torque_y_req</a:t>
-            </a:r>
-            <a:endParaRPr lang="en-US" dirty="0"/>
-          </a:p>
-        </p:txBody>
-      </p:sp>
-      <p:cxnSp>
-        <p:nvCxnSpPr>
-          <p:cNvPr id="64" name="Straight Arrow Connector 63"/>
-          <p:cNvCxnSpPr/>
-          <p:nvPr/>
-        </p:nvCxnSpPr>
-        <p:spPr>
-          <a:xfrm>
-            <a:off x="519894" y="5102438"/>
-            <a:ext cx="736979" cy="0"/>
-          </a:xfrm>
-          <a:prstGeom prst="straightConnector1">
-            <a:avLst/>
-          </a:prstGeom>
-          <a:ln w="57150">
-            <a:solidFill>
-              <a:schemeClr val="tx1"/>
-            </a:solidFill>
-            <a:tailEnd type="triangle"/>
-          </a:ln>
-        </p:spPr>
-        <p:style>
-          <a:lnRef idx="1">
-            <a:schemeClr val="accent1"/>
-          </a:lnRef>
-          <a:fillRef idx="0">
-            <a:schemeClr val="accent1"/>
-          </a:fillRef>
-          <a:effectRef idx="0">
-            <a:schemeClr val="accent1"/>
-          </a:effectRef>
-          <a:fontRef idx="minor">
-            <a:schemeClr val="tx1"/>
-          </a:fontRef>
-        </p:style>
-      </p:cxnSp>
-      <p:sp>
-        <p:nvSpPr>
-          <p:cNvPr id="65" name="TextBox 64"/>
-          <p:cNvSpPr txBox="1"/>
-          <p:nvPr/>
-        </p:nvSpPr>
-        <p:spPr>
-          <a:xfrm>
-            <a:off x="324280" y="4624768"/>
-            <a:ext cx="1002227" cy="369332"/>
-          </a:xfrm>
-          <a:prstGeom prst="rect">
-            <a:avLst/>
-          </a:prstGeom>
-          <a:noFill/>
-        </p:spPr>
-        <p:txBody>
-          <a:bodyPr wrap="square" rtlCol="0">
-            <a:spAutoFit/>
-          </a:bodyPr>
-          <a:lstStyle/>
-          <a:p>
-            <a:r>
-              <a:rPr lang="en-US" dirty="0" smtClean="0"/>
-              <a:t>yaw_req</a:t>
-            </a:r>
-            <a:endParaRPr lang="en-US" dirty="0"/>
-          </a:p>
-        </p:txBody>
-      </p:sp>
-      <p:sp>
-        <p:nvSpPr>
-          <p:cNvPr id="66" name="Flowchart: Summing Junction 65"/>
-          <p:cNvSpPr/>
-          <p:nvPr/>
-        </p:nvSpPr>
-        <p:spPr>
-          <a:xfrm>
-            <a:off x="1269126" y="4861144"/>
-            <a:ext cx="436729" cy="450377"/>
-          </a:xfrm>
-          <a:prstGeom prst="flowChartSummingJunction">
-            <a:avLst/>
-          </a:prstGeom>
-          <a:ln w="28575">
-            <a:solidFill>
-              <a:schemeClr val="tx1"/>
-            </a:solidFill>
-          </a:ln>
-        </p:spPr>
-        <p:style>
-          <a:lnRef idx="2">
-            <a:schemeClr val="accent6"/>
-          </a:lnRef>
-          <a:fillRef idx="1">
-            <a:schemeClr val="lt1"/>
-          </a:fillRef>
-          <a:effectRef idx="0">
-            <a:schemeClr val="accent6"/>
-          </a:effectRef>
-          <a:fontRef idx="minor">
-            <a:schemeClr val="dk1"/>
-          </a:fontRef>
-        </p:style>
-        <p:txBody>
-          <a:bodyPr rtlCol="0" anchor="ctr"/>
-          <a:lstStyle/>
-          <a:p>
-            <a:pPr algn="ctr"/>
-            <a:endParaRPr lang="en-US"/>
-          </a:p>
-        </p:txBody>
-      </p:sp>
-      <p:sp>
-        <p:nvSpPr>
-          <p:cNvPr id="67" name="Rectangle 66"/>
-          <p:cNvSpPr/>
-          <p:nvPr/>
-        </p:nvSpPr>
-        <p:spPr>
-          <a:xfrm>
-            <a:off x="2268955" y="4861144"/>
-            <a:ext cx="521405" cy="498144"/>
-          </a:xfrm>
-          <a:prstGeom prst="rect">
-            <a:avLst/>
-          </a:prstGeom>
-          <a:ln w="57150">
-            <a:solidFill>
-              <a:schemeClr val="tx1"/>
-            </a:solidFill>
-          </a:ln>
-        </p:spPr>
-        <p:style>
-          <a:lnRef idx="2">
-            <a:schemeClr val="accent6"/>
-          </a:lnRef>
-          <a:fillRef idx="1">
-            <a:schemeClr val="lt1"/>
-          </a:fillRef>
-          <a:effectRef idx="0">
-            <a:schemeClr val="accent6"/>
-          </a:effectRef>
-          <a:fontRef idx="minor">
-            <a:schemeClr val="dk1"/>
-          </a:fontRef>
-        </p:style>
-        <p:txBody>
-          <a:bodyPr rtlCol="0" anchor="ctr"/>
-          <a:lstStyle/>
-          <a:p>
-            <a:pPr algn="ctr"/>
-            <a:r>
-              <a:rPr lang="en-US" sz="2400" dirty="0" smtClean="0"/>
-              <a:t>P</a:t>
-            </a:r>
-            <a:endParaRPr lang="en-US" sz="2400" dirty="0"/>
-          </a:p>
-        </p:txBody>
-      </p:sp>
-      <p:cxnSp>
-        <p:nvCxnSpPr>
-          <p:cNvPr id="68" name="Straight Arrow Connector 67"/>
-          <p:cNvCxnSpPr/>
-          <p:nvPr/>
-        </p:nvCxnSpPr>
-        <p:spPr>
-          <a:xfrm>
-            <a:off x="2803177" y="5110216"/>
-            <a:ext cx="1218065" cy="0"/>
-          </a:xfrm>
-          <a:prstGeom prst="straightConnector1">
-            <a:avLst/>
-          </a:prstGeom>
-          <a:ln w="57150">
-            <a:solidFill>
-              <a:schemeClr val="tx1"/>
-            </a:solidFill>
-            <a:tailEnd type="triangle"/>
-          </a:ln>
-        </p:spPr>
-        <p:style>
-          <a:lnRef idx="1">
-            <a:schemeClr val="accent1"/>
-          </a:lnRef>
-          <a:fillRef idx="0">
-            <a:schemeClr val="accent1"/>
-          </a:fillRef>
-          <a:effectRef idx="0">
-            <a:schemeClr val="accent1"/>
-          </a:effectRef>
-          <a:fontRef idx="minor">
-            <a:schemeClr val="tx1"/>
-          </a:fontRef>
-        </p:style>
-      </p:cxnSp>
-      <p:cxnSp>
-        <p:nvCxnSpPr>
-          <p:cNvPr id="69" name="Straight Arrow Connector 68"/>
-          <p:cNvCxnSpPr>
-            <a:endCxn id="67" idx="1"/>
-          </p:cNvCxnSpPr>
-          <p:nvPr/>
-        </p:nvCxnSpPr>
-        <p:spPr>
-          <a:xfrm>
-            <a:off x="1705855" y="5102438"/>
-            <a:ext cx="563100" cy="7778"/>
-          </a:xfrm>
-          <a:prstGeom prst="straightConnector1">
-            <a:avLst/>
-          </a:prstGeom>
-          <a:ln w="57150">
-            <a:solidFill>
-              <a:schemeClr val="tx1"/>
-            </a:solidFill>
-            <a:tailEnd type="triangle"/>
-          </a:ln>
-        </p:spPr>
-        <p:style>
-          <a:lnRef idx="1">
-            <a:schemeClr val="accent1"/>
-          </a:lnRef>
-          <a:fillRef idx="0">
-            <a:schemeClr val="accent1"/>
-          </a:fillRef>
-          <a:effectRef idx="0">
-            <a:schemeClr val="accent1"/>
-          </a:effectRef>
-          <a:fontRef idx="minor">
-            <a:schemeClr val="tx1"/>
-          </a:fontRef>
-        </p:style>
-      </p:cxnSp>
-      <p:cxnSp>
-        <p:nvCxnSpPr>
-          <p:cNvPr id="70" name="Straight Arrow Connector 69"/>
-          <p:cNvCxnSpPr/>
-          <p:nvPr/>
-        </p:nvCxnSpPr>
-        <p:spPr>
-          <a:xfrm flipV="1">
-            <a:off x="1487490" y="5311522"/>
-            <a:ext cx="4674" cy="425765"/>
-          </a:xfrm>
-          <a:prstGeom prst="straightConnector1">
-            <a:avLst/>
-          </a:prstGeom>
-          <a:ln w="57150">
-            <a:solidFill>
-              <a:schemeClr val="tx1"/>
-            </a:solidFill>
-            <a:tailEnd type="triangle"/>
-          </a:ln>
-        </p:spPr>
-        <p:style>
-          <a:lnRef idx="1">
-            <a:schemeClr val="accent1"/>
-          </a:lnRef>
-          <a:fillRef idx="0">
-            <a:schemeClr val="accent1"/>
-          </a:fillRef>
-          <a:effectRef idx="0">
-            <a:schemeClr val="accent1"/>
-          </a:effectRef>
-          <a:fontRef idx="minor">
-            <a:schemeClr val="tx1"/>
-          </a:fontRef>
-        </p:style>
-      </p:cxnSp>
-      <p:sp>
-        <p:nvSpPr>
-          <p:cNvPr id="71" name="TextBox 70"/>
-          <p:cNvSpPr txBox="1"/>
-          <p:nvPr/>
-        </p:nvSpPr>
-        <p:spPr>
-          <a:xfrm>
-            <a:off x="385069" y="5652959"/>
-            <a:ext cx="1743608" cy="369332"/>
-          </a:xfrm>
-          <a:prstGeom prst="rect">
-            <a:avLst/>
-          </a:prstGeom>
-          <a:noFill/>
-        </p:spPr>
-        <p:txBody>
-          <a:bodyPr wrap="square" rtlCol="0">
-            <a:spAutoFit/>
-          </a:bodyPr>
-          <a:lstStyle/>
-          <a:p>
-            <a:r>
-              <a:rPr lang="en-US" dirty="0" smtClean="0"/>
-              <a:t>Yaw_estimated</a:t>
-            </a:r>
-            <a:endParaRPr lang="en-US" dirty="0"/>
-          </a:p>
-        </p:txBody>
-      </p:sp>
-      <p:sp>
-        <p:nvSpPr>
-          <p:cNvPr id="72" name="TextBox 71"/>
-          <p:cNvSpPr txBox="1"/>
-          <p:nvPr/>
-        </p:nvSpPr>
-        <p:spPr>
-          <a:xfrm>
-            <a:off x="2816721" y="4706732"/>
-            <a:ext cx="1307757" cy="369332"/>
-          </a:xfrm>
-          <a:prstGeom prst="rect">
-            <a:avLst/>
-          </a:prstGeom>
-          <a:noFill/>
-        </p:spPr>
-        <p:txBody>
-          <a:bodyPr wrap="square" rtlCol="0">
-            <a:spAutoFit/>
-          </a:bodyPr>
-          <a:lstStyle/>
-          <a:p>
-            <a:r>
-              <a:rPr lang="en-US" dirty="0" smtClean="0"/>
-              <a:t>yawdot_req</a:t>
-            </a:r>
-            <a:endParaRPr lang="en-US" dirty="0"/>
-          </a:p>
-        </p:txBody>
-      </p:sp>
-      <p:sp>
-        <p:nvSpPr>
-          <p:cNvPr id="73" name="Flowchart: Summing Junction 72"/>
-          <p:cNvSpPr/>
-          <p:nvPr/>
-        </p:nvSpPr>
-        <p:spPr>
-          <a:xfrm>
-            <a:off x="4014671" y="4900322"/>
-            <a:ext cx="436729" cy="450377"/>
-          </a:xfrm>
-          <a:prstGeom prst="flowChartSummingJunction">
-            <a:avLst/>
-          </a:prstGeom>
-          <a:ln w="28575">
-            <a:solidFill>
-              <a:schemeClr val="tx1"/>
-            </a:solidFill>
-          </a:ln>
-        </p:spPr>
-        <p:style>
-          <a:lnRef idx="2">
-            <a:schemeClr val="accent6"/>
-          </a:lnRef>
-          <a:fillRef idx="1">
-            <a:schemeClr val="lt1"/>
-          </a:fillRef>
-          <a:effectRef idx="0">
-            <a:schemeClr val="accent6"/>
-          </a:effectRef>
-          <a:fontRef idx="minor">
-            <a:schemeClr val="dk1"/>
-          </a:fontRef>
-        </p:style>
-        <p:txBody>
-          <a:bodyPr rtlCol="0" anchor="ctr"/>
-          <a:lstStyle/>
-          <a:p>
-            <a:pPr algn="ctr"/>
-            <a:endParaRPr lang="en-US"/>
-          </a:p>
-        </p:txBody>
-      </p:sp>
-      <p:sp>
-        <p:nvSpPr>
-          <p:cNvPr id="74" name="Rectangle 73"/>
-          <p:cNvSpPr/>
-          <p:nvPr/>
-        </p:nvSpPr>
-        <p:spPr>
-          <a:xfrm>
-            <a:off x="5109075" y="4861144"/>
-            <a:ext cx="581455" cy="545910"/>
-          </a:xfrm>
-          <a:prstGeom prst="rect">
-            <a:avLst/>
-          </a:prstGeom>
-          <a:ln w="57150">
-            <a:solidFill>
-              <a:schemeClr val="tx1"/>
-            </a:solidFill>
-          </a:ln>
-        </p:spPr>
-        <p:style>
-          <a:lnRef idx="2">
-            <a:schemeClr val="accent6"/>
-          </a:lnRef>
-          <a:fillRef idx="1">
-            <a:schemeClr val="lt1"/>
-          </a:fillRef>
-          <a:effectRef idx="0">
-            <a:schemeClr val="accent6"/>
-          </a:effectRef>
-          <a:fontRef idx="minor">
-            <a:schemeClr val="dk1"/>
-          </a:fontRef>
-        </p:style>
-        <p:txBody>
-          <a:bodyPr rtlCol="0" anchor="ctr"/>
-          <a:lstStyle/>
-          <a:p>
-            <a:pPr algn="ctr"/>
-            <a:r>
-              <a:rPr lang="en-US" sz="2400" dirty="0" smtClean="0"/>
-              <a:t>PI</a:t>
-            </a:r>
-            <a:endParaRPr lang="en-US" sz="2400" dirty="0"/>
-          </a:p>
-        </p:txBody>
-      </p:sp>
-      <p:cxnSp>
-        <p:nvCxnSpPr>
-          <p:cNvPr id="75" name="Straight Arrow Connector 74"/>
-          <p:cNvCxnSpPr>
-            <a:stCxn id="73" idx="6"/>
-          </p:cNvCxnSpPr>
-          <p:nvPr/>
-        </p:nvCxnSpPr>
-        <p:spPr>
-          <a:xfrm>
-            <a:off x="4451400" y="5125511"/>
-            <a:ext cx="623967" cy="0"/>
-          </a:xfrm>
-          <a:prstGeom prst="straightConnector1">
-            <a:avLst/>
-          </a:prstGeom>
-          <a:ln w="57150">
-            <a:solidFill>
-              <a:schemeClr val="tx1"/>
-            </a:solidFill>
-            <a:tailEnd type="triangle"/>
-          </a:ln>
-        </p:spPr>
-        <p:style>
-          <a:lnRef idx="1">
-            <a:schemeClr val="accent1"/>
-          </a:lnRef>
-          <a:fillRef idx="0">
-            <a:schemeClr val="accent1"/>
-          </a:fillRef>
-          <a:effectRef idx="0">
-            <a:schemeClr val="accent1"/>
-          </a:effectRef>
-          <a:fontRef idx="minor">
-            <a:schemeClr val="tx1"/>
-          </a:fontRef>
-        </p:style>
-      </p:cxnSp>
-      <p:sp>
-        <p:nvSpPr>
-          <p:cNvPr id="76" name="Rectangle 75"/>
-          <p:cNvSpPr/>
-          <p:nvPr/>
-        </p:nvSpPr>
-        <p:spPr>
-          <a:xfrm>
-            <a:off x="5109075" y="5665214"/>
-            <a:ext cx="581455" cy="549744"/>
-          </a:xfrm>
-          <a:prstGeom prst="rect">
-            <a:avLst/>
-          </a:prstGeom>
-          <a:ln w="57150">
-            <a:solidFill>
-              <a:schemeClr val="tx1"/>
-            </a:solidFill>
-          </a:ln>
-        </p:spPr>
-        <p:style>
-          <a:lnRef idx="2">
-            <a:schemeClr val="accent6"/>
-          </a:lnRef>
-          <a:fillRef idx="1">
-            <a:schemeClr val="lt1"/>
-          </a:fillRef>
-          <a:effectRef idx="0">
-            <a:schemeClr val="accent6"/>
-          </a:effectRef>
-          <a:fontRef idx="minor">
-            <a:schemeClr val="dk1"/>
-          </a:fontRef>
-        </p:style>
-        <p:txBody>
-          <a:bodyPr rtlCol="0" anchor="ctr"/>
-          <a:lstStyle/>
-          <a:p>
-            <a:pPr algn="ctr"/>
-            <a:r>
-              <a:rPr lang="en-US" sz="2400" dirty="0" smtClean="0"/>
-              <a:t>D</a:t>
-            </a:r>
-            <a:endParaRPr lang="en-US" sz="2400" dirty="0"/>
-          </a:p>
-        </p:txBody>
-      </p:sp>
-      <p:cxnSp>
-        <p:nvCxnSpPr>
-          <p:cNvPr id="77" name="Straight Arrow Connector 76"/>
-          <p:cNvCxnSpPr/>
-          <p:nvPr/>
-        </p:nvCxnSpPr>
-        <p:spPr>
-          <a:xfrm>
-            <a:off x="4516096" y="5929622"/>
-            <a:ext cx="563100" cy="7778"/>
-          </a:xfrm>
-          <a:prstGeom prst="straightConnector1">
-            <a:avLst/>
-          </a:prstGeom>
-          <a:ln w="57150">
-            <a:solidFill>
-              <a:schemeClr val="tx1"/>
-            </a:solidFill>
-            <a:tailEnd type="triangle"/>
-          </a:ln>
-        </p:spPr>
-        <p:style>
-          <a:lnRef idx="1">
-            <a:schemeClr val="accent1"/>
-          </a:lnRef>
-          <a:fillRef idx="0">
-            <a:schemeClr val="accent1"/>
-          </a:fillRef>
-          <a:effectRef idx="0">
-            <a:schemeClr val="accent1"/>
-          </a:effectRef>
-          <a:fontRef idx="minor">
-            <a:schemeClr val="tx1"/>
-          </a:fontRef>
-        </p:style>
-      </p:cxnSp>
-      <p:sp>
-        <p:nvSpPr>
-          <p:cNvPr id="78" name="TextBox 77"/>
-          <p:cNvSpPr txBox="1"/>
-          <p:nvPr/>
-        </p:nvSpPr>
-        <p:spPr>
-          <a:xfrm>
-            <a:off x="2579428" y="5752734"/>
-            <a:ext cx="1945508" cy="369332"/>
-          </a:xfrm>
-          <a:prstGeom prst="rect">
-            <a:avLst/>
-          </a:prstGeom>
-          <a:noFill/>
-        </p:spPr>
-        <p:txBody>
-          <a:bodyPr wrap="square" rtlCol="0">
-            <a:spAutoFit/>
-          </a:bodyPr>
-          <a:lstStyle/>
-          <a:p>
-            <a:r>
-              <a:rPr lang="en-US" dirty="0" smtClean="0"/>
-              <a:t>yawdot_estimated</a:t>
-            </a:r>
-            <a:endParaRPr lang="en-US" dirty="0"/>
-          </a:p>
-        </p:txBody>
-      </p:sp>
-      <p:cxnSp>
-        <p:nvCxnSpPr>
-          <p:cNvPr id="79" name="Straight Arrow Connector 78"/>
-          <p:cNvCxnSpPr/>
-          <p:nvPr/>
-        </p:nvCxnSpPr>
-        <p:spPr>
-          <a:xfrm flipV="1">
-            <a:off x="4230698" y="5338834"/>
-            <a:ext cx="4674" cy="425765"/>
-          </a:xfrm>
-          <a:prstGeom prst="straightConnector1">
-            <a:avLst/>
-          </a:prstGeom>
-          <a:ln w="57150">
-            <a:solidFill>
-              <a:schemeClr val="tx1"/>
-            </a:solidFill>
-            <a:tailEnd type="triangle"/>
-          </a:ln>
-        </p:spPr>
-        <p:style>
-          <a:lnRef idx="1">
-            <a:schemeClr val="accent1"/>
-          </a:lnRef>
-          <a:fillRef idx="0">
-            <a:schemeClr val="accent1"/>
-          </a:fillRef>
-          <a:effectRef idx="0">
-            <a:schemeClr val="accent1"/>
-          </a:effectRef>
-          <a:fontRef idx="minor">
-            <a:schemeClr val="tx1"/>
-          </a:fontRef>
-        </p:style>
-      </p:cxnSp>
-      <p:cxnSp>
-        <p:nvCxnSpPr>
-          <p:cNvPr id="80" name="Straight Arrow Connector 79"/>
-          <p:cNvCxnSpPr/>
-          <p:nvPr/>
-        </p:nvCxnSpPr>
-        <p:spPr>
-          <a:xfrm>
-            <a:off x="5690530" y="5150120"/>
-            <a:ext cx="623967" cy="0"/>
-          </a:xfrm>
-          <a:prstGeom prst="straightConnector1">
-            <a:avLst/>
-          </a:prstGeom>
-          <a:ln w="57150">
-            <a:solidFill>
-              <a:schemeClr val="tx1"/>
-            </a:solidFill>
-            <a:tailEnd type="triangle"/>
-          </a:ln>
-        </p:spPr>
-        <p:style>
-          <a:lnRef idx="1">
-            <a:schemeClr val="accent1"/>
-          </a:lnRef>
-          <a:fillRef idx="0">
-            <a:schemeClr val="accent1"/>
-          </a:fillRef>
-          <a:effectRef idx="0">
-            <a:schemeClr val="accent1"/>
-          </a:effectRef>
-          <a:fontRef idx="minor">
-            <a:schemeClr val="tx1"/>
-          </a:fontRef>
-        </p:style>
-      </p:cxnSp>
-      <p:sp>
-        <p:nvSpPr>
-          <p:cNvPr id="81" name="Flowchart: Summing Junction 80"/>
-          <p:cNvSpPr/>
-          <p:nvPr/>
-        </p:nvSpPr>
-        <p:spPr>
-          <a:xfrm>
-            <a:off x="6297684" y="4956364"/>
-            <a:ext cx="436729" cy="450377"/>
-          </a:xfrm>
-          <a:prstGeom prst="flowChartSummingJunction">
-            <a:avLst/>
-          </a:prstGeom>
-          <a:ln w="28575">
-            <a:solidFill>
-              <a:schemeClr val="tx1"/>
-            </a:solidFill>
-          </a:ln>
-        </p:spPr>
-        <p:style>
-          <a:lnRef idx="2">
-            <a:schemeClr val="accent6"/>
-          </a:lnRef>
-          <a:fillRef idx="1">
-            <a:schemeClr val="lt1"/>
-          </a:fillRef>
-          <a:effectRef idx="0">
-            <a:schemeClr val="accent6"/>
-          </a:effectRef>
-          <a:fontRef idx="minor">
-            <a:schemeClr val="dk1"/>
-          </a:fontRef>
-        </p:style>
-        <p:txBody>
-          <a:bodyPr rtlCol="0" anchor="ctr"/>
-          <a:lstStyle/>
-          <a:p>
-            <a:pPr algn="ctr"/>
-            <a:endParaRPr lang="en-US"/>
-          </a:p>
-        </p:txBody>
-      </p:sp>
-      <p:sp>
-        <p:nvSpPr>
-          <p:cNvPr id="82" name="TextBox 81"/>
-          <p:cNvSpPr txBox="1"/>
-          <p:nvPr/>
-        </p:nvSpPr>
-        <p:spPr>
-          <a:xfrm>
-            <a:off x="6348205" y="5028496"/>
-            <a:ext cx="881184" cy="523220"/>
-          </a:xfrm>
-          <a:prstGeom prst="rect">
-            <a:avLst/>
-          </a:prstGeom>
-          <a:noFill/>
-        </p:spPr>
-        <p:txBody>
-          <a:bodyPr wrap="square" rtlCol="0">
-            <a:spAutoFit/>
-          </a:bodyPr>
-          <a:lstStyle/>
-          <a:p>
-            <a:r>
-              <a:rPr lang="en-US" sz="2800" b="1" dirty="0" smtClean="0"/>
-              <a:t>-</a:t>
-            </a:r>
-            <a:endParaRPr lang="en-US" b="1" dirty="0"/>
-          </a:p>
-        </p:txBody>
-      </p:sp>
-      <p:cxnSp>
-        <p:nvCxnSpPr>
-          <p:cNvPr id="83" name="Straight Arrow Connector 82"/>
-          <p:cNvCxnSpPr>
-            <a:stCxn id="76" idx="3"/>
-          </p:cNvCxnSpPr>
-          <p:nvPr/>
-        </p:nvCxnSpPr>
-        <p:spPr>
-          <a:xfrm flipV="1">
-            <a:off x="5690530" y="5406741"/>
-            <a:ext cx="787309" cy="533345"/>
-          </a:xfrm>
-          <a:prstGeom prst="straightConnector1">
-            <a:avLst/>
-          </a:prstGeom>
-          <a:ln w="57150">
-            <a:solidFill>
-              <a:schemeClr val="tx1"/>
-            </a:solidFill>
-            <a:tailEnd type="triangle"/>
-          </a:ln>
-        </p:spPr>
-        <p:style>
-          <a:lnRef idx="1">
-            <a:schemeClr val="accent1"/>
-          </a:lnRef>
-          <a:fillRef idx="0">
-            <a:schemeClr val="accent1"/>
-          </a:fillRef>
-          <a:effectRef idx="0">
-            <a:schemeClr val="accent1"/>
-          </a:effectRef>
-          <a:fontRef idx="minor">
-            <a:schemeClr val="tx1"/>
-          </a:fontRef>
-        </p:style>
-      </p:cxnSp>
-      <p:cxnSp>
-        <p:nvCxnSpPr>
-          <p:cNvPr id="84" name="Straight Arrow Connector 83"/>
-          <p:cNvCxnSpPr/>
-          <p:nvPr/>
-        </p:nvCxnSpPr>
-        <p:spPr>
-          <a:xfrm flipV="1">
-            <a:off x="6734413" y="5150120"/>
-            <a:ext cx="2018923" cy="726"/>
-          </a:xfrm>
-          <a:prstGeom prst="straightConnector1">
-            <a:avLst/>
-          </a:prstGeom>
-          <a:ln w="57150">
-            <a:solidFill>
-              <a:schemeClr val="tx1"/>
-            </a:solidFill>
-            <a:tailEnd type="triangle"/>
-          </a:ln>
-        </p:spPr>
-        <p:style>
-          <a:lnRef idx="1">
-            <a:schemeClr val="accent1"/>
-          </a:lnRef>
-          <a:fillRef idx="0">
-            <a:schemeClr val="accent1"/>
-          </a:fillRef>
-          <a:effectRef idx="0">
-            <a:schemeClr val="accent1"/>
-          </a:effectRef>
-          <a:fontRef idx="minor">
-            <a:schemeClr val="tx1"/>
-          </a:fontRef>
-        </p:style>
-      </p:cxnSp>
-      <p:sp>
-        <p:nvSpPr>
-          <p:cNvPr id="85" name="TextBox 84"/>
-          <p:cNvSpPr txBox="1"/>
-          <p:nvPr/>
-        </p:nvSpPr>
-        <p:spPr>
-          <a:xfrm>
-            <a:off x="6967809" y="4676478"/>
-            <a:ext cx="2047108" cy="369332"/>
-          </a:xfrm>
-          <a:prstGeom prst="rect">
-            <a:avLst/>
-          </a:prstGeom>
-          <a:noFill/>
-        </p:spPr>
-        <p:txBody>
-          <a:bodyPr wrap="square" rtlCol="0">
-            <a:spAutoFit/>
-          </a:bodyPr>
-          <a:lstStyle/>
-          <a:p>
-            <a:r>
-              <a:rPr lang="en-US" dirty="0" smtClean="0"/>
-              <a:t>Torque_z_req</a:t>
-            </a:r>
-            <a:endParaRPr lang="en-US" dirty="0"/>
-          </a:p>
-        </p:txBody>
-      </p:sp>
-      <p:sp>
-        <p:nvSpPr>
-          <p:cNvPr id="95" name="TextBox 94"/>
-          <p:cNvSpPr txBox="1"/>
-          <p:nvPr/>
-        </p:nvSpPr>
-        <p:spPr>
-          <a:xfrm>
-            <a:off x="6903075" y="5992027"/>
-            <a:ext cx="1681598" cy="369332"/>
-          </a:xfrm>
-          <a:prstGeom prst="rect">
-            <a:avLst/>
-          </a:prstGeom>
-          <a:noFill/>
-        </p:spPr>
-        <p:txBody>
-          <a:bodyPr wrap="square" rtlCol="0">
-            <a:spAutoFit/>
-          </a:bodyPr>
-          <a:lstStyle/>
-          <a:p>
-            <a:r>
-              <a:rPr lang="en-US" dirty="0" smtClean="0"/>
-              <a:t>Required Thrust</a:t>
-            </a:r>
-            <a:endParaRPr lang="en-US" dirty="0"/>
-          </a:p>
-        </p:txBody>
-      </p:sp>
-      <p:cxnSp>
-        <p:nvCxnSpPr>
-          <p:cNvPr id="96" name="Straight Arrow Connector 95"/>
-          <p:cNvCxnSpPr/>
-          <p:nvPr/>
-        </p:nvCxnSpPr>
-        <p:spPr>
-          <a:xfrm flipV="1">
-            <a:off x="6734413" y="6400800"/>
-            <a:ext cx="2038919" cy="17487"/>
-          </a:xfrm>
-          <a:prstGeom prst="straightConnector1">
-            <a:avLst/>
-          </a:prstGeom>
-          <a:ln w="57150">
-            <a:solidFill>
-              <a:schemeClr val="tx1"/>
-            </a:solidFill>
-            <a:tailEnd type="triangle"/>
-          </a:ln>
-        </p:spPr>
-        <p:style>
-          <a:lnRef idx="1">
-            <a:schemeClr val="accent1"/>
-          </a:lnRef>
-          <a:fillRef idx="0">
-            <a:schemeClr val="accent1"/>
-          </a:fillRef>
-          <a:effectRef idx="0">
-            <a:schemeClr val="accent1"/>
-          </a:effectRef>
-          <a:fontRef idx="minor">
-            <a:schemeClr val="tx1"/>
-          </a:fontRef>
-        </p:style>
-      </p:cxnSp>
-      <p:cxnSp>
-        <p:nvCxnSpPr>
-          <p:cNvPr id="99" name="Straight Arrow Connector 98"/>
-          <p:cNvCxnSpPr>
-            <a:stCxn id="51" idx="6"/>
-          </p:cNvCxnSpPr>
-          <p:nvPr/>
-        </p:nvCxnSpPr>
-        <p:spPr>
-          <a:xfrm>
-            <a:off x="4510839" y="3251182"/>
-            <a:ext cx="627796" cy="16574"/>
-          </a:xfrm>
-          <a:prstGeom prst="straightConnector1">
-            <a:avLst/>
-          </a:prstGeom>
-          <a:ln w="57150">
-            <a:solidFill>
-              <a:schemeClr val="tx1"/>
-            </a:solidFill>
-            <a:tailEnd type="triangle"/>
-          </a:ln>
-        </p:spPr>
-        <p:style>
-          <a:lnRef idx="1">
-            <a:schemeClr val="accent1"/>
-          </a:lnRef>
-          <a:fillRef idx="0">
-            <a:schemeClr val="accent1"/>
-          </a:fillRef>
-          <a:effectRef idx="0">
-            <a:schemeClr val="accent1"/>
-          </a:effectRef>
-          <a:fontRef idx="minor">
-            <a:schemeClr val="tx1"/>
-          </a:fontRef>
-        </p:style>
-      </p:cxnSp>
-    </p:spTree>
-    <p:extLst>
-      <p:ext uri="{BB962C8B-B14F-4D97-AF65-F5344CB8AC3E}">
-        <p14:creationId xmlns:p14="http://schemas.microsoft.com/office/powerpoint/2010/main" val="1738289105"/>
       </p:ext>
     </p:extLst>
   </p:cSld>

--- a/documentation/Presentation1.pptx
+++ b/documentation/Presentation1.pptx
@@ -19,6 +19,7 @@
     <p:sldId id="267" r:id="rId13"/>
     <p:sldId id="268" r:id="rId14"/>
     <p:sldId id="269" r:id="rId15"/>
+    <p:sldId id="270" r:id="rId16"/>
   </p:sldIdLst>
   <p:sldSz cx="12192000" cy="6858000"/>
   <p:notesSz cx="6858000" cy="9144000"/>
@@ -117,6 +118,11 @@
       </a:defRPr>
     </a:lvl9pPr>
   </p:defaultTextStyle>
+  <p:extLst>
+    <p:ext uri="{EFAFB233-063F-42B5-8137-9DF3F51BA10A}">
+      <p15:sldGuideLst xmlns:p15="http://schemas.microsoft.com/office/powerpoint/2012/main"/>
+    </p:ext>
+  </p:extLst>
 </p:presentation>
 </file>
 
@@ -251,7 +257,7 @@
           <a:p>
             <a:fld id="{68CA32EA-6F8E-4AFE-BB5A-F18FE2025DED}" type="datetimeFigureOut">
               <a:rPr lang="en-US" smtClean="0"/>
-              <a:t>6/16/2019</a:t>
+              <a:t>7/5/2019</a:t>
             </a:fld>
             <a:endParaRPr lang="en-US"/>
           </a:p>
@@ -421,7 +427,7 @@
           <a:p>
             <a:fld id="{68CA32EA-6F8E-4AFE-BB5A-F18FE2025DED}" type="datetimeFigureOut">
               <a:rPr lang="en-US" smtClean="0"/>
-              <a:t>6/16/2019</a:t>
+              <a:t>7/5/2019</a:t>
             </a:fld>
             <a:endParaRPr lang="en-US"/>
           </a:p>
@@ -601,7 +607,7 @@
           <a:p>
             <a:fld id="{68CA32EA-6F8E-4AFE-BB5A-F18FE2025DED}" type="datetimeFigureOut">
               <a:rPr lang="en-US" smtClean="0"/>
-              <a:t>6/16/2019</a:t>
+              <a:t>7/5/2019</a:t>
             </a:fld>
             <a:endParaRPr lang="en-US"/>
           </a:p>
@@ -771,7 +777,7 @@
           <a:p>
             <a:fld id="{68CA32EA-6F8E-4AFE-BB5A-F18FE2025DED}" type="datetimeFigureOut">
               <a:rPr lang="en-US" smtClean="0"/>
-              <a:t>6/16/2019</a:t>
+              <a:t>7/5/2019</a:t>
             </a:fld>
             <a:endParaRPr lang="en-US"/>
           </a:p>
@@ -1017,7 +1023,7 @@
           <a:p>
             <a:fld id="{68CA32EA-6F8E-4AFE-BB5A-F18FE2025DED}" type="datetimeFigureOut">
               <a:rPr lang="en-US" smtClean="0"/>
-              <a:t>6/16/2019</a:t>
+              <a:t>7/5/2019</a:t>
             </a:fld>
             <a:endParaRPr lang="en-US"/>
           </a:p>
@@ -1249,7 +1255,7 @@
           <a:p>
             <a:fld id="{68CA32EA-6F8E-4AFE-BB5A-F18FE2025DED}" type="datetimeFigureOut">
               <a:rPr lang="en-US" smtClean="0"/>
-              <a:t>6/16/2019</a:t>
+              <a:t>7/5/2019</a:t>
             </a:fld>
             <a:endParaRPr lang="en-US"/>
           </a:p>
@@ -1616,7 +1622,7 @@
           <a:p>
             <a:fld id="{68CA32EA-6F8E-4AFE-BB5A-F18FE2025DED}" type="datetimeFigureOut">
               <a:rPr lang="en-US" smtClean="0"/>
-              <a:t>6/16/2019</a:t>
+              <a:t>7/5/2019</a:t>
             </a:fld>
             <a:endParaRPr lang="en-US"/>
           </a:p>
@@ -1734,7 +1740,7 @@
           <a:p>
             <a:fld id="{68CA32EA-6F8E-4AFE-BB5A-F18FE2025DED}" type="datetimeFigureOut">
               <a:rPr lang="en-US" smtClean="0"/>
-              <a:t>6/16/2019</a:t>
+              <a:t>7/5/2019</a:t>
             </a:fld>
             <a:endParaRPr lang="en-US"/>
           </a:p>
@@ -1829,7 +1835,7 @@
           <a:p>
             <a:fld id="{68CA32EA-6F8E-4AFE-BB5A-F18FE2025DED}" type="datetimeFigureOut">
               <a:rPr lang="en-US" smtClean="0"/>
-              <a:t>6/16/2019</a:t>
+              <a:t>7/5/2019</a:t>
             </a:fld>
             <a:endParaRPr lang="en-US"/>
           </a:p>
@@ -2106,7 +2112,7 @@
           <a:p>
             <a:fld id="{68CA32EA-6F8E-4AFE-BB5A-F18FE2025DED}" type="datetimeFigureOut">
               <a:rPr lang="en-US" smtClean="0"/>
-              <a:t>6/16/2019</a:t>
+              <a:t>7/5/2019</a:t>
             </a:fld>
             <a:endParaRPr lang="en-US"/>
           </a:p>
@@ -2359,7 +2365,7 @@
           <a:p>
             <a:fld id="{68CA32EA-6F8E-4AFE-BB5A-F18FE2025DED}" type="datetimeFigureOut">
               <a:rPr lang="en-US" smtClean="0"/>
-              <a:t>6/16/2019</a:t>
+              <a:t>7/5/2019</a:t>
             </a:fld>
             <a:endParaRPr lang="en-US"/>
           </a:p>
@@ -2572,7 +2578,7 @@
           <a:p>
             <a:fld id="{68CA32EA-6F8E-4AFE-BB5A-F18FE2025DED}" type="datetimeFigureOut">
               <a:rPr lang="en-US" smtClean="0"/>
-              <a:t>6/16/2019</a:t>
+              <a:t>7/5/2019</a:t>
             </a:fld>
             <a:endParaRPr lang="en-US"/>
           </a:p>
@@ -4416,7 +4422,6 @@
               <a:rPr lang="en-US" sz="2400" b="1" dirty="0"/>
               <a:t>v</a:t>
             </a:r>
-            <a:endParaRPr lang="en-US" sz="2400" b="1" dirty="0"/>
           </a:p>
         </p:txBody>
       </p:sp>
@@ -4446,7 +4451,6 @@
               <a:rPr lang="en-US" sz="2400" b="1" dirty="0"/>
               <a:t>w</a:t>
             </a:r>
-            <a:endParaRPr lang="en-US" sz="2400" b="1" dirty="0"/>
           </a:p>
         </p:txBody>
       </p:sp>
@@ -4476,7 +4480,6 @@
               <a:rPr lang="en-US" sz="2400" b="1" dirty="0"/>
               <a:t>p</a:t>
             </a:r>
-            <a:endParaRPr lang="en-US" sz="2400" b="1" dirty="0"/>
           </a:p>
         </p:txBody>
       </p:sp>
@@ -4506,7 +4509,6 @@
               <a:rPr lang="en-US" sz="2400" b="1" dirty="0"/>
               <a:t>q</a:t>
             </a:r>
-            <a:endParaRPr lang="en-US" sz="2400" b="1" dirty="0"/>
           </a:p>
         </p:txBody>
       </p:sp>
@@ -4715,7 +4717,6 @@
               <a:rPr lang="en-US" sz="2400" b="1" dirty="0"/>
               <a:t>Z</a:t>
             </a:r>
-            <a:endParaRPr lang="en-US" sz="2400" b="1" dirty="0"/>
           </a:p>
         </p:txBody>
       </p:sp>
@@ -5473,7 +5474,6 @@
               <a:rPr lang="en-US" sz="2400" b="1" dirty="0"/>
               <a:t>Z</a:t>
             </a:r>
-            <a:endParaRPr lang="en-US" sz="2400" b="1" dirty="0"/>
           </a:p>
         </p:txBody>
       </p:sp>
@@ -7803,6 +7803,76 @@
 </p:sld>
 </file>
 
+<file path=ppt/slides/slide15.xml><?xml version="1.0" encoding="utf-8"?>
+<p:sld xmlns:a="http://schemas.openxmlformats.org/drawingml/2006/main" xmlns:r="http://schemas.openxmlformats.org/officeDocument/2006/relationships" xmlns:p="http://schemas.openxmlformats.org/presentationml/2006/main">
+  <p:cSld>
+    <p:spTree>
+      <p:nvGrpSpPr>
+        <p:cNvPr id="1" name=""/>
+        <p:cNvGrpSpPr/>
+        <p:nvPr/>
+      </p:nvGrpSpPr>
+      <p:grpSpPr>
+        <a:xfrm>
+          <a:off x="0" y="0"/>
+          <a:ext cx="0" cy="0"/>
+          <a:chOff x="0" y="0"/>
+          <a:chExt cx="0" cy="0"/>
+        </a:xfrm>
+      </p:grpSpPr>
+      <p:sp>
+        <p:nvSpPr>
+          <p:cNvPr id="2" name="Rectangle 1"/>
+          <p:cNvSpPr/>
+          <p:nvPr/>
+        </p:nvSpPr>
+        <p:spPr>
+          <a:xfrm>
+            <a:off x="3657600" y="1323833"/>
+            <a:ext cx="4067033" cy="3835021"/>
+          </a:xfrm>
+          <a:prstGeom prst="rect">
+            <a:avLst/>
+          </a:prstGeom>
+        </p:spPr>
+        <p:style>
+          <a:lnRef idx="2">
+            <a:schemeClr val="accent1">
+              <a:shade val="50000"/>
+            </a:schemeClr>
+          </a:lnRef>
+          <a:fillRef idx="1">
+            <a:schemeClr val="accent1"/>
+          </a:fillRef>
+          <a:effectRef idx="0">
+            <a:schemeClr val="accent1"/>
+          </a:effectRef>
+          <a:fontRef idx="minor">
+            <a:schemeClr val="lt1"/>
+          </a:fontRef>
+        </p:style>
+        <p:txBody>
+          <a:bodyPr rtlCol="0" anchor="ctr"/>
+          <a:lstStyle/>
+          <a:p>
+            <a:pPr algn="ctr"/>
+            <a:endParaRPr lang="en-US"/>
+          </a:p>
+        </p:txBody>
+      </p:sp>
+    </p:spTree>
+    <p:extLst>
+      <p:ext uri="{BB962C8B-B14F-4D97-AF65-F5344CB8AC3E}">
+        <p14:creationId xmlns:p14="http://schemas.microsoft.com/office/powerpoint/2010/main" val="682939890"/>
+      </p:ext>
+    </p:extLst>
+  </p:cSld>
+  <p:clrMapOvr>
+    <a:masterClrMapping/>
+  </p:clrMapOvr>
+</p:sld>
+</file>
+
 <file path=ppt/slides/slide2.xml><?xml version="1.0" encoding="utf-8"?>
 <p:sld xmlns:a="http://schemas.openxmlformats.org/drawingml/2006/main" xmlns:r="http://schemas.openxmlformats.org/officeDocument/2006/relationships" xmlns:p="http://schemas.openxmlformats.org/presentationml/2006/main">
   <p:cSld>
@@ -8120,8 +8190,8 @@
           </a:fontRef>
         </p:style>
       </p:cxnSp>
-      <mc:AlternateContent xmlns:mc="http://schemas.openxmlformats.org/markup-compatibility/2006">
-        <mc:Choice xmlns:a14="http://schemas.microsoft.com/office/drawing/2010/main" Requires="a14">
+      <mc:AlternateContent xmlns:mc="http://schemas.openxmlformats.org/markup-compatibility/2006" xmlns:a14="http://schemas.microsoft.com/office/drawing/2010/main">
+        <mc:Choice Requires="a14">
           <p:sp>
             <p:nvSpPr>
               <p:cNvPr id="12" name="Rounded Rectangle 11"/>
@@ -8339,7 +8409,7 @@
             </p:txBody>
           </p:sp>
         </mc:Choice>
-        <mc:Fallback>
+        <mc:Fallback xmlns="">
           <p:sp>
             <p:nvSpPr>
               <p:cNvPr id="12" name="Rounded Rectangle 11"/>
@@ -8805,11 +8875,7 @@
           <a:p>
             <a:r>
               <a:rPr lang="en-US" sz="2400" b="1" dirty="0" smtClean="0"/>
-              <a:t>ϴ</a:t>
-            </a:r>
-            <a:r>
-              <a:rPr lang="en-US" sz="2400" b="1" dirty="0" smtClean="0"/>
-              <a:t>_des</a:t>
+              <a:t>ϴ_des</a:t>
             </a:r>
             <a:endParaRPr lang="en-US" sz="2400" b="1" dirty="0"/>
           </a:p>
@@ -8881,8 +8947,8 @@
           </a:fontRef>
         </p:style>
       </p:cxnSp>
-      <mc:AlternateContent xmlns:mc="http://schemas.openxmlformats.org/markup-compatibility/2006">
-        <mc:Choice xmlns:a14="http://schemas.microsoft.com/office/drawing/2010/main" Requires="a14">
+      <mc:AlternateContent xmlns:mc="http://schemas.openxmlformats.org/markup-compatibility/2006" xmlns:a14="http://schemas.microsoft.com/office/drawing/2010/main">
+        <mc:Choice Requires="a14">
           <p:sp>
             <p:nvSpPr>
               <p:cNvPr id="38" name="Rounded Rectangle 37"/>
@@ -9011,7 +9077,7 @@
             </p:txBody>
           </p:sp>
         </mc:Choice>
-        <mc:Fallback>
+        <mc:Fallback xmlns="">
           <p:sp>
             <p:nvSpPr>
               <p:cNvPr id="38" name="Rounded Rectangle 37"/>
@@ -9477,11 +9543,7 @@
           <a:p>
             <a:r>
               <a:rPr lang="en-US" sz="2400" b="1" dirty="0" smtClean="0"/>
-              <a:t>Ѱ</a:t>
-            </a:r>
-            <a:r>
-              <a:rPr lang="en-US" sz="2400" b="1" dirty="0" smtClean="0"/>
-              <a:t>_des</a:t>
+              <a:t>Ѱ_des</a:t>
             </a:r>
             <a:endParaRPr lang="en-US" sz="2400" b="1" dirty="0"/>
           </a:p>
@@ -9553,8 +9615,8 @@
           </a:fontRef>
         </p:style>
       </p:cxnSp>
-      <mc:AlternateContent xmlns:mc="http://schemas.openxmlformats.org/markup-compatibility/2006">
-        <mc:Choice xmlns:a14="http://schemas.microsoft.com/office/drawing/2010/main" Requires="a14">
+      <mc:AlternateContent xmlns:mc="http://schemas.openxmlformats.org/markup-compatibility/2006" xmlns:a14="http://schemas.microsoft.com/office/drawing/2010/main">
+        <mc:Choice Requires="a14">
           <p:sp>
             <p:nvSpPr>
               <p:cNvPr id="53" name="Rounded Rectangle 52"/>
@@ -9772,7 +9834,7 @@
             </p:txBody>
           </p:sp>
         </mc:Choice>
-        <mc:Fallback>
+        <mc:Fallback xmlns="">
           <p:sp>
             <p:nvSpPr>
               <p:cNvPr id="53" name="Rounded Rectangle 52"/>
@@ -10266,11 +10328,7 @@
           <a:p>
             <a:r>
               <a:rPr lang="en-US" sz="2400" b="1" dirty="0" smtClean="0"/>
-              <a:t>Z</a:t>
-            </a:r>
-            <a:r>
-              <a:rPr lang="en-US" sz="2400" b="1" dirty="0" smtClean="0"/>
-              <a:t>_des</a:t>
+              <a:t>Z_des</a:t>
             </a:r>
             <a:endParaRPr lang="en-US" sz="2400" b="1" dirty="0"/>
           </a:p>
@@ -10312,8 +10370,8 @@
           </a:fontRef>
         </p:style>
       </p:cxnSp>
-      <mc:AlternateContent xmlns:mc="http://schemas.openxmlformats.org/markup-compatibility/2006">
-        <mc:Choice xmlns:a14="http://schemas.microsoft.com/office/drawing/2010/main" Requires="a14">
+      <mc:AlternateContent xmlns:mc="http://schemas.openxmlformats.org/markup-compatibility/2006" xmlns:a14="http://schemas.microsoft.com/office/drawing/2010/main">
+        <mc:Choice Requires="a14">
           <p:sp>
             <p:nvSpPr>
               <p:cNvPr id="12" name="Rounded Rectangle 11"/>
@@ -10423,7 +10481,7 @@
             </p:txBody>
           </p:sp>
         </mc:Choice>
-        <mc:Fallback>
+        <mc:Fallback xmlns="">
           <p:sp>
             <p:nvSpPr>
               <p:cNvPr id="12" name="Rounded Rectangle 11"/>
@@ -10967,8 +11025,8 @@
           </a:fontRef>
         </p:style>
       </p:cxnSp>
-      <mc:AlternateContent xmlns:mc="http://schemas.openxmlformats.org/markup-compatibility/2006">
-        <mc:Choice xmlns:a14="http://schemas.microsoft.com/office/drawing/2010/main" Requires="a14">
+      <mc:AlternateContent xmlns:mc="http://schemas.openxmlformats.org/markup-compatibility/2006" xmlns:a14="http://schemas.microsoft.com/office/drawing/2010/main">
+        <mc:Choice Requires="a14">
           <p:sp>
             <p:nvSpPr>
               <p:cNvPr id="30" name="Rounded Rectangle 29"/>
@@ -11115,7 +11173,7 @@
             </p:txBody>
           </p:sp>
         </mc:Choice>
-        <mc:Fallback>
+        <mc:Fallback xmlns="">
           <p:sp>
             <p:nvSpPr>
               <p:cNvPr id="30" name="Rounded Rectangle 29"/>
@@ -11840,8 +11898,8 @@
           </a:fontRef>
         </p:style>
       </p:cxnSp>
-      <mc:AlternateContent xmlns:mc="http://schemas.openxmlformats.org/markup-compatibility/2006">
-        <mc:Choice xmlns:a14="http://schemas.microsoft.com/office/drawing/2010/main" Requires="a14">
+      <mc:AlternateContent xmlns:mc="http://schemas.openxmlformats.org/markup-compatibility/2006" xmlns:a14="http://schemas.microsoft.com/office/drawing/2010/main">
+        <mc:Choice Requires="a14">
           <p:sp>
             <p:nvSpPr>
               <p:cNvPr id="21" name="TextBox 20"/>
@@ -11864,6 +11922,7 @@
               </a:bodyPr>
               <a:lstStyle/>
               <a:p>
+                <a:pPr/>
                 <a14:m>
                   <m:oMathPara xmlns:m="http://schemas.openxmlformats.org/officeDocument/2006/math">
                     <m:oMathParaPr>
@@ -11906,7 +11965,7 @@
             </p:txBody>
           </p:sp>
         </mc:Choice>
-        <mc:Fallback>
+        <mc:Fallback xmlns="">
           <p:sp>
             <p:nvSpPr>
               <p:cNvPr id="21" name="TextBox 20"/>
@@ -13331,8 +13390,8 @@
           </a:fontRef>
         </p:style>
       </p:cxnSp>
-      <mc:AlternateContent xmlns:mc="http://schemas.openxmlformats.org/markup-compatibility/2006">
-        <mc:Choice xmlns:a14="http://schemas.microsoft.com/office/drawing/2010/main" Requires="a14">
+      <mc:AlternateContent xmlns:mc="http://schemas.openxmlformats.org/markup-compatibility/2006" xmlns:a14="http://schemas.microsoft.com/office/drawing/2010/main">
+        <mc:Choice Requires="a14">
           <p:sp>
             <p:nvSpPr>
               <p:cNvPr id="25" name="TextBox 24"/>
@@ -13355,6 +13414,7 @@
               </a:bodyPr>
               <a:lstStyle/>
               <a:p>
+                <a:pPr/>
                 <a14:m>
                   <m:oMathPara xmlns:m="http://schemas.openxmlformats.org/officeDocument/2006/math">
                     <m:oMathParaPr>
@@ -13414,7 +13474,7 @@
             </p:txBody>
           </p:sp>
         </mc:Choice>
-        <mc:Fallback>
+        <mc:Fallback xmlns="">
           <p:sp>
             <p:nvSpPr>
               <p:cNvPr id="25" name="TextBox 24"/>
@@ -13453,8 +13513,8 @@
           </p:sp>
         </mc:Fallback>
       </mc:AlternateContent>
-      <mc:AlternateContent xmlns:mc="http://schemas.openxmlformats.org/markup-compatibility/2006">
-        <mc:Choice xmlns:a14="http://schemas.microsoft.com/office/drawing/2010/main" Requires="a14">
+      <mc:AlternateContent xmlns:mc="http://schemas.openxmlformats.org/markup-compatibility/2006" xmlns:a14="http://schemas.microsoft.com/office/drawing/2010/main">
+        <mc:Choice Requires="a14">
           <p:sp>
             <p:nvSpPr>
               <p:cNvPr id="26" name="TextBox 25"/>
@@ -13477,6 +13537,7 @@
               </a:bodyPr>
               <a:lstStyle/>
               <a:p>
+                <a:pPr/>
                 <a14:m>
                   <m:oMathPara xmlns:m="http://schemas.openxmlformats.org/officeDocument/2006/math">
                     <m:oMathParaPr>
@@ -13519,7 +13580,7 @@
             </p:txBody>
           </p:sp>
         </mc:Choice>
-        <mc:Fallback>
+        <mc:Fallback xmlns="">
           <p:sp>
             <p:nvSpPr>
               <p:cNvPr id="26" name="TextBox 25"/>
@@ -13594,8 +13655,8 @@
           </a:fontRef>
         </p:style>
       </p:cxnSp>
-      <mc:AlternateContent xmlns:mc="http://schemas.openxmlformats.org/markup-compatibility/2006">
-        <mc:Choice xmlns:a14="http://schemas.microsoft.com/office/drawing/2010/main" Requires="a14">
+      <mc:AlternateContent xmlns:mc="http://schemas.openxmlformats.org/markup-compatibility/2006" xmlns:a14="http://schemas.microsoft.com/office/drawing/2010/main">
+        <mc:Choice Requires="a14">
           <p:sp>
             <p:nvSpPr>
               <p:cNvPr id="28" name="Rounded Rectangle 27"/>
@@ -13699,7 +13760,7 @@
             </p:txBody>
           </p:sp>
         </mc:Choice>
-        <mc:Fallback>
+        <mc:Fallback xmlns="">
           <p:sp>
             <p:nvSpPr>
               <p:cNvPr id="28" name="Rounded Rectangle 27"/>
@@ -13881,8 +13942,8 @@
           </a:fontRef>
         </p:style>
       </p:cxnSp>
-      <mc:AlternateContent xmlns:mc="http://schemas.openxmlformats.org/markup-compatibility/2006">
-        <mc:Choice xmlns:a14="http://schemas.microsoft.com/office/drawing/2010/main" Requires="a14">
+      <mc:AlternateContent xmlns:mc="http://schemas.openxmlformats.org/markup-compatibility/2006" xmlns:a14="http://schemas.microsoft.com/office/drawing/2010/main">
+        <mc:Choice Requires="a14">
           <p:sp>
             <p:nvSpPr>
               <p:cNvPr id="35" name="Rounded Rectangle 34"/>
@@ -13992,7 +14053,7 @@
             </p:txBody>
           </p:sp>
         </mc:Choice>
-        <mc:Fallback>
+        <mc:Fallback xmlns="">
           <p:sp>
             <p:nvSpPr>
               <p:cNvPr id="35" name="Rounded Rectangle 34"/>
@@ -14303,8 +14364,8 @@
           </a:fontRef>
         </p:style>
       </p:cxnSp>
-      <mc:AlternateContent xmlns:mc="http://schemas.openxmlformats.org/markup-compatibility/2006">
-        <mc:Choice xmlns:a14="http://schemas.microsoft.com/office/drawing/2010/main" Requires="a14">
+      <mc:AlternateContent xmlns:mc="http://schemas.openxmlformats.org/markup-compatibility/2006" xmlns:a14="http://schemas.microsoft.com/office/drawing/2010/main">
+        <mc:Choice Requires="a14">
           <p:sp>
             <p:nvSpPr>
               <p:cNvPr id="49" name="TextBox 48"/>
@@ -14327,6 +14388,7 @@
               </a:bodyPr>
               <a:lstStyle/>
               <a:p>
+                <a:pPr/>
                 <a14:m>
                   <m:oMathPara xmlns:m="http://schemas.openxmlformats.org/officeDocument/2006/math">
                     <m:oMathParaPr>
@@ -14369,7 +14431,7 @@
             </p:txBody>
           </p:sp>
         </mc:Choice>
-        <mc:Fallback>
+        <mc:Fallback xmlns="">
           <p:sp>
             <p:nvSpPr>
               <p:cNvPr id="49" name="TextBox 48"/>
@@ -14444,8 +14506,8 @@
           </a:fontRef>
         </p:style>
       </p:cxnSp>
-      <mc:AlternateContent xmlns:mc="http://schemas.openxmlformats.org/markup-compatibility/2006">
-        <mc:Choice xmlns:a14="http://schemas.microsoft.com/office/drawing/2010/main" Requires="a14">
+      <mc:AlternateContent xmlns:mc="http://schemas.openxmlformats.org/markup-compatibility/2006" xmlns:a14="http://schemas.microsoft.com/office/drawing/2010/main">
+        <mc:Choice Requires="a14">
           <p:sp>
             <p:nvSpPr>
               <p:cNvPr id="51" name="Rounded Rectangle 50"/>
@@ -14549,7 +14611,7 @@
             </p:txBody>
           </p:sp>
         </mc:Choice>
-        <mc:Fallback>
+        <mc:Fallback xmlns="">
           <p:sp>
             <p:nvSpPr>
               <p:cNvPr id="51" name="Rounded Rectangle 50"/>
@@ -14731,8 +14793,8 @@
           </a:fontRef>
         </p:style>
       </p:cxnSp>
-      <mc:AlternateContent xmlns:mc="http://schemas.openxmlformats.org/markup-compatibility/2006">
-        <mc:Choice xmlns:a14="http://schemas.microsoft.com/office/drawing/2010/main" Requires="a14">
+      <mc:AlternateContent xmlns:mc="http://schemas.openxmlformats.org/markup-compatibility/2006" xmlns:a14="http://schemas.microsoft.com/office/drawing/2010/main">
+        <mc:Choice Requires="a14">
           <p:sp>
             <p:nvSpPr>
               <p:cNvPr id="58" name="Rounded Rectangle 57"/>
@@ -14838,7 +14900,7 @@
             </p:txBody>
           </p:sp>
         </mc:Choice>
-        <mc:Fallback>
+        <mc:Fallback xmlns="">
           <p:sp>
             <p:nvSpPr>
               <p:cNvPr id="58" name="Rounded Rectangle 57"/>
@@ -14948,8 +15010,8 @@
           </a:p>
         </p:txBody>
       </p:sp>
-      <mc:AlternateContent xmlns:mc="http://schemas.openxmlformats.org/markup-compatibility/2006">
-        <mc:Choice xmlns:a14="http://schemas.microsoft.com/office/drawing/2010/main" Requires="a14">
+      <mc:AlternateContent xmlns:mc="http://schemas.openxmlformats.org/markup-compatibility/2006" xmlns:a14="http://schemas.microsoft.com/office/drawing/2010/main">
+        <mc:Choice Requires="a14">
           <p:sp>
             <p:nvSpPr>
               <p:cNvPr id="62" name="TextBox 61"/>
@@ -14972,6 +15034,7 @@
               </a:bodyPr>
               <a:lstStyle/>
               <a:p>
+                <a:pPr/>
                 <a14:m>
                   <m:oMathPara xmlns:m="http://schemas.openxmlformats.org/officeDocument/2006/math">
                     <m:oMathParaPr>
@@ -15011,7 +15074,7 @@
             </p:txBody>
           </p:sp>
         </mc:Choice>
-        <mc:Fallback>
+        <mc:Fallback xmlns="">
           <p:sp>
             <p:nvSpPr>
               <p:cNvPr id="62" name="TextBox 61"/>
@@ -15050,8 +15113,8 @@
           </p:sp>
         </mc:Fallback>
       </mc:AlternateContent>
-      <mc:AlternateContent xmlns:mc="http://schemas.openxmlformats.org/markup-compatibility/2006">
-        <mc:Choice xmlns:a14="http://schemas.microsoft.com/office/drawing/2010/main" Requires="a14">
+      <mc:AlternateContent xmlns:mc="http://schemas.openxmlformats.org/markup-compatibility/2006" xmlns:a14="http://schemas.microsoft.com/office/drawing/2010/main">
+        <mc:Choice Requires="a14">
           <p:sp>
             <p:nvSpPr>
               <p:cNvPr id="63" name="TextBox 62"/>
@@ -15074,6 +15137,7 @@
               </a:bodyPr>
               <a:lstStyle/>
               <a:p>
+                <a:pPr/>
                 <a14:m>
                   <m:oMathPara xmlns:m="http://schemas.openxmlformats.org/officeDocument/2006/math">
                     <m:oMathParaPr>
@@ -15113,7 +15177,7 @@
             </p:txBody>
           </p:sp>
         </mc:Choice>
-        <mc:Fallback>
+        <mc:Fallback xmlns="">
           <p:sp>
             <p:nvSpPr>
               <p:cNvPr id="63" name="TextBox 62"/>
@@ -15152,8 +15216,8 @@
           </p:sp>
         </mc:Fallback>
       </mc:AlternateContent>
-      <mc:AlternateContent xmlns:mc="http://schemas.openxmlformats.org/markup-compatibility/2006">
-        <mc:Choice xmlns:a14="http://schemas.microsoft.com/office/drawing/2010/main" Requires="a14">
+      <mc:AlternateContent xmlns:mc="http://schemas.openxmlformats.org/markup-compatibility/2006" xmlns:a14="http://schemas.microsoft.com/office/drawing/2010/main">
+        <mc:Choice Requires="a14">
           <p:sp>
             <p:nvSpPr>
               <p:cNvPr id="64" name="TextBox 63"/>
@@ -15176,6 +15240,7 @@
               </a:bodyPr>
               <a:lstStyle/>
               <a:p>
+                <a:pPr/>
                 <a14:m>
                   <m:oMathPara xmlns:m="http://schemas.openxmlformats.org/officeDocument/2006/math">
                     <m:oMathParaPr>
@@ -15235,7 +15300,7 @@
             </p:txBody>
           </p:sp>
         </mc:Choice>
-        <mc:Fallback>
+        <mc:Fallback xmlns="">
           <p:sp>
             <p:nvSpPr>
               <p:cNvPr id="64" name="TextBox 63"/>
@@ -15274,8 +15339,8 @@
           </p:sp>
         </mc:Fallback>
       </mc:AlternateContent>
-      <mc:AlternateContent xmlns:mc="http://schemas.openxmlformats.org/markup-compatibility/2006">
-        <mc:Choice xmlns:a14="http://schemas.microsoft.com/office/drawing/2010/main" Requires="a14">
+      <mc:AlternateContent xmlns:mc="http://schemas.openxmlformats.org/markup-compatibility/2006" xmlns:a14="http://schemas.microsoft.com/office/drawing/2010/main">
+        <mc:Choice Requires="a14">
           <p:sp>
             <p:nvSpPr>
               <p:cNvPr id="65" name="TextBox 64"/>
@@ -15298,6 +15363,7 @@
               </a:bodyPr>
               <a:lstStyle/>
               <a:p>
+                <a:pPr/>
                 <a14:m>
                   <m:oMathPara xmlns:m="http://schemas.openxmlformats.org/officeDocument/2006/math">
                     <m:oMathParaPr>
@@ -15337,7 +15403,7 @@
             </p:txBody>
           </p:sp>
         </mc:Choice>
-        <mc:Fallback>
+        <mc:Fallback xmlns="">
           <p:sp>
             <p:nvSpPr>
               <p:cNvPr id="65" name="TextBox 64"/>
@@ -15376,8 +15442,8 @@
           </p:sp>
         </mc:Fallback>
       </mc:AlternateContent>
-      <mc:AlternateContent xmlns:mc="http://schemas.openxmlformats.org/markup-compatibility/2006">
-        <mc:Choice xmlns:a14="http://schemas.microsoft.com/office/drawing/2010/main" Requires="a14">
+      <mc:AlternateContent xmlns:mc="http://schemas.openxmlformats.org/markup-compatibility/2006" xmlns:a14="http://schemas.microsoft.com/office/drawing/2010/main">
+        <mc:Choice Requires="a14">
           <p:sp>
             <p:nvSpPr>
               <p:cNvPr id="66" name="TextBox 65"/>
@@ -15400,6 +15466,7 @@
               </a:bodyPr>
               <a:lstStyle/>
               <a:p>
+                <a:pPr/>
                 <a14:m>
                   <m:oMathPara xmlns:m="http://schemas.openxmlformats.org/officeDocument/2006/math">
                     <m:oMathParaPr>
@@ -15439,7 +15506,7 @@
             </p:txBody>
           </p:sp>
         </mc:Choice>
-        <mc:Fallback>
+        <mc:Fallback xmlns="">
           <p:sp>
             <p:nvSpPr>
               <p:cNvPr id="66" name="TextBox 65"/>
@@ -18713,11 +18780,7 @@
           <a:p>
             <a:r>
               <a:rPr lang="en-US" dirty="0" smtClean="0"/>
-              <a:t>phi</a:t>
-            </a:r>
-            <a:r>
-              <a:rPr lang="en-US" dirty="0" smtClean="0"/>
-              <a:t>_estimated</a:t>
+              <a:t>phi_estimated</a:t>
             </a:r>
             <a:endParaRPr lang="en-US" dirty="0"/>
           </a:p>
@@ -18747,11 +18810,7 @@
           <a:p>
             <a:r>
               <a:rPr lang="en-US" dirty="0" smtClean="0"/>
-              <a:t>phi</a:t>
-            </a:r>
-            <a:r>
-              <a:rPr lang="en-US" dirty="0" smtClean="0"/>
-              <a:t>dot_req</a:t>
+              <a:t>phidot_req</a:t>
             </a:r>
             <a:endParaRPr lang="en-US" dirty="0"/>
           </a:p>

--- a/documentation/Presentation1.pptx
+++ b/documentation/Presentation1.pptx
@@ -119,7 +119,7 @@
   </p:defaultTextStyle>
   <p:extLst>
     <p:ext uri="{EFAFB233-063F-42B5-8137-9DF3F51BA10A}">
-      <p15:sldGuideLst xmlns:p15="http://schemas.microsoft.com/office/powerpoint/2012/main"/>
+      <p15:sldGuideLst xmlns:p15="http://schemas.microsoft.com/office/powerpoint/2012/main" xmlns=""/>
     </p:ext>
   </p:extLst>
 </p:presentation>
@@ -256,7 +256,7 @@
           <a:p>
             <a:fld id="{68CA32EA-6F8E-4AFE-BB5A-F18FE2025DED}" type="datetimeFigureOut">
               <a:rPr lang="en-US" smtClean="0"/>
-              <a:t>7/5/2019</a:t>
+              <a:t>7/6/2019</a:t>
             </a:fld>
             <a:endParaRPr lang="en-US"/>
           </a:p>
@@ -426,7 +426,7 @@
           <a:p>
             <a:fld id="{68CA32EA-6F8E-4AFE-BB5A-F18FE2025DED}" type="datetimeFigureOut">
               <a:rPr lang="en-US" smtClean="0"/>
-              <a:t>7/5/2019</a:t>
+              <a:t>7/6/2019</a:t>
             </a:fld>
             <a:endParaRPr lang="en-US"/>
           </a:p>
@@ -606,7 +606,7 @@
           <a:p>
             <a:fld id="{68CA32EA-6F8E-4AFE-BB5A-F18FE2025DED}" type="datetimeFigureOut">
               <a:rPr lang="en-US" smtClean="0"/>
-              <a:t>7/5/2019</a:t>
+              <a:t>7/6/2019</a:t>
             </a:fld>
             <a:endParaRPr lang="en-US"/>
           </a:p>
@@ -776,7 +776,7 @@
           <a:p>
             <a:fld id="{68CA32EA-6F8E-4AFE-BB5A-F18FE2025DED}" type="datetimeFigureOut">
               <a:rPr lang="en-US" smtClean="0"/>
-              <a:t>7/5/2019</a:t>
+              <a:t>7/6/2019</a:t>
             </a:fld>
             <a:endParaRPr lang="en-US"/>
           </a:p>
@@ -1022,7 +1022,7 @@
           <a:p>
             <a:fld id="{68CA32EA-6F8E-4AFE-BB5A-F18FE2025DED}" type="datetimeFigureOut">
               <a:rPr lang="en-US" smtClean="0"/>
-              <a:t>7/5/2019</a:t>
+              <a:t>7/6/2019</a:t>
             </a:fld>
             <a:endParaRPr lang="en-US"/>
           </a:p>
@@ -1254,7 +1254,7 @@
           <a:p>
             <a:fld id="{68CA32EA-6F8E-4AFE-BB5A-F18FE2025DED}" type="datetimeFigureOut">
               <a:rPr lang="en-US" smtClean="0"/>
-              <a:t>7/5/2019</a:t>
+              <a:t>7/6/2019</a:t>
             </a:fld>
             <a:endParaRPr lang="en-US"/>
           </a:p>
@@ -1621,7 +1621,7 @@
           <a:p>
             <a:fld id="{68CA32EA-6F8E-4AFE-BB5A-F18FE2025DED}" type="datetimeFigureOut">
               <a:rPr lang="en-US" smtClean="0"/>
-              <a:t>7/5/2019</a:t>
+              <a:t>7/6/2019</a:t>
             </a:fld>
             <a:endParaRPr lang="en-US"/>
           </a:p>
@@ -1739,7 +1739,7 @@
           <a:p>
             <a:fld id="{68CA32EA-6F8E-4AFE-BB5A-F18FE2025DED}" type="datetimeFigureOut">
               <a:rPr lang="en-US" smtClean="0"/>
-              <a:t>7/5/2019</a:t>
+              <a:t>7/6/2019</a:t>
             </a:fld>
             <a:endParaRPr lang="en-US"/>
           </a:p>
@@ -1834,7 +1834,7 @@
           <a:p>
             <a:fld id="{68CA32EA-6F8E-4AFE-BB5A-F18FE2025DED}" type="datetimeFigureOut">
               <a:rPr lang="en-US" smtClean="0"/>
-              <a:t>7/5/2019</a:t>
+              <a:t>7/6/2019</a:t>
             </a:fld>
             <a:endParaRPr lang="en-US"/>
           </a:p>
@@ -2111,7 +2111,7 @@
           <a:p>
             <a:fld id="{68CA32EA-6F8E-4AFE-BB5A-F18FE2025DED}" type="datetimeFigureOut">
               <a:rPr lang="en-US" smtClean="0"/>
-              <a:t>7/5/2019</a:t>
+              <a:t>7/6/2019</a:t>
             </a:fld>
             <a:endParaRPr lang="en-US"/>
           </a:p>
@@ -2364,7 +2364,7 @@
           <a:p>
             <a:fld id="{68CA32EA-6F8E-4AFE-BB5A-F18FE2025DED}" type="datetimeFigureOut">
               <a:rPr lang="en-US" smtClean="0"/>
-              <a:t>7/5/2019</a:t>
+              <a:t>7/6/2019</a:t>
             </a:fld>
             <a:endParaRPr lang="en-US"/>
           </a:p>
@@ -2577,7 +2577,7 @@
           <a:p>
             <a:fld id="{68CA32EA-6F8E-4AFE-BB5A-F18FE2025DED}" type="datetimeFigureOut">
               <a:rPr lang="en-US" smtClean="0"/>
-              <a:t>7/5/2019</a:t>
+              <a:t>7/6/2019</a:t>
             </a:fld>
             <a:endParaRPr lang="en-US"/>
           </a:p>
@@ -3063,9 +3063,9 @@
           <p:nvPr/>
         </p:nvCxnSpPr>
         <p:spPr>
-          <a:xfrm flipV="1">
-            <a:off x="1665027" y="5148498"/>
-            <a:ext cx="1948216" cy="3533"/>
+          <a:xfrm>
+            <a:off x="1224480" y="5459002"/>
+            <a:ext cx="2988418" cy="0"/>
           </a:xfrm>
           <a:prstGeom prst="straightConnector1">
             <a:avLst/>
@@ -3101,7 +3101,7 @@
         <p:spPr>
           <a:xfrm>
             <a:off x="2169995" y="1269245"/>
-            <a:ext cx="1487606" cy="2756846"/>
+            <a:ext cx="1330410" cy="2756846"/>
           </a:xfrm>
           <a:prstGeom prst="roundRect">
             <a:avLst/>
@@ -3132,17 +3132,17 @@
           <a:p>
             <a:pPr algn="ctr"/>
             <a:r>
-              <a:rPr lang="en-US" sz="2400" b="1" dirty="0" smtClean="0"/>
+              <a:rPr lang="en-US" sz="2000" b="1" dirty="0" smtClean="0"/>
               <a:t>LOS</a:t>
             </a:r>
             <a:br>
-              <a:rPr lang="en-US" sz="2400" b="1" dirty="0" smtClean="0"/>
+              <a:rPr lang="en-US" sz="2000" b="1" dirty="0" smtClean="0"/>
             </a:br>
             <a:r>
-              <a:rPr lang="en-US" sz="2400" b="1" dirty="0" smtClean="0"/>
+              <a:rPr lang="en-US" sz="2000" b="1" dirty="0" smtClean="0"/>
               <a:t>guidance</a:t>
             </a:r>
-            <a:endParaRPr lang="en-US" sz="2400" b="1" dirty="0"/>
+            <a:endParaRPr lang="en-US" sz="2000" b="1" dirty="0"/>
           </a:p>
         </p:txBody>
       </p:sp>
@@ -3154,8 +3154,8 @@
         </p:nvSpPr>
         <p:spPr>
           <a:xfrm>
-            <a:off x="4626591" y="1446664"/>
-            <a:ext cx="900753" cy="545910"/>
+            <a:off x="4472566" y="1434266"/>
+            <a:ext cx="604401" cy="545910"/>
           </a:xfrm>
           <a:prstGeom prst="rect">
             <a:avLst/>
@@ -3196,14 +3196,12 @@
       <p:cxnSp>
         <p:nvCxnSpPr>
           <p:cNvPr id="10" name="Straight Arrow Connector 9"/>
-          <p:cNvCxnSpPr>
-            <a:endCxn id="9" idx="1"/>
-          </p:cNvCxnSpPr>
+          <p:cNvCxnSpPr/>
           <p:nvPr/>
         </p:nvCxnSpPr>
         <p:spPr>
           <a:xfrm>
-            <a:off x="3681482" y="1719619"/>
+            <a:off x="3513190" y="1719619"/>
             <a:ext cx="945109" cy="0"/>
           </a:xfrm>
           <a:prstGeom prst="straightConnector1">
@@ -3234,13 +3232,16 @@
       <p:cxnSp>
         <p:nvCxnSpPr>
           <p:cNvPr id="11" name="Straight Arrow Connector 10"/>
-          <p:cNvCxnSpPr/>
+          <p:cNvCxnSpPr>
+            <a:stCxn id="155" idx="6"/>
+            <a:endCxn id="32" idx="1"/>
+          </p:cNvCxnSpPr>
           <p:nvPr/>
         </p:nvCxnSpPr>
         <p:spPr>
-          <a:xfrm>
-            <a:off x="3889612" y="5148498"/>
-            <a:ext cx="736979" cy="0"/>
+          <a:xfrm flipV="1">
+            <a:off x="6506631" y="5435468"/>
+            <a:ext cx="396483" cy="18023"/>
           </a:xfrm>
           <a:prstGeom prst="straightConnector1">
             <a:avLst/>
@@ -3270,13 +3271,15 @@
       <p:cxnSp>
         <p:nvCxnSpPr>
           <p:cNvPr id="12" name="Straight Arrow Connector 11"/>
-          <p:cNvCxnSpPr/>
+          <p:cNvCxnSpPr>
+            <a:endCxn id="15" idx="2"/>
+          </p:cNvCxnSpPr>
           <p:nvPr/>
         </p:nvCxnSpPr>
         <p:spPr>
           <a:xfrm>
-            <a:off x="3665822" y="3599596"/>
-            <a:ext cx="2598501" cy="17061"/>
+            <a:off x="3500405" y="3833024"/>
+            <a:ext cx="2298444" cy="0"/>
           </a:xfrm>
           <a:prstGeom prst="straightConnector1">
             <a:avLst/>
@@ -3311,8 +3314,8 @@
         </p:nvSpPr>
         <p:spPr>
           <a:xfrm>
-            <a:off x="4626591" y="2463422"/>
-            <a:ext cx="900753" cy="545910"/>
+            <a:off x="4427973" y="2477068"/>
+            <a:ext cx="637114" cy="545910"/>
           </a:xfrm>
           <a:prstGeom prst="rect">
             <a:avLst/>
@@ -3357,7 +3360,7 @@
         </p:nvSpPr>
         <p:spPr>
           <a:xfrm>
-            <a:off x="6264323" y="1494430"/>
+            <a:off x="5827105" y="1482032"/>
             <a:ext cx="436729" cy="450377"/>
           </a:xfrm>
           <a:prstGeom prst="flowChartSummingJunction">
@@ -3400,7 +3403,7 @@
         </p:nvSpPr>
         <p:spPr>
           <a:xfrm>
-            <a:off x="6264323" y="3391468"/>
+            <a:off x="5798849" y="3607835"/>
             <a:ext cx="436729" cy="450377"/>
           </a:xfrm>
           <a:prstGeom prst="flowChartSummingJunction">
@@ -3443,7 +3446,7 @@
         </p:nvCxnSpPr>
         <p:spPr>
           <a:xfrm>
-            <a:off x="5527344" y="1719618"/>
+            <a:off x="5076967" y="1719618"/>
             <a:ext cx="736979" cy="0"/>
           </a:xfrm>
           <a:prstGeom prst="straightConnector1">
@@ -3479,7 +3482,7 @@
         </p:nvCxnSpPr>
         <p:spPr>
           <a:xfrm>
-            <a:off x="5527343" y="2750023"/>
+            <a:off x="5046336" y="2771818"/>
             <a:ext cx="736979" cy="0"/>
           </a:xfrm>
           <a:prstGeom prst="straightConnector1">
@@ -3515,7 +3518,7 @@
         </p:nvSpPr>
         <p:spPr>
           <a:xfrm>
-            <a:off x="6264323" y="2521422"/>
+            <a:off x="5793471" y="2572601"/>
             <a:ext cx="436729" cy="450377"/>
           </a:xfrm>
           <a:prstGeom prst="flowChartSummingJunction">
@@ -3557,45 +3560,9 @@
           <p:nvPr/>
         </p:nvCxnSpPr>
         <p:spPr>
-          <a:xfrm>
-            <a:off x="6701052" y="1719618"/>
-            <a:ext cx="368487" cy="0"/>
-          </a:xfrm>
-          <a:prstGeom prst="straightConnector1">
-            <a:avLst/>
-          </a:prstGeom>
-          <a:ln w="57150">
-            <a:solidFill>
-              <a:schemeClr val="tx1"/>
-            </a:solidFill>
-            <a:tailEnd type="triangle"/>
-          </a:ln>
-        </p:spPr>
-        <p:style>
-          <a:lnRef idx="1">
-            <a:schemeClr val="accent1"/>
-          </a:lnRef>
-          <a:fillRef idx="0">
-            <a:schemeClr val="accent1"/>
-          </a:fillRef>
-          <a:effectRef idx="0">
-            <a:schemeClr val="accent1"/>
-          </a:effectRef>
-          <a:fontRef idx="minor">
-            <a:schemeClr val="tx1"/>
-          </a:fontRef>
-        </p:style>
-      </p:cxnSp>
-      <p:cxnSp>
-        <p:nvCxnSpPr>
-          <p:cNvPr id="24" name="Straight Arrow Connector 23"/>
-          <p:cNvCxnSpPr/>
-          <p:nvPr/>
-        </p:nvCxnSpPr>
-        <p:spPr>
           <a:xfrm flipV="1">
-            <a:off x="6701051" y="2744448"/>
-            <a:ext cx="368488" cy="2162"/>
+            <a:off x="6898412" y="1734274"/>
+            <a:ext cx="427023" cy="1"/>
           </a:xfrm>
           <a:prstGeom prst="straightConnector1">
             <a:avLst/>
@@ -3630,8 +3597,8 @@
         </p:nvSpPr>
         <p:spPr>
           <a:xfrm>
-            <a:off x="7069539" y="1446664"/>
-            <a:ext cx="900753" cy="545910"/>
+            <a:off x="7977113" y="1461319"/>
+            <a:ext cx="644857" cy="545910"/>
           </a:xfrm>
           <a:prstGeom prst="rect">
             <a:avLst/>
@@ -3677,8 +3644,8 @@
         </p:nvSpPr>
         <p:spPr>
           <a:xfrm>
-            <a:off x="7055891" y="2442948"/>
-            <a:ext cx="900753" cy="545910"/>
+            <a:off x="7990761" y="2454915"/>
+            <a:ext cx="631209" cy="545910"/>
           </a:xfrm>
           <a:prstGeom prst="rect">
             <a:avLst/>
@@ -3724,8 +3691,8 @@
         </p:nvSpPr>
         <p:spPr>
           <a:xfrm>
-            <a:off x="7069539" y="3295935"/>
-            <a:ext cx="900753" cy="545910"/>
+            <a:off x="8053841" y="3536029"/>
+            <a:ext cx="604170" cy="545910"/>
           </a:xfrm>
           <a:prstGeom prst="rect">
             <a:avLst/>
@@ -3772,9 +3739,9 @@
           <p:nvPr/>
         </p:nvCxnSpPr>
         <p:spPr>
-          <a:xfrm flipV="1">
-            <a:off x="7970292" y="1719618"/>
-            <a:ext cx="1119117" cy="1"/>
+          <a:xfrm>
+            <a:off x="8621970" y="1734274"/>
+            <a:ext cx="689455" cy="1"/>
           </a:xfrm>
           <a:prstGeom prst="straightConnector1">
             <a:avLst/>
@@ -3809,8 +3776,8 @@
         </p:nvSpPr>
         <p:spPr>
           <a:xfrm>
-            <a:off x="4626591" y="4899547"/>
-            <a:ext cx="900753" cy="545910"/>
+            <a:off x="6903114" y="5162513"/>
+            <a:ext cx="652851" cy="545910"/>
           </a:xfrm>
           <a:prstGeom prst="rect">
             <a:avLst/>
@@ -3856,8 +3823,8 @@
         </p:nvSpPr>
         <p:spPr>
           <a:xfrm>
-            <a:off x="9123527" y="1323834"/>
-            <a:ext cx="1658204" cy="4258100"/>
+            <a:off x="9311425" y="1323834"/>
+            <a:ext cx="1470306" cy="4258100"/>
           </a:xfrm>
           <a:prstGeom prst="roundRect">
             <a:avLst/>
@@ -4336,9 +4303,9 @@
           <p:nvPr/>
         </p:nvCxnSpPr>
         <p:spPr>
-          <a:xfrm flipV="1">
-            <a:off x="5527344" y="5152031"/>
-            <a:ext cx="3596183" cy="20471"/>
+          <a:xfrm>
+            <a:off x="7555965" y="5435468"/>
+            <a:ext cx="1473029" cy="27822"/>
           </a:xfrm>
           <a:prstGeom prst="straightConnector1">
             <a:avLst/>
@@ -4727,7 +4694,7 @@
         </p:nvCxnSpPr>
         <p:spPr>
           <a:xfrm flipV="1">
-            <a:off x="6482687" y="1944807"/>
+            <a:off x="6026326" y="1932409"/>
             <a:ext cx="0" cy="307074"/>
           </a:xfrm>
           <a:prstGeom prst="straightConnector1">
@@ -4763,7 +4730,7 @@
         </p:nvCxnSpPr>
         <p:spPr>
           <a:xfrm flipV="1">
-            <a:off x="6509983" y="2970622"/>
+            <a:off x="6002757" y="2999770"/>
             <a:ext cx="0" cy="307074"/>
           </a:xfrm>
           <a:prstGeom prst="straightConnector1">
@@ -4799,7 +4766,7 @@
         </p:nvCxnSpPr>
         <p:spPr>
           <a:xfrm flipV="1">
-            <a:off x="6523632" y="3841845"/>
+            <a:off x="6026326" y="4036663"/>
             <a:ext cx="0" cy="307074"/>
           </a:xfrm>
           <a:prstGeom prst="straightConnector1">
@@ -4835,7 +4802,7 @@
         </p:nvSpPr>
         <p:spPr>
           <a:xfrm>
-            <a:off x="3613243" y="4923309"/>
+            <a:off x="4212898" y="5233813"/>
             <a:ext cx="436729" cy="450377"/>
           </a:xfrm>
           <a:prstGeom prst="flowChartSummingJunction">
@@ -4878,7 +4845,7 @@
         </p:nvCxnSpPr>
         <p:spPr>
           <a:xfrm flipV="1">
-            <a:off x="3869140" y="5373686"/>
+            <a:off x="4690930" y="5644855"/>
             <a:ext cx="0" cy="307074"/>
           </a:xfrm>
           <a:prstGeom prst="straightConnector1">
@@ -4906,36 +4873,108 @@
           </a:fontRef>
         </p:style>
       </p:cxnSp>
-      <p:sp>
-        <p:nvSpPr>
-          <p:cNvPr id="70" name="TextBox 69"/>
-          <p:cNvSpPr txBox="1"/>
-          <p:nvPr/>
-        </p:nvSpPr>
-        <p:spPr>
-          <a:xfrm>
-            <a:off x="3686909" y="1353278"/>
-            <a:ext cx="891078" cy="369332"/>
-          </a:xfrm>
-          <a:prstGeom prst="rect">
-            <a:avLst/>
-          </a:prstGeom>
-          <a:noFill/>
-        </p:spPr>
-        <p:txBody>
-          <a:bodyPr wrap="none" rtlCol="0">
-            <a:spAutoFit/>
-          </a:bodyPr>
-          <a:lstStyle/>
-          <a:p>
-            <a:r>
-              <a:rPr lang="en-US" dirty="0" smtClean="0"/>
-              <a:t>e_cross</a:t>
-            </a:r>
-            <a:endParaRPr lang="en-US" dirty="0"/>
-          </a:p>
-        </p:txBody>
-      </p:sp>
+      <mc:AlternateContent xmlns:mc="http://schemas.openxmlformats.org/markup-compatibility/2006">
+        <mc:Choice xmlns:a14="http://schemas.microsoft.com/office/drawing/2010/main" Requires="a14">
+          <p:sp>
+            <p:nvSpPr>
+              <p:cNvPr id="70" name="TextBox 69"/>
+              <p:cNvSpPr txBox="1"/>
+              <p:nvPr/>
+            </p:nvSpPr>
+            <p:spPr>
+              <a:xfrm>
+                <a:off x="3478105" y="1340682"/>
+                <a:ext cx="816185" cy="369332"/>
+              </a:xfrm>
+              <a:prstGeom prst="rect">
+                <a:avLst/>
+              </a:prstGeom>
+              <a:noFill/>
+            </p:spPr>
+            <p:txBody>
+              <a:bodyPr wrap="none" rtlCol="0">
+                <a:spAutoFit/>
+              </a:bodyPr>
+              <a:lstStyle/>
+              <a:p>
+                <a14:m>
+                  <m:oMathPara xmlns:m="http://schemas.openxmlformats.org/officeDocument/2006/math">
+                    <m:oMathParaPr>
+                      <m:jc m:val="centerGroup"/>
+                    </m:oMathParaPr>
+                    <m:oMath xmlns:m="http://schemas.openxmlformats.org/officeDocument/2006/math">
+                      <m:sSub>
+                        <m:sSubPr>
+                          <m:ctrlPr>
+                            <a:rPr lang="en-US" b="1" i="1" dirty="0" smtClean="0">
+                              <a:latin typeface="Cambria Math"/>
+                            </a:rPr>
+                          </m:ctrlPr>
+                        </m:sSubPr>
+                        <m:e>
+                          <m:r>
+                            <a:rPr lang="en-US" b="1" i="1" dirty="0" smtClean="0">
+                              <a:latin typeface="Cambria Math"/>
+                            </a:rPr>
+                            <m:t>𝒆</m:t>
+                          </m:r>
+                        </m:e>
+                        <m:sub>
+                          <m:r>
+                            <a:rPr lang="en-US" b="1" i="1" dirty="0" smtClean="0">
+                              <a:latin typeface="Cambria Math"/>
+                            </a:rPr>
+                            <m:t>𝒄𝒓𝒐𝒔𝒔</m:t>
+                          </m:r>
+                        </m:sub>
+                      </m:sSub>
+                    </m:oMath>
+                  </m:oMathPara>
+                </a14:m>
+                <a:endParaRPr lang="en-US" b="1" dirty="0"/>
+              </a:p>
+            </p:txBody>
+          </p:sp>
+        </mc:Choice>
+        <mc:Fallback>
+          <p:sp>
+            <p:nvSpPr>
+              <p:cNvPr id="70" name="TextBox 69"/>
+              <p:cNvSpPr txBox="1">
+                <a:spLocks noRot="1" noChangeAspect="1" noMove="1" noResize="1" noEditPoints="1" noAdjustHandles="1" noChangeArrowheads="1" noChangeShapeType="1" noTextEdit="1"/>
+              </p:cNvSpPr>
+              <p:nvPr/>
+            </p:nvSpPr>
+            <p:spPr>
+              <a:xfrm>
+                <a:off x="3478105" y="1340682"/>
+                <a:ext cx="816185" cy="369332"/>
+              </a:xfrm>
+              <a:prstGeom prst="rect">
+                <a:avLst/>
+              </a:prstGeom>
+              <a:blipFill rotWithShape="1">
+                <a:blip r:embed="rId2"/>
+                <a:stretch>
+                  <a:fillRect/>
+                </a:stretch>
+              </a:blipFill>
+            </p:spPr>
+            <p:txBody>
+              <a:bodyPr/>
+              <a:lstStyle/>
+              <a:p>
+                <a:r>
+                  <a:rPr lang="en-US">
+                    <a:noFill/>
+                  </a:rPr>
+                  <a:t> </a:t>
+                </a:r>
+              </a:p>
+            </p:txBody>
+          </p:sp>
+        </mc:Fallback>
+      </mc:AlternateContent>
       <p:cxnSp>
         <p:nvCxnSpPr>
           <p:cNvPr id="72" name="Straight Arrow Connector 71"/>
@@ -4944,7 +4983,7 @@
         </p:nvCxnSpPr>
         <p:spPr>
           <a:xfrm>
-            <a:off x="3665822" y="2768349"/>
+            <a:off x="3506469" y="2771340"/>
             <a:ext cx="945109" cy="0"/>
           </a:xfrm>
           <a:prstGeom prst="straightConnector1">
@@ -4972,16 +5011,220 @@
           </a:fontRef>
         </p:style>
       </p:cxnSp>
-      <p:sp>
-        <p:nvSpPr>
-          <p:cNvPr id="73" name="TextBox 72"/>
+      <mc:AlternateContent xmlns:mc="http://schemas.openxmlformats.org/markup-compatibility/2006">
+        <mc:Choice xmlns:a14="http://schemas.microsoft.com/office/drawing/2010/main" Requires="a14">
+          <p:sp>
+            <p:nvSpPr>
+              <p:cNvPr id="73" name="TextBox 72"/>
+              <p:cNvSpPr txBox="1"/>
+              <p:nvPr/>
+            </p:nvSpPr>
+            <p:spPr>
+              <a:xfrm>
+                <a:off x="3519913" y="2376197"/>
+                <a:ext cx="861069" cy="395621"/>
+              </a:xfrm>
+              <a:prstGeom prst="rect">
+                <a:avLst/>
+              </a:prstGeom>
+              <a:noFill/>
+            </p:spPr>
+            <p:txBody>
+              <a:bodyPr wrap="none" rtlCol="0">
+                <a:spAutoFit/>
+              </a:bodyPr>
+              <a:lstStyle/>
+              <a:p>
+                <a14:m>
+                  <m:oMathPara xmlns:m="http://schemas.openxmlformats.org/officeDocument/2006/math">
+                    <m:oMathParaPr>
+                      <m:jc m:val="centerGroup"/>
+                    </m:oMathParaPr>
+                    <m:oMath xmlns:m="http://schemas.openxmlformats.org/officeDocument/2006/math">
+                      <m:sSub>
+                        <m:sSubPr>
+                          <m:ctrlPr>
+                            <a:rPr lang="en-US" b="1" i="1" dirty="0" smtClean="0">
+                              <a:latin typeface="Cambria Math"/>
+                            </a:rPr>
+                          </m:ctrlPr>
+                        </m:sSubPr>
+                        <m:e>
+                          <m:r>
+                            <a:rPr lang="en-US" b="1" i="1" dirty="0" smtClean="0">
+                              <a:latin typeface="Cambria Math"/>
+                            </a:rPr>
+                            <m:t>𝒆</m:t>
+                          </m:r>
+                        </m:e>
+                        <m:sub>
+                          <m:r>
+                            <a:rPr lang="en-US" b="1" i="1" dirty="0" smtClean="0">
+                              <a:latin typeface="Cambria Math"/>
+                            </a:rPr>
+                            <m:t>𝒂𝒍𝒐𝒏𝒈</m:t>
+                          </m:r>
+                        </m:sub>
+                      </m:sSub>
+                    </m:oMath>
+                  </m:oMathPara>
+                </a14:m>
+                <a:endParaRPr lang="en-US" b="1" dirty="0"/>
+              </a:p>
+            </p:txBody>
+          </p:sp>
+        </mc:Choice>
+        <mc:Fallback>
+          <p:sp>
+            <p:nvSpPr>
+              <p:cNvPr id="73" name="TextBox 72"/>
+              <p:cNvSpPr txBox="1">
+                <a:spLocks noRot="1" noChangeAspect="1" noMove="1" noResize="1" noEditPoints="1" noAdjustHandles="1" noChangeArrowheads="1" noChangeShapeType="1" noTextEdit="1"/>
+              </p:cNvSpPr>
+              <p:nvPr/>
+            </p:nvSpPr>
+            <p:spPr>
+              <a:xfrm>
+                <a:off x="3519913" y="2376197"/>
+                <a:ext cx="861069" cy="395621"/>
+              </a:xfrm>
+              <a:prstGeom prst="rect">
+                <a:avLst/>
+              </a:prstGeom>
+              <a:blipFill rotWithShape="1">
+                <a:blip r:embed="rId3"/>
+                <a:stretch>
+                  <a:fillRect b="-9231"/>
+                </a:stretch>
+              </a:blipFill>
+            </p:spPr>
+            <p:txBody>
+              <a:bodyPr/>
+              <a:lstStyle/>
+              <a:p>
+                <a:r>
+                  <a:rPr lang="en-US">
+                    <a:noFill/>
+                  </a:rPr>
+                  <a:t> </a:t>
+                </a:r>
+              </a:p>
+            </p:txBody>
+          </p:sp>
+        </mc:Fallback>
+      </mc:AlternateContent>
+      <mc:AlternateContent xmlns:mc="http://schemas.openxmlformats.org/markup-compatibility/2006">
+        <mc:Choice xmlns:a14="http://schemas.microsoft.com/office/drawing/2010/main" Requires="a14">
+          <p:sp>
+            <p:nvSpPr>
+              <p:cNvPr id="75" name="TextBox 74"/>
+              <p:cNvSpPr txBox="1"/>
+              <p:nvPr/>
+            </p:nvSpPr>
+            <p:spPr>
+              <a:xfrm>
+                <a:off x="1288811" y="1924338"/>
+                <a:ext cx="881184" cy="494879"/>
+              </a:xfrm>
+              <a:prstGeom prst="rect">
+                <a:avLst/>
+              </a:prstGeom>
+              <a:noFill/>
+            </p:spPr>
+            <p:txBody>
+              <a:bodyPr wrap="square" rtlCol="0">
+                <a:spAutoFit/>
+              </a:bodyPr>
+              <a:lstStyle/>
+              <a:p>
+                <a14:m>
+                  <m:oMathPara xmlns:m="http://schemas.openxmlformats.org/officeDocument/2006/math">
+                    <m:oMathParaPr>
+                      <m:jc m:val="centerGroup"/>
+                    </m:oMathParaPr>
+                    <m:oMath xmlns:m="http://schemas.openxmlformats.org/officeDocument/2006/math">
+                      <m:sSub>
+                        <m:sSubPr>
+                          <m:ctrlPr>
+                            <a:rPr lang="en-US" sz="2400" b="1" i="1" dirty="0" smtClean="0">
+                              <a:latin typeface="Cambria Math"/>
+                            </a:rPr>
+                          </m:ctrlPr>
+                        </m:sSubPr>
+                        <m:e>
+                          <m:r>
+                            <a:rPr lang="en-US" sz="2400" b="1" i="1" dirty="0" smtClean="0">
+                              <a:latin typeface="Cambria Math"/>
+                            </a:rPr>
+                            <m:t>𝑿</m:t>
+                          </m:r>
+                        </m:e>
+                        <m:sub>
+                          <m:r>
+                            <a:rPr lang="en-US" sz="2400" b="1" i="1" dirty="0" smtClean="0">
+                              <a:latin typeface="Cambria Math"/>
+                            </a:rPr>
+                            <m:t>𝒓𝒆𝒒</m:t>
+                          </m:r>
+                        </m:sub>
+                      </m:sSub>
+                    </m:oMath>
+                  </m:oMathPara>
+                </a14:m>
+                <a:endParaRPr lang="en-US" sz="2400" b="1" dirty="0"/>
+              </a:p>
+            </p:txBody>
+          </p:sp>
+        </mc:Choice>
+        <mc:Fallback>
+          <p:sp>
+            <p:nvSpPr>
+              <p:cNvPr id="75" name="TextBox 74"/>
+              <p:cNvSpPr txBox="1">
+                <a:spLocks noRot="1" noChangeAspect="1" noMove="1" noResize="1" noEditPoints="1" noAdjustHandles="1" noChangeArrowheads="1" noChangeShapeType="1" noTextEdit="1"/>
+              </p:cNvSpPr>
+              <p:nvPr/>
+            </p:nvSpPr>
+            <p:spPr>
+              <a:xfrm>
+                <a:off x="1288811" y="1924338"/>
+                <a:ext cx="881184" cy="494879"/>
+              </a:xfrm>
+              <a:prstGeom prst="rect">
+                <a:avLst/>
+              </a:prstGeom>
+              <a:blipFill rotWithShape="1">
+                <a:blip r:embed="rId4"/>
+                <a:stretch>
+                  <a:fillRect b="-7407"/>
+                </a:stretch>
+              </a:blipFill>
+            </p:spPr>
+            <p:txBody>
+              <a:bodyPr/>
+              <a:lstStyle/>
+              <a:p>
+                <a:r>
+                  <a:rPr lang="en-US">
+                    <a:noFill/>
+                  </a:rPr>
+                  <a:t> </a:t>
+                </a:r>
+              </a:p>
+            </p:txBody>
+          </p:sp>
+        </mc:Fallback>
+      </mc:AlternateContent>
+      <p:sp>
+        <p:nvSpPr>
+          <p:cNvPr id="76" name="TextBox 75"/>
           <p:cNvSpPr txBox="1"/>
           <p:nvPr/>
         </p:nvSpPr>
         <p:spPr>
           <a:xfrm>
-            <a:off x="3671249" y="2402008"/>
-            <a:ext cx="931665" cy="369332"/>
+            <a:off x="5827105" y="2363209"/>
+            <a:ext cx="184731" cy="369332"/>
           </a:xfrm>
           <a:prstGeom prst="rect">
             <a:avLst/>
@@ -4994,24 +5237,326 @@
           </a:bodyPr>
           <a:lstStyle/>
           <a:p>
-            <a:r>
-              <a:rPr lang="en-US" dirty="0" smtClean="0"/>
-              <a:t>e_along</a:t>
-            </a:r>
             <a:endParaRPr lang="en-US" dirty="0"/>
           </a:p>
         </p:txBody>
       </p:sp>
-      <p:sp>
-        <p:nvSpPr>
-          <p:cNvPr id="75" name="TextBox 74"/>
+      <mc:AlternateContent xmlns:mc="http://schemas.openxmlformats.org/markup-compatibility/2006">
+        <mc:Choice xmlns:a14="http://schemas.microsoft.com/office/drawing/2010/main" Requires="a14">
+          <p:sp>
+            <p:nvSpPr>
+              <p:cNvPr id="78" name="TextBox 77"/>
+              <p:cNvSpPr txBox="1"/>
+              <p:nvPr/>
+            </p:nvSpPr>
+            <p:spPr>
+              <a:xfrm>
+                <a:off x="1221584" y="2454915"/>
+                <a:ext cx="881184" cy="494879"/>
+              </a:xfrm>
+              <a:prstGeom prst="rect">
+                <a:avLst/>
+              </a:prstGeom>
+              <a:noFill/>
+            </p:spPr>
+            <p:txBody>
+              <a:bodyPr wrap="square" rtlCol="0">
+                <a:spAutoFit/>
+              </a:bodyPr>
+              <a:lstStyle/>
+              <a:p>
+                <a14:m>
+                  <m:oMathPara xmlns:m="http://schemas.openxmlformats.org/officeDocument/2006/math">
+                    <m:oMathParaPr>
+                      <m:jc m:val="centerGroup"/>
+                    </m:oMathParaPr>
+                    <m:oMath xmlns:m="http://schemas.openxmlformats.org/officeDocument/2006/math">
+                      <m:sSub>
+                        <m:sSubPr>
+                          <m:ctrlPr>
+                            <a:rPr lang="en-US" sz="2400" b="1" i="1" dirty="0" smtClean="0">
+                              <a:latin typeface="Cambria Math"/>
+                            </a:rPr>
+                          </m:ctrlPr>
+                        </m:sSubPr>
+                        <m:e>
+                          <m:r>
+                            <a:rPr lang="en-US" sz="2400" b="1" i="1" dirty="0" smtClean="0">
+                              <a:latin typeface="Cambria Math"/>
+                            </a:rPr>
+                            <m:t>𝒀</m:t>
+                          </m:r>
+                        </m:e>
+                        <m:sub>
+                          <m:r>
+                            <a:rPr lang="en-US" sz="2400" b="1" i="1" dirty="0" smtClean="0">
+                              <a:latin typeface="Cambria Math"/>
+                            </a:rPr>
+                            <m:t>𝒓𝒆𝒒</m:t>
+                          </m:r>
+                        </m:sub>
+                      </m:sSub>
+                    </m:oMath>
+                  </m:oMathPara>
+                </a14:m>
+                <a:endParaRPr lang="en-US" sz="2400" b="1" dirty="0"/>
+              </a:p>
+            </p:txBody>
+          </p:sp>
+        </mc:Choice>
+        <mc:Fallback>
+          <p:sp>
+            <p:nvSpPr>
+              <p:cNvPr id="78" name="TextBox 77"/>
+              <p:cNvSpPr txBox="1">
+                <a:spLocks noRot="1" noChangeAspect="1" noMove="1" noResize="1" noEditPoints="1" noAdjustHandles="1" noChangeArrowheads="1" noChangeShapeType="1" noTextEdit="1"/>
+              </p:cNvSpPr>
+              <p:nvPr/>
+            </p:nvSpPr>
+            <p:spPr>
+              <a:xfrm>
+                <a:off x="1221584" y="2454915"/>
+                <a:ext cx="881184" cy="494879"/>
+              </a:xfrm>
+              <a:prstGeom prst="rect">
+                <a:avLst/>
+              </a:prstGeom>
+              <a:blipFill rotWithShape="1">
+                <a:blip r:embed="rId5"/>
+                <a:stretch>
+                  <a:fillRect b="-7407"/>
+                </a:stretch>
+              </a:blipFill>
+            </p:spPr>
+            <p:txBody>
+              <a:bodyPr/>
+              <a:lstStyle/>
+              <a:p>
+                <a:r>
+                  <a:rPr lang="en-US">
+                    <a:noFill/>
+                  </a:rPr>
+                  <a:t> </a:t>
+                </a:r>
+              </a:p>
+            </p:txBody>
+          </p:sp>
+        </mc:Fallback>
+      </mc:AlternateContent>
+      <mc:AlternateContent xmlns:mc="http://schemas.openxmlformats.org/markup-compatibility/2006">
+        <mc:Choice xmlns:a14="http://schemas.microsoft.com/office/drawing/2010/main" Requires="a14">
+          <p:sp>
+            <p:nvSpPr>
+              <p:cNvPr id="79" name="TextBox 78"/>
+              <p:cNvSpPr txBox="1"/>
+              <p:nvPr/>
+            </p:nvSpPr>
+            <p:spPr>
+              <a:xfrm>
+                <a:off x="1123063" y="4992477"/>
+                <a:ext cx="881184" cy="494879"/>
+              </a:xfrm>
+              <a:prstGeom prst="rect">
+                <a:avLst/>
+              </a:prstGeom>
+              <a:noFill/>
+            </p:spPr>
+            <p:txBody>
+              <a:bodyPr wrap="square" rtlCol="0">
+                <a:spAutoFit/>
+              </a:bodyPr>
+              <a:lstStyle/>
+              <a:p>
+                <a14:m>
+                  <m:oMathPara xmlns:m="http://schemas.openxmlformats.org/officeDocument/2006/math">
+                    <m:oMathParaPr>
+                      <m:jc m:val="centerGroup"/>
+                    </m:oMathParaPr>
+                    <m:oMath xmlns:m="http://schemas.openxmlformats.org/officeDocument/2006/math">
+                      <m:sSub>
+                        <m:sSubPr>
+                          <m:ctrlPr>
+                            <a:rPr lang="en-US" sz="2400" b="1" i="1" dirty="0" smtClean="0">
+                              <a:latin typeface="Cambria Math"/>
+                            </a:rPr>
+                          </m:ctrlPr>
+                        </m:sSubPr>
+                        <m:e>
+                          <m:r>
+                            <a:rPr lang="en-US" sz="2400" b="1" i="1" dirty="0" smtClean="0">
+                              <a:latin typeface="Cambria Math"/>
+                            </a:rPr>
+                            <m:t>𝒁</m:t>
+                          </m:r>
+                        </m:e>
+                        <m:sub>
+                          <m:r>
+                            <a:rPr lang="en-US" sz="2400" b="1" i="1" dirty="0" smtClean="0">
+                              <a:latin typeface="Cambria Math"/>
+                            </a:rPr>
+                            <m:t>𝒓𝒆𝒒</m:t>
+                          </m:r>
+                        </m:sub>
+                      </m:sSub>
+                    </m:oMath>
+                  </m:oMathPara>
+                </a14:m>
+                <a:endParaRPr lang="en-US" sz="2400" b="1" dirty="0"/>
+              </a:p>
+            </p:txBody>
+          </p:sp>
+        </mc:Choice>
+        <mc:Fallback>
+          <p:sp>
+            <p:nvSpPr>
+              <p:cNvPr id="79" name="TextBox 78"/>
+              <p:cNvSpPr txBox="1">
+                <a:spLocks noRot="1" noChangeAspect="1" noMove="1" noResize="1" noEditPoints="1" noAdjustHandles="1" noChangeArrowheads="1" noChangeShapeType="1" noTextEdit="1"/>
+              </p:cNvSpPr>
+              <p:nvPr/>
+            </p:nvSpPr>
+            <p:spPr>
+              <a:xfrm>
+                <a:off x="1123063" y="4992477"/>
+                <a:ext cx="881184" cy="494879"/>
+              </a:xfrm>
+              <a:prstGeom prst="rect">
+                <a:avLst/>
+              </a:prstGeom>
+              <a:blipFill rotWithShape="1">
+                <a:blip r:embed="rId6"/>
+                <a:stretch>
+                  <a:fillRect b="-7407"/>
+                </a:stretch>
+              </a:blipFill>
+            </p:spPr>
+            <p:txBody>
+              <a:bodyPr/>
+              <a:lstStyle/>
+              <a:p>
+                <a:r>
+                  <a:rPr lang="en-US">
+                    <a:noFill/>
+                  </a:rPr>
+                  <a:t> </a:t>
+                </a:r>
+              </a:p>
+            </p:txBody>
+          </p:sp>
+        </mc:Fallback>
+      </mc:AlternateContent>
+      <mc:AlternateContent xmlns:mc="http://schemas.openxmlformats.org/markup-compatibility/2006">
+        <mc:Choice xmlns:a14="http://schemas.microsoft.com/office/drawing/2010/main" Requires="a14">
+          <p:sp>
+            <p:nvSpPr>
+              <p:cNvPr id="81" name="TextBox 80"/>
+              <p:cNvSpPr txBox="1"/>
+              <p:nvPr/>
+            </p:nvSpPr>
+            <p:spPr>
+              <a:xfrm>
+                <a:off x="5065087" y="1209252"/>
+                <a:ext cx="906052" cy="369332"/>
+              </a:xfrm>
+              <a:prstGeom prst="rect">
+                <a:avLst/>
+              </a:prstGeom>
+              <a:noFill/>
+            </p:spPr>
+            <p:txBody>
+              <a:bodyPr wrap="square" rtlCol="0">
+                <a:spAutoFit/>
+              </a:bodyPr>
+              <a:lstStyle/>
+              <a:p>
+                <a14:m>
+                  <m:oMathPara xmlns:m="http://schemas.openxmlformats.org/officeDocument/2006/math">
+                    <m:oMathParaPr>
+                      <m:jc m:val="centerGroup"/>
+                    </m:oMathParaPr>
+                    <m:oMath xmlns:m="http://schemas.openxmlformats.org/officeDocument/2006/math">
+                      <m:sSub>
+                        <m:sSubPr>
+                          <m:ctrlPr>
+                            <a:rPr lang="en-US" b="1" i="1" dirty="0" smtClean="0">
+                              <a:latin typeface="Cambria Math"/>
+                            </a:rPr>
+                          </m:ctrlPr>
+                        </m:sSubPr>
+                        <m:e>
+                          <m:r>
+                            <a:rPr lang="el-GR" b="1" i="0" dirty="0" smtClean="0">
+                              <a:latin typeface="Cambria Math"/>
+                            </a:rPr>
+                            <m:t>𝚽</m:t>
+                          </m:r>
+                        </m:e>
+                        <m:sub>
+                          <m:r>
+                            <a:rPr lang="en-US" b="1" i="1" dirty="0" smtClean="0">
+                              <a:latin typeface="Cambria Math"/>
+                            </a:rPr>
+                            <m:t>𝒅𝒆𝒔</m:t>
+                          </m:r>
+                        </m:sub>
+                      </m:sSub>
+                    </m:oMath>
+                  </m:oMathPara>
+                </a14:m>
+                <a:endParaRPr lang="en-US" b="1" dirty="0"/>
+              </a:p>
+            </p:txBody>
+          </p:sp>
+        </mc:Choice>
+        <mc:Fallback>
+          <p:sp>
+            <p:nvSpPr>
+              <p:cNvPr id="81" name="TextBox 80"/>
+              <p:cNvSpPr txBox="1">
+                <a:spLocks noRot="1" noChangeAspect="1" noMove="1" noResize="1" noEditPoints="1" noAdjustHandles="1" noChangeArrowheads="1" noChangeShapeType="1" noTextEdit="1"/>
+              </p:cNvSpPr>
+              <p:nvPr/>
+            </p:nvSpPr>
+            <p:spPr>
+              <a:xfrm>
+                <a:off x="5065087" y="1209252"/>
+                <a:ext cx="906052" cy="369332"/>
+              </a:xfrm>
+              <a:prstGeom prst="rect">
+                <a:avLst/>
+              </a:prstGeom>
+              <a:blipFill rotWithShape="1">
+                <a:blip r:embed="rId7"/>
+                <a:stretch>
+                  <a:fillRect/>
+                </a:stretch>
+              </a:blipFill>
+            </p:spPr>
+            <p:txBody>
+              <a:bodyPr/>
+              <a:lstStyle/>
+              <a:p>
+                <a:r>
+                  <a:rPr lang="en-US">
+                    <a:noFill/>
+                  </a:rPr>
+                  <a:t> </a:t>
+                </a:r>
+              </a:p>
+            </p:txBody>
+          </p:sp>
+        </mc:Fallback>
+      </mc:AlternateContent>
+      <p:sp>
+        <p:nvSpPr>
+          <p:cNvPr id="82" name="TextBox 81"/>
           <p:cNvSpPr txBox="1"/>
           <p:nvPr/>
         </p:nvSpPr>
         <p:spPr>
           <a:xfrm>
-            <a:off x="1358445" y="1924338"/>
-            <a:ext cx="881184" cy="369332"/>
+            <a:off x="5682109" y="1924338"/>
+            <a:ext cx="320967" cy="474049"/>
           </a:xfrm>
           <a:prstGeom prst="rect">
             <a:avLst/>
@@ -5025,75 +5570,125 @@
           <a:lstStyle/>
           <a:p>
             <a:r>
-              <a:rPr lang="en-US" dirty="0" smtClean="0"/>
-              <a:t>X_req</a:t>
-            </a:r>
-            <a:endParaRPr lang="en-US" dirty="0"/>
-          </a:p>
-        </p:txBody>
-      </p:sp>
-      <p:sp>
-        <p:nvSpPr>
-          <p:cNvPr id="76" name="TextBox 75"/>
+              <a:rPr lang="el-GR" sz="2400" b="1" dirty="0" smtClean="0"/>
+              <a:t>φ</a:t>
+            </a:r>
+            <a:endParaRPr lang="en-US" sz="2400" b="1" dirty="0"/>
+          </a:p>
+        </p:txBody>
+      </p:sp>
+      <mc:AlternateContent xmlns:mc="http://schemas.openxmlformats.org/markup-compatibility/2006">
+        <mc:Choice xmlns:a14="http://schemas.microsoft.com/office/drawing/2010/main" Requires="a14">
+          <p:sp>
+            <p:nvSpPr>
+              <p:cNvPr id="83" name="TextBox 82"/>
+              <p:cNvSpPr txBox="1"/>
+              <p:nvPr/>
+            </p:nvSpPr>
+            <p:spPr>
+              <a:xfrm>
+                <a:off x="5046336" y="2282659"/>
+                <a:ext cx="924511" cy="400110"/>
+              </a:xfrm>
+              <a:prstGeom prst="rect">
+                <a:avLst/>
+              </a:prstGeom>
+              <a:noFill/>
+            </p:spPr>
+            <p:txBody>
+              <a:bodyPr wrap="square" rtlCol="0">
+                <a:spAutoFit/>
+              </a:bodyPr>
+              <a:lstStyle/>
+              <a:p>
+                <a14:m>
+                  <m:oMathPara xmlns:m="http://schemas.openxmlformats.org/officeDocument/2006/math">
+                    <m:oMathParaPr>
+                      <m:jc m:val="centerGroup"/>
+                    </m:oMathParaPr>
+                    <m:oMath xmlns:m="http://schemas.openxmlformats.org/officeDocument/2006/math">
+                      <m:sSub>
+                        <m:sSubPr>
+                          <m:ctrlPr>
+                            <a:rPr lang="en-US" sz="2000" b="1" i="1" dirty="0" smtClean="0">
+                              <a:latin typeface="Cambria Math"/>
+                            </a:rPr>
+                          </m:ctrlPr>
+                        </m:sSubPr>
+                        <m:e>
+                          <m:r>
+                            <a:rPr lang="el-GR" sz="2000" b="1" i="0" dirty="0" smtClean="0">
+                              <a:latin typeface="Cambria Math"/>
+                            </a:rPr>
+                            <m:t>𝚹</m:t>
+                          </m:r>
+                        </m:e>
+                        <m:sub>
+                          <m:r>
+                            <a:rPr lang="en-US" sz="2000" b="1" i="1" dirty="0" smtClean="0">
+                              <a:latin typeface="Cambria Math"/>
+                            </a:rPr>
+                            <m:t>𝒅𝒆𝒔</m:t>
+                          </m:r>
+                        </m:sub>
+                      </m:sSub>
+                    </m:oMath>
+                  </m:oMathPara>
+                </a14:m>
+                <a:endParaRPr lang="en-US" sz="2000" b="1" dirty="0"/>
+              </a:p>
+            </p:txBody>
+          </p:sp>
+        </mc:Choice>
+        <mc:Fallback>
+          <p:sp>
+            <p:nvSpPr>
+              <p:cNvPr id="83" name="TextBox 82"/>
+              <p:cNvSpPr txBox="1">
+                <a:spLocks noRot="1" noChangeAspect="1" noMove="1" noResize="1" noEditPoints="1" noAdjustHandles="1" noChangeArrowheads="1" noChangeShapeType="1" noTextEdit="1"/>
+              </p:cNvSpPr>
+              <p:nvPr/>
+            </p:nvSpPr>
+            <p:spPr>
+              <a:xfrm>
+                <a:off x="5046336" y="2282659"/>
+                <a:ext cx="924511" cy="400110"/>
+              </a:xfrm>
+              <a:prstGeom prst="rect">
+                <a:avLst/>
+              </a:prstGeom>
+              <a:blipFill rotWithShape="1">
+                <a:blip r:embed="rId8"/>
+                <a:stretch>
+                  <a:fillRect b="-1515"/>
+                </a:stretch>
+              </a:blipFill>
+            </p:spPr>
+            <p:txBody>
+              <a:bodyPr/>
+              <a:lstStyle/>
+              <a:p>
+                <a:r>
+                  <a:rPr lang="en-US">
+                    <a:noFill/>
+                  </a:rPr>
+                  <a:t> </a:t>
+                </a:r>
+              </a:p>
+            </p:txBody>
+          </p:sp>
+        </mc:Fallback>
+      </mc:AlternateContent>
+      <p:sp>
+        <p:nvSpPr>
+          <p:cNvPr id="84" name="TextBox 83"/>
           <p:cNvSpPr txBox="1"/>
           <p:nvPr/>
         </p:nvSpPr>
         <p:spPr>
           <a:xfrm>
-            <a:off x="5827105" y="2363209"/>
-            <a:ext cx="184731" cy="369332"/>
-          </a:xfrm>
-          <a:prstGeom prst="rect">
-            <a:avLst/>
-          </a:prstGeom>
-          <a:noFill/>
-        </p:spPr>
-        <p:txBody>
-          <a:bodyPr wrap="none" rtlCol="0">
-            <a:spAutoFit/>
-          </a:bodyPr>
-          <a:lstStyle/>
-          <a:p>
-            <a:endParaRPr lang="en-US" dirty="0"/>
-          </a:p>
-        </p:txBody>
-      </p:sp>
-      <p:sp>
-        <p:nvSpPr>
-          <p:cNvPr id="77" name="TextBox 76"/>
-          <p:cNvSpPr txBox="1"/>
-          <p:nvPr/>
-        </p:nvSpPr>
-        <p:spPr>
-          <a:xfrm>
-            <a:off x="5786408" y="1294009"/>
-            <a:ext cx="184731" cy="369332"/>
-          </a:xfrm>
-          <a:prstGeom prst="rect">
-            <a:avLst/>
-          </a:prstGeom>
-          <a:noFill/>
-        </p:spPr>
-        <p:txBody>
-          <a:bodyPr wrap="none" rtlCol="0">
-            <a:spAutoFit/>
-          </a:bodyPr>
-          <a:lstStyle/>
-          <a:p>
-            <a:endParaRPr lang="en-US" dirty="0"/>
-          </a:p>
-        </p:txBody>
-      </p:sp>
-      <p:sp>
-        <p:nvSpPr>
-          <p:cNvPr id="78" name="TextBox 77"/>
-          <p:cNvSpPr txBox="1"/>
-          <p:nvPr/>
-        </p:nvSpPr>
-        <p:spPr>
-          <a:xfrm>
-            <a:off x="1323628" y="2468823"/>
-            <a:ext cx="881184" cy="369332"/>
+            <a:off x="5476021" y="3928253"/>
+            <a:ext cx="362155" cy="461665"/>
           </a:xfrm>
           <a:prstGeom prst="rect">
             <a:avLst/>
@@ -5107,27 +5702,124 @@
           <a:lstStyle/>
           <a:p>
             <a:r>
-              <a:rPr lang="en-US" dirty="0"/>
-              <a:t>Y</a:t>
-            </a:r>
-            <a:r>
-              <a:rPr lang="en-US" dirty="0" smtClean="0"/>
-              <a:t>_req</a:t>
-            </a:r>
-            <a:endParaRPr lang="en-US" dirty="0"/>
-          </a:p>
-        </p:txBody>
-      </p:sp>
-      <p:sp>
-        <p:nvSpPr>
-          <p:cNvPr id="79" name="TextBox 78"/>
+              <a:rPr lang="en-US" sz="2400" b="1" dirty="0"/>
+              <a:t>Ѱ</a:t>
+            </a:r>
+          </a:p>
+        </p:txBody>
+      </p:sp>
+      <mc:AlternateContent xmlns:mc="http://schemas.openxmlformats.org/markup-compatibility/2006">
+        <mc:Choice xmlns:a14="http://schemas.microsoft.com/office/drawing/2010/main" Requires="a14">
+          <p:sp>
+            <p:nvSpPr>
+              <p:cNvPr id="85" name="TextBox 84"/>
+              <p:cNvSpPr txBox="1"/>
+              <p:nvPr/>
+            </p:nvSpPr>
+            <p:spPr>
+              <a:xfrm>
+                <a:off x="5155518" y="3342523"/>
+                <a:ext cx="680619" cy="400110"/>
+              </a:xfrm>
+              <a:prstGeom prst="rect">
+                <a:avLst/>
+              </a:prstGeom>
+              <a:noFill/>
+            </p:spPr>
+            <p:txBody>
+              <a:bodyPr wrap="square" rtlCol="0">
+                <a:spAutoFit/>
+              </a:bodyPr>
+              <a:lstStyle/>
+              <a:p>
+                <a14:m>
+                  <m:oMathPara xmlns:m="http://schemas.openxmlformats.org/officeDocument/2006/math">
+                    <m:oMathParaPr>
+                      <m:jc m:val="centerGroup"/>
+                    </m:oMathParaPr>
+                    <m:oMath xmlns:m="http://schemas.openxmlformats.org/officeDocument/2006/math">
+                      <m:sSub>
+                        <m:sSubPr>
+                          <m:ctrlPr>
+                            <a:rPr lang="en-US" sz="2000" b="1" i="1" dirty="0" smtClean="0">
+                              <a:latin typeface="Cambria Math"/>
+                            </a:rPr>
+                          </m:ctrlPr>
+                        </m:sSubPr>
+                        <m:e>
+                          <m:r>
+                            <a:rPr lang="az-Cyrl-AZ" sz="2000" b="1" i="1" dirty="0" smtClean="0">
+                              <a:latin typeface="Cambria Math"/>
+                            </a:rPr>
+                            <m:t>Ѱ</m:t>
+                          </m:r>
+                        </m:e>
+                        <m:sub>
+                          <m:r>
+                            <a:rPr lang="en-US" sz="2000" b="1" i="1" dirty="0" smtClean="0">
+                              <a:latin typeface="Cambria Math"/>
+                            </a:rPr>
+                            <m:t>𝒅𝒆𝒔</m:t>
+                          </m:r>
+                        </m:sub>
+                      </m:sSub>
+                    </m:oMath>
+                  </m:oMathPara>
+                </a14:m>
+                <a:endParaRPr lang="en-US" sz="2000" b="1" dirty="0"/>
+              </a:p>
+            </p:txBody>
+          </p:sp>
+        </mc:Choice>
+        <mc:Fallback>
+          <p:sp>
+            <p:nvSpPr>
+              <p:cNvPr id="85" name="TextBox 84"/>
+              <p:cNvSpPr txBox="1">
+                <a:spLocks noRot="1" noChangeAspect="1" noMove="1" noResize="1" noEditPoints="1" noAdjustHandles="1" noChangeArrowheads="1" noChangeShapeType="1" noTextEdit="1"/>
+              </p:cNvSpPr>
+              <p:nvPr/>
+            </p:nvSpPr>
+            <p:spPr>
+              <a:xfrm>
+                <a:off x="5155518" y="3342523"/>
+                <a:ext cx="680619" cy="400110"/>
+              </a:xfrm>
+              <a:prstGeom prst="rect">
+                <a:avLst/>
+              </a:prstGeom>
+              <a:blipFill rotWithShape="1">
+                <a:blip r:embed="rId9"/>
+                <a:stretch>
+                  <a:fillRect r="-901" b="-1515"/>
+                </a:stretch>
+              </a:blipFill>
+            </p:spPr>
+            <p:txBody>
+              <a:bodyPr/>
+              <a:lstStyle/>
+              <a:p>
+                <a:r>
+                  <a:rPr lang="en-US">
+                    <a:noFill/>
+                  </a:rPr>
+                  <a:t> </a:t>
+                </a:r>
+              </a:p>
+            </p:txBody>
+          </p:sp>
+        </mc:Fallback>
+      </mc:AlternateContent>
+      <p:sp>
+        <p:nvSpPr>
+          <p:cNvPr id="86" name="TextBox 85"/>
           <p:cNvSpPr txBox="1"/>
           <p:nvPr/>
         </p:nvSpPr>
         <p:spPr>
           <a:xfrm>
-            <a:off x="1365518" y="4666572"/>
-            <a:ext cx="881184" cy="369332"/>
+            <a:off x="5557315" y="2947225"/>
+            <a:ext cx="362155" cy="461665"/>
           </a:xfrm>
           <a:prstGeom prst="rect">
             <a:avLst/>
@@ -5141,197 +5833,6 @@
           <a:lstStyle/>
           <a:p>
             <a:r>
-              <a:rPr lang="en-US" dirty="0" smtClean="0"/>
-              <a:t>Z_req</a:t>
-            </a:r>
-            <a:endParaRPr lang="en-US" dirty="0"/>
-          </a:p>
-        </p:txBody>
-      </p:sp>
-      <p:sp>
-        <p:nvSpPr>
-          <p:cNvPr id="81" name="TextBox 80"/>
-          <p:cNvSpPr txBox="1"/>
-          <p:nvPr/>
-        </p:nvSpPr>
-        <p:spPr>
-          <a:xfrm>
-            <a:off x="5520520" y="1198246"/>
-            <a:ext cx="924511" cy="400110"/>
-          </a:xfrm>
-          <a:prstGeom prst="rect">
-            <a:avLst/>
-          </a:prstGeom>
-          <a:noFill/>
-        </p:spPr>
-        <p:txBody>
-          <a:bodyPr wrap="square" rtlCol="0">
-            <a:spAutoFit/>
-          </a:bodyPr>
-          <a:lstStyle/>
-          <a:p>
-            <a:r>
-              <a:rPr lang="el-GR" sz="2000" b="1" dirty="0" smtClean="0"/>
-              <a:t>Φ</a:t>
-            </a:r>
-            <a:r>
-              <a:rPr lang="en-US" sz="2000" b="1" dirty="0" smtClean="0"/>
-              <a:t>_des</a:t>
-            </a:r>
-            <a:endParaRPr lang="en-US" sz="2000" b="1" dirty="0"/>
-          </a:p>
-        </p:txBody>
-      </p:sp>
-      <p:sp>
-        <p:nvSpPr>
-          <p:cNvPr id="82" name="TextBox 81"/>
-          <p:cNvSpPr txBox="1"/>
-          <p:nvPr/>
-        </p:nvSpPr>
-        <p:spPr>
-          <a:xfrm>
-            <a:off x="6110419" y="1910794"/>
-            <a:ext cx="320967" cy="474049"/>
-          </a:xfrm>
-          <a:prstGeom prst="rect">
-            <a:avLst/>
-          </a:prstGeom>
-          <a:noFill/>
-        </p:spPr>
-        <p:txBody>
-          <a:bodyPr wrap="square" rtlCol="0">
-            <a:spAutoFit/>
-          </a:bodyPr>
-          <a:lstStyle/>
-          <a:p>
-            <a:r>
-              <a:rPr lang="el-GR" sz="2400" b="1" dirty="0" smtClean="0"/>
-              <a:t>φ</a:t>
-            </a:r>
-            <a:endParaRPr lang="en-US" sz="2400" b="1" dirty="0"/>
-          </a:p>
-        </p:txBody>
-      </p:sp>
-      <p:sp>
-        <p:nvSpPr>
-          <p:cNvPr id="83" name="TextBox 82"/>
-          <p:cNvSpPr txBox="1"/>
-          <p:nvPr/>
-        </p:nvSpPr>
-        <p:spPr>
-          <a:xfrm>
-            <a:off x="5479578" y="2344338"/>
-            <a:ext cx="924511" cy="400110"/>
-          </a:xfrm>
-          <a:prstGeom prst="rect">
-            <a:avLst/>
-          </a:prstGeom>
-          <a:noFill/>
-        </p:spPr>
-        <p:txBody>
-          <a:bodyPr wrap="square" rtlCol="0">
-            <a:spAutoFit/>
-          </a:bodyPr>
-          <a:lstStyle/>
-          <a:p>
-            <a:r>
-              <a:rPr lang="el-GR" sz="2000" b="1" dirty="0" smtClean="0"/>
-              <a:t>ϴ</a:t>
-            </a:r>
-            <a:r>
-              <a:rPr lang="en-US" sz="2000" b="1" dirty="0" smtClean="0"/>
-              <a:t>_des</a:t>
-            </a:r>
-            <a:endParaRPr lang="en-US" sz="2000" b="1" dirty="0"/>
-          </a:p>
-        </p:txBody>
-      </p:sp>
-      <p:sp>
-        <p:nvSpPr>
-          <p:cNvPr id="84" name="TextBox 83"/>
-          <p:cNvSpPr txBox="1"/>
-          <p:nvPr/>
-        </p:nvSpPr>
-        <p:spPr>
-          <a:xfrm>
-            <a:off x="6120532" y="3844358"/>
-            <a:ext cx="362155" cy="461665"/>
-          </a:xfrm>
-          <a:prstGeom prst="rect">
-            <a:avLst/>
-          </a:prstGeom>
-          <a:noFill/>
-        </p:spPr>
-        <p:txBody>
-          <a:bodyPr wrap="square" rtlCol="0">
-            <a:spAutoFit/>
-          </a:bodyPr>
-          <a:lstStyle/>
-          <a:p>
-            <a:r>
-              <a:rPr lang="en-US" sz="2400" b="1" dirty="0"/>
-              <a:t>Ѱ</a:t>
-            </a:r>
-          </a:p>
-        </p:txBody>
-      </p:sp>
-      <p:sp>
-        <p:nvSpPr>
-          <p:cNvPr id="85" name="TextBox 84"/>
-          <p:cNvSpPr txBox="1"/>
-          <p:nvPr/>
-        </p:nvSpPr>
-        <p:spPr>
-          <a:xfrm>
-            <a:off x="5439913" y="3243856"/>
-            <a:ext cx="924511" cy="400110"/>
-          </a:xfrm>
-          <a:prstGeom prst="rect">
-            <a:avLst/>
-          </a:prstGeom>
-          <a:noFill/>
-        </p:spPr>
-        <p:txBody>
-          <a:bodyPr wrap="square" rtlCol="0">
-            <a:spAutoFit/>
-          </a:bodyPr>
-          <a:lstStyle/>
-          <a:p>
-            <a:r>
-              <a:rPr lang="az-Cyrl-AZ" sz="2000" b="1" dirty="0" smtClean="0"/>
-              <a:t>Ѱ</a:t>
-            </a:r>
-            <a:r>
-              <a:rPr lang="en-US" sz="2000" b="1" dirty="0" smtClean="0"/>
-              <a:t>_des</a:t>
-            </a:r>
-            <a:endParaRPr lang="en-US" sz="2000" b="1" dirty="0"/>
-          </a:p>
-        </p:txBody>
-      </p:sp>
-      <p:sp>
-        <p:nvSpPr>
-          <p:cNvPr id="86" name="TextBox 85"/>
-          <p:cNvSpPr txBox="1"/>
-          <p:nvPr/>
-        </p:nvSpPr>
-        <p:spPr>
-          <a:xfrm>
-            <a:off x="6133690" y="2934394"/>
-            <a:ext cx="362155" cy="461665"/>
-          </a:xfrm>
-          <a:prstGeom prst="rect">
-            <a:avLst/>
-          </a:prstGeom>
-          <a:noFill/>
-        </p:spPr>
-        <p:txBody>
-          <a:bodyPr wrap="square" rtlCol="0">
-            <a:spAutoFit/>
-          </a:bodyPr>
-          <a:lstStyle/>
-          <a:p>
-            <a:r>
               <a:rPr lang="en-US" sz="2400" b="1" dirty="0" smtClean="0"/>
               <a:t>ϴ</a:t>
             </a:r>
@@ -5339,52 +5840,18 @@
           </a:p>
         </p:txBody>
       </p:sp>
-      <p:cxnSp>
-        <p:nvCxnSpPr>
-          <p:cNvPr id="89" name="Straight Arrow Connector 88"/>
-          <p:cNvCxnSpPr/>
-          <p:nvPr/>
-        </p:nvCxnSpPr>
-        <p:spPr>
-          <a:xfrm flipV="1">
-            <a:off x="6701051" y="3616656"/>
-            <a:ext cx="368488" cy="2162"/>
-          </a:xfrm>
-          <a:prstGeom prst="straightConnector1">
-            <a:avLst/>
-          </a:prstGeom>
-          <a:ln w="57150">
-            <a:solidFill>
-              <a:schemeClr val="tx1"/>
-            </a:solidFill>
-            <a:tailEnd type="triangle"/>
-          </a:ln>
-        </p:spPr>
-        <p:style>
-          <a:lnRef idx="1">
-            <a:schemeClr val="accent1"/>
-          </a:lnRef>
-          <a:fillRef idx="0">
-            <a:schemeClr val="accent1"/>
-          </a:fillRef>
-          <a:effectRef idx="0">
-            <a:schemeClr val="accent1"/>
-          </a:effectRef>
-          <a:fontRef idx="minor">
-            <a:schemeClr val="tx1"/>
-          </a:fontRef>
-        </p:style>
-      </p:cxnSp>
       <p:cxnSp>
         <p:nvCxnSpPr>
           <p:cNvPr id="92" name="Straight Arrow Connector 91"/>
-          <p:cNvCxnSpPr/>
+          <p:cNvCxnSpPr>
+            <a:stCxn id="27" idx="3"/>
+          </p:cNvCxnSpPr>
           <p:nvPr/>
         </p:nvCxnSpPr>
         <p:spPr>
-          <a:xfrm flipV="1">
-            <a:off x="7977113" y="2715902"/>
-            <a:ext cx="1119117" cy="1"/>
+          <a:xfrm>
+            <a:off x="8621970" y="2727870"/>
+            <a:ext cx="689455" cy="11076"/>
           </a:xfrm>
           <a:prstGeom prst="straightConnector1">
             <a:avLst/>
@@ -5414,13 +5881,15 @@
       <p:cxnSp>
         <p:nvCxnSpPr>
           <p:cNvPr id="93" name="Straight Arrow Connector 92"/>
-          <p:cNvCxnSpPr/>
+          <p:cNvCxnSpPr>
+            <a:stCxn id="28" idx="3"/>
+          </p:cNvCxnSpPr>
           <p:nvPr/>
         </p:nvCxnSpPr>
         <p:spPr>
-          <a:xfrm flipV="1">
-            <a:off x="7987351" y="3566742"/>
-            <a:ext cx="1119117" cy="1"/>
+          <a:xfrm>
+            <a:off x="8658011" y="3808984"/>
+            <a:ext cx="653414" cy="15263"/>
           </a:xfrm>
           <a:prstGeom prst="straightConnector1">
             <a:avLst/>
@@ -5455,7 +5924,7 @@
         </p:nvSpPr>
         <p:spPr>
           <a:xfrm>
-            <a:off x="3500404" y="5449927"/>
+            <a:off x="4133986" y="5584076"/>
             <a:ext cx="362155" cy="461665"/>
           </a:xfrm>
           <a:prstGeom prst="rect">
@@ -5476,130 +5945,420 @@
           </a:p>
         </p:txBody>
       </p:sp>
-      <p:sp>
-        <p:nvSpPr>
-          <p:cNvPr id="95" name="TextBox 94"/>
-          <p:cNvSpPr txBox="1"/>
-          <p:nvPr/>
-        </p:nvSpPr>
-        <p:spPr>
-          <a:xfrm>
-            <a:off x="8235311" y="1294516"/>
-            <a:ext cx="580608" cy="461665"/>
-          </a:xfrm>
-          <a:prstGeom prst="rect">
-            <a:avLst/>
-          </a:prstGeom>
-          <a:noFill/>
-        </p:spPr>
-        <p:txBody>
-          <a:bodyPr wrap="none" rtlCol="0">
-            <a:spAutoFit/>
-          </a:bodyPr>
-          <a:lstStyle/>
-          <a:p>
-            <a:r>
-              <a:rPr lang="en-US" sz="2400" dirty="0" smtClean="0"/>
-              <a:t>Mx</a:t>
-            </a:r>
-            <a:endParaRPr lang="en-US" sz="2400" dirty="0"/>
-          </a:p>
-        </p:txBody>
-      </p:sp>
-      <p:sp>
-        <p:nvSpPr>
-          <p:cNvPr id="96" name="TextBox 95"/>
-          <p:cNvSpPr txBox="1"/>
-          <p:nvPr/>
-        </p:nvSpPr>
-        <p:spPr>
-          <a:xfrm>
-            <a:off x="8249203" y="2290589"/>
-            <a:ext cx="587020" cy="461665"/>
-          </a:xfrm>
-          <a:prstGeom prst="rect">
-            <a:avLst/>
-          </a:prstGeom>
-          <a:noFill/>
-        </p:spPr>
-        <p:txBody>
-          <a:bodyPr wrap="none" rtlCol="0">
-            <a:spAutoFit/>
-          </a:bodyPr>
-          <a:lstStyle/>
-          <a:p>
-            <a:r>
-              <a:rPr lang="en-US" sz="2400" dirty="0" smtClean="0"/>
-              <a:t>My</a:t>
-            </a:r>
-            <a:endParaRPr lang="en-US" sz="2400" dirty="0"/>
-          </a:p>
-        </p:txBody>
-      </p:sp>
-      <p:sp>
-        <p:nvSpPr>
-          <p:cNvPr id="97" name="TextBox 96"/>
-          <p:cNvSpPr txBox="1"/>
-          <p:nvPr/>
-        </p:nvSpPr>
-        <p:spPr>
-          <a:xfrm>
-            <a:off x="8277900" y="3124159"/>
-            <a:ext cx="587020" cy="461665"/>
-          </a:xfrm>
-          <a:prstGeom prst="rect">
-            <a:avLst/>
-          </a:prstGeom>
-          <a:noFill/>
-        </p:spPr>
-        <p:txBody>
-          <a:bodyPr wrap="none" rtlCol="0">
-            <a:spAutoFit/>
-          </a:bodyPr>
-          <a:lstStyle/>
-          <a:p>
-            <a:r>
-              <a:rPr lang="en-US" sz="2400" dirty="0" smtClean="0"/>
-              <a:t>Mz</a:t>
-            </a:r>
-            <a:endParaRPr lang="en-US" sz="2400" dirty="0"/>
-          </a:p>
-        </p:txBody>
-      </p:sp>
-      <p:sp>
-        <p:nvSpPr>
-          <p:cNvPr id="98" name="TextBox 97"/>
-          <p:cNvSpPr txBox="1"/>
-          <p:nvPr/>
-        </p:nvSpPr>
-        <p:spPr>
-          <a:xfrm>
-            <a:off x="7006480" y="4713068"/>
-            <a:ext cx="1829743" cy="461665"/>
-          </a:xfrm>
-          <a:prstGeom prst="rect">
-            <a:avLst/>
-          </a:prstGeom>
-          <a:noFill/>
-        </p:spPr>
-        <p:txBody>
-          <a:bodyPr wrap="square" rtlCol="0">
-            <a:spAutoFit/>
-          </a:bodyPr>
-          <a:lstStyle/>
-          <a:p>
-            <a:r>
-              <a:rPr lang="el-GR" sz="2400" dirty="0" smtClean="0"/>
-              <a:t>Δ</a:t>
-            </a:r>
-            <a:r>
-              <a:rPr lang="en-US" sz="2400" dirty="0" smtClean="0"/>
-              <a:t>T_allmotors</a:t>
-            </a:r>
-            <a:endParaRPr lang="en-US" sz="2400" dirty="0"/>
-          </a:p>
-        </p:txBody>
-      </p:sp>
+      <mc:AlternateContent xmlns:mc="http://schemas.openxmlformats.org/markup-compatibility/2006">
+        <mc:Choice xmlns:a14="http://schemas.microsoft.com/office/drawing/2010/main" Requires="a14">
+          <p:sp>
+            <p:nvSpPr>
+              <p:cNvPr id="95" name="TextBox 94"/>
+              <p:cNvSpPr txBox="1"/>
+              <p:nvPr/>
+            </p:nvSpPr>
+            <p:spPr>
+              <a:xfrm>
+                <a:off x="8577251" y="1255022"/>
+                <a:ext cx="438142" cy="461665"/>
+              </a:xfrm>
+              <a:prstGeom prst="rect">
+                <a:avLst/>
+              </a:prstGeom>
+              <a:noFill/>
+            </p:spPr>
+            <p:txBody>
+              <a:bodyPr wrap="square" rtlCol="0">
+                <a:spAutoFit/>
+              </a:bodyPr>
+              <a:lstStyle/>
+              <a:p>
+                <a14:m>
+                  <m:oMathPara xmlns:m="http://schemas.openxmlformats.org/officeDocument/2006/math">
+                    <m:oMathParaPr>
+                      <m:jc m:val="centerGroup"/>
+                    </m:oMathParaPr>
+                    <m:oMath xmlns:m="http://schemas.openxmlformats.org/officeDocument/2006/math">
+                      <m:sSub>
+                        <m:sSubPr>
+                          <m:ctrlPr>
+                            <a:rPr lang="en-US" sz="2400" b="1" i="1" dirty="0" smtClean="0">
+                              <a:latin typeface="Cambria Math"/>
+                            </a:rPr>
+                          </m:ctrlPr>
+                        </m:sSubPr>
+                        <m:e>
+                          <m:r>
+                            <a:rPr lang="en-US" sz="2400" b="1" i="1" dirty="0" smtClean="0">
+                              <a:latin typeface="Cambria Math"/>
+                            </a:rPr>
+                            <m:t>𝑴</m:t>
+                          </m:r>
+                        </m:e>
+                        <m:sub>
+                          <m:r>
+                            <a:rPr lang="en-US" sz="2400" b="1" i="1" dirty="0" smtClean="0">
+                              <a:latin typeface="Cambria Math"/>
+                            </a:rPr>
+                            <m:t>𝒙</m:t>
+                          </m:r>
+                        </m:sub>
+                      </m:sSub>
+                    </m:oMath>
+                  </m:oMathPara>
+                </a14:m>
+                <a:endParaRPr lang="en-US" sz="2400" b="1" dirty="0"/>
+              </a:p>
+            </p:txBody>
+          </p:sp>
+        </mc:Choice>
+        <mc:Fallback>
+          <p:sp>
+            <p:nvSpPr>
+              <p:cNvPr id="95" name="TextBox 94"/>
+              <p:cNvSpPr txBox="1">
+                <a:spLocks noRot="1" noChangeAspect="1" noMove="1" noResize="1" noEditPoints="1" noAdjustHandles="1" noChangeArrowheads="1" noChangeShapeType="1" noTextEdit="1"/>
+              </p:cNvSpPr>
+              <p:nvPr/>
+            </p:nvSpPr>
+            <p:spPr>
+              <a:xfrm>
+                <a:off x="8577251" y="1255022"/>
+                <a:ext cx="438142" cy="461665"/>
+              </a:xfrm>
+              <a:prstGeom prst="rect">
+                <a:avLst/>
+              </a:prstGeom>
+              <a:blipFill rotWithShape="1">
+                <a:blip r:embed="rId10"/>
+                <a:stretch>
+                  <a:fillRect l="-2778" r="-27778"/>
+                </a:stretch>
+              </a:blipFill>
+            </p:spPr>
+            <p:txBody>
+              <a:bodyPr/>
+              <a:lstStyle/>
+              <a:p>
+                <a:r>
+                  <a:rPr lang="en-US">
+                    <a:noFill/>
+                  </a:rPr>
+                  <a:t> </a:t>
+                </a:r>
+              </a:p>
+            </p:txBody>
+          </p:sp>
+        </mc:Fallback>
+      </mc:AlternateContent>
+      <mc:AlternateContent xmlns:mc="http://schemas.openxmlformats.org/markup-compatibility/2006">
+        <mc:Choice xmlns:a14="http://schemas.microsoft.com/office/drawing/2010/main" Requires="a14">
+          <p:sp>
+            <p:nvSpPr>
+              <p:cNvPr id="96" name="TextBox 95"/>
+              <p:cNvSpPr txBox="1"/>
+              <p:nvPr/>
+            </p:nvSpPr>
+            <p:spPr>
+              <a:xfrm>
+                <a:off x="8495456" y="2290589"/>
+                <a:ext cx="681533" cy="495520"/>
+              </a:xfrm>
+              <a:prstGeom prst="rect">
+                <a:avLst/>
+              </a:prstGeom>
+              <a:noFill/>
+            </p:spPr>
+            <p:txBody>
+              <a:bodyPr wrap="none" rtlCol="0">
+                <a:spAutoFit/>
+              </a:bodyPr>
+              <a:lstStyle/>
+              <a:p>
+                <a14:m>
+                  <m:oMathPara xmlns:m="http://schemas.openxmlformats.org/officeDocument/2006/math">
+                    <m:oMathParaPr>
+                      <m:jc m:val="centerGroup"/>
+                    </m:oMathParaPr>
+                    <m:oMath xmlns:m="http://schemas.openxmlformats.org/officeDocument/2006/math">
+                      <m:sSub>
+                        <m:sSubPr>
+                          <m:ctrlPr>
+                            <a:rPr lang="en-US" sz="2400" b="1" i="1" dirty="0" smtClean="0">
+                              <a:latin typeface="Cambria Math"/>
+                            </a:rPr>
+                          </m:ctrlPr>
+                        </m:sSubPr>
+                        <m:e>
+                          <m:r>
+                            <a:rPr lang="en-US" sz="2400" b="1" i="1" dirty="0" smtClean="0">
+                              <a:latin typeface="Cambria Math"/>
+                            </a:rPr>
+                            <m:t>𝑴</m:t>
+                          </m:r>
+                        </m:e>
+                        <m:sub>
+                          <m:r>
+                            <a:rPr lang="en-US" sz="2400" b="1" i="1" dirty="0" smtClean="0">
+                              <a:latin typeface="Cambria Math"/>
+                            </a:rPr>
+                            <m:t>𝒚</m:t>
+                          </m:r>
+                        </m:sub>
+                      </m:sSub>
+                    </m:oMath>
+                  </m:oMathPara>
+                </a14:m>
+                <a:endParaRPr lang="en-US" sz="2400" b="1" dirty="0"/>
+              </a:p>
+            </p:txBody>
+          </p:sp>
+        </mc:Choice>
+        <mc:Fallback>
+          <p:sp>
+            <p:nvSpPr>
+              <p:cNvPr id="96" name="TextBox 95"/>
+              <p:cNvSpPr txBox="1">
+                <a:spLocks noRot="1" noChangeAspect="1" noMove="1" noResize="1" noEditPoints="1" noAdjustHandles="1" noChangeArrowheads="1" noChangeShapeType="1" noTextEdit="1"/>
+              </p:cNvSpPr>
+              <p:nvPr/>
+            </p:nvSpPr>
+            <p:spPr>
+              <a:xfrm>
+                <a:off x="8495456" y="2290589"/>
+                <a:ext cx="681533" cy="495520"/>
+              </a:xfrm>
+              <a:prstGeom prst="rect">
+                <a:avLst/>
+              </a:prstGeom>
+              <a:blipFill rotWithShape="1">
+                <a:blip r:embed="rId11"/>
+                <a:stretch>
+                  <a:fillRect b="-7407"/>
+                </a:stretch>
+              </a:blipFill>
+            </p:spPr>
+            <p:txBody>
+              <a:bodyPr/>
+              <a:lstStyle/>
+              <a:p>
+                <a:r>
+                  <a:rPr lang="en-US">
+                    <a:noFill/>
+                  </a:rPr>
+                  <a:t> </a:t>
+                </a:r>
+              </a:p>
+            </p:txBody>
+          </p:sp>
+        </mc:Fallback>
+      </mc:AlternateContent>
+      <mc:AlternateContent xmlns:mc="http://schemas.openxmlformats.org/markup-compatibility/2006">
+        <mc:Choice xmlns:a14="http://schemas.microsoft.com/office/drawing/2010/main" Requires="a14">
+          <p:sp>
+            <p:nvSpPr>
+              <p:cNvPr id="97" name="TextBox 96"/>
+              <p:cNvSpPr txBox="1"/>
+              <p:nvPr/>
+            </p:nvSpPr>
+            <p:spPr>
+              <a:xfrm>
+                <a:off x="8608781" y="3311745"/>
+                <a:ext cx="508201" cy="461665"/>
+              </a:xfrm>
+              <a:prstGeom prst="rect">
+                <a:avLst/>
+              </a:prstGeom>
+              <a:noFill/>
+            </p:spPr>
+            <p:txBody>
+              <a:bodyPr wrap="square" rtlCol="0">
+                <a:spAutoFit/>
+              </a:bodyPr>
+              <a:lstStyle/>
+              <a:p>
+                <a14:m>
+                  <m:oMathPara xmlns:m="http://schemas.openxmlformats.org/officeDocument/2006/math">
+                    <m:oMathParaPr>
+                      <m:jc m:val="centerGroup"/>
+                    </m:oMathParaPr>
+                    <m:oMath xmlns:m="http://schemas.openxmlformats.org/officeDocument/2006/math">
+                      <m:sSub>
+                        <m:sSubPr>
+                          <m:ctrlPr>
+                            <a:rPr lang="en-US" sz="2400" b="1" i="1" dirty="0" smtClean="0">
+                              <a:latin typeface="Cambria Math"/>
+                            </a:rPr>
+                          </m:ctrlPr>
+                        </m:sSubPr>
+                        <m:e>
+                          <m:r>
+                            <a:rPr lang="en-US" sz="2400" b="1" i="1" dirty="0" smtClean="0">
+                              <a:latin typeface="Cambria Math"/>
+                            </a:rPr>
+                            <m:t>𝑴</m:t>
+                          </m:r>
+                        </m:e>
+                        <m:sub>
+                          <m:r>
+                            <a:rPr lang="en-US" sz="2400" b="1" i="1" dirty="0" smtClean="0">
+                              <a:latin typeface="Cambria Math"/>
+                            </a:rPr>
+                            <m:t>𝒛</m:t>
+                          </m:r>
+                        </m:sub>
+                      </m:sSub>
+                    </m:oMath>
+                  </m:oMathPara>
+                </a14:m>
+                <a:endParaRPr lang="en-US" sz="2400" b="1" dirty="0"/>
+              </a:p>
+            </p:txBody>
+          </p:sp>
+        </mc:Choice>
+        <mc:Fallback>
+          <p:sp>
+            <p:nvSpPr>
+              <p:cNvPr id="97" name="TextBox 96"/>
+              <p:cNvSpPr txBox="1">
+                <a:spLocks noRot="1" noChangeAspect="1" noMove="1" noResize="1" noEditPoints="1" noAdjustHandles="1" noChangeArrowheads="1" noChangeShapeType="1" noTextEdit="1"/>
+              </p:cNvSpPr>
+              <p:nvPr/>
+            </p:nvSpPr>
+            <p:spPr>
+              <a:xfrm>
+                <a:off x="8608781" y="3311745"/>
+                <a:ext cx="508201" cy="461665"/>
+              </a:xfrm>
+              <a:prstGeom prst="rect">
+                <a:avLst/>
+              </a:prstGeom>
+              <a:blipFill rotWithShape="1">
+                <a:blip r:embed="rId12"/>
+                <a:stretch>
+                  <a:fillRect l="-2381" r="-7143"/>
+                </a:stretch>
+              </a:blipFill>
+            </p:spPr>
+            <p:txBody>
+              <a:bodyPr/>
+              <a:lstStyle/>
+              <a:p>
+                <a:r>
+                  <a:rPr lang="en-US">
+                    <a:noFill/>
+                  </a:rPr>
+                  <a:t> </a:t>
+                </a:r>
+              </a:p>
+            </p:txBody>
+          </p:sp>
+        </mc:Fallback>
+      </mc:AlternateContent>
+      <mc:AlternateContent xmlns:mc="http://schemas.openxmlformats.org/markup-compatibility/2006">
+        <mc:Choice xmlns:a14="http://schemas.microsoft.com/office/drawing/2010/main" Requires="a14">
+          <p:sp>
+            <p:nvSpPr>
+              <p:cNvPr id="98" name="TextBox 97"/>
+              <p:cNvSpPr txBox="1"/>
+              <p:nvPr/>
+            </p:nvSpPr>
+            <p:spPr>
+              <a:xfrm>
+                <a:off x="7498675" y="4931680"/>
+                <a:ext cx="1587608" cy="461665"/>
+              </a:xfrm>
+              <a:prstGeom prst="rect">
+                <a:avLst/>
+              </a:prstGeom>
+              <a:noFill/>
+            </p:spPr>
+            <p:txBody>
+              <a:bodyPr wrap="square" rtlCol="0">
+                <a:spAutoFit/>
+              </a:bodyPr>
+              <a:lstStyle/>
+              <a:p>
+                <a14:m>
+                  <m:oMathPara xmlns:m="http://schemas.openxmlformats.org/officeDocument/2006/math">
+                    <m:oMathParaPr>
+                      <m:jc m:val="centerGroup"/>
+                    </m:oMathParaPr>
+                    <m:oMath xmlns:m="http://schemas.openxmlformats.org/officeDocument/2006/math">
+                      <m:r>
+                        <a:rPr lang="el-GR" sz="2400" b="1" i="0" dirty="0" smtClean="0">
+                          <a:latin typeface="Cambria Math"/>
+                        </a:rPr>
+                        <m:t>𝚫</m:t>
+                      </m:r>
+                      <m:sSub>
+                        <m:sSubPr>
+                          <m:ctrlPr>
+                            <a:rPr lang="en-US" sz="2400" b="1" i="1" dirty="0" smtClean="0">
+                              <a:latin typeface="Cambria Math"/>
+                            </a:rPr>
+                          </m:ctrlPr>
+                        </m:sSubPr>
+                        <m:e>
+                          <m:r>
+                            <a:rPr lang="en-US" sz="2400" b="1" i="1" dirty="0" smtClean="0">
+                              <a:latin typeface="Cambria Math"/>
+                            </a:rPr>
+                            <m:t>𝑻</m:t>
+                          </m:r>
+                        </m:e>
+                        <m:sub>
+                          <m:r>
+                            <a:rPr lang="en-US" sz="2400" b="1" i="1" dirty="0" smtClean="0">
+                              <a:latin typeface="Cambria Math"/>
+                            </a:rPr>
+                            <m:t>𝒂𝒍𝒍𝒎𝒐𝒕𝒐𝒓𝒔</m:t>
+                          </m:r>
+                        </m:sub>
+                      </m:sSub>
+                    </m:oMath>
+                  </m:oMathPara>
+                </a14:m>
+                <a:endParaRPr lang="en-US" sz="2400" b="1" dirty="0"/>
+              </a:p>
+            </p:txBody>
+          </p:sp>
+        </mc:Choice>
+        <mc:Fallback>
+          <p:sp>
+            <p:nvSpPr>
+              <p:cNvPr id="98" name="TextBox 97"/>
+              <p:cNvSpPr txBox="1">
+                <a:spLocks noRot="1" noChangeAspect="1" noMove="1" noResize="1" noEditPoints="1" noAdjustHandles="1" noChangeArrowheads="1" noChangeShapeType="1" noTextEdit="1"/>
+              </p:cNvSpPr>
+              <p:nvPr/>
+            </p:nvSpPr>
+            <p:spPr>
+              <a:xfrm>
+                <a:off x="7498675" y="4931680"/>
+                <a:ext cx="1587608" cy="461665"/>
+              </a:xfrm>
+              <a:prstGeom prst="rect">
+                <a:avLst/>
+              </a:prstGeom>
+              <a:blipFill rotWithShape="1">
+                <a:blip r:embed="rId13"/>
+                <a:stretch>
+                  <a:fillRect l="-766" r="-4598" b="-2632"/>
+                </a:stretch>
+              </a:blipFill>
+            </p:spPr>
+            <p:txBody>
+              <a:bodyPr/>
+              <a:lstStyle/>
+              <a:p>
+                <a:r>
+                  <a:rPr lang="en-US">
+                    <a:noFill/>
+                  </a:rPr>
+                  <a:t> </a:t>
+                </a:r>
+              </a:p>
+            </p:txBody>
+          </p:sp>
+        </mc:Fallback>
+      </mc:AlternateContent>
       <p:cxnSp>
         <p:nvCxnSpPr>
           <p:cNvPr id="99" name="Straight Arrow Connector 98"/>
@@ -5741,7 +6500,7 @@
         <p:spPr>
           <a:xfrm>
             <a:off x="1091821" y="1692323"/>
-            <a:ext cx="941695" cy="3889611"/>
+            <a:ext cx="941695" cy="4433903"/>
           </a:xfrm>
           <a:prstGeom prst="rect">
             <a:avLst/>
@@ -5824,8 +6583,8 @@
         </p:nvSpPr>
         <p:spPr>
           <a:xfrm>
-            <a:off x="3316406" y="4616355"/>
-            <a:ext cx="2654733" cy="1402308"/>
+            <a:off x="3950447" y="4917664"/>
+            <a:ext cx="5166536" cy="1270845"/>
           </a:xfrm>
           <a:prstGeom prst="rect">
             <a:avLst/>
@@ -5866,7 +6625,7 @@
         </p:nvSpPr>
         <p:spPr>
           <a:xfrm>
-            <a:off x="3435035" y="4157964"/>
+            <a:off x="5181507" y="4398290"/>
             <a:ext cx="2975815" cy="523220"/>
           </a:xfrm>
           <a:prstGeom prst="rect">
@@ -5908,8 +6667,8 @@
         </p:nvSpPr>
         <p:spPr>
           <a:xfrm>
-            <a:off x="5858180" y="795389"/>
-            <a:ext cx="2654733" cy="3411534"/>
+            <a:off x="5155518" y="834237"/>
+            <a:ext cx="3961463" cy="3626862"/>
           </a:xfrm>
           <a:prstGeom prst="rect">
             <a:avLst/>
@@ -5984,6 +6743,1819 @@
           </a:p>
         </p:txBody>
       </p:sp>
+      <p:sp>
+        <p:nvSpPr>
+          <p:cNvPr id="87" name="Rectangle 86"/>
+          <p:cNvSpPr/>
+          <p:nvPr/>
+        </p:nvSpPr>
+        <p:spPr>
+          <a:xfrm>
+            <a:off x="6527669" y="1475137"/>
+            <a:ext cx="366533" cy="488961"/>
+          </a:xfrm>
+          <a:prstGeom prst="rect">
+            <a:avLst/>
+          </a:prstGeom>
+          <a:ln w="57150">
+            <a:solidFill>
+              <a:schemeClr val="tx1"/>
+            </a:solidFill>
+          </a:ln>
+        </p:spPr>
+        <p:style>
+          <a:lnRef idx="2">
+            <a:schemeClr val="accent6"/>
+          </a:lnRef>
+          <a:fillRef idx="1">
+            <a:schemeClr val="lt1"/>
+          </a:fillRef>
+          <a:effectRef idx="0">
+            <a:schemeClr val="accent6"/>
+          </a:effectRef>
+          <a:fontRef idx="minor">
+            <a:schemeClr val="dk1"/>
+          </a:fontRef>
+        </p:style>
+        <p:txBody>
+          <a:bodyPr rtlCol="0" anchor="ctr"/>
+          <a:lstStyle/>
+          <a:p>
+            <a:pPr algn="ctr"/>
+            <a:r>
+              <a:rPr lang="en-US" sz="2400" dirty="0" smtClean="0"/>
+              <a:t>P</a:t>
+            </a:r>
+            <a:endParaRPr lang="en-US" sz="2400" dirty="0"/>
+          </a:p>
+        </p:txBody>
+      </p:sp>
+      <p:cxnSp>
+        <p:nvCxnSpPr>
+          <p:cNvPr id="90" name="Straight Arrow Connector 89"/>
+          <p:cNvCxnSpPr/>
+          <p:nvPr/>
+        </p:nvCxnSpPr>
+        <p:spPr>
+          <a:xfrm flipV="1">
+            <a:off x="7506266" y="1944807"/>
+            <a:ext cx="0" cy="307074"/>
+          </a:xfrm>
+          <a:prstGeom prst="straightConnector1">
+            <a:avLst/>
+          </a:prstGeom>
+          <a:ln w="57150">
+            <a:solidFill>
+              <a:schemeClr val="tx1"/>
+            </a:solidFill>
+            <a:tailEnd type="triangle"/>
+          </a:ln>
+        </p:spPr>
+        <p:style>
+          <a:lnRef idx="1">
+            <a:schemeClr val="accent1"/>
+          </a:lnRef>
+          <a:fillRef idx="0">
+            <a:schemeClr val="accent1"/>
+          </a:fillRef>
+          <a:effectRef idx="0">
+            <a:schemeClr val="accent1"/>
+          </a:effectRef>
+          <a:fontRef idx="minor">
+            <a:schemeClr val="tx1"/>
+          </a:fontRef>
+        </p:style>
+      </p:cxnSp>
+      <p:cxnSp>
+        <p:nvCxnSpPr>
+          <p:cNvPr id="91" name="Straight Arrow Connector 90"/>
+          <p:cNvCxnSpPr>
+            <a:stCxn id="14" idx="6"/>
+            <a:endCxn id="87" idx="1"/>
+          </p:cNvCxnSpPr>
+          <p:nvPr/>
+        </p:nvCxnSpPr>
+        <p:spPr>
+          <a:xfrm>
+            <a:off x="6263834" y="1707221"/>
+            <a:ext cx="263835" cy="12397"/>
+          </a:xfrm>
+          <a:prstGeom prst="straightConnector1">
+            <a:avLst/>
+          </a:prstGeom>
+          <a:ln w="57150">
+            <a:solidFill>
+              <a:schemeClr val="tx1"/>
+            </a:solidFill>
+            <a:tailEnd type="triangle"/>
+          </a:ln>
+        </p:spPr>
+        <p:style>
+          <a:lnRef idx="1">
+            <a:schemeClr val="accent1"/>
+          </a:lnRef>
+          <a:fillRef idx="0">
+            <a:schemeClr val="accent1"/>
+          </a:fillRef>
+          <a:effectRef idx="0">
+            <a:schemeClr val="accent1"/>
+          </a:effectRef>
+          <a:fontRef idx="minor">
+            <a:schemeClr val="tx1"/>
+          </a:fontRef>
+        </p:style>
+      </p:cxnSp>
+      <mc:AlternateContent xmlns:mc="http://schemas.openxmlformats.org/markup-compatibility/2006">
+        <mc:Choice xmlns:a14="http://schemas.microsoft.com/office/drawing/2010/main" Requires="a14">
+          <p:sp>
+            <p:nvSpPr>
+              <p:cNvPr id="103" name="TextBox 102"/>
+              <p:cNvSpPr txBox="1"/>
+              <p:nvPr/>
+            </p:nvSpPr>
+            <p:spPr>
+              <a:xfrm>
+                <a:off x="6794306" y="1255009"/>
+                <a:ext cx="635234" cy="383310"/>
+              </a:xfrm>
+              <a:prstGeom prst="rect">
+                <a:avLst/>
+              </a:prstGeom>
+              <a:noFill/>
+            </p:spPr>
+            <p:txBody>
+              <a:bodyPr wrap="square" rtlCol="0">
+                <a:spAutoFit/>
+              </a:bodyPr>
+              <a:lstStyle/>
+              <a:p>
+                <a14:m>
+                  <m:oMathPara xmlns:m="http://schemas.openxmlformats.org/officeDocument/2006/math">
+                    <m:oMathParaPr>
+                      <m:jc m:val="centerGroup"/>
+                    </m:oMathParaPr>
+                    <m:oMath xmlns:m="http://schemas.openxmlformats.org/officeDocument/2006/math">
+                      <m:sSub>
+                        <m:sSubPr>
+                          <m:ctrlPr>
+                            <a:rPr lang="en-US" b="1" i="1" smtClean="0">
+                              <a:latin typeface="Cambria Math"/>
+                            </a:rPr>
+                          </m:ctrlPr>
+                        </m:sSubPr>
+                        <m:e>
+                          <m:acc>
+                            <m:accPr>
+                              <m:chr m:val="̇"/>
+                              <m:ctrlPr>
+                                <a:rPr lang="en-US" b="1" i="1" smtClean="0">
+                                  <a:latin typeface="Cambria Math"/>
+                                </a:rPr>
+                              </m:ctrlPr>
+                            </m:accPr>
+                            <m:e>
+                              <m:r>
+                                <a:rPr lang="en-US" b="1" i="1" smtClean="0">
+                                  <a:latin typeface="Cambria Math"/>
+                                </a:rPr>
+                                <m:t>𝝓</m:t>
+                              </m:r>
+                            </m:e>
+                          </m:acc>
+                        </m:e>
+                        <m:sub>
+                          <m:r>
+                            <a:rPr lang="en-US" b="1" i="1" smtClean="0">
+                              <a:latin typeface="Cambria Math"/>
+                            </a:rPr>
+                            <m:t>𝒅</m:t>
+                          </m:r>
+                        </m:sub>
+                      </m:sSub>
+                    </m:oMath>
+                  </m:oMathPara>
+                </a14:m>
+                <a:endParaRPr lang="en-US" b="1" dirty="0"/>
+              </a:p>
+            </p:txBody>
+          </p:sp>
+        </mc:Choice>
+        <mc:Fallback>
+          <p:sp>
+            <p:nvSpPr>
+              <p:cNvPr id="103" name="TextBox 102"/>
+              <p:cNvSpPr txBox="1">
+                <a:spLocks noRot="1" noChangeAspect="1" noMove="1" noResize="1" noEditPoints="1" noAdjustHandles="1" noChangeArrowheads="1" noChangeShapeType="1" noTextEdit="1"/>
+              </p:cNvSpPr>
+              <p:nvPr/>
+            </p:nvSpPr>
+            <p:spPr>
+              <a:xfrm>
+                <a:off x="6794306" y="1255009"/>
+                <a:ext cx="635234" cy="383310"/>
+              </a:xfrm>
+              <a:prstGeom prst="rect">
+                <a:avLst/>
+              </a:prstGeom>
+              <a:blipFill rotWithShape="1">
+                <a:blip r:embed="rId14"/>
+                <a:stretch>
+                  <a:fillRect b="-12698"/>
+                </a:stretch>
+              </a:blipFill>
+            </p:spPr>
+            <p:txBody>
+              <a:bodyPr/>
+              <a:lstStyle/>
+              <a:p>
+                <a:r>
+                  <a:rPr lang="en-US">
+                    <a:noFill/>
+                  </a:rPr>
+                  <a:t> </a:t>
+                </a:r>
+              </a:p>
+            </p:txBody>
+          </p:sp>
+        </mc:Fallback>
+      </mc:AlternateContent>
+      <p:sp>
+        <p:nvSpPr>
+          <p:cNvPr id="104" name="Flowchart: Summing Junction 103"/>
+          <p:cNvSpPr/>
+          <p:nvPr/>
+        </p:nvSpPr>
+        <p:spPr>
+          <a:xfrm>
+            <a:off x="7287902" y="1479484"/>
+            <a:ext cx="436729" cy="450377"/>
+          </a:xfrm>
+          <a:prstGeom prst="flowChartSummingJunction">
+            <a:avLst/>
+          </a:prstGeom>
+          <a:ln w="28575">
+            <a:solidFill>
+              <a:schemeClr val="tx1"/>
+            </a:solidFill>
+          </a:ln>
+        </p:spPr>
+        <p:style>
+          <a:lnRef idx="2">
+            <a:schemeClr val="accent6"/>
+          </a:lnRef>
+          <a:fillRef idx="1">
+            <a:schemeClr val="lt1"/>
+          </a:fillRef>
+          <a:effectRef idx="0">
+            <a:schemeClr val="accent6"/>
+          </a:effectRef>
+          <a:fontRef idx="minor">
+            <a:schemeClr val="dk1"/>
+          </a:fontRef>
+        </p:style>
+        <p:txBody>
+          <a:bodyPr rtlCol="0" anchor="ctr"/>
+          <a:lstStyle/>
+          <a:p>
+            <a:pPr algn="ctr"/>
+            <a:endParaRPr lang="en-US"/>
+          </a:p>
+        </p:txBody>
+      </p:sp>
+      <mc:AlternateContent xmlns:mc="http://schemas.openxmlformats.org/markup-compatibility/2006">
+        <mc:Choice xmlns:a14="http://schemas.microsoft.com/office/drawing/2010/main" Requires="a14">
+          <p:sp>
+            <p:nvSpPr>
+              <p:cNvPr id="105" name="TextBox 104"/>
+              <p:cNvSpPr txBox="1"/>
+              <p:nvPr/>
+            </p:nvSpPr>
+            <p:spPr>
+              <a:xfrm>
+                <a:off x="7055891" y="1924337"/>
+                <a:ext cx="320967" cy="483146"/>
+              </a:xfrm>
+              <a:prstGeom prst="rect">
+                <a:avLst/>
+              </a:prstGeom>
+              <a:noFill/>
+            </p:spPr>
+            <p:txBody>
+              <a:bodyPr wrap="square" rtlCol="0">
+                <a:spAutoFit/>
+              </a:bodyPr>
+              <a:lstStyle/>
+              <a:p>
+                <a14:m>
+                  <m:oMathPara xmlns:m="http://schemas.openxmlformats.org/officeDocument/2006/math">
+                    <m:oMathParaPr>
+                      <m:jc m:val="centerGroup"/>
+                    </m:oMathParaPr>
+                    <m:oMath xmlns:m="http://schemas.openxmlformats.org/officeDocument/2006/math">
+                      <m:acc>
+                        <m:accPr>
+                          <m:chr m:val="̇"/>
+                          <m:ctrlPr>
+                            <a:rPr lang="en-US" sz="2400" b="1" i="1" dirty="0" smtClean="0">
+                              <a:latin typeface="Cambria Math"/>
+                            </a:rPr>
+                          </m:ctrlPr>
+                        </m:accPr>
+                        <m:e>
+                          <m:r>
+                            <a:rPr lang="en-US" sz="2400" b="1" i="1" dirty="0" smtClean="0">
+                              <a:latin typeface="Cambria Math"/>
+                            </a:rPr>
+                            <m:t>𝝓</m:t>
+                          </m:r>
+                        </m:e>
+                      </m:acc>
+                    </m:oMath>
+                  </m:oMathPara>
+                </a14:m>
+                <a:endParaRPr lang="en-US" sz="2400" b="1" dirty="0"/>
+              </a:p>
+            </p:txBody>
+          </p:sp>
+        </mc:Choice>
+        <mc:Fallback>
+          <p:sp>
+            <p:nvSpPr>
+              <p:cNvPr id="105" name="TextBox 104"/>
+              <p:cNvSpPr txBox="1">
+                <a:spLocks noRot="1" noChangeAspect="1" noMove="1" noResize="1" noEditPoints="1" noAdjustHandles="1" noChangeArrowheads="1" noChangeShapeType="1" noTextEdit="1"/>
+              </p:cNvSpPr>
+              <p:nvPr/>
+            </p:nvSpPr>
+            <p:spPr>
+              <a:xfrm>
+                <a:off x="7055891" y="1924337"/>
+                <a:ext cx="320967" cy="483146"/>
+              </a:xfrm>
+              <a:prstGeom prst="rect">
+                <a:avLst/>
+              </a:prstGeom>
+              <a:blipFill rotWithShape="1">
+                <a:blip r:embed="rId15"/>
+                <a:stretch>
+                  <a:fillRect/>
+                </a:stretch>
+              </a:blipFill>
+            </p:spPr>
+            <p:txBody>
+              <a:bodyPr/>
+              <a:lstStyle/>
+              <a:p>
+                <a:r>
+                  <a:rPr lang="en-US">
+                    <a:noFill/>
+                  </a:rPr>
+                  <a:t> </a:t>
+                </a:r>
+              </a:p>
+            </p:txBody>
+          </p:sp>
+        </mc:Fallback>
+      </mc:AlternateContent>
+      <p:cxnSp>
+        <p:nvCxnSpPr>
+          <p:cNvPr id="106" name="Straight Arrow Connector 105"/>
+          <p:cNvCxnSpPr/>
+          <p:nvPr/>
+        </p:nvCxnSpPr>
+        <p:spPr>
+          <a:xfrm>
+            <a:off x="7724631" y="1705122"/>
+            <a:ext cx="263835" cy="12397"/>
+          </a:xfrm>
+          <a:prstGeom prst="straightConnector1">
+            <a:avLst/>
+          </a:prstGeom>
+          <a:ln w="57150">
+            <a:solidFill>
+              <a:schemeClr val="tx1"/>
+            </a:solidFill>
+            <a:tailEnd type="triangle"/>
+          </a:ln>
+        </p:spPr>
+        <p:style>
+          <a:lnRef idx="1">
+            <a:schemeClr val="accent1"/>
+          </a:lnRef>
+          <a:fillRef idx="0">
+            <a:schemeClr val="accent1"/>
+          </a:fillRef>
+          <a:effectRef idx="0">
+            <a:schemeClr val="accent1"/>
+          </a:effectRef>
+          <a:fontRef idx="minor">
+            <a:schemeClr val="tx1"/>
+          </a:fontRef>
+        </p:style>
+      </p:cxnSp>
+      <p:cxnSp>
+        <p:nvCxnSpPr>
+          <p:cNvPr id="121" name="Straight Arrow Connector 120"/>
+          <p:cNvCxnSpPr/>
+          <p:nvPr/>
+        </p:nvCxnSpPr>
+        <p:spPr>
+          <a:xfrm flipV="1">
+            <a:off x="6856892" y="2824916"/>
+            <a:ext cx="427023" cy="1"/>
+          </a:xfrm>
+          <a:prstGeom prst="straightConnector1">
+            <a:avLst/>
+          </a:prstGeom>
+          <a:ln w="57150">
+            <a:solidFill>
+              <a:schemeClr val="tx1"/>
+            </a:solidFill>
+            <a:tailEnd type="triangle"/>
+          </a:ln>
+        </p:spPr>
+        <p:style>
+          <a:lnRef idx="1">
+            <a:schemeClr val="accent1"/>
+          </a:lnRef>
+          <a:fillRef idx="0">
+            <a:schemeClr val="accent1"/>
+          </a:fillRef>
+          <a:effectRef idx="0">
+            <a:schemeClr val="accent1"/>
+          </a:effectRef>
+          <a:fontRef idx="minor">
+            <a:schemeClr val="tx1"/>
+          </a:fontRef>
+        </p:style>
+      </p:cxnSp>
+      <p:sp>
+        <p:nvSpPr>
+          <p:cNvPr id="122" name="Rectangle 121"/>
+          <p:cNvSpPr/>
+          <p:nvPr/>
+        </p:nvSpPr>
+        <p:spPr>
+          <a:xfrm>
+            <a:off x="6486149" y="2565779"/>
+            <a:ext cx="366533" cy="488961"/>
+          </a:xfrm>
+          <a:prstGeom prst="rect">
+            <a:avLst/>
+          </a:prstGeom>
+          <a:ln w="57150">
+            <a:solidFill>
+              <a:schemeClr val="tx1"/>
+            </a:solidFill>
+          </a:ln>
+        </p:spPr>
+        <p:style>
+          <a:lnRef idx="2">
+            <a:schemeClr val="accent6"/>
+          </a:lnRef>
+          <a:fillRef idx="1">
+            <a:schemeClr val="lt1"/>
+          </a:fillRef>
+          <a:effectRef idx="0">
+            <a:schemeClr val="accent6"/>
+          </a:effectRef>
+          <a:fontRef idx="minor">
+            <a:schemeClr val="dk1"/>
+          </a:fontRef>
+        </p:style>
+        <p:txBody>
+          <a:bodyPr rtlCol="0" anchor="ctr"/>
+          <a:lstStyle/>
+          <a:p>
+            <a:pPr algn="ctr"/>
+            <a:r>
+              <a:rPr lang="en-US" sz="2400" dirty="0" smtClean="0"/>
+              <a:t>P</a:t>
+            </a:r>
+            <a:endParaRPr lang="en-US" sz="2400" dirty="0"/>
+          </a:p>
+        </p:txBody>
+      </p:sp>
+      <p:cxnSp>
+        <p:nvCxnSpPr>
+          <p:cNvPr id="123" name="Straight Arrow Connector 122"/>
+          <p:cNvCxnSpPr/>
+          <p:nvPr/>
+        </p:nvCxnSpPr>
+        <p:spPr>
+          <a:xfrm flipV="1">
+            <a:off x="7464746" y="3035449"/>
+            <a:ext cx="0" cy="307074"/>
+          </a:xfrm>
+          <a:prstGeom prst="straightConnector1">
+            <a:avLst/>
+          </a:prstGeom>
+          <a:ln w="57150">
+            <a:solidFill>
+              <a:schemeClr val="tx1"/>
+            </a:solidFill>
+            <a:tailEnd type="triangle"/>
+          </a:ln>
+        </p:spPr>
+        <p:style>
+          <a:lnRef idx="1">
+            <a:schemeClr val="accent1"/>
+          </a:lnRef>
+          <a:fillRef idx="0">
+            <a:schemeClr val="accent1"/>
+          </a:fillRef>
+          <a:effectRef idx="0">
+            <a:schemeClr val="accent1"/>
+          </a:effectRef>
+          <a:fontRef idx="minor">
+            <a:schemeClr val="tx1"/>
+          </a:fontRef>
+        </p:style>
+      </p:cxnSp>
+      <p:cxnSp>
+        <p:nvCxnSpPr>
+          <p:cNvPr id="124" name="Straight Arrow Connector 123"/>
+          <p:cNvCxnSpPr>
+            <a:endCxn id="122" idx="1"/>
+          </p:cNvCxnSpPr>
+          <p:nvPr/>
+        </p:nvCxnSpPr>
+        <p:spPr>
+          <a:xfrm>
+            <a:off x="6222314" y="2797863"/>
+            <a:ext cx="263835" cy="12397"/>
+          </a:xfrm>
+          <a:prstGeom prst="straightConnector1">
+            <a:avLst/>
+          </a:prstGeom>
+          <a:ln w="57150">
+            <a:solidFill>
+              <a:schemeClr val="tx1"/>
+            </a:solidFill>
+            <a:tailEnd type="triangle"/>
+          </a:ln>
+        </p:spPr>
+        <p:style>
+          <a:lnRef idx="1">
+            <a:schemeClr val="accent1"/>
+          </a:lnRef>
+          <a:fillRef idx="0">
+            <a:schemeClr val="accent1"/>
+          </a:fillRef>
+          <a:effectRef idx="0">
+            <a:schemeClr val="accent1"/>
+          </a:effectRef>
+          <a:fontRef idx="minor">
+            <a:schemeClr val="tx1"/>
+          </a:fontRef>
+        </p:style>
+      </p:cxnSp>
+      <mc:AlternateContent xmlns:mc="http://schemas.openxmlformats.org/markup-compatibility/2006">
+        <mc:Choice xmlns:a14="http://schemas.microsoft.com/office/drawing/2010/main" Requires="a14">
+          <p:sp>
+            <p:nvSpPr>
+              <p:cNvPr id="125" name="TextBox 124"/>
+              <p:cNvSpPr txBox="1"/>
+              <p:nvPr/>
+            </p:nvSpPr>
+            <p:spPr>
+              <a:xfrm>
+                <a:off x="6752786" y="2345651"/>
+                <a:ext cx="635234" cy="385427"/>
+              </a:xfrm>
+              <a:prstGeom prst="rect">
+                <a:avLst/>
+              </a:prstGeom>
+              <a:noFill/>
+            </p:spPr>
+            <p:txBody>
+              <a:bodyPr wrap="square" rtlCol="0">
+                <a:spAutoFit/>
+              </a:bodyPr>
+              <a:lstStyle/>
+              <a:p>
+                <a14:m>
+                  <m:oMathPara xmlns:m="http://schemas.openxmlformats.org/officeDocument/2006/math">
+                    <m:oMathParaPr>
+                      <m:jc m:val="centerGroup"/>
+                    </m:oMathParaPr>
+                    <m:oMath xmlns:m="http://schemas.openxmlformats.org/officeDocument/2006/math">
+                      <m:sSub>
+                        <m:sSubPr>
+                          <m:ctrlPr>
+                            <a:rPr lang="en-US" b="1" i="1" smtClean="0">
+                              <a:latin typeface="Cambria Math"/>
+                            </a:rPr>
+                          </m:ctrlPr>
+                        </m:sSubPr>
+                        <m:e>
+                          <m:acc>
+                            <m:accPr>
+                              <m:chr m:val="̇"/>
+                              <m:ctrlPr>
+                                <a:rPr lang="en-US" b="1" i="1" smtClean="0">
+                                  <a:latin typeface="Cambria Math"/>
+                                </a:rPr>
+                              </m:ctrlPr>
+                            </m:accPr>
+                            <m:e>
+                              <m:r>
+                                <a:rPr lang="en-US" b="1" i="1" smtClean="0">
+                                  <a:latin typeface="Cambria Math"/>
+                                </a:rPr>
+                                <m:t>𝜽</m:t>
+                              </m:r>
+                            </m:e>
+                          </m:acc>
+                        </m:e>
+                        <m:sub>
+                          <m:r>
+                            <a:rPr lang="en-US" b="1" i="1" smtClean="0">
+                              <a:latin typeface="Cambria Math"/>
+                            </a:rPr>
+                            <m:t>𝒅</m:t>
+                          </m:r>
+                        </m:sub>
+                      </m:sSub>
+                    </m:oMath>
+                  </m:oMathPara>
+                </a14:m>
+                <a:endParaRPr lang="en-US" b="1" dirty="0"/>
+              </a:p>
+            </p:txBody>
+          </p:sp>
+        </mc:Choice>
+        <mc:Fallback>
+          <p:sp>
+            <p:nvSpPr>
+              <p:cNvPr id="125" name="TextBox 124"/>
+              <p:cNvSpPr txBox="1">
+                <a:spLocks noRot="1" noChangeAspect="1" noMove="1" noResize="1" noEditPoints="1" noAdjustHandles="1" noChangeArrowheads="1" noChangeShapeType="1" noTextEdit="1"/>
+              </p:cNvSpPr>
+              <p:nvPr/>
+            </p:nvSpPr>
+            <p:spPr>
+              <a:xfrm>
+                <a:off x="6752786" y="2345651"/>
+                <a:ext cx="635234" cy="385427"/>
+              </a:xfrm>
+              <a:prstGeom prst="rect">
+                <a:avLst/>
+              </a:prstGeom>
+              <a:blipFill rotWithShape="1">
+                <a:blip r:embed="rId16"/>
+                <a:stretch>
+                  <a:fillRect b="-1587"/>
+                </a:stretch>
+              </a:blipFill>
+            </p:spPr>
+            <p:txBody>
+              <a:bodyPr/>
+              <a:lstStyle/>
+              <a:p>
+                <a:r>
+                  <a:rPr lang="en-US">
+                    <a:noFill/>
+                  </a:rPr>
+                  <a:t> </a:t>
+                </a:r>
+              </a:p>
+            </p:txBody>
+          </p:sp>
+        </mc:Fallback>
+      </mc:AlternateContent>
+      <p:sp>
+        <p:nvSpPr>
+          <p:cNvPr id="126" name="Flowchart: Summing Junction 125"/>
+          <p:cNvSpPr/>
+          <p:nvPr/>
+        </p:nvSpPr>
+        <p:spPr>
+          <a:xfrm>
+            <a:off x="7246382" y="2570126"/>
+            <a:ext cx="436729" cy="450377"/>
+          </a:xfrm>
+          <a:prstGeom prst="flowChartSummingJunction">
+            <a:avLst/>
+          </a:prstGeom>
+          <a:ln w="28575">
+            <a:solidFill>
+              <a:schemeClr val="tx1"/>
+            </a:solidFill>
+          </a:ln>
+        </p:spPr>
+        <p:style>
+          <a:lnRef idx="2">
+            <a:schemeClr val="accent6"/>
+          </a:lnRef>
+          <a:fillRef idx="1">
+            <a:schemeClr val="lt1"/>
+          </a:fillRef>
+          <a:effectRef idx="0">
+            <a:schemeClr val="accent6"/>
+          </a:effectRef>
+          <a:fontRef idx="minor">
+            <a:schemeClr val="dk1"/>
+          </a:fontRef>
+        </p:style>
+        <p:txBody>
+          <a:bodyPr rtlCol="0" anchor="ctr"/>
+          <a:lstStyle/>
+          <a:p>
+            <a:pPr algn="ctr"/>
+            <a:endParaRPr lang="en-US"/>
+          </a:p>
+        </p:txBody>
+      </p:sp>
+      <p:cxnSp>
+        <p:nvCxnSpPr>
+          <p:cNvPr id="127" name="Straight Arrow Connector 126"/>
+          <p:cNvCxnSpPr/>
+          <p:nvPr/>
+        </p:nvCxnSpPr>
+        <p:spPr>
+          <a:xfrm>
+            <a:off x="7683111" y="2795764"/>
+            <a:ext cx="263835" cy="12397"/>
+          </a:xfrm>
+          <a:prstGeom prst="straightConnector1">
+            <a:avLst/>
+          </a:prstGeom>
+          <a:ln w="57150">
+            <a:solidFill>
+              <a:schemeClr val="tx1"/>
+            </a:solidFill>
+            <a:tailEnd type="triangle"/>
+          </a:ln>
+        </p:spPr>
+        <p:style>
+          <a:lnRef idx="1">
+            <a:schemeClr val="accent1"/>
+          </a:lnRef>
+          <a:fillRef idx="0">
+            <a:schemeClr val="accent1"/>
+          </a:fillRef>
+          <a:effectRef idx="0">
+            <a:schemeClr val="accent1"/>
+          </a:effectRef>
+          <a:fontRef idx="minor">
+            <a:schemeClr val="tx1"/>
+          </a:fontRef>
+        </p:style>
+      </p:cxnSp>
+      <p:cxnSp>
+        <p:nvCxnSpPr>
+          <p:cNvPr id="138" name="Straight Arrow Connector 137"/>
+          <p:cNvCxnSpPr/>
+          <p:nvPr/>
+        </p:nvCxnSpPr>
+        <p:spPr>
+          <a:xfrm flipV="1">
+            <a:off x="6898412" y="3846737"/>
+            <a:ext cx="427023" cy="1"/>
+          </a:xfrm>
+          <a:prstGeom prst="straightConnector1">
+            <a:avLst/>
+          </a:prstGeom>
+          <a:ln w="57150">
+            <a:solidFill>
+              <a:schemeClr val="tx1"/>
+            </a:solidFill>
+            <a:tailEnd type="triangle"/>
+          </a:ln>
+        </p:spPr>
+        <p:style>
+          <a:lnRef idx="1">
+            <a:schemeClr val="accent1"/>
+          </a:lnRef>
+          <a:fillRef idx="0">
+            <a:schemeClr val="accent1"/>
+          </a:fillRef>
+          <a:effectRef idx="0">
+            <a:schemeClr val="accent1"/>
+          </a:effectRef>
+          <a:fontRef idx="minor">
+            <a:schemeClr val="tx1"/>
+          </a:fontRef>
+        </p:style>
+      </p:cxnSp>
+      <p:sp>
+        <p:nvSpPr>
+          <p:cNvPr id="139" name="Rectangle 138"/>
+          <p:cNvSpPr/>
+          <p:nvPr/>
+        </p:nvSpPr>
+        <p:spPr>
+          <a:xfrm>
+            <a:off x="6527669" y="3581865"/>
+            <a:ext cx="366533" cy="488961"/>
+          </a:xfrm>
+          <a:prstGeom prst="rect">
+            <a:avLst/>
+          </a:prstGeom>
+          <a:ln w="57150">
+            <a:solidFill>
+              <a:schemeClr val="tx1"/>
+            </a:solidFill>
+          </a:ln>
+        </p:spPr>
+        <p:style>
+          <a:lnRef idx="2">
+            <a:schemeClr val="accent6"/>
+          </a:lnRef>
+          <a:fillRef idx="1">
+            <a:schemeClr val="lt1"/>
+          </a:fillRef>
+          <a:effectRef idx="0">
+            <a:schemeClr val="accent6"/>
+          </a:effectRef>
+          <a:fontRef idx="minor">
+            <a:schemeClr val="dk1"/>
+          </a:fontRef>
+        </p:style>
+        <p:txBody>
+          <a:bodyPr rtlCol="0" anchor="ctr"/>
+          <a:lstStyle/>
+          <a:p>
+            <a:pPr algn="ctr"/>
+            <a:r>
+              <a:rPr lang="en-US" sz="2400" dirty="0" smtClean="0"/>
+              <a:t>P</a:t>
+            </a:r>
+            <a:endParaRPr lang="en-US" sz="2400" dirty="0"/>
+          </a:p>
+        </p:txBody>
+      </p:sp>
+      <p:cxnSp>
+        <p:nvCxnSpPr>
+          <p:cNvPr id="140" name="Straight Arrow Connector 139"/>
+          <p:cNvCxnSpPr/>
+          <p:nvPr/>
+        </p:nvCxnSpPr>
+        <p:spPr>
+          <a:xfrm flipV="1">
+            <a:off x="7530732" y="4051535"/>
+            <a:ext cx="0" cy="307074"/>
+          </a:xfrm>
+          <a:prstGeom prst="straightConnector1">
+            <a:avLst/>
+          </a:prstGeom>
+          <a:ln w="57150">
+            <a:solidFill>
+              <a:schemeClr val="tx1"/>
+            </a:solidFill>
+            <a:tailEnd type="triangle"/>
+          </a:ln>
+        </p:spPr>
+        <p:style>
+          <a:lnRef idx="1">
+            <a:schemeClr val="accent1"/>
+          </a:lnRef>
+          <a:fillRef idx="0">
+            <a:schemeClr val="accent1"/>
+          </a:fillRef>
+          <a:effectRef idx="0">
+            <a:schemeClr val="accent1"/>
+          </a:effectRef>
+          <a:fontRef idx="minor">
+            <a:schemeClr val="tx1"/>
+          </a:fontRef>
+        </p:style>
+      </p:cxnSp>
+      <mc:AlternateContent xmlns:mc="http://schemas.openxmlformats.org/markup-compatibility/2006">
+        <mc:Choice xmlns:a14="http://schemas.microsoft.com/office/drawing/2010/main" Requires="a14">
+          <p:sp>
+            <p:nvSpPr>
+              <p:cNvPr id="141" name="TextBox 140"/>
+              <p:cNvSpPr txBox="1"/>
+              <p:nvPr/>
+            </p:nvSpPr>
+            <p:spPr>
+              <a:xfrm>
+                <a:off x="6794306" y="3361737"/>
+                <a:ext cx="635234" cy="383310"/>
+              </a:xfrm>
+              <a:prstGeom prst="rect">
+                <a:avLst/>
+              </a:prstGeom>
+              <a:noFill/>
+            </p:spPr>
+            <p:txBody>
+              <a:bodyPr wrap="square" rtlCol="0">
+                <a:spAutoFit/>
+              </a:bodyPr>
+              <a:lstStyle/>
+              <a:p>
+                <a14:m>
+                  <m:oMathPara xmlns:m="http://schemas.openxmlformats.org/officeDocument/2006/math">
+                    <m:oMathParaPr>
+                      <m:jc m:val="centerGroup"/>
+                    </m:oMathParaPr>
+                    <m:oMath xmlns:m="http://schemas.openxmlformats.org/officeDocument/2006/math">
+                      <m:sSub>
+                        <m:sSubPr>
+                          <m:ctrlPr>
+                            <a:rPr lang="en-US" b="1" i="1" smtClean="0">
+                              <a:latin typeface="Cambria Math"/>
+                            </a:rPr>
+                          </m:ctrlPr>
+                        </m:sSubPr>
+                        <m:e>
+                          <m:acc>
+                            <m:accPr>
+                              <m:chr m:val="̇"/>
+                              <m:ctrlPr>
+                                <a:rPr lang="en-US" b="1" i="1" smtClean="0">
+                                  <a:latin typeface="Cambria Math"/>
+                                </a:rPr>
+                              </m:ctrlPr>
+                            </m:accPr>
+                            <m:e>
+                              <m:r>
+                                <a:rPr lang="en-US" b="1" i="1" smtClean="0">
+                                  <a:latin typeface="Cambria Math"/>
+                                </a:rPr>
+                                <m:t>𝝍</m:t>
+                              </m:r>
+                            </m:e>
+                          </m:acc>
+                        </m:e>
+                        <m:sub>
+                          <m:r>
+                            <a:rPr lang="en-US" b="1" i="1" smtClean="0">
+                              <a:latin typeface="Cambria Math"/>
+                            </a:rPr>
+                            <m:t>𝒅</m:t>
+                          </m:r>
+                        </m:sub>
+                      </m:sSub>
+                    </m:oMath>
+                  </m:oMathPara>
+                </a14:m>
+                <a:endParaRPr lang="en-US" b="1" dirty="0"/>
+              </a:p>
+            </p:txBody>
+          </p:sp>
+        </mc:Choice>
+        <mc:Fallback>
+          <p:sp>
+            <p:nvSpPr>
+              <p:cNvPr id="141" name="TextBox 140"/>
+              <p:cNvSpPr txBox="1">
+                <a:spLocks noRot="1" noChangeAspect="1" noMove="1" noResize="1" noEditPoints="1" noAdjustHandles="1" noChangeArrowheads="1" noChangeShapeType="1" noTextEdit="1"/>
+              </p:cNvSpPr>
+              <p:nvPr/>
+            </p:nvSpPr>
+            <p:spPr>
+              <a:xfrm>
+                <a:off x="6794306" y="3361737"/>
+                <a:ext cx="635234" cy="383310"/>
+              </a:xfrm>
+              <a:prstGeom prst="rect">
+                <a:avLst/>
+              </a:prstGeom>
+              <a:blipFill rotWithShape="1">
+                <a:blip r:embed="rId17"/>
+                <a:stretch>
+                  <a:fillRect b="-12698"/>
+                </a:stretch>
+              </a:blipFill>
+            </p:spPr>
+            <p:txBody>
+              <a:bodyPr/>
+              <a:lstStyle/>
+              <a:p>
+                <a:r>
+                  <a:rPr lang="en-US">
+                    <a:noFill/>
+                  </a:rPr>
+                  <a:t> </a:t>
+                </a:r>
+              </a:p>
+            </p:txBody>
+          </p:sp>
+        </mc:Fallback>
+      </mc:AlternateContent>
+      <p:sp>
+        <p:nvSpPr>
+          <p:cNvPr id="142" name="Flowchart: Summing Junction 141"/>
+          <p:cNvSpPr/>
+          <p:nvPr/>
+        </p:nvSpPr>
+        <p:spPr>
+          <a:xfrm>
+            <a:off x="7299583" y="3599058"/>
+            <a:ext cx="436729" cy="450377"/>
+          </a:xfrm>
+          <a:prstGeom prst="flowChartSummingJunction">
+            <a:avLst/>
+          </a:prstGeom>
+          <a:ln w="28575">
+            <a:solidFill>
+              <a:schemeClr val="tx1"/>
+            </a:solidFill>
+          </a:ln>
+        </p:spPr>
+        <p:style>
+          <a:lnRef idx="2">
+            <a:schemeClr val="accent6"/>
+          </a:lnRef>
+          <a:fillRef idx="1">
+            <a:schemeClr val="lt1"/>
+          </a:fillRef>
+          <a:effectRef idx="0">
+            <a:schemeClr val="accent6"/>
+          </a:effectRef>
+          <a:fontRef idx="minor">
+            <a:schemeClr val="dk1"/>
+          </a:fontRef>
+        </p:style>
+        <p:txBody>
+          <a:bodyPr rtlCol="0" anchor="ctr"/>
+          <a:lstStyle/>
+          <a:p>
+            <a:pPr algn="ctr"/>
+            <a:endParaRPr lang="en-US"/>
+          </a:p>
+        </p:txBody>
+      </p:sp>
+      <p:cxnSp>
+        <p:nvCxnSpPr>
+          <p:cNvPr id="143" name="Straight Arrow Connector 142"/>
+          <p:cNvCxnSpPr>
+            <a:stCxn id="142" idx="6"/>
+            <a:endCxn id="28" idx="1"/>
+          </p:cNvCxnSpPr>
+          <p:nvPr/>
+        </p:nvCxnSpPr>
+        <p:spPr>
+          <a:xfrm flipV="1">
+            <a:off x="7736312" y="3808984"/>
+            <a:ext cx="317529" cy="15263"/>
+          </a:xfrm>
+          <a:prstGeom prst="straightConnector1">
+            <a:avLst/>
+          </a:prstGeom>
+          <a:ln w="57150">
+            <a:solidFill>
+              <a:schemeClr val="tx1"/>
+            </a:solidFill>
+            <a:tailEnd type="triangle"/>
+          </a:ln>
+        </p:spPr>
+        <p:style>
+          <a:lnRef idx="1">
+            <a:schemeClr val="accent1"/>
+          </a:lnRef>
+          <a:fillRef idx="0">
+            <a:schemeClr val="accent1"/>
+          </a:fillRef>
+          <a:effectRef idx="0">
+            <a:schemeClr val="accent1"/>
+          </a:effectRef>
+          <a:fontRef idx="minor">
+            <a:schemeClr val="tx1"/>
+          </a:fontRef>
+        </p:style>
+      </p:cxnSp>
+      <p:cxnSp>
+        <p:nvCxnSpPr>
+          <p:cNvPr id="144" name="Straight Arrow Connector 143"/>
+          <p:cNvCxnSpPr/>
+          <p:nvPr/>
+        </p:nvCxnSpPr>
+        <p:spPr>
+          <a:xfrm>
+            <a:off x="6242796" y="3833023"/>
+            <a:ext cx="263835" cy="12397"/>
+          </a:xfrm>
+          <a:prstGeom prst="straightConnector1">
+            <a:avLst/>
+          </a:prstGeom>
+          <a:ln w="57150">
+            <a:solidFill>
+              <a:schemeClr val="tx1"/>
+            </a:solidFill>
+            <a:tailEnd type="triangle"/>
+          </a:ln>
+        </p:spPr>
+        <p:style>
+          <a:lnRef idx="1">
+            <a:schemeClr val="accent1"/>
+          </a:lnRef>
+          <a:fillRef idx="0">
+            <a:schemeClr val="accent1"/>
+          </a:fillRef>
+          <a:effectRef idx="0">
+            <a:schemeClr val="accent1"/>
+          </a:effectRef>
+          <a:fontRef idx="minor">
+            <a:schemeClr val="tx1"/>
+          </a:fontRef>
+        </p:style>
+      </p:cxnSp>
+      <mc:AlternateContent xmlns:mc="http://schemas.openxmlformats.org/markup-compatibility/2006">
+        <mc:Choice xmlns:a14="http://schemas.microsoft.com/office/drawing/2010/main" Requires="a14">
+          <p:sp>
+            <p:nvSpPr>
+              <p:cNvPr id="153" name="Rectangle 152"/>
+              <p:cNvSpPr/>
+              <p:nvPr/>
+            </p:nvSpPr>
+            <p:spPr>
+              <a:xfrm>
+                <a:off x="6903114" y="3070728"/>
+                <a:ext cx="381835" cy="382156"/>
+              </a:xfrm>
+              <a:prstGeom prst="rect">
+                <a:avLst/>
+              </a:prstGeom>
+            </p:spPr>
+            <p:txBody>
+              <a:bodyPr wrap="none">
+                <a:spAutoFit/>
+              </a:bodyPr>
+              <a:lstStyle/>
+              <a:p>
+                <a14:m>
+                  <m:oMathPara xmlns:m="http://schemas.openxmlformats.org/officeDocument/2006/math">
+                    <m:oMathParaPr>
+                      <m:jc m:val="centerGroup"/>
+                    </m:oMathParaPr>
+                    <m:oMath xmlns:m="http://schemas.openxmlformats.org/officeDocument/2006/math">
+                      <m:acc>
+                        <m:accPr>
+                          <m:chr m:val="̇"/>
+                          <m:ctrlPr>
+                            <a:rPr lang="en-US" b="1" i="1" smtClean="0">
+                              <a:latin typeface="Cambria Math"/>
+                            </a:rPr>
+                          </m:ctrlPr>
+                        </m:accPr>
+                        <m:e>
+                          <m:r>
+                            <a:rPr lang="en-US" b="1" i="1" smtClean="0">
+                              <a:latin typeface="Cambria Math"/>
+                            </a:rPr>
+                            <m:t>𝜽</m:t>
+                          </m:r>
+                        </m:e>
+                      </m:acc>
+                    </m:oMath>
+                  </m:oMathPara>
+                </a14:m>
+                <a:endParaRPr lang="en-US" b="1" dirty="0"/>
+              </a:p>
+            </p:txBody>
+          </p:sp>
+        </mc:Choice>
+        <mc:Fallback>
+          <p:sp>
+            <p:nvSpPr>
+              <p:cNvPr id="153" name="Rectangle 152"/>
+              <p:cNvSpPr>
+                <a:spLocks noRot="1" noChangeAspect="1" noMove="1" noResize="1" noEditPoints="1" noAdjustHandles="1" noChangeArrowheads="1" noChangeShapeType="1" noTextEdit="1"/>
+              </p:cNvSpPr>
+              <p:nvPr/>
+            </p:nvSpPr>
+            <p:spPr>
+              <a:xfrm>
+                <a:off x="6903114" y="3070728"/>
+                <a:ext cx="381835" cy="382156"/>
+              </a:xfrm>
+              <a:prstGeom prst="rect">
+                <a:avLst/>
+              </a:prstGeom>
+              <a:blipFill rotWithShape="1">
+                <a:blip r:embed="rId18"/>
+                <a:stretch>
+                  <a:fillRect/>
+                </a:stretch>
+              </a:blipFill>
+            </p:spPr>
+            <p:txBody>
+              <a:bodyPr/>
+              <a:lstStyle/>
+              <a:p>
+                <a:r>
+                  <a:rPr lang="en-US">
+                    <a:noFill/>
+                  </a:rPr>
+                  <a:t> </a:t>
+                </a:r>
+              </a:p>
+            </p:txBody>
+          </p:sp>
+        </mc:Fallback>
+      </mc:AlternateContent>
+      <mc:AlternateContent xmlns:mc="http://schemas.openxmlformats.org/markup-compatibility/2006">
+        <mc:Choice xmlns:a14="http://schemas.microsoft.com/office/drawing/2010/main" Requires="a14">
+          <p:sp>
+            <p:nvSpPr>
+              <p:cNvPr id="154" name="Rectangle 153"/>
+              <p:cNvSpPr/>
+              <p:nvPr/>
+            </p:nvSpPr>
+            <p:spPr>
+              <a:xfrm>
+                <a:off x="6966177" y="4049435"/>
+                <a:ext cx="417101" cy="383310"/>
+              </a:xfrm>
+              <a:prstGeom prst="rect">
+                <a:avLst/>
+              </a:prstGeom>
+            </p:spPr>
+            <p:txBody>
+              <a:bodyPr wrap="none">
+                <a:spAutoFit/>
+              </a:bodyPr>
+              <a:lstStyle/>
+              <a:p>
+                <a14:m>
+                  <m:oMathPara xmlns:m="http://schemas.openxmlformats.org/officeDocument/2006/math">
+                    <m:oMathParaPr>
+                      <m:jc m:val="centerGroup"/>
+                    </m:oMathParaPr>
+                    <m:oMath xmlns:m="http://schemas.openxmlformats.org/officeDocument/2006/math">
+                      <m:acc>
+                        <m:accPr>
+                          <m:chr m:val="̇"/>
+                          <m:ctrlPr>
+                            <a:rPr lang="en-US" b="1" i="1" smtClean="0">
+                              <a:latin typeface="Cambria Math"/>
+                            </a:rPr>
+                          </m:ctrlPr>
+                        </m:accPr>
+                        <m:e>
+                          <m:r>
+                            <a:rPr lang="en-US" b="1" i="1" smtClean="0">
+                              <a:latin typeface="Cambria Math"/>
+                            </a:rPr>
+                            <m:t>𝝍</m:t>
+                          </m:r>
+                        </m:e>
+                      </m:acc>
+                    </m:oMath>
+                  </m:oMathPara>
+                </a14:m>
+                <a:endParaRPr lang="en-US" b="1" dirty="0"/>
+              </a:p>
+            </p:txBody>
+          </p:sp>
+        </mc:Choice>
+        <mc:Fallback>
+          <p:sp>
+            <p:nvSpPr>
+              <p:cNvPr id="154" name="Rectangle 153"/>
+              <p:cNvSpPr>
+                <a:spLocks noRot="1" noChangeAspect="1" noMove="1" noResize="1" noEditPoints="1" noAdjustHandles="1" noChangeArrowheads="1" noChangeShapeType="1" noTextEdit="1"/>
+              </p:cNvSpPr>
+              <p:nvPr/>
+            </p:nvSpPr>
+            <p:spPr>
+              <a:xfrm>
+                <a:off x="6966177" y="4049435"/>
+                <a:ext cx="417101" cy="383310"/>
+              </a:xfrm>
+              <a:prstGeom prst="rect">
+                <a:avLst/>
+              </a:prstGeom>
+              <a:blipFill rotWithShape="1">
+                <a:blip r:embed="rId19"/>
+                <a:stretch>
+                  <a:fillRect b="-12698"/>
+                </a:stretch>
+              </a:blipFill>
+            </p:spPr>
+            <p:txBody>
+              <a:bodyPr/>
+              <a:lstStyle/>
+              <a:p>
+                <a:r>
+                  <a:rPr lang="en-US">
+                    <a:noFill/>
+                  </a:rPr>
+                  <a:t> </a:t>
+                </a:r>
+              </a:p>
+            </p:txBody>
+          </p:sp>
+        </mc:Fallback>
+      </mc:AlternateContent>
+      <p:sp>
+        <p:nvSpPr>
+          <p:cNvPr id="155" name="Flowchart: Summing Junction 154"/>
+          <p:cNvSpPr/>
+          <p:nvPr/>
+        </p:nvSpPr>
+        <p:spPr>
+          <a:xfrm>
+            <a:off x="6069902" y="5228302"/>
+            <a:ext cx="436729" cy="450377"/>
+          </a:xfrm>
+          <a:prstGeom prst="flowChartSummingJunction">
+            <a:avLst/>
+          </a:prstGeom>
+          <a:ln w="28575">
+            <a:solidFill>
+              <a:schemeClr val="tx1"/>
+            </a:solidFill>
+          </a:ln>
+        </p:spPr>
+        <p:style>
+          <a:lnRef idx="2">
+            <a:schemeClr val="accent6"/>
+          </a:lnRef>
+          <a:fillRef idx="1">
+            <a:schemeClr val="lt1"/>
+          </a:fillRef>
+          <a:effectRef idx="0">
+            <a:schemeClr val="accent6"/>
+          </a:effectRef>
+          <a:fontRef idx="minor">
+            <a:schemeClr val="dk1"/>
+          </a:fontRef>
+        </p:style>
+        <p:txBody>
+          <a:bodyPr rtlCol="0" anchor="ctr"/>
+          <a:lstStyle/>
+          <a:p>
+            <a:pPr algn="ctr"/>
+            <a:endParaRPr lang="en-US"/>
+          </a:p>
+        </p:txBody>
+      </p:sp>
+      <p:cxnSp>
+        <p:nvCxnSpPr>
+          <p:cNvPr id="159" name="Straight Arrow Connector 158"/>
+          <p:cNvCxnSpPr>
+            <a:stCxn id="160" idx="3"/>
+            <a:endCxn id="155" idx="2"/>
+          </p:cNvCxnSpPr>
+          <p:nvPr/>
+        </p:nvCxnSpPr>
+        <p:spPr>
+          <a:xfrm flipV="1">
+            <a:off x="5587987" y="5453491"/>
+            <a:ext cx="481915" cy="5510"/>
+          </a:xfrm>
+          <a:prstGeom prst="straightConnector1">
+            <a:avLst/>
+          </a:prstGeom>
+          <a:ln w="57150">
+            <a:solidFill>
+              <a:schemeClr val="tx1"/>
+            </a:solidFill>
+            <a:tailEnd type="triangle"/>
+          </a:ln>
+        </p:spPr>
+        <p:style>
+          <a:lnRef idx="1">
+            <a:schemeClr val="accent1"/>
+          </a:lnRef>
+          <a:fillRef idx="0">
+            <a:schemeClr val="accent1"/>
+          </a:fillRef>
+          <a:effectRef idx="0">
+            <a:schemeClr val="accent1"/>
+          </a:effectRef>
+          <a:fontRef idx="minor">
+            <a:schemeClr val="tx1"/>
+          </a:fontRef>
+        </p:style>
+      </p:cxnSp>
+      <p:sp>
+        <p:nvSpPr>
+          <p:cNvPr id="160" name="Rectangle 159"/>
+          <p:cNvSpPr/>
+          <p:nvPr/>
+        </p:nvSpPr>
+        <p:spPr>
+          <a:xfrm>
+            <a:off x="5221454" y="5214520"/>
+            <a:ext cx="366533" cy="488961"/>
+          </a:xfrm>
+          <a:prstGeom prst="rect">
+            <a:avLst/>
+          </a:prstGeom>
+          <a:ln w="57150">
+            <a:solidFill>
+              <a:schemeClr val="tx1"/>
+            </a:solidFill>
+          </a:ln>
+        </p:spPr>
+        <p:style>
+          <a:lnRef idx="2">
+            <a:schemeClr val="accent6"/>
+          </a:lnRef>
+          <a:fillRef idx="1">
+            <a:schemeClr val="lt1"/>
+          </a:fillRef>
+          <a:effectRef idx="0">
+            <a:schemeClr val="accent6"/>
+          </a:effectRef>
+          <a:fontRef idx="minor">
+            <a:schemeClr val="dk1"/>
+          </a:fontRef>
+        </p:style>
+        <p:txBody>
+          <a:bodyPr rtlCol="0" anchor="ctr"/>
+          <a:lstStyle/>
+          <a:p>
+            <a:pPr algn="ctr"/>
+            <a:r>
+              <a:rPr lang="en-US" sz="2400" dirty="0" smtClean="0"/>
+              <a:t>P</a:t>
+            </a:r>
+            <a:endParaRPr lang="en-US" sz="2400" dirty="0"/>
+          </a:p>
+        </p:txBody>
+      </p:sp>
+      <p:cxnSp>
+        <p:nvCxnSpPr>
+          <p:cNvPr id="161" name="Straight Arrow Connector 160"/>
+          <p:cNvCxnSpPr/>
+          <p:nvPr/>
+        </p:nvCxnSpPr>
+        <p:spPr>
+          <a:xfrm flipV="1">
+            <a:off x="6259494" y="5661371"/>
+            <a:ext cx="0" cy="307074"/>
+          </a:xfrm>
+          <a:prstGeom prst="straightConnector1">
+            <a:avLst/>
+          </a:prstGeom>
+          <a:ln w="57150">
+            <a:solidFill>
+              <a:schemeClr val="tx1"/>
+            </a:solidFill>
+            <a:tailEnd type="triangle"/>
+          </a:ln>
+        </p:spPr>
+        <p:style>
+          <a:lnRef idx="1">
+            <a:schemeClr val="accent1"/>
+          </a:lnRef>
+          <a:fillRef idx="0">
+            <a:schemeClr val="accent1"/>
+          </a:fillRef>
+          <a:effectRef idx="0">
+            <a:schemeClr val="accent1"/>
+          </a:effectRef>
+          <a:fontRef idx="minor">
+            <a:schemeClr val="tx1"/>
+          </a:fontRef>
+        </p:style>
+      </p:cxnSp>
+      <mc:AlternateContent xmlns:mc="http://schemas.openxmlformats.org/markup-compatibility/2006">
+        <mc:Choice xmlns:a14="http://schemas.microsoft.com/office/drawing/2010/main" Requires="a14">
+          <p:sp>
+            <p:nvSpPr>
+              <p:cNvPr id="162" name="TextBox 161"/>
+              <p:cNvSpPr txBox="1"/>
+              <p:nvPr/>
+            </p:nvSpPr>
+            <p:spPr>
+              <a:xfrm>
+                <a:off x="5481232" y="4973519"/>
+                <a:ext cx="635234" cy="377989"/>
+              </a:xfrm>
+              <a:prstGeom prst="rect">
+                <a:avLst/>
+              </a:prstGeom>
+              <a:noFill/>
+            </p:spPr>
+            <p:txBody>
+              <a:bodyPr wrap="square" rtlCol="0">
+                <a:spAutoFit/>
+              </a:bodyPr>
+              <a:lstStyle/>
+              <a:p>
+                <a14:m>
+                  <m:oMathPara xmlns:m="http://schemas.openxmlformats.org/officeDocument/2006/math">
+                    <m:oMathParaPr>
+                      <m:jc m:val="centerGroup"/>
+                    </m:oMathParaPr>
+                    <m:oMath xmlns:m="http://schemas.openxmlformats.org/officeDocument/2006/math">
+                      <m:sSub>
+                        <m:sSubPr>
+                          <m:ctrlPr>
+                            <a:rPr lang="en-US" b="1" i="1" smtClean="0">
+                              <a:latin typeface="Cambria Math"/>
+                            </a:rPr>
+                          </m:ctrlPr>
+                        </m:sSubPr>
+                        <m:e>
+                          <m:acc>
+                            <m:accPr>
+                              <m:chr m:val="̇"/>
+                              <m:ctrlPr>
+                                <a:rPr lang="en-US" b="1" i="1" smtClean="0">
+                                  <a:latin typeface="Cambria Math"/>
+                                </a:rPr>
+                              </m:ctrlPr>
+                            </m:accPr>
+                            <m:e>
+                              <m:r>
+                                <a:rPr lang="en-US" b="1" i="1" smtClean="0">
+                                  <a:latin typeface="Cambria Math"/>
+                                </a:rPr>
+                                <m:t>𝒁</m:t>
+                              </m:r>
+                            </m:e>
+                          </m:acc>
+                        </m:e>
+                        <m:sub>
+                          <m:r>
+                            <a:rPr lang="en-US" b="1" i="1" smtClean="0">
+                              <a:latin typeface="Cambria Math"/>
+                            </a:rPr>
+                            <m:t>𝒅</m:t>
+                          </m:r>
+                        </m:sub>
+                      </m:sSub>
+                    </m:oMath>
+                  </m:oMathPara>
+                </a14:m>
+                <a:endParaRPr lang="en-US" b="1" dirty="0"/>
+              </a:p>
+            </p:txBody>
+          </p:sp>
+        </mc:Choice>
+        <mc:Fallback>
+          <p:sp>
+            <p:nvSpPr>
+              <p:cNvPr id="162" name="TextBox 161"/>
+              <p:cNvSpPr txBox="1">
+                <a:spLocks noRot="1" noChangeAspect="1" noMove="1" noResize="1" noEditPoints="1" noAdjustHandles="1" noChangeArrowheads="1" noChangeShapeType="1" noTextEdit="1"/>
+              </p:cNvSpPr>
+              <p:nvPr/>
+            </p:nvSpPr>
+            <p:spPr>
+              <a:xfrm>
+                <a:off x="5481232" y="4973519"/>
+                <a:ext cx="635234" cy="377989"/>
+              </a:xfrm>
+              <a:prstGeom prst="rect">
+                <a:avLst/>
+              </a:prstGeom>
+              <a:blipFill rotWithShape="1">
+                <a:blip r:embed="rId20"/>
+                <a:stretch>
+                  <a:fillRect b="-1613"/>
+                </a:stretch>
+              </a:blipFill>
+            </p:spPr>
+            <p:txBody>
+              <a:bodyPr/>
+              <a:lstStyle/>
+              <a:p>
+                <a:r>
+                  <a:rPr lang="en-US">
+                    <a:noFill/>
+                  </a:rPr>
+                  <a:t> </a:t>
+                </a:r>
+              </a:p>
+            </p:txBody>
+          </p:sp>
+        </mc:Fallback>
+      </mc:AlternateContent>
+      <p:cxnSp>
+        <p:nvCxnSpPr>
+          <p:cNvPr id="164" name="Straight Arrow Connector 163"/>
+          <p:cNvCxnSpPr>
+            <a:stCxn id="67" idx="6"/>
+            <a:endCxn id="160" idx="1"/>
+          </p:cNvCxnSpPr>
+          <p:nvPr/>
+        </p:nvCxnSpPr>
+        <p:spPr>
+          <a:xfrm flipV="1">
+            <a:off x="4649627" y="5459001"/>
+            <a:ext cx="571827" cy="1"/>
+          </a:xfrm>
+          <a:prstGeom prst="straightConnector1">
+            <a:avLst/>
+          </a:prstGeom>
+          <a:ln w="57150">
+            <a:solidFill>
+              <a:schemeClr val="tx1"/>
+            </a:solidFill>
+            <a:tailEnd type="triangle"/>
+          </a:ln>
+        </p:spPr>
+        <p:style>
+          <a:lnRef idx="1">
+            <a:schemeClr val="accent1"/>
+          </a:lnRef>
+          <a:fillRef idx="0">
+            <a:schemeClr val="accent1"/>
+          </a:fillRef>
+          <a:effectRef idx="0">
+            <a:schemeClr val="accent1"/>
+          </a:effectRef>
+          <a:fontRef idx="minor">
+            <a:schemeClr val="tx1"/>
+          </a:fontRef>
+        </p:style>
+      </p:cxnSp>
+      <mc:AlternateContent xmlns:mc="http://schemas.openxmlformats.org/markup-compatibility/2006">
+        <mc:Choice xmlns:a14="http://schemas.microsoft.com/office/drawing/2010/main" Requires="a14">
+          <p:sp>
+            <p:nvSpPr>
+              <p:cNvPr id="167" name="Rectangle 166"/>
+              <p:cNvSpPr/>
+              <p:nvPr/>
+            </p:nvSpPr>
+            <p:spPr>
+              <a:xfrm>
+                <a:off x="5834607" y="5739881"/>
+                <a:ext cx="383438" cy="377989"/>
+              </a:xfrm>
+              <a:prstGeom prst="rect">
+                <a:avLst/>
+              </a:prstGeom>
+            </p:spPr>
+            <p:txBody>
+              <a:bodyPr wrap="none">
+                <a:spAutoFit/>
+              </a:bodyPr>
+              <a:lstStyle/>
+              <a:p>
+                <a14:m>
+                  <m:oMathPara xmlns:m="http://schemas.openxmlformats.org/officeDocument/2006/math">
+                    <m:oMathParaPr>
+                      <m:jc m:val="centerGroup"/>
+                    </m:oMathParaPr>
+                    <m:oMath xmlns:m="http://schemas.openxmlformats.org/officeDocument/2006/math">
+                      <m:acc>
+                        <m:accPr>
+                          <m:chr m:val="̇"/>
+                          <m:ctrlPr>
+                            <a:rPr lang="en-US" b="1" i="1" smtClean="0">
+                              <a:latin typeface="Cambria Math"/>
+                            </a:rPr>
+                          </m:ctrlPr>
+                        </m:accPr>
+                        <m:e>
+                          <m:r>
+                            <a:rPr lang="en-US" b="1" i="1" smtClean="0">
+                              <a:latin typeface="Cambria Math"/>
+                            </a:rPr>
+                            <m:t>𝒁</m:t>
+                          </m:r>
+                        </m:e>
+                      </m:acc>
+                    </m:oMath>
+                  </m:oMathPara>
+                </a14:m>
+                <a:endParaRPr lang="en-US" b="1" dirty="0"/>
+              </a:p>
+            </p:txBody>
+          </p:sp>
+        </mc:Choice>
+        <mc:Fallback>
+          <p:sp>
+            <p:nvSpPr>
+              <p:cNvPr id="167" name="Rectangle 166"/>
+              <p:cNvSpPr>
+                <a:spLocks noRot="1" noChangeAspect="1" noMove="1" noResize="1" noEditPoints="1" noAdjustHandles="1" noChangeArrowheads="1" noChangeShapeType="1" noTextEdit="1"/>
+              </p:cNvSpPr>
+              <p:nvPr/>
+            </p:nvSpPr>
+            <p:spPr>
+              <a:xfrm>
+                <a:off x="5834607" y="5739881"/>
+                <a:ext cx="383438" cy="377989"/>
+              </a:xfrm>
+              <a:prstGeom prst="rect">
+                <a:avLst/>
+              </a:prstGeom>
+              <a:blipFill rotWithShape="1">
+                <a:blip r:embed="rId21"/>
+                <a:stretch>
+                  <a:fillRect/>
+                </a:stretch>
+              </a:blipFill>
+            </p:spPr>
+            <p:txBody>
+              <a:bodyPr/>
+              <a:lstStyle/>
+              <a:p>
+                <a:r>
+                  <a:rPr lang="en-US">
+                    <a:noFill/>
+                  </a:rPr>
+                  <a:t> </a:t>
+                </a:r>
+              </a:p>
+            </p:txBody>
+          </p:sp>
+        </mc:Fallback>
+      </mc:AlternateContent>
+      <mc:AlternateContent xmlns:mc="http://schemas.openxmlformats.org/markup-compatibility/2006">
+        <mc:Choice xmlns:a14="http://schemas.microsoft.com/office/drawing/2010/main" Requires="a14">
+          <p:sp>
+            <p:nvSpPr>
+              <p:cNvPr id="189" name="TextBox 188"/>
+              <p:cNvSpPr txBox="1"/>
+              <p:nvPr/>
+            </p:nvSpPr>
+            <p:spPr>
+              <a:xfrm>
+                <a:off x="4589493" y="5013932"/>
+                <a:ext cx="635234" cy="369332"/>
+              </a:xfrm>
+              <a:prstGeom prst="rect">
+                <a:avLst/>
+              </a:prstGeom>
+              <a:noFill/>
+            </p:spPr>
+            <p:txBody>
+              <a:bodyPr wrap="square" rtlCol="0">
+                <a:spAutoFit/>
+              </a:bodyPr>
+              <a:lstStyle/>
+              <a:p>
+                <a14:m>
+                  <m:oMathPara xmlns:m="http://schemas.openxmlformats.org/officeDocument/2006/math">
+                    <m:oMathParaPr>
+                      <m:jc m:val="centerGroup"/>
+                    </m:oMathParaPr>
+                    <m:oMath xmlns:m="http://schemas.openxmlformats.org/officeDocument/2006/math">
+                      <m:sSub>
+                        <m:sSubPr>
+                          <m:ctrlPr>
+                            <a:rPr lang="en-US" b="1" i="1" smtClean="0">
+                              <a:latin typeface="Cambria Math"/>
+                            </a:rPr>
+                          </m:ctrlPr>
+                        </m:sSubPr>
+                        <m:e>
+                          <m:r>
+                            <a:rPr lang="en-US" b="1" i="1" smtClean="0">
+                              <a:latin typeface="Cambria Math"/>
+                            </a:rPr>
+                            <m:t>𝒁</m:t>
+                          </m:r>
+                        </m:e>
+                        <m:sub>
+                          <m:r>
+                            <a:rPr lang="en-US" b="1" i="1" smtClean="0">
+                              <a:latin typeface="Cambria Math"/>
+                            </a:rPr>
+                            <m:t>𝒅𝒆𝒔</m:t>
+                          </m:r>
+                        </m:sub>
+                      </m:sSub>
+                    </m:oMath>
+                  </m:oMathPara>
+                </a14:m>
+                <a:endParaRPr lang="en-US" b="1" dirty="0"/>
+              </a:p>
+            </p:txBody>
+          </p:sp>
+        </mc:Choice>
+        <mc:Fallback>
+          <p:sp>
+            <p:nvSpPr>
+              <p:cNvPr id="189" name="TextBox 188"/>
+              <p:cNvSpPr txBox="1">
+                <a:spLocks noRot="1" noChangeAspect="1" noMove="1" noResize="1" noEditPoints="1" noAdjustHandles="1" noChangeArrowheads="1" noChangeShapeType="1" noTextEdit="1"/>
+              </p:cNvSpPr>
+              <p:nvPr/>
+            </p:nvSpPr>
+            <p:spPr>
+              <a:xfrm>
+                <a:off x="4589493" y="5013932"/>
+                <a:ext cx="635234" cy="369332"/>
+              </a:xfrm>
+              <a:prstGeom prst="rect">
+                <a:avLst/>
+              </a:prstGeom>
+              <a:blipFill rotWithShape="1">
+                <a:blip r:embed="rId22"/>
+                <a:stretch>
+                  <a:fillRect/>
+                </a:stretch>
+              </a:blipFill>
+            </p:spPr>
+            <p:txBody>
+              <a:bodyPr/>
+              <a:lstStyle/>
+              <a:p>
+                <a:r>
+                  <a:rPr lang="en-US">
+                    <a:noFill/>
+                  </a:rPr>
+                  <a:t> </a:t>
+                </a:r>
+              </a:p>
+            </p:txBody>
+          </p:sp>
+        </mc:Fallback>
+      </mc:AlternateContent>
     </p:spTree>
     <p:extLst>
       <p:ext uri="{BB962C8B-B14F-4D97-AF65-F5344CB8AC3E}">
@@ -8170,7 +10742,7 @@
                         <m:fPr>
                           <m:ctrlPr>
                             <a:rPr lang="en-US" sz="2400" b="1" i="1" smtClean="0">
-                              <a:latin typeface="Cambria Math" panose="02040503050406030204" pitchFamily="18" charset="0"/>
+                              <a:latin typeface="Cambria Math"/>
                             </a:rPr>
                           </m:ctrlPr>
                         </m:fPr>
@@ -8179,7 +10751,7 @@
                             <m:sSubPr>
                               <m:ctrlPr>
                                 <a:rPr lang="en-US" sz="2400" b="1" i="1" smtClean="0">
-                                  <a:latin typeface="Cambria Math" panose="02040503050406030204" pitchFamily="18" charset="0"/>
+                                  <a:latin typeface="Cambria Math"/>
                                 </a:rPr>
                               </m:ctrlPr>
                             </m:sSubPr>
@@ -8212,7 +10784,7 @@
                             <m:sSubPr>
                               <m:ctrlPr>
                                 <a:rPr lang="en-US" sz="2400" b="1" i="1" smtClean="0">
-                                  <a:latin typeface="Cambria Math" panose="02040503050406030204" pitchFamily="18" charset="0"/>
+                                  <a:latin typeface="Cambria Math"/>
                                 </a:rPr>
                               </m:ctrlPr>
                             </m:sSubPr>
@@ -8237,7 +10809,7 @@
                             <m:sSubPr>
                               <m:ctrlPr>
                                 <a:rPr lang="en-US" sz="2400" b="1" i="1" smtClean="0">
-                                  <a:latin typeface="Cambria Math" panose="02040503050406030204" pitchFamily="18" charset="0"/>
+                                  <a:latin typeface="Cambria Math"/>
                                 </a:rPr>
                               </m:ctrlPr>
                             </m:sSubPr>
@@ -8268,7 +10840,7 @@
                             <m:sSubSupPr>
                               <m:ctrlPr>
                                 <a:rPr lang="en-US" sz="2400" b="1" i="1" smtClean="0">
-                                  <a:latin typeface="Cambria Math" panose="02040503050406030204" pitchFamily="18" charset="0"/>
+                                  <a:latin typeface="Cambria Math"/>
                                 </a:rPr>
                               </m:ctrlPr>
                             </m:sSubSupPr>
@@ -8307,7 +10879,7 @@
                             <m:sSupPr>
                               <m:ctrlPr>
                                 <a:rPr lang="en-US" sz="2400" b="1" i="1" smtClean="0">
-                                  <a:latin typeface="Cambria Math" panose="02040503050406030204" pitchFamily="18" charset="0"/>
+                                  <a:latin typeface="Cambria Math"/>
                                 </a:rPr>
                               </m:ctrlPr>
                             </m:sSupPr>
@@ -8927,7 +11499,7 @@
                         <m:fPr>
                           <m:ctrlPr>
                             <a:rPr lang="en-US" sz="2400" b="1" i="1" smtClean="0">
-                              <a:latin typeface="Cambria Math" panose="02040503050406030204" pitchFamily="18" charset="0"/>
+                              <a:latin typeface="Cambria Math"/>
                             </a:rPr>
                           </m:ctrlPr>
                         </m:fPr>
@@ -8944,7 +11516,7 @@
                             <m:sSubPr>
                               <m:ctrlPr>
                                 <a:rPr lang="en-US" sz="2400" b="1" i="1" smtClean="0">
-                                  <a:latin typeface="Cambria Math" panose="02040503050406030204" pitchFamily="18" charset="0"/>
+                                  <a:latin typeface="Cambria Math"/>
                                 </a:rPr>
                               </m:ctrlPr>
                             </m:sSubPr>
@@ -8975,7 +11547,7 @@
                             <m:sSupPr>
                               <m:ctrlPr>
                                 <a:rPr lang="en-US" sz="2400" b="1" i="1" smtClean="0">
-                                  <a:latin typeface="Cambria Math" panose="02040503050406030204" pitchFamily="18" charset="0"/>
+                                  <a:latin typeface="Cambria Math"/>
                                 </a:rPr>
                               </m:ctrlPr>
                             </m:sSupPr>
@@ -9595,7 +12167,7 @@
                         <m:fPr>
                           <m:ctrlPr>
                             <a:rPr lang="en-US" sz="2400" b="1" i="1" smtClean="0">
-                              <a:latin typeface="Cambria Math" panose="02040503050406030204" pitchFamily="18" charset="0"/>
+                              <a:latin typeface="Cambria Math"/>
                             </a:rPr>
                           </m:ctrlPr>
                         </m:fPr>
@@ -9604,7 +12176,7 @@
                             <m:sSubPr>
                               <m:ctrlPr>
                                 <a:rPr lang="en-US" sz="2400" b="1" i="1" smtClean="0">
-                                  <a:latin typeface="Cambria Math" panose="02040503050406030204" pitchFamily="18" charset="0"/>
+                                  <a:latin typeface="Cambria Math"/>
                                 </a:rPr>
                               </m:ctrlPr>
                             </m:sSubPr>
@@ -9637,7 +12209,7 @@
                             <m:sSubPr>
                               <m:ctrlPr>
                                 <a:rPr lang="en-US" sz="2400" b="1" i="1" smtClean="0">
-                                  <a:latin typeface="Cambria Math" panose="02040503050406030204" pitchFamily="18" charset="0"/>
+                                  <a:latin typeface="Cambria Math"/>
                                 </a:rPr>
                               </m:ctrlPr>
                             </m:sSubPr>
@@ -9662,7 +12234,7 @@
                             <m:sSubPr>
                               <m:ctrlPr>
                                 <a:rPr lang="en-US" sz="2400" b="1" i="1" smtClean="0">
-                                  <a:latin typeface="Cambria Math" panose="02040503050406030204" pitchFamily="18" charset="0"/>
+                                  <a:latin typeface="Cambria Math"/>
                                 </a:rPr>
                               </m:ctrlPr>
                             </m:sSubPr>
@@ -9693,7 +12265,7 @@
                             <m:sSubSupPr>
                               <m:ctrlPr>
                                 <a:rPr lang="en-US" sz="2400" b="1" i="1" smtClean="0">
-                                  <a:latin typeface="Cambria Math" panose="02040503050406030204" pitchFamily="18" charset="0"/>
+                                  <a:latin typeface="Cambria Math"/>
                                 </a:rPr>
                               </m:ctrlPr>
                             </m:sSubSupPr>
@@ -9732,7 +12304,7 @@
                             <m:sSupPr>
                               <m:ctrlPr>
                                 <a:rPr lang="en-US" sz="2400" b="1" i="1" smtClean="0">
-                                  <a:latin typeface="Cambria Math" panose="02040503050406030204" pitchFamily="18" charset="0"/>
+                                  <a:latin typeface="Cambria Math"/>
                                 </a:rPr>
                               </m:ctrlPr>
                             </m:sSupPr>
@@ -10350,7 +12922,7 @@
                         <m:fPr>
                           <m:ctrlPr>
                             <a:rPr lang="en-US" sz="2400" b="1" i="1" smtClean="0">
-                              <a:latin typeface="Cambria Math" panose="02040503050406030204" pitchFamily="18" charset="0"/>
+                              <a:latin typeface="Cambria Math"/>
                             </a:rPr>
                           </m:ctrlPr>
                         </m:fPr>
@@ -10379,7 +12951,7 @@
                             <m:sSupPr>
                               <m:ctrlPr>
                                 <a:rPr lang="en-US" sz="2400" b="1" i="1" smtClean="0">
-                                  <a:latin typeface="Cambria Math" panose="02040503050406030204" pitchFamily="18" charset="0"/>
+                                  <a:latin typeface="Cambria Math"/>
                                 </a:rPr>
                               </m:ctrlPr>
                             </m:sSupPr>
@@ -11005,7 +13577,7 @@
                         <m:fPr>
                           <m:ctrlPr>
                             <a:rPr lang="en-US" sz="2400" b="1" i="1" smtClean="0">
-                              <a:latin typeface="Cambria Math" panose="02040503050406030204" pitchFamily="18" charset="0"/>
+                              <a:latin typeface="Cambria Math"/>
                             </a:rPr>
                           </m:ctrlPr>
                         </m:fPr>
@@ -11046,7 +13618,7 @@
                             <m:fPr>
                               <m:ctrlPr>
                                 <a:rPr lang="en-US" sz="2400" b="1" i="1" smtClean="0">
-                                  <a:latin typeface="Cambria Math" panose="02040503050406030204" pitchFamily="18" charset="0"/>
+                                  <a:latin typeface="Cambria Math"/>
                                 </a:rPr>
                               </m:ctrlPr>
                             </m:fPr>
@@ -11055,7 +13627,7 @@
                                 <m:sSubPr>
                                   <m:ctrlPr>
                                     <a:rPr lang="en-US" sz="2400" b="1" i="1" smtClean="0">
-                                      <a:latin typeface="Cambria Math" panose="02040503050406030204" pitchFamily="18" charset="0"/>
+                                      <a:latin typeface="Cambria Math"/>
                                     </a:rPr>
                                   </m:ctrlPr>
                                 </m:sSubPr>
@@ -11862,7 +14434,7 @@
                         <m:sSubPr>
                           <m:ctrlPr>
                             <a:rPr lang="en-US" sz="2400" b="1" i="1" smtClean="0">
-                              <a:latin typeface="Cambria Math" panose="02040503050406030204" pitchFamily="18" charset="0"/>
+                              <a:latin typeface="Cambria Math"/>
                               <a:ea typeface="Cambria Math" panose="02040503050406030204" pitchFamily="18" charset="0"/>
                             </a:rPr>
                           </m:ctrlPr>
@@ -13354,7 +15926,7 @@
                         <m:sSubSupPr>
                           <m:ctrlPr>
                             <a:rPr lang="en-US" sz="2400" b="1" i="1" smtClean="0">
-                              <a:latin typeface="Cambria Math" panose="02040503050406030204" pitchFamily="18" charset="0"/>
+                              <a:latin typeface="Cambria Math"/>
                             </a:rPr>
                           </m:ctrlPr>
                         </m:sSubSupPr>
@@ -13477,7 +16049,7 @@
                         <m:sSubPr>
                           <m:ctrlPr>
                             <a:rPr lang="en-US" sz="2400" b="0" i="1" smtClean="0">
-                              <a:latin typeface="Cambria Math" panose="02040503050406030204" pitchFamily="18" charset="0"/>
+                              <a:latin typeface="Cambria Math"/>
                               <a:ea typeface="Cambria Math" panose="02040503050406030204" pitchFamily="18" charset="0"/>
                             </a:rPr>
                           </m:ctrlPr>
@@ -13635,7 +16207,7 @@
                         <m:fPr>
                           <m:ctrlPr>
                             <a:rPr lang="en-US" sz="2400" b="1" i="1" smtClean="0">
-                              <a:latin typeface="Cambria Math" panose="02040503050406030204" pitchFamily="18" charset="0"/>
+                              <a:latin typeface="Cambria Math"/>
                             </a:rPr>
                           </m:ctrlPr>
                         </m:fPr>
@@ -13658,7 +16230,7 @@
                             <m:sSupPr>
                               <m:ctrlPr>
                                 <a:rPr lang="en-US" sz="2400" b="1" i="1" smtClean="0">
-                                  <a:latin typeface="Cambria Math" panose="02040503050406030204" pitchFamily="18" charset="0"/>
+                                  <a:latin typeface="Cambria Math"/>
                                 </a:rPr>
                               </m:ctrlPr>
                             </m:sSupPr>
@@ -13922,7 +16494,7 @@
                         <m:fPr>
                           <m:ctrlPr>
                             <a:rPr lang="en-US" sz="2400" b="1" i="1" smtClean="0">
-                              <a:latin typeface="Cambria Math" panose="02040503050406030204" pitchFamily="18" charset="0"/>
+                              <a:latin typeface="Cambria Math"/>
                             </a:rPr>
                           </m:ctrlPr>
                         </m:fPr>
@@ -13948,7 +16520,7 @@
                             <m:sSubPr>
                               <m:ctrlPr>
                                 <a:rPr lang="en-US" sz="2400" b="1" i="1" smtClean="0">
-                                  <a:latin typeface="Cambria Math" panose="02040503050406030204" pitchFamily="18" charset="0"/>
+                                  <a:latin typeface="Cambria Math"/>
                                 </a:rPr>
                               </m:ctrlPr>
                             </m:sSubPr>
@@ -14328,7 +16900,7 @@
                         <m:sSubPr>
                           <m:ctrlPr>
                             <a:rPr lang="en-US" sz="2400" b="0" i="1" smtClean="0">
-                              <a:latin typeface="Cambria Math" panose="02040503050406030204" pitchFamily="18" charset="0"/>
+                              <a:latin typeface="Cambria Math"/>
                               <a:ea typeface="Cambria Math" panose="02040503050406030204" pitchFamily="18" charset="0"/>
                             </a:rPr>
                           </m:ctrlPr>
@@ -14486,7 +17058,7 @@
                         <m:fPr>
                           <m:ctrlPr>
                             <a:rPr lang="en-US" sz="2400" b="1" i="1" smtClean="0">
-                              <a:latin typeface="Cambria Math" panose="02040503050406030204" pitchFamily="18" charset="0"/>
+                              <a:latin typeface="Cambria Math"/>
                             </a:rPr>
                           </m:ctrlPr>
                         </m:fPr>
@@ -14509,7 +17081,7 @@
                             <m:sSupPr>
                               <m:ctrlPr>
                                 <a:rPr lang="en-US" sz="2400" b="1" i="1" smtClean="0">
-                                  <a:latin typeface="Cambria Math" panose="02040503050406030204" pitchFamily="18" charset="0"/>
+                                  <a:latin typeface="Cambria Math"/>
                                 </a:rPr>
                               </m:ctrlPr>
                             </m:sSupPr>
@@ -14773,7 +17345,7 @@
                         <m:fPr>
                           <m:ctrlPr>
                             <a:rPr lang="en-US" sz="2400" b="1" i="1" smtClean="0">
-                              <a:latin typeface="Cambria Math" panose="02040503050406030204" pitchFamily="18" charset="0"/>
+                              <a:latin typeface="Cambria Math"/>
                             </a:rPr>
                           </m:ctrlPr>
                         </m:fPr>
@@ -14797,7 +17369,7 @@
                             <m:sSubPr>
                               <m:ctrlPr>
                                 <a:rPr lang="en-US" sz="2400" b="1" i="1" smtClean="0">
-                                  <a:latin typeface="Cambria Math" panose="02040503050406030204" pitchFamily="18" charset="0"/>
+                                  <a:latin typeface="Cambria Math"/>
                                 </a:rPr>
                               </m:ctrlPr>
                             </m:sSubPr>
@@ -14974,7 +17546,7 @@
                         <m:sSubPr>
                           <m:ctrlPr>
                             <a:rPr lang="en-US" sz="2400" b="1" i="1" smtClean="0">
-                              <a:latin typeface="Cambria Math" panose="02040503050406030204" pitchFamily="18" charset="0"/>
+                              <a:latin typeface="Cambria Math"/>
                             </a:rPr>
                           </m:ctrlPr>
                         </m:sSubPr>
@@ -15077,7 +17649,7 @@
                         <m:sSubPr>
                           <m:ctrlPr>
                             <a:rPr lang="en-US" sz="2400" b="1" i="1" smtClean="0">
-                              <a:latin typeface="Cambria Math" panose="02040503050406030204" pitchFamily="18" charset="0"/>
+                              <a:latin typeface="Cambria Math"/>
                             </a:rPr>
                           </m:ctrlPr>
                         </m:sSubPr>
@@ -15180,7 +17752,7 @@
                         <m:sSubSupPr>
                           <m:ctrlPr>
                             <a:rPr lang="en-US" sz="2400" b="1" i="1" smtClean="0">
-                              <a:latin typeface="Cambria Math" panose="02040503050406030204" pitchFamily="18" charset="0"/>
+                              <a:latin typeface="Cambria Math"/>
                             </a:rPr>
                           </m:ctrlPr>
                         </m:sSubSupPr>
@@ -15303,7 +17875,7 @@
                         <m:sSubPr>
                           <m:ctrlPr>
                             <a:rPr lang="en-US" sz="2400" b="1" i="1" smtClean="0">
-                              <a:latin typeface="Cambria Math" panose="02040503050406030204" pitchFamily="18" charset="0"/>
+                              <a:latin typeface="Cambria Math"/>
                             </a:rPr>
                           </m:ctrlPr>
                         </m:sSubPr>
@@ -15406,7 +17978,7 @@
                         <m:sSubPr>
                           <m:ctrlPr>
                             <a:rPr lang="en-US" sz="2400" b="1" i="1" smtClean="0">
-                              <a:latin typeface="Cambria Math" panose="02040503050406030204" pitchFamily="18" charset="0"/>
+                              <a:latin typeface="Cambria Math"/>
                             </a:rPr>
                           </m:ctrlPr>
                         </m:sSubPr>
@@ -21201,7 +23773,7 @@
   <a:extraClrSchemeLst/>
   <a:extLst>
     <a:ext uri="{05A4C25C-085E-4340-85A3-A5531E510DB2}">
-      <thm15:themeFamily xmlns:thm15="http://schemas.microsoft.com/office/thememl/2012/main" name="Office Theme" id="{62F939B6-93AF-4DB8-9C6B-D6C7DFDC589F}" vid="{4A3C46E8-61CC-4603-A589-7422A47A8E4A}"/>
+      <thm15:themeFamily xmlns:thm15="http://schemas.microsoft.com/office/thememl/2012/main" xmlns="" name="Office Theme" id="{62F939B6-93AF-4DB8-9C6B-D6C7DFDC589F}" vid="{4A3C46E8-61CC-4603-A589-7422A47A8E4A}"/>
     </a:ext>
   </a:extLst>
 </a:theme>

--- a/documentation/Presentation1.pptx
+++ b/documentation/Presentation1.pptx
@@ -19,6 +19,8 @@
     <p:sldId id="267" r:id="rId13"/>
     <p:sldId id="268" r:id="rId14"/>
     <p:sldId id="269" r:id="rId15"/>
+    <p:sldId id="270" r:id="rId16"/>
+    <p:sldId id="271" r:id="rId17"/>
   </p:sldIdLst>
   <p:sldSz cx="12192000" cy="6858000"/>
   <p:notesSz cx="6858000" cy="9144000"/>
@@ -256,7 +258,7 @@
           <a:p>
             <a:fld id="{68CA32EA-6F8E-4AFE-BB5A-F18FE2025DED}" type="datetimeFigureOut">
               <a:rPr lang="en-US" smtClean="0"/>
-              <a:t>7/5/2019</a:t>
+              <a:t>7/8/2019</a:t>
             </a:fld>
             <a:endParaRPr lang="en-US"/>
           </a:p>
@@ -426,7 +428,7 @@
           <a:p>
             <a:fld id="{68CA32EA-6F8E-4AFE-BB5A-F18FE2025DED}" type="datetimeFigureOut">
               <a:rPr lang="en-US" smtClean="0"/>
-              <a:t>7/5/2019</a:t>
+              <a:t>7/8/2019</a:t>
             </a:fld>
             <a:endParaRPr lang="en-US"/>
           </a:p>
@@ -606,7 +608,7 @@
           <a:p>
             <a:fld id="{68CA32EA-6F8E-4AFE-BB5A-F18FE2025DED}" type="datetimeFigureOut">
               <a:rPr lang="en-US" smtClean="0"/>
-              <a:t>7/5/2019</a:t>
+              <a:t>7/8/2019</a:t>
             </a:fld>
             <a:endParaRPr lang="en-US"/>
           </a:p>
@@ -776,7 +778,7 @@
           <a:p>
             <a:fld id="{68CA32EA-6F8E-4AFE-BB5A-F18FE2025DED}" type="datetimeFigureOut">
               <a:rPr lang="en-US" smtClean="0"/>
-              <a:t>7/5/2019</a:t>
+              <a:t>7/8/2019</a:t>
             </a:fld>
             <a:endParaRPr lang="en-US"/>
           </a:p>
@@ -1022,7 +1024,7 @@
           <a:p>
             <a:fld id="{68CA32EA-6F8E-4AFE-BB5A-F18FE2025DED}" type="datetimeFigureOut">
               <a:rPr lang="en-US" smtClean="0"/>
-              <a:t>7/5/2019</a:t>
+              <a:t>7/8/2019</a:t>
             </a:fld>
             <a:endParaRPr lang="en-US"/>
           </a:p>
@@ -1254,7 +1256,7 @@
           <a:p>
             <a:fld id="{68CA32EA-6F8E-4AFE-BB5A-F18FE2025DED}" type="datetimeFigureOut">
               <a:rPr lang="en-US" smtClean="0"/>
-              <a:t>7/5/2019</a:t>
+              <a:t>7/8/2019</a:t>
             </a:fld>
             <a:endParaRPr lang="en-US"/>
           </a:p>
@@ -1621,7 +1623,7 @@
           <a:p>
             <a:fld id="{68CA32EA-6F8E-4AFE-BB5A-F18FE2025DED}" type="datetimeFigureOut">
               <a:rPr lang="en-US" smtClean="0"/>
-              <a:t>7/5/2019</a:t>
+              <a:t>7/8/2019</a:t>
             </a:fld>
             <a:endParaRPr lang="en-US"/>
           </a:p>
@@ -1739,7 +1741,7 @@
           <a:p>
             <a:fld id="{68CA32EA-6F8E-4AFE-BB5A-F18FE2025DED}" type="datetimeFigureOut">
               <a:rPr lang="en-US" smtClean="0"/>
-              <a:t>7/5/2019</a:t>
+              <a:t>7/8/2019</a:t>
             </a:fld>
             <a:endParaRPr lang="en-US"/>
           </a:p>
@@ -1834,7 +1836,7 @@
           <a:p>
             <a:fld id="{68CA32EA-6F8E-4AFE-BB5A-F18FE2025DED}" type="datetimeFigureOut">
               <a:rPr lang="en-US" smtClean="0"/>
-              <a:t>7/5/2019</a:t>
+              <a:t>7/8/2019</a:t>
             </a:fld>
             <a:endParaRPr lang="en-US"/>
           </a:p>
@@ -2111,7 +2113,7 @@
           <a:p>
             <a:fld id="{68CA32EA-6F8E-4AFE-BB5A-F18FE2025DED}" type="datetimeFigureOut">
               <a:rPr lang="en-US" smtClean="0"/>
-              <a:t>7/5/2019</a:t>
+              <a:t>7/8/2019</a:t>
             </a:fld>
             <a:endParaRPr lang="en-US"/>
           </a:p>
@@ -2364,7 +2366,7 @@
           <a:p>
             <a:fld id="{68CA32EA-6F8E-4AFE-BB5A-F18FE2025DED}" type="datetimeFigureOut">
               <a:rPr lang="en-US" smtClean="0"/>
-              <a:t>7/5/2019</a:t>
+              <a:t>7/8/2019</a:t>
             </a:fld>
             <a:endParaRPr lang="en-US"/>
           </a:p>
@@ -2577,7 +2579,7 @@
           <a:p>
             <a:fld id="{68CA32EA-6F8E-4AFE-BB5A-F18FE2025DED}" type="datetimeFigureOut">
               <a:rPr lang="en-US" smtClean="0"/>
-              <a:t>7/5/2019</a:t>
+              <a:t>7/8/2019</a:t>
             </a:fld>
             <a:endParaRPr lang="en-US"/>
           </a:p>
@@ -7793,6 +7795,1880 @@
     <p:extLst>
       <p:ext uri="{BB962C8B-B14F-4D97-AF65-F5344CB8AC3E}">
         <p14:creationId xmlns:p14="http://schemas.microsoft.com/office/powerpoint/2010/main" val="1043455945"/>
+      </p:ext>
+    </p:extLst>
+  </p:cSld>
+  <p:clrMapOvr>
+    <a:masterClrMapping/>
+  </p:clrMapOvr>
+</p:sld>
+</file>
+
+<file path=ppt/slides/slide15.xml><?xml version="1.0" encoding="utf-8"?>
+<p:sld xmlns:a="http://schemas.openxmlformats.org/drawingml/2006/main" xmlns:r="http://schemas.openxmlformats.org/officeDocument/2006/relationships" xmlns:p="http://schemas.openxmlformats.org/presentationml/2006/main">
+  <p:cSld>
+    <p:spTree>
+      <p:nvGrpSpPr>
+        <p:cNvPr id="1" name=""/>
+        <p:cNvGrpSpPr/>
+        <p:nvPr/>
+      </p:nvGrpSpPr>
+      <p:grpSpPr>
+        <a:xfrm>
+          <a:off x="0" y="0"/>
+          <a:ext cx="0" cy="0"/>
+          <a:chOff x="0" y="0"/>
+          <a:chExt cx="0" cy="0"/>
+        </a:xfrm>
+      </p:grpSpPr>
+      <p:sp>
+        <p:nvSpPr>
+          <p:cNvPr id="5" name="Right Arrow 4"/>
+          <p:cNvSpPr/>
+          <p:nvPr/>
+        </p:nvSpPr>
+        <p:spPr>
+          <a:xfrm>
+            <a:off x="0" y="2884495"/>
+            <a:ext cx="2134039" cy="641445"/>
+          </a:xfrm>
+          <a:prstGeom prst="rightArrow">
+            <a:avLst/>
+          </a:prstGeom>
+          <a:solidFill>
+            <a:srgbClr val="FF0000"/>
+          </a:solidFill>
+          <a:ln>
+            <a:solidFill>
+              <a:srgbClr val="FF0000"/>
+            </a:solidFill>
+          </a:ln>
+        </p:spPr>
+        <p:style>
+          <a:lnRef idx="2">
+            <a:schemeClr val="accent1">
+              <a:shade val="50000"/>
+            </a:schemeClr>
+          </a:lnRef>
+          <a:fillRef idx="1">
+            <a:schemeClr val="accent1"/>
+          </a:fillRef>
+          <a:effectRef idx="0">
+            <a:schemeClr val="accent1"/>
+          </a:effectRef>
+          <a:fontRef idx="minor">
+            <a:schemeClr val="lt1"/>
+          </a:fontRef>
+        </p:style>
+        <p:txBody>
+          <a:bodyPr rtlCol="0" anchor="ctr"/>
+          <a:lstStyle/>
+          <a:p>
+            <a:pPr algn="ctr"/>
+            <a:endParaRPr lang="en-US"/>
+          </a:p>
+        </p:txBody>
+      </p:sp>
+      <p:sp>
+        <p:nvSpPr>
+          <p:cNvPr id="6" name="TextBox 5"/>
+          <p:cNvSpPr txBox="1"/>
+          <p:nvPr/>
+        </p:nvSpPr>
+        <p:spPr>
+          <a:xfrm>
+            <a:off x="1" y="3486604"/>
+            <a:ext cx="2134038" cy="707886"/>
+          </a:xfrm>
+          <a:prstGeom prst="rect">
+            <a:avLst/>
+          </a:prstGeom>
+          <a:noFill/>
+        </p:spPr>
+        <p:txBody>
+          <a:bodyPr wrap="square" rtlCol="0">
+            <a:spAutoFit/>
+          </a:bodyPr>
+          <a:lstStyle/>
+          <a:p>
+            <a:r>
+              <a:rPr lang="en-US" sz="2000" b="1" dirty="0" smtClean="0"/>
+              <a:t>desired trajectory</a:t>
+            </a:r>
+            <a:br>
+              <a:rPr lang="en-US" sz="2000" b="1" dirty="0" smtClean="0"/>
+            </a:br>
+            <a:r>
+              <a:rPr lang="en-US" sz="2000" b="1" dirty="0" smtClean="0"/>
+              <a:t>(simple square)</a:t>
+            </a:r>
+          </a:p>
+        </p:txBody>
+      </p:sp>
+      <p:sp>
+        <p:nvSpPr>
+          <p:cNvPr id="9" name="Rounded Rectangle 8"/>
+          <p:cNvSpPr/>
+          <p:nvPr/>
+        </p:nvSpPr>
+        <p:spPr>
+          <a:xfrm>
+            <a:off x="2134039" y="2770193"/>
+            <a:ext cx="1787856" cy="870052"/>
+          </a:xfrm>
+          <a:prstGeom prst="roundRect">
+            <a:avLst/>
+          </a:prstGeom>
+          <a:ln w="57150">
+            <a:solidFill>
+              <a:schemeClr val="tx1"/>
+            </a:solidFill>
+          </a:ln>
+        </p:spPr>
+        <p:style>
+          <a:lnRef idx="2">
+            <a:schemeClr val="accent6"/>
+          </a:lnRef>
+          <a:fillRef idx="1">
+            <a:schemeClr val="lt1"/>
+          </a:fillRef>
+          <a:effectRef idx="0">
+            <a:schemeClr val="accent6"/>
+          </a:effectRef>
+          <a:fontRef idx="minor">
+            <a:schemeClr val="dk1"/>
+          </a:fontRef>
+        </p:style>
+        <p:txBody>
+          <a:bodyPr rtlCol="0" anchor="ctr"/>
+          <a:lstStyle/>
+          <a:p>
+            <a:pPr algn="ctr"/>
+            <a:r>
+              <a:rPr lang="en-US" sz="2400" b="1" dirty="0" smtClean="0"/>
+              <a:t>Position Controller</a:t>
+            </a:r>
+            <a:endParaRPr lang="en-US" sz="2400" b="1" dirty="0"/>
+          </a:p>
+        </p:txBody>
+      </p:sp>
+      <p:sp>
+        <p:nvSpPr>
+          <p:cNvPr id="10" name="Right Arrow 9"/>
+          <p:cNvSpPr/>
+          <p:nvPr/>
+        </p:nvSpPr>
+        <p:spPr>
+          <a:xfrm>
+            <a:off x="3921895" y="2884495"/>
+            <a:ext cx="1271734" cy="641445"/>
+          </a:xfrm>
+          <a:prstGeom prst="rightArrow">
+            <a:avLst/>
+          </a:prstGeom>
+          <a:solidFill>
+            <a:srgbClr val="FF0000"/>
+          </a:solidFill>
+          <a:ln>
+            <a:solidFill>
+              <a:srgbClr val="FF0000"/>
+            </a:solidFill>
+          </a:ln>
+        </p:spPr>
+        <p:style>
+          <a:lnRef idx="2">
+            <a:schemeClr val="accent1">
+              <a:shade val="50000"/>
+            </a:schemeClr>
+          </a:lnRef>
+          <a:fillRef idx="1">
+            <a:schemeClr val="accent1"/>
+          </a:fillRef>
+          <a:effectRef idx="0">
+            <a:schemeClr val="accent1"/>
+          </a:effectRef>
+          <a:fontRef idx="minor">
+            <a:schemeClr val="lt1"/>
+          </a:fontRef>
+        </p:style>
+        <p:txBody>
+          <a:bodyPr rtlCol="0" anchor="ctr"/>
+          <a:lstStyle/>
+          <a:p>
+            <a:pPr algn="ctr"/>
+            <a:endParaRPr lang="en-US"/>
+          </a:p>
+        </p:txBody>
+      </p:sp>
+      <p:sp>
+        <p:nvSpPr>
+          <p:cNvPr id="11" name="TextBox 10"/>
+          <p:cNvSpPr txBox="1"/>
+          <p:nvPr/>
+        </p:nvSpPr>
+        <p:spPr>
+          <a:xfrm>
+            <a:off x="3921895" y="3486604"/>
+            <a:ext cx="1271734" cy="707886"/>
+          </a:xfrm>
+          <a:prstGeom prst="rect">
+            <a:avLst/>
+          </a:prstGeom>
+          <a:noFill/>
+        </p:spPr>
+        <p:txBody>
+          <a:bodyPr wrap="square" rtlCol="0">
+            <a:spAutoFit/>
+          </a:bodyPr>
+          <a:lstStyle/>
+          <a:p>
+            <a:r>
+              <a:rPr lang="en-US" sz="2000" b="1" dirty="0" smtClean="0"/>
+              <a:t>desired</a:t>
+            </a:r>
+            <a:br>
+              <a:rPr lang="en-US" sz="2000" b="1" dirty="0" smtClean="0"/>
+            </a:br>
+            <a:r>
+              <a:rPr lang="en-US" sz="2000" b="1" dirty="0" smtClean="0"/>
+              <a:t>v , omega</a:t>
+            </a:r>
+          </a:p>
+        </p:txBody>
+      </p:sp>
+      <p:sp>
+        <p:nvSpPr>
+          <p:cNvPr id="12" name="Rounded Rectangle 11"/>
+          <p:cNvSpPr/>
+          <p:nvPr/>
+        </p:nvSpPr>
+        <p:spPr>
+          <a:xfrm>
+            <a:off x="5193629" y="2750524"/>
+            <a:ext cx="1787856" cy="870052"/>
+          </a:xfrm>
+          <a:prstGeom prst="roundRect">
+            <a:avLst/>
+          </a:prstGeom>
+          <a:ln w="57150">
+            <a:solidFill>
+              <a:schemeClr val="tx1"/>
+            </a:solidFill>
+          </a:ln>
+        </p:spPr>
+        <p:style>
+          <a:lnRef idx="2">
+            <a:schemeClr val="accent6"/>
+          </a:lnRef>
+          <a:fillRef idx="1">
+            <a:schemeClr val="lt1"/>
+          </a:fillRef>
+          <a:effectRef idx="0">
+            <a:schemeClr val="accent6"/>
+          </a:effectRef>
+          <a:fontRef idx="minor">
+            <a:schemeClr val="dk1"/>
+          </a:fontRef>
+        </p:style>
+        <p:txBody>
+          <a:bodyPr rtlCol="0" anchor="ctr"/>
+          <a:lstStyle/>
+          <a:p>
+            <a:pPr algn="ctr"/>
+            <a:r>
+              <a:rPr lang="en-US" sz="2400" b="1" dirty="0" smtClean="0"/>
+              <a:t>Unicycle model</a:t>
+            </a:r>
+            <a:endParaRPr lang="en-US" sz="2400" b="1" dirty="0"/>
+          </a:p>
+        </p:txBody>
+      </p:sp>
+      <p:sp>
+        <p:nvSpPr>
+          <p:cNvPr id="13" name="Right Arrow 12"/>
+          <p:cNvSpPr/>
+          <p:nvPr/>
+        </p:nvSpPr>
+        <p:spPr>
+          <a:xfrm>
+            <a:off x="7003203" y="2864827"/>
+            <a:ext cx="1610436" cy="641445"/>
+          </a:xfrm>
+          <a:prstGeom prst="rightArrow">
+            <a:avLst/>
+          </a:prstGeom>
+          <a:solidFill>
+            <a:srgbClr val="FF0000"/>
+          </a:solidFill>
+          <a:ln>
+            <a:solidFill>
+              <a:srgbClr val="FF0000"/>
+            </a:solidFill>
+          </a:ln>
+        </p:spPr>
+        <p:style>
+          <a:lnRef idx="2">
+            <a:schemeClr val="accent1">
+              <a:shade val="50000"/>
+            </a:schemeClr>
+          </a:lnRef>
+          <a:fillRef idx="1">
+            <a:schemeClr val="accent1"/>
+          </a:fillRef>
+          <a:effectRef idx="0">
+            <a:schemeClr val="accent1"/>
+          </a:effectRef>
+          <a:fontRef idx="minor">
+            <a:schemeClr val="lt1"/>
+          </a:fontRef>
+        </p:style>
+        <p:txBody>
+          <a:bodyPr rtlCol="0" anchor="ctr"/>
+          <a:lstStyle/>
+          <a:p>
+            <a:pPr algn="ctr"/>
+            <a:endParaRPr lang="en-US"/>
+          </a:p>
+        </p:txBody>
+      </p:sp>
+      <mc:AlternateContent xmlns:mc="http://schemas.openxmlformats.org/markup-compatibility/2006">
+        <mc:Choice xmlns:a14="http://schemas.microsoft.com/office/drawing/2010/main" Requires="a14">
+          <p:sp>
+            <p:nvSpPr>
+              <p:cNvPr id="14" name="TextBox 13"/>
+              <p:cNvSpPr txBox="1"/>
+              <p:nvPr/>
+            </p:nvSpPr>
+            <p:spPr>
+              <a:xfrm>
+                <a:off x="7003203" y="3532365"/>
+                <a:ext cx="1610436" cy="1073884"/>
+              </a:xfrm>
+              <a:prstGeom prst="rect">
+                <a:avLst/>
+              </a:prstGeom>
+              <a:noFill/>
+            </p:spPr>
+            <p:txBody>
+              <a:bodyPr wrap="square" rtlCol="0">
+                <a:spAutoFit/>
+              </a:bodyPr>
+              <a:lstStyle/>
+              <a:p>
+                <a:r>
+                  <a:rPr lang="en-US" sz="2000" b="1" dirty="0" smtClean="0"/>
+                  <a:t>desired</a:t>
+                </a:r>
+                <a:br>
+                  <a:rPr lang="en-US" sz="2000" b="1" dirty="0" smtClean="0"/>
+                </a:br>
+                <a14:m>
+                  <m:oMathPara xmlns:m="http://schemas.openxmlformats.org/officeDocument/2006/math">
+                    <m:oMathParaPr>
+                      <m:jc m:val="centerGroup"/>
+                    </m:oMathParaPr>
+                    <m:oMath xmlns:m="http://schemas.openxmlformats.org/officeDocument/2006/math">
+                      <m:sSub>
+                        <m:sSubPr>
+                          <m:ctrlPr>
+                            <a:rPr lang="en-US" sz="2000" b="1" i="1" smtClean="0">
+                              <a:latin typeface="Cambria Math" panose="02040503050406030204" pitchFamily="18" charset="0"/>
+                              <a:ea typeface="Cambria Math" panose="02040503050406030204" pitchFamily="18" charset="0"/>
+                            </a:rPr>
+                          </m:ctrlPr>
+                        </m:sSubPr>
+                        <m:e>
+                          <m:r>
+                            <a:rPr lang="en-US" sz="2000" b="1" i="1" smtClean="0">
+                              <a:latin typeface="Cambria Math" panose="02040503050406030204" pitchFamily="18" charset="0"/>
+                              <a:ea typeface="Cambria Math" panose="02040503050406030204" pitchFamily="18" charset="0"/>
+                            </a:rPr>
+                            <m:t>𝝎</m:t>
+                          </m:r>
+                        </m:e>
+                        <m:sub>
+                          <m:r>
+                            <a:rPr lang="en-US" sz="2000" b="1" i="1" smtClean="0">
+                              <a:latin typeface="Cambria Math" panose="02040503050406030204" pitchFamily="18" charset="0"/>
+                              <a:ea typeface="Cambria Math" panose="02040503050406030204" pitchFamily="18" charset="0"/>
+                            </a:rPr>
+                            <m:t>𝒍𝒆𝒇𝒕</m:t>
+                          </m:r>
+                          <m:r>
+                            <a:rPr lang="en-US" sz="2000" b="1" i="1" smtClean="0">
+                              <a:latin typeface="Cambria Math" panose="02040503050406030204" pitchFamily="18" charset="0"/>
+                              <a:ea typeface="Cambria Math" panose="02040503050406030204" pitchFamily="18" charset="0"/>
+                            </a:rPr>
+                            <m:t>−</m:t>
+                          </m:r>
+                          <m:r>
+                            <a:rPr lang="en-US" sz="2000" b="1" i="1" smtClean="0">
+                              <a:latin typeface="Cambria Math" panose="02040503050406030204" pitchFamily="18" charset="0"/>
+                              <a:ea typeface="Cambria Math" panose="02040503050406030204" pitchFamily="18" charset="0"/>
+                            </a:rPr>
+                            <m:t>𝒘𝒉𝒆𝒆𝒍</m:t>
+                          </m:r>
+                        </m:sub>
+                      </m:sSub>
+                    </m:oMath>
+                  </m:oMathPara>
+                </a14:m>
+                <a:endParaRPr lang="en-US" sz="2000" b="1" dirty="0" smtClean="0">
+                  <a:ea typeface="Cambria Math" panose="02040503050406030204" pitchFamily="18" charset="0"/>
+                </a:endParaRPr>
+              </a:p>
+              <a:p>
+                <a14:m>
+                  <m:oMathPara xmlns:m="http://schemas.openxmlformats.org/officeDocument/2006/math">
+                    <m:oMathParaPr>
+                      <m:jc m:val="centerGroup"/>
+                    </m:oMathParaPr>
+                    <m:oMath xmlns:m="http://schemas.openxmlformats.org/officeDocument/2006/math">
+                      <m:sSub>
+                        <m:sSubPr>
+                          <m:ctrlPr>
+                            <a:rPr lang="en-US" sz="2000" b="1" i="1">
+                              <a:latin typeface="Cambria Math" panose="02040503050406030204" pitchFamily="18" charset="0"/>
+                              <a:ea typeface="Cambria Math" panose="02040503050406030204" pitchFamily="18" charset="0"/>
+                            </a:rPr>
+                          </m:ctrlPr>
+                        </m:sSubPr>
+                        <m:e>
+                          <m:r>
+                            <a:rPr lang="en-US" sz="2000" b="1" i="1">
+                              <a:latin typeface="Cambria Math" panose="02040503050406030204" pitchFamily="18" charset="0"/>
+                              <a:ea typeface="Cambria Math" panose="02040503050406030204" pitchFamily="18" charset="0"/>
+                            </a:rPr>
+                            <m:t>𝝎</m:t>
+                          </m:r>
+                        </m:e>
+                        <m:sub>
+                          <m:r>
+                            <a:rPr lang="en-US" sz="2000" b="1" i="1" smtClean="0">
+                              <a:latin typeface="Cambria Math" panose="02040503050406030204" pitchFamily="18" charset="0"/>
+                              <a:ea typeface="Cambria Math" panose="02040503050406030204" pitchFamily="18" charset="0"/>
+                            </a:rPr>
+                            <m:t>𝒓𝒊𝒈𝒉𝒕</m:t>
+                          </m:r>
+                          <m:r>
+                            <a:rPr lang="en-US" sz="2000" b="1" i="1">
+                              <a:latin typeface="Cambria Math" panose="02040503050406030204" pitchFamily="18" charset="0"/>
+                              <a:ea typeface="Cambria Math" panose="02040503050406030204" pitchFamily="18" charset="0"/>
+                            </a:rPr>
+                            <m:t>−</m:t>
+                          </m:r>
+                          <m:r>
+                            <a:rPr lang="en-US" sz="2000" b="1" i="1">
+                              <a:latin typeface="Cambria Math" panose="02040503050406030204" pitchFamily="18" charset="0"/>
+                              <a:ea typeface="Cambria Math" panose="02040503050406030204" pitchFamily="18" charset="0"/>
+                            </a:rPr>
+                            <m:t>𝒘𝒉𝒆𝒆𝒍</m:t>
+                          </m:r>
+                        </m:sub>
+                      </m:sSub>
+                    </m:oMath>
+                  </m:oMathPara>
+                </a14:m>
+                <a:endParaRPr lang="en-US" sz="2000" b="1" dirty="0" smtClean="0"/>
+              </a:p>
+            </p:txBody>
+          </p:sp>
+        </mc:Choice>
+        <mc:Fallback>
+          <p:sp>
+            <p:nvSpPr>
+              <p:cNvPr id="14" name="TextBox 13"/>
+              <p:cNvSpPr txBox="1">
+                <a:spLocks noRot="1" noChangeAspect="1" noMove="1" noResize="1" noEditPoints="1" noAdjustHandles="1" noChangeArrowheads="1" noChangeShapeType="1" noTextEdit="1"/>
+              </p:cNvSpPr>
+              <p:nvPr/>
+            </p:nvSpPr>
+            <p:spPr>
+              <a:xfrm>
+                <a:off x="7003203" y="3532365"/>
+                <a:ext cx="1610436" cy="1073884"/>
+              </a:xfrm>
+              <a:prstGeom prst="rect">
+                <a:avLst/>
+              </a:prstGeom>
+              <a:blipFill rotWithShape="0">
+                <a:blip r:embed="rId2"/>
+                <a:stretch>
+                  <a:fillRect l="-4167" t="-2825" b="-3390"/>
+                </a:stretch>
+              </a:blipFill>
+            </p:spPr>
+            <p:txBody>
+              <a:bodyPr/>
+              <a:lstStyle/>
+              <a:p>
+                <a:r>
+                  <a:rPr lang="en-US">
+                    <a:noFill/>
+                  </a:rPr>
+                  <a:t> </a:t>
+                </a:r>
+              </a:p>
+            </p:txBody>
+          </p:sp>
+        </mc:Fallback>
+      </mc:AlternateContent>
+      <p:sp>
+        <p:nvSpPr>
+          <p:cNvPr id="15" name="Rounded Rectangle 14"/>
+          <p:cNvSpPr/>
+          <p:nvPr/>
+        </p:nvSpPr>
+        <p:spPr>
+          <a:xfrm>
+            <a:off x="8635357" y="2634016"/>
+            <a:ext cx="1787856" cy="1103065"/>
+          </a:xfrm>
+          <a:prstGeom prst="roundRect">
+            <a:avLst/>
+          </a:prstGeom>
+          <a:ln w="57150">
+            <a:solidFill>
+              <a:schemeClr val="tx1"/>
+            </a:solidFill>
+          </a:ln>
+        </p:spPr>
+        <p:style>
+          <a:lnRef idx="2">
+            <a:schemeClr val="accent6"/>
+          </a:lnRef>
+          <a:fillRef idx="1">
+            <a:schemeClr val="lt1"/>
+          </a:fillRef>
+          <a:effectRef idx="0">
+            <a:schemeClr val="accent6"/>
+          </a:effectRef>
+          <a:fontRef idx="minor">
+            <a:schemeClr val="dk1"/>
+          </a:fontRef>
+        </p:style>
+        <p:txBody>
+          <a:bodyPr rtlCol="0" anchor="ctr"/>
+          <a:lstStyle/>
+          <a:p>
+            <a:pPr algn="ctr"/>
+            <a:r>
+              <a:rPr lang="en-US" sz="2400" b="1" dirty="0" smtClean="0"/>
+              <a:t>Differential</a:t>
+            </a:r>
+            <a:br>
+              <a:rPr lang="en-US" sz="2400" b="1" dirty="0" smtClean="0"/>
+            </a:br>
+            <a:r>
+              <a:rPr lang="en-US" sz="2400" b="1" dirty="0" smtClean="0"/>
+              <a:t>drive</a:t>
+            </a:r>
+            <a:br>
+              <a:rPr lang="en-US" sz="2400" b="1" dirty="0" smtClean="0"/>
+            </a:br>
+            <a:r>
+              <a:rPr lang="en-US" sz="2400" b="1" dirty="0" smtClean="0"/>
+              <a:t>controller</a:t>
+            </a:r>
+            <a:endParaRPr lang="en-US" sz="2400" b="1" dirty="0"/>
+          </a:p>
+        </p:txBody>
+      </p:sp>
+      <p:sp>
+        <p:nvSpPr>
+          <p:cNvPr id="16" name="Right Arrow 15"/>
+          <p:cNvSpPr/>
+          <p:nvPr/>
+        </p:nvSpPr>
+        <p:spPr>
+          <a:xfrm>
+            <a:off x="10423213" y="2878074"/>
+            <a:ext cx="1291553" cy="641445"/>
+          </a:xfrm>
+          <a:prstGeom prst="rightArrow">
+            <a:avLst/>
+          </a:prstGeom>
+          <a:solidFill>
+            <a:srgbClr val="FF0000"/>
+          </a:solidFill>
+          <a:ln>
+            <a:solidFill>
+              <a:srgbClr val="FF0000"/>
+            </a:solidFill>
+          </a:ln>
+        </p:spPr>
+        <p:style>
+          <a:lnRef idx="2">
+            <a:schemeClr val="accent1">
+              <a:shade val="50000"/>
+            </a:schemeClr>
+          </a:lnRef>
+          <a:fillRef idx="1">
+            <a:schemeClr val="accent1"/>
+          </a:fillRef>
+          <a:effectRef idx="0">
+            <a:schemeClr val="accent1"/>
+          </a:effectRef>
+          <a:fontRef idx="minor">
+            <a:schemeClr val="lt1"/>
+          </a:fontRef>
+        </p:style>
+        <p:txBody>
+          <a:bodyPr rtlCol="0" anchor="ctr"/>
+          <a:lstStyle/>
+          <a:p>
+            <a:pPr algn="ctr"/>
+            <a:endParaRPr lang="en-US"/>
+          </a:p>
+        </p:txBody>
+      </p:sp>
+      <mc:AlternateContent xmlns:mc="http://schemas.openxmlformats.org/markup-compatibility/2006">
+        <mc:Choice xmlns:a14="http://schemas.microsoft.com/office/drawing/2010/main" Requires="a14">
+          <p:sp>
+            <p:nvSpPr>
+              <p:cNvPr id="17" name="TextBox 16"/>
+              <p:cNvSpPr txBox="1"/>
+              <p:nvPr/>
+            </p:nvSpPr>
+            <p:spPr>
+              <a:xfrm>
+                <a:off x="10263771" y="3756354"/>
+                <a:ext cx="1610436" cy="766107"/>
+              </a:xfrm>
+              <a:prstGeom prst="rect">
+                <a:avLst/>
+              </a:prstGeom>
+              <a:noFill/>
+            </p:spPr>
+            <p:txBody>
+              <a:bodyPr wrap="square" rtlCol="0">
+                <a:spAutoFit/>
+              </a:bodyPr>
+              <a:lstStyle/>
+              <a:p>
+                <a14:m>
+                  <m:oMathPara xmlns:m="http://schemas.openxmlformats.org/officeDocument/2006/math">
+                    <m:oMathParaPr>
+                      <m:jc m:val="centerGroup"/>
+                    </m:oMathParaPr>
+                    <m:oMath xmlns:m="http://schemas.openxmlformats.org/officeDocument/2006/math">
+                      <m:sSub>
+                        <m:sSubPr>
+                          <m:ctrlPr>
+                            <a:rPr lang="en-US" sz="2000" b="1" i="1" smtClean="0">
+                              <a:latin typeface="Cambria Math" panose="02040503050406030204" pitchFamily="18" charset="0"/>
+                              <a:ea typeface="Cambria Math" panose="02040503050406030204" pitchFamily="18" charset="0"/>
+                            </a:rPr>
+                          </m:ctrlPr>
+                        </m:sSubPr>
+                        <m:e>
+                          <m:r>
+                            <a:rPr lang="en-US" sz="2000" b="1" i="1" smtClean="0">
+                              <a:latin typeface="Cambria Math" panose="02040503050406030204" pitchFamily="18" charset="0"/>
+                              <a:ea typeface="Cambria Math" panose="02040503050406030204" pitchFamily="18" charset="0"/>
+                            </a:rPr>
+                            <m:t>𝑷𝑾𝑴</m:t>
+                          </m:r>
+                        </m:e>
+                        <m:sub>
+                          <m:r>
+                            <a:rPr lang="en-US" sz="2000" b="1" i="1" smtClean="0">
+                              <a:latin typeface="Cambria Math" panose="02040503050406030204" pitchFamily="18" charset="0"/>
+                              <a:ea typeface="Cambria Math" panose="02040503050406030204" pitchFamily="18" charset="0"/>
+                            </a:rPr>
+                            <m:t>𝒍𝒆𝒇𝒕</m:t>
+                          </m:r>
+                          <m:r>
+                            <a:rPr lang="en-US" sz="2000" b="1" i="1" smtClean="0">
+                              <a:latin typeface="Cambria Math" panose="02040503050406030204" pitchFamily="18" charset="0"/>
+                              <a:ea typeface="Cambria Math" panose="02040503050406030204" pitchFamily="18" charset="0"/>
+                            </a:rPr>
+                            <m:t>−</m:t>
+                          </m:r>
+                          <m:r>
+                            <a:rPr lang="en-US" sz="2000" b="1" i="1" smtClean="0">
+                              <a:latin typeface="Cambria Math" panose="02040503050406030204" pitchFamily="18" charset="0"/>
+                              <a:ea typeface="Cambria Math" panose="02040503050406030204" pitchFamily="18" charset="0"/>
+                            </a:rPr>
+                            <m:t>𝒘𝒉𝒆𝒆𝒍</m:t>
+                          </m:r>
+                        </m:sub>
+                      </m:sSub>
+                    </m:oMath>
+                  </m:oMathPara>
+                </a14:m>
+                <a:endParaRPr lang="en-US" sz="2000" b="1" dirty="0" smtClean="0">
+                  <a:ea typeface="Cambria Math" panose="02040503050406030204" pitchFamily="18" charset="0"/>
+                </a:endParaRPr>
+              </a:p>
+              <a:p>
+                <a14:m>
+                  <m:oMathPara xmlns:m="http://schemas.openxmlformats.org/officeDocument/2006/math">
+                    <m:oMathParaPr>
+                      <m:jc m:val="centerGroup"/>
+                    </m:oMathParaPr>
+                    <m:oMath xmlns:m="http://schemas.openxmlformats.org/officeDocument/2006/math">
+                      <m:sSub>
+                        <m:sSubPr>
+                          <m:ctrlPr>
+                            <a:rPr lang="en-US" sz="2000" b="1" i="1">
+                              <a:latin typeface="Cambria Math" panose="02040503050406030204" pitchFamily="18" charset="0"/>
+                              <a:ea typeface="Cambria Math" panose="02040503050406030204" pitchFamily="18" charset="0"/>
+                            </a:rPr>
+                          </m:ctrlPr>
+                        </m:sSubPr>
+                        <m:e>
+                          <m:r>
+                            <a:rPr lang="en-US" sz="2000" b="1" i="1" smtClean="0">
+                              <a:latin typeface="Cambria Math" panose="02040503050406030204" pitchFamily="18" charset="0"/>
+                              <a:ea typeface="Cambria Math" panose="02040503050406030204" pitchFamily="18" charset="0"/>
+                            </a:rPr>
+                            <m:t>𝑷𝑾𝑴</m:t>
+                          </m:r>
+                        </m:e>
+                        <m:sub>
+                          <m:r>
+                            <a:rPr lang="en-US" sz="2000" b="1" i="1" smtClean="0">
+                              <a:latin typeface="Cambria Math" panose="02040503050406030204" pitchFamily="18" charset="0"/>
+                              <a:ea typeface="Cambria Math" panose="02040503050406030204" pitchFamily="18" charset="0"/>
+                            </a:rPr>
+                            <m:t>𝒓𝒊𝒈𝒉𝒕</m:t>
+                          </m:r>
+                          <m:r>
+                            <a:rPr lang="en-US" sz="2000" b="1" i="1">
+                              <a:latin typeface="Cambria Math" panose="02040503050406030204" pitchFamily="18" charset="0"/>
+                              <a:ea typeface="Cambria Math" panose="02040503050406030204" pitchFamily="18" charset="0"/>
+                            </a:rPr>
+                            <m:t>−</m:t>
+                          </m:r>
+                          <m:r>
+                            <a:rPr lang="en-US" sz="2000" b="1" i="1">
+                              <a:latin typeface="Cambria Math" panose="02040503050406030204" pitchFamily="18" charset="0"/>
+                              <a:ea typeface="Cambria Math" panose="02040503050406030204" pitchFamily="18" charset="0"/>
+                            </a:rPr>
+                            <m:t>𝒘𝒉𝒆𝒆𝒍</m:t>
+                          </m:r>
+                        </m:sub>
+                      </m:sSub>
+                    </m:oMath>
+                  </m:oMathPara>
+                </a14:m>
+                <a:endParaRPr lang="en-US" sz="2000" b="1" dirty="0" smtClean="0"/>
+              </a:p>
+            </p:txBody>
+          </p:sp>
+        </mc:Choice>
+        <mc:Fallback>
+          <p:sp>
+            <p:nvSpPr>
+              <p:cNvPr id="17" name="TextBox 16"/>
+              <p:cNvSpPr txBox="1">
+                <a:spLocks noRot="1" noChangeAspect="1" noMove="1" noResize="1" noEditPoints="1" noAdjustHandles="1" noChangeArrowheads="1" noChangeShapeType="1" noTextEdit="1"/>
+              </p:cNvSpPr>
+              <p:nvPr/>
+            </p:nvSpPr>
+            <p:spPr>
+              <a:xfrm>
+                <a:off x="10263771" y="3756354"/>
+                <a:ext cx="1610436" cy="766107"/>
+              </a:xfrm>
+              <a:prstGeom prst="rect">
+                <a:avLst/>
+              </a:prstGeom>
+              <a:blipFill rotWithShape="0">
+                <a:blip r:embed="rId3"/>
+                <a:stretch>
+                  <a:fillRect r="-23106" b="-5556"/>
+                </a:stretch>
+              </a:blipFill>
+            </p:spPr>
+            <p:txBody>
+              <a:bodyPr/>
+              <a:lstStyle/>
+              <a:p>
+                <a:r>
+                  <a:rPr lang="en-US">
+                    <a:noFill/>
+                  </a:rPr>
+                  <a:t> </a:t>
+                </a:r>
+              </a:p>
+            </p:txBody>
+          </p:sp>
+        </mc:Fallback>
+      </mc:AlternateContent>
+      <p:sp>
+        <p:nvSpPr>
+          <p:cNvPr id="18" name="Rounded Rectangle 17"/>
+          <p:cNvSpPr/>
+          <p:nvPr/>
+        </p:nvSpPr>
+        <p:spPr>
+          <a:xfrm>
+            <a:off x="1897039" y="1856095"/>
+            <a:ext cx="8775510" cy="3111689"/>
+          </a:xfrm>
+          <a:prstGeom prst="roundRect">
+            <a:avLst/>
+          </a:prstGeom>
+          <a:noFill/>
+          <a:ln w="57150">
+            <a:prstDash val="lgDash"/>
+          </a:ln>
+        </p:spPr>
+        <p:style>
+          <a:lnRef idx="2">
+            <a:schemeClr val="accent1">
+              <a:shade val="50000"/>
+            </a:schemeClr>
+          </a:lnRef>
+          <a:fillRef idx="1">
+            <a:schemeClr val="accent1"/>
+          </a:fillRef>
+          <a:effectRef idx="0">
+            <a:schemeClr val="accent1"/>
+          </a:effectRef>
+          <a:fontRef idx="minor">
+            <a:schemeClr val="lt1"/>
+          </a:fontRef>
+        </p:style>
+        <p:txBody>
+          <a:bodyPr rtlCol="0" anchor="ctr"/>
+          <a:lstStyle/>
+          <a:p>
+            <a:pPr algn="ctr"/>
+            <a:endParaRPr lang="en-US"/>
+          </a:p>
+        </p:txBody>
+      </p:sp>
+      <p:sp>
+        <p:nvSpPr>
+          <p:cNvPr id="19" name="TextBox 18"/>
+          <p:cNvSpPr txBox="1"/>
+          <p:nvPr/>
+        </p:nvSpPr>
+        <p:spPr>
+          <a:xfrm>
+            <a:off x="4732122" y="1265890"/>
+            <a:ext cx="2710870" cy="523220"/>
+          </a:xfrm>
+          <a:prstGeom prst="rect">
+            <a:avLst/>
+          </a:prstGeom>
+          <a:noFill/>
+        </p:spPr>
+        <p:txBody>
+          <a:bodyPr wrap="none" rtlCol="0">
+            <a:spAutoFit/>
+          </a:bodyPr>
+          <a:lstStyle/>
+          <a:p>
+            <a:r>
+              <a:rPr lang="en-US" sz="2800" b="1" i="1" dirty="0" smtClean="0"/>
+              <a:t>Control Software</a:t>
+            </a:r>
+            <a:endParaRPr lang="en-US" sz="2800" b="1" i="1" dirty="0"/>
+          </a:p>
+        </p:txBody>
+      </p:sp>
+    </p:spTree>
+    <p:extLst>
+      <p:ext uri="{BB962C8B-B14F-4D97-AF65-F5344CB8AC3E}">
+        <p14:creationId xmlns:p14="http://schemas.microsoft.com/office/powerpoint/2010/main" val="1503134310"/>
+      </p:ext>
+    </p:extLst>
+  </p:cSld>
+  <p:clrMapOvr>
+    <a:masterClrMapping/>
+  </p:clrMapOvr>
+</p:sld>
+</file>
+
+<file path=ppt/slides/slide16.xml><?xml version="1.0" encoding="utf-8"?>
+<p:sld xmlns:a="http://schemas.openxmlformats.org/drawingml/2006/main" xmlns:r="http://schemas.openxmlformats.org/officeDocument/2006/relationships" xmlns:p="http://schemas.openxmlformats.org/presentationml/2006/main">
+  <p:cSld>
+    <p:spTree>
+      <p:nvGrpSpPr>
+        <p:cNvPr id="1" name=""/>
+        <p:cNvGrpSpPr/>
+        <p:nvPr/>
+      </p:nvGrpSpPr>
+      <p:grpSpPr>
+        <a:xfrm>
+          <a:off x="0" y="0"/>
+          <a:ext cx="0" cy="0"/>
+          <a:chOff x="0" y="0"/>
+          <a:chExt cx="0" cy="0"/>
+        </a:xfrm>
+      </p:grpSpPr>
+      <p:sp>
+        <p:nvSpPr>
+          <p:cNvPr id="2" name="Right Arrow 1"/>
+          <p:cNvSpPr/>
+          <p:nvPr/>
+        </p:nvSpPr>
+        <p:spPr>
+          <a:xfrm>
+            <a:off x="1897039" y="2845159"/>
+            <a:ext cx="2134039" cy="641445"/>
+          </a:xfrm>
+          <a:prstGeom prst="rightArrow">
+            <a:avLst/>
+          </a:prstGeom>
+          <a:solidFill>
+            <a:srgbClr val="FF0000"/>
+          </a:solidFill>
+          <a:ln>
+            <a:solidFill>
+              <a:srgbClr val="FF0000"/>
+            </a:solidFill>
+          </a:ln>
+        </p:spPr>
+        <p:style>
+          <a:lnRef idx="2">
+            <a:schemeClr val="accent1">
+              <a:shade val="50000"/>
+            </a:schemeClr>
+          </a:lnRef>
+          <a:fillRef idx="1">
+            <a:schemeClr val="accent1"/>
+          </a:fillRef>
+          <a:effectRef idx="0">
+            <a:schemeClr val="accent1"/>
+          </a:effectRef>
+          <a:fontRef idx="minor">
+            <a:schemeClr val="lt1"/>
+          </a:fontRef>
+        </p:style>
+        <p:txBody>
+          <a:bodyPr rtlCol="0" anchor="ctr"/>
+          <a:lstStyle/>
+          <a:p>
+            <a:pPr algn="ctr"/>
+            <a:endParaRPr lang="en-US"/>
+          </a:p>
+        </p:txBody>
+      </p:sp>
+      <p:sp>
+        <p:nvSpPr>
+          <p:cNvPr id="3" name="TextBox 2"/>
+          <p:cNvSpPr txBox="1"/>
+          <p:nvPr/>
+        </p:nvSpPr>
+        <p:spPr>
+          <a:xfrm>
+            <a:off x="1761193" y="2351223"/>
+            <a:ext cx="2134038" cy="707886"/>
+          </a:xfrm>
+          <a:prstGeom prst="rect">
+            <a:avLst/>
+          </a:prstGeom>
+          <a:noFill/>
+        </p:spPr>
+        <p:txBody>
+          <a:bodyPr wrap="square" rtlCol="0">
+            <a:spAutoFit/>
+          </a:bodyPr>
+          <a:lstStyle/>
+          <a:p>
+            <a:r>
+              <a:rPr lang="en-US" sz="2000" b="1" dirty="0" smtClean="0"/>
+              <a:t>desired trajectory</a:t>
+            </a:r>
+            <a:br>
+              <a:rPr lang="en-US" sz="2000" b="1" dirty="0" smtClean="0"/>
+            </a:br>
+            <a:r>
+              <a:rPr lang="en-US" sz="2000" b="1" dirty="0" smtClean="0"/>
+              <a:t>(simple square)</a:t>
+            </a:r>
+          </a:p>
+        </p:txBody>
+      </p:sp>
+      <p:sp>
+        <p:nvSpPr>
+          <p:cNvPr id="4" name="Rounded Rectangle 3"/>
+          <p:cNvSpPr/>
+          <p:nvPr/>
+        </p:nvSpPr>
+        <p:spPr>
+          <a:xfrm>
+            <a:off x="4031078" y="2756545"/>
+            <a:ext cx="1787856" cy="870052"/>
+          </a:xfrm>
+          <a:prstGeom prst="roundRect">
+            <a:avLst/>
+          </a:prstGeom>
+          <a:ln w="57150">
+            <a:solidFill>
+              <a:schemeClr val="tx1"/>
+            </a:solidFill>
+          </a:ln>
+        </p:spPr>
+        <p:style>
+          <a:lnRef idx="2">
+            <a:schemeClr val="accent6"/>
+          </a:lnRef>
+          <a:fillRef idx="1">
+            <a:schemeClr val="lt1"/>
+          </a:fillRef>
+          <a:effectRef idx="0">
+            <a:schemeClr val="accent6"/>
+          </a:effectRef>
+          <a:fontRef idx="minor">
+            <a:schemeClr val="dk1"/>
+          </a:fontRef>
+        </p:style>
+        <p:txBody>
+          <a:bodyPr rtlCol="0" anchor="ctr"/>
+          <a:lstStyle/>
+          <a:p>
+            <a:pPr algn="ctr"/>
+            <a:r>
+              <a:rPr lang="en-US" sz="2400" b="1" dirty="0" smtClean="0"/>
+              <a:t>Control Software</a:t>
+            </a:r>
+            <a:endParaRPr lang="en-US" sz="2400" b="1" dirty="0"/>
+          </a:p>
+        </p:txBody>
+      </p:sp>
+      <p:sp>
+        <p:nvSpPr>
+          <p:cNvPr id="6" name="Right Arrow 5"/>
+          <p:cNvSpPr/>
+          <p:nvPr/>
+        </p:nvSpPr>
+        <p:spPr>
+          <a:xfrm>
+            <a:off x="5818934" y="2870847"/>
+            <a:ext cx="1700983" cy="641445"/>
+          </a:xfrm>
+          <a:prstGeom prst="rightArrow">
+            <a:avLst/>
+          </a:prstGeom>
+          <a:solidFill>
+            <a:srgbClr val="FF0000"/>
+          </a:solidFill>
+          <a:ln>
+            <a:solidFill>
+              <a:srgbClr val="FF0000"/>
+            </a:solidFill>
+          </a:ln>
+        </p:spPr>
+        <p:style>
+          <a:lnRef idx="2">
+            <a:schemeClr val="accent1">
+              <a:shade val="50000"/>
+            </a:schemeClr>
+          </a:lnRef>
+          <a:fillRef idx="1">
+            <a:schemeClr val="accent1"/>
+          </a:fillRef>
+          <a:effectRef idx="0">
+            <a:schemeClr val="accent1"/>
+          </a:effectRef>
+          <a:fontRef idx="minor">
+            <a:schemeClr val="lt1"/>
+          </a:fontRef>
+        </p:style>
+        <p:txBody>
+          <a:bodyPr rtlCol="0" anchor="ctr"/>
+          <a:lstStyle/>
+          <a:p>
+            <a:pPr algn="ctr"/>
+            <a:endParaRPr lang="en-US"/>
+          </a:p>
+        </p:txBody>
+      </p:sp>
+      <mc:AlternateContent xmlns:mc="http://schemas.openxmlformats.org/markup-compatibility/2006">
+        <mc:Choice xmlns:a14="http://schemas.microsoft.com/office/drawing/2010/main" Requires="a14">
+          <p:sp>
+            <p:nvSpPr>
+              <p:cNvPr id="7" name="TextBox 6"/>
+              <p:cNvSpPr txBox="1"/>
+              <p:nvPr/>
+            </p:nvSpPr>
+            <p:spPr>
+              <a:xfrm>
+                <a:off x="5596214" y="2079052"/>
+                <a:ext cx="1610436" cy="766107"/>
+              </a:xfrm>
+              <a:prstGeom prst="rect">
+                <a:avLst/>
+              </a:prstGeom>
+              <a:noFill/>
+            </p:spPr>
+            <p:txBody>
+              <a:bodyPr wrap="square" rtlCol="0">
+                <a:spAutoFit/>
+              </a:bodyPr>
+              <a:lstStyle/>
+              <a:p>
+                <a14:m>
+                  <m:oMathPara xmlns:m="http://schemas.openxmlformats.org/officeDocument/2006/math">
+                    <m:oMathParaPr>
+                      <m:jc m:val="centerGroup"/>
+                    </m:oMathParaPr>
+                    <m:oMath xmlns:m="http://schemas.openxmlformats.org/officeDocument/2006/math">
+                      <m:sSub>
+                        <m:sSubPr>
+                          <m:ctrlPr>
+                            <a:rPr lang="en-US" sz="2000" b="1" i="1" smtClean="0">
+                              <a:latin typeface="Cambria Math" panose="02040503050406030204" pitchFamily="18" charset="0"/>
+                              <a:ea typeface="Cambria Math" panose="02040503050406030204" pitchFamily="18" charset="0"/>
+                            </a:rPr>
+                          </m:ctrlPr>
+                        </m:sSubPr>
+                        <m:e>
+                          <m:r>
+                            <a:rPr lang="en-US" sz="2000" b="1" i="1" smtClean="0">
+                              <a:latin typeface="Cambria Math" panose="02040503050406030204" pitchFamily="18" charset="0"/>
+                              <a:ea typeface="Cambria Math" panose="02040503050406030204" pitchFamily="18" charset="0"/>
+                            </a:rPr>
+                            <m:t>𝑷𝑾𝑴</m:t>
+                          </m:r>
+                        </m:e>
+                        <m:sub>
+                          <m:r>
+                            <a:rPr lang="en-US" sz="2000" b="1" i="1" smtClean="0">
+                              <a:latin typeface="Cambria Math" panose="02040503050406030204" pitchFamily="18" charset="0"/>
+                              <a:ea typeface="Cambria Math" panose="02040503050406030204" pitchFamily="18" charset="0"/>
+                            </a:rPr>
+                            <m:t>𝒍𝒆𝒇𝒕</m:t>
+                          </m:r>
+                          <m:r>
+                            <a:rPr lang="en-US" sz="2000" b="1" i="1" smtClean="0">
+                              <a:latin typeface="Cambria Math" panose="02040503050406030204" pitchFamily="18" charset="0"/>
+                              <a:ea typeface="Cambria Math" panose="02040503050406030204" pitchFamily="18" charset="0"/>
+                            </a:rPr>
+                            <m:t>−</m:t>
+                          </m:r>
+                          <m:r>
+                            <a:rPr lang="en-US" sz="2000" b="1" i="1" smtClean="0">
+                              <a:latin typeface="Cambria Math" panose="02040503050406030204" pitchFamily="18" charset="0"/>
+                              <a:ea typeface="Cambria Math" panose="02040503050406030204" pitchFamily="18" charset="0"/>
+                            </a:rPr>
+                            <m:t>𝒘𝒉𝒆𝒆𝒍</m:t>
+                          </m:r>
+                        </m:sub>
+                      </m:sSub>
+                    </m:oMath>
+                  </m:oMathPara>
+                </a14:m>
+                <a:endParaRPr lang="en-US" sz="2000" b="1" dirty="0" smtClean="0">
+                  <a:ea typeface="Cambria Math" panose="02040503050406030204" pitchFamily="18" charset="0"/>
+                </a:endParaRPr>
+              </a:p>
+              <a:p>
+                <a14:m>
+                  <m:oMathPara xmlns:m="http://schemas.openxmlformats.org/officeDocument/2006/math">
+                    <m:oMathParaPr>
+                      <m:jc m:val="centerGroup"/>
+                    </m:oMathParaPr>
+                    <m:oMath xmlns:m="http://schemas.openxmlformats.org/officeDocument/2006/math">
+                      <m:sSub>
+                        <m:sSubPr>
+                          <m:ctrlPr>
+                            <a:rPr lang="en-US" sz="2000" b="1" i="1">
+                              <a:latin typeface="Cambria Math" panose="02040503050406030204" pitchFamily="18" charset="0"/>
+                              <a:ea typeface="Cambria Math" panose="02040503050406030204" pitchFamily="18" charset="0"/>
+                            </a:rPr>
+                          </m:ctrlPr>
+                        </m:sSubPr>
+                        <m:e>
+                          <m:r>
+                            <a:rPr lang="en-US" sz="2000" b="1" i="1" smtClean="0">
+                              <a:latin typeface="Cambria Math" panose="02040503050406030204" pitchFamily="18" charset="0"/>
+                              <a:ea typeface="Cambria Math" panose="02040503050406030204" pitchFamily="18" charset="0"/>
+                            </a:rPr>
+                            <m:t>𝑷𝑾𝑴</m:t>
+                          </m:r>
+                        </m:e>
+                        <m:sub>
+                          <m:r>
+                            <a:rPr lang="en-US" sz="2000" b="1" i="1" smtClean="0">
+                              <a:latin typeface="Cambria Math" panose="02040503050406030204" pitchFamily="18" charset="0"/>
+                              <a:ea typeface="Cambria Math" panose="02040503050406030204" pitchFamily="18" charset="0"/>
+                            </a:rPr>
+                            <m:t>𝒓𝒊𝒈𝒉𝒕</m:t>
+                          </m:r>
+                          <m:r>
+                            <a:rPr lang="en-US" sz="2000" b="1" i="1">
+                              <a:latin typeface="Cambria Math" panose="02040503050406030204" pitchFamily="18" charset="0"/>
+                              <a:ea typeface="Cambria Math" panose="02040503050406030204" pitchFamily="18" charset="0"/>
+                            </a:rPr>
+                            <m:t>−</m:t>
+                          </m:r>
+                          <m:r>
+                            <a:rPr lang="en-US" sz="2000" b="1" i="1">
+                              <a:latin typeface="Cambria Math" panose="02040503050406030204" pitchFamily="18" charset="0"/>
+                              <a:ea typeface="Cambria Math" panose="02040503050406030204" pitchFamily="18" charset="0"/>
+                            </a:rPr>
+                            <m:t>𝒘𝒉𝒆𝒆𝒍</m:t>
+                          </m:r>
+                        </m:sub>
+                      </m:sSub>
+                    </m:oMath>
+                  </m:oMathPara>
+                </a14:m>
+                <a:endParaRPr lang="en-US" sz="2000" b="1" dirty="0" smtClean="0"/>
+              </a:p>
+            </p:txBody>
+          </p:sp>
+        </mc:Choice>
+        <mc:Fallback>
+          <p:sp>
+            <p:nvSpPr>
+              <p:cNvPr id="7" name="TextBox 6"/>
+              <p:cNvSpPr txBox="1">
+                <a:spLocks noRot="1" noChangeAspect="1" noMove="1" noResize="1" noEditPoints="1" noAdjustHandles="1" noChangeArrowheads="1" noChangeShapeType="1" noTextEdit="1"/>
+              </p:cNvSpPr>
+              <p:nvPr/>
+            </p:nvSpPr>
+            <p:spPr>
+              <a:xfrm>
+                <a:off x="5596214" y="2079052"/>
+                <a:ext cx="1610436" cy="766107"/>
+              </a:xfrm>
+              <a:prstGeom prst="rect">
+                <a:avLst/>
+              </a:prstGeom>
+              <a:blipFill rotWithShape="0">
+                <a:blip r:embed="rId2"/>
+                <a:stretch>
+                  <a:fillRect r="-23106" b="-5556"/>
+                </a:stretch>
+              </a:blipFill>
+            </p:spPr>
+            <p:txBody>
+              <a:bodyPr/>
+              <a:lstStyle/>
+              <a:p>
+                <a:r>
+                  <a:rPr lang="en-US">
+                    <a:noFill/>
+                  </a:rPr>
+                  <a:t> </a:t>
+                </a:r>
+              </a:p>
+            </p:txBody>
+          </p:sp>
+        </mc:Fallback>
+      </mc:AlternateContent>
+      <p:sp>
+        <p:nvSpPr>
+          <p:cNvPr id="8" name="Rounded Rectangle 7"/>
+          <p:cNvSpPr/>
+          <p:nvPr/>
+        </p:nvSpPr>
+        <p:spPr>
+          <a:xfrm>
+            <a:off x="7519917" y="2756545"/>
+            <a:ext cx="1787856" cy="870052"/>
+          </a:xfrm>
+          <a:prstGeom prst="roundRect">
+            <a:avLst/>
+          </a:prstGeom>
+          <a:ln w="57150">
+            <a:solidFill>
+              <a:schemeClr val="tx1"/>
+            </a:solidFill>
+          </a:ln>
+        </p:spPr>
+        <p:style>
+          <a:lnRef idx="2">
+            <a:schemeClr val="accent6"/>
+          </a:lnRef>
+          <a:fillRef idx="1">
+            <a:schemeClr val="lt1"/>
+          </a:fillRef>
+          <a:effectRef idx="0">
+            <a:schemeClr val="accent6"/>
+          </a:effectRef>
+          <a:fontRef idx="minor">
+            <a:schemeClr val="dk1"/>
+          </a:fontRef>
+        </p:style>
+        <p:txBody>
+          <a:bodyPr rtlCol="0" anchor="ctr"/>
+          <a:lstStyle/>
+          <a:p>
+            <a:pPr algn="ctr"/>
+            <a:r>
+              <a:rPr lang="en-US" sz="2400" b="1" dirty="0" smtClean="0"/>
+              <a:t>DD robot</a:t>
+            </a:r>
+            <a:endParaRPr lang="en-US" sz="2400" b="1" dirty="0"/>
+          </a:p>
+        </p:txBody>
+      </p:sp>
+      <p:pic>
+        <p:nvPicPr>
+          <p:cNvPr id="9" name="Picture 8"/>
+          <p:cNvPicPr>
+            <a:picLocks noChangeAspect="1"/>
+          </p:cNvPicPr>
+          <p:nvPr/>
+        </p:nvPicPr>
+        <p:blipFill>
+          <a:blip r:embed="rId3"/>
+          <a:stretch>
+            <a:fillRect/>
+          </a:stretch>
+        </p:blipFill>
+        <p:spPr>
+          <a:xfrm>
+            <a:off x="7645962" y="1224289"/>
+            <a:ext cx="1661811" cy="1465634"/>
+          </a:xfrm>
+          <a:prstGeom prst="rect">
+            <a:avLst/>
+          </a:prstGeom>
+        </p:spPr>
+      </p:pic>
+      <p:sp>
+        <p:nvSpPr>
+          <p:cNvPr id="16" name="Right Arrow 15"/>
+          <p:cNvSpPr/>
+          <p:nvPr/>
+        </p:nvSpPr>
+        <p:spPr>
+          <a:xfrm>
+            <a:off x="9348716" y="2870847"/>
+            <a:ext cx="1700983" cy="641445"/>
+          </a:xfrm>
+          <a:prstGeom prst="rightArrow">
+            <a:avLst/>
+          </a:prstGeom>
+          <a:solidFill>
+            <a:srgbClr val="FF0000"/>
+          </a:solidFill>
+          <a:ln>
+            <a:solidFill>
+              <a:srgbClr val="FF0000"/>
+            </a:solidFill>
+          </a:ln>
+        </p:spPr>
+        <p:style>
+          <a:lnRef idx="2">
+            <a:schemeClr val="accent1">
+              <a:shade val="50000"/>
+            </a:schemeClr>
+          </a:lnRef>
+          <a:fillRef idx="1">
+            <a:schemeClr val="accent1"/>
+          </a:fillRef>
+          <a:effectRef idx="0">
+            <a:schemeClr val="accent1"/>
+          </a:effectRef>
+          <a:fontRef idx="minor">
+            <a:schemeClr val="lt1"/>
+          </a:fontRef>
+        </p:style>
+        <p:txBody>
+          <a:bodyPr rtlCol="0" anchor="ctr"/>
+          <a:lstStyle/>
+          <a:p>
+            <a:pPr algn="ctr"/>
+            <a:endParaRPr lang="en-US"/>
+          </a:p>
+        </p:txBody>
+      </p:sp>
+      <p:sp>
+        <p:nvSpPr>
+          <p:cNvPr id="17" name="TextBox 16"/>
+          <p:cNvSpPr txBox="1"/>
+          <p:nvPr/>
+        </p:nvSpPr>
+        <p:spPr>
+          <a:xfrm>
+            <a:off x="9860509" y="2904271"/>
+            <a:ext cx="1380259" cy="523220"/>
+          </a:xfrm>
+          <a:prstGeom prst="rect">
+            <a:avLst/>
+          </a:prstGeom>
+          <a:noFill/>
+        </p:spPr>
+        <p:txBody>
+          <a:bodyPr wrap="square" rtlCol="0">
+            <a:spAutoFit/>
+          </a:bodyPr>
+          <a:lstStyle/>
+          <a:p>
+            <a:r>
+              <a:rPr lang="en-US" sz="2800" b="1" dirty="0" smtClean="0"/>
+              <a:t>states</a:t>
+            </a:r>
+          </a:p>
+        </p:txBody>
+      </p:sp>
+      <p:cxnSp>
+        <p:nvCxnSpPr>
+          <p:cNvPr id="21" name="Straight Arrow Connector 20"/>
+          <p:cNvCxnSpPr>
+            <a:endCxn id="24" idx="3"/>
+          </p:cNvCxnSpPr>
+          <p:nvPr/>
+        </p:nvCxnSpPr>
+        <p:spPr>
+          <a:xfrm flipH="1" flipV="1">
+            <a:off x="9592671" y="5389686"/>
+            <a:ext cx="957968" cy="15426"/>
+          </a:xfrm>
+          <a:prstGeom prst="straightConnector1">
+            <a:avLst/>
+          </a:prstGeom>
+          <a:ln w="76200">
+            <a:solidFill>
+              <a:schemeClr val="tx1"/>
+            </a:solidFill>
+            <a:tailEnd type="triangle"/>
+          </a:ln>
+        </p:spPr>
+        <p:style>
+          <a:lnRef idx="1">
+            <a:schemeClr val="accent1"/>
+          </a:lnRef>
+          <a:fillRef idx="0">
+            <a:schemeClr val="accent1"/>
+          </a:fillRef>
+          <a:effectRef idx="0">
+            <a:schemeClr val="accent1"/>
+          </a:effectRef>
+          <a:fontRef idx="minor">
+            <a:schemeClr val="tx1"/>
+          </a:fontRef>
+        </p:style>
+      </p:cxnSp>
+      <p:sp>
+        <p:nvSpPr>
+          <p:cNvPr id="24" name="Rectangle 23"/>
+          <p:cNvSpPr/>
+          <p:nvPr/>
+        </p:nvSpPr>
+        <p:spPr>
+          <a:xfrm>
+            <a:off x="8227896" y="5158853"/>
+            <a:ext cx="1364775" cy="461665"/>
+          </a:xfrm>
+          <a:prstGeom prst="rect">
+            <a:avLst/>
+          </a:prstGeom>
+          <a:noFill/>
+          <a:ln w="38100">
+            <a:solidFill>
+              <a:schemeClr val="tx1"/>
+            </a:solidFill>
+          </a:ln>
+        </p:spPr>
+        <p:style>
+          <a:lnRef idx="2">
+            <a:schemeClr val="accent1">
+              <a:shade val="50000"/>
+            </a:schemeClr>
+          </a:lnRef>
+          <a:fillRef idx="1">
+            <a:schemeClr val="accent1"/>
+          </a:fillRef>
+          <a:effectRef idx="0">
+            <a:schemeClr val="accent1"/>
+          </a:effectRef>
+          <a:fontRef idx="minor">
+            <a:schemeClr val="lt1"/>
+          </a:fontRef>
+        </p:style>
+        <p:txBody>
+          <a:bodyPr rtlCol="0" anchor="ctr"/>
+          <a:lstStyle/>
+          <a:p>
+            <a:pPr algn="ctr"/>
+            <a:endParaRPr lang="en-US"/>
+          </a:p>
+        </p:txBody>
+      </p:sp>
+      <p:sp>
+        <p:nvSpPr>
+          <p:cNvPr id="25" name="TextBox 24"/>
+          <p:cNvSpPr txBox="1"/>
+          <p:nvPr/>
+        </p:nvSpPr>
+        <p:spPr>
+          <a:xfrm>
+            <a:off x="8227895" y="5158853"/>
+            <a:ext cx="1341586" cy="461665"/>
+          </a:xfrm>
+          <a:prstGeom prst="rect">
+            <a:avLst/>
+          </a:prstGeom>
+          <a:noFill/>
+        </p:spPr>
+        <p:txBody>
+          <a:bodyPr wrap="none" rtlCol="0">
+            <a:spAutoFit/>
+          </a:bodyPr>
+          <a:lstStyle/>
+          <a:p>
+            <a:r>
+              <a:rPr lang="en-US" sz="2400" b="1" dirty="0" smtClean="0"/>
+              <a:t>Encoders</a:t>
+            </a:r>
+            <a:endParaRPr lang="en-US" sz="2400" b="1" dirty="0"/>
+          </a:p>
+        </p:txBody>
+      </p:sp>
+      <p:cxnSp>
+        <p:nvCxnSpPr>
+          <p:cNvPr id="27" name="Straight Arrow Connector 26"/>
+          <p:cNvCxnSpPr>
+            <a:endCxn id="34" idx="3"/>
+          </p:cNvCxnSpPr>
+          <p:nvPr/>
+        </p:nvCxnSpPr>
+        <p:spPr>
+          <a:xfrm flipH="1">
+            <a:off x="9592670" y="6127845"/>
+            <a:ext cx="957969" cy="15365"/>
+          </a:xfrm>
+          <a:prstGeom prst="straightConnector1">
+            <a:avLst/>
+          </a:prstGeom>
+          <a:ln w="76200">
+            <a:solidFill>
+              <a:schemeClr val="tx1"/>
+            </a:solidFill>
+            <a:tailEnd type="triangle"/>
+          </a:ln>
+        </p:spPr>
+        <p:style>
+          <a:lnRef idx="1">
+            <a:schemeClr val="accent1"/>
+          </a:lnRef>
+          <a:fillRef idx="0">
+            <a:schemeClr val="accent1"/>
+          </a:fillRef>
+          <a:effectRef idx="0">
+            <a:schemeClr val="accent1"/>
+          </a:effectRef>
+          <a:fontRef idx="minor">
+            <a:schemeClr val="tx1"/>
+          </a:fontRef>
+        </p:style>
+      </p:cxnSp>
+      <p:cxnSp>
+        <p:nvCxnSpPr>
+          <p:cNvPr id="29" name="Straight Connector 28"/>
+          <p:cNvCxnSpPr/>
+          <p:nvPr/>
+        </p:nvCxnSpPr>
+        <p:spPr>
+          <a:xfrm flipV="1">
+            <a:off x="10550638" y="3395185"/>
+            <a:ext cx="0" cy="2732660"/>
+          </a:xfrm>
+          <a:prstGeom prst="line">
+            <a:avLst/>
+          </a:prstGeom>
+          <a:ln w="76200">
+            <a:solidFill>
+              <a:schemeClr val="tx1"/>
+            </a:solidFill>
+          </a:ln>
+        </p:spPr>
+        <p:style>
+          <a:lnRef idx="1">
+            <a:schemeClr val="accent1"/>
+          </a:lnRef>
+          <a:fillRef idx="0">
+            <a:schemeClr val="accent1"/>
+          </a:fillRef>
+          <a:effectRef idx="0">
+            <a:schemeClr val="accent1"/>
+          </a:effectRef>
+          <a:fontRef idx="minor">
+            <a:schemeClr val="tx1"/>
+          </a:fontRef>
+        </p:style>
+      </p:cxnSp>
+      <p:sp>
+        <p:nvSpPr>
+          <p:cNvPr id="34" name="Rectangle 33"/>
+          <p:cNvSpPr/>
+          <p:nvPr/>
+        </p:nvSpPr>
+        <p:spPr>
+          <a:xfrm>
+            <a:off x="8227895" y="5912377"/>
+            <a:ext cx="1364775" cy="461665"/>
+          </a:xfrm>
+          <a:prstGeom prst="rect">
+            <a:avLst/>
+          </a:prstGeom>
+          <a:noFill/>
+          <a:ln w="38100">
+            <a:solidFill>
+              <a:schemeClr val="tx1"/>
+            </a:solidFill>
+          </a:ln>
+        </p:spPr>
+        <p:style>
+          <a:lnRef idx="2">
+            <a:schemeClr val="accent1">
+              <a:shade val="50000"/>
+            </a:schemeClr>
+          </a:lnRef>
+          <a:fillRef idx="1">
+            <a:schemeClr val="accent1"/>
+          </a:fillRef>
+          <a:effectRef idx="0">
+            <a:schemeClr val="accent1"/>
+          </a:effectRef>
+          <a:fontRef idx="minor">
+            <a:schemeClr val="lt1"/>
+          </a:fontRef>
+        </p:style>
+        <p:txBody>
+          <a:bodyPr rtlCol="0" anchor="ctr"/>
+          <a:lstStyle/>
+          <a:p>
+            <a:pPr algn="ctr"/>
+            <a:endParaRPr lang="en-US"/>
+          </a:p>
+        </p:txBody>
+      </p:sp>
+      <p:sp>
+        <p:nvSpPr>
+          <p:cNvPr id="35" name="TextBox 34"/>
+          <p:cNvSpPr txBox="1"/>
+          <p:nvPr/>
+        </p:nvSpPr>
+        <p:spPr>
+          <a:xfrm>
+            <a:off x="8572905" y="5897012"/>
+            <a:ext cx="736099" cy="461665"/>
+          </a:xfrm>
+          <a:prstGeom prst="rect">
+            <a:avLst/>
+          </a:prstGeom>
+          <a:noFill/>
+        </p:spPr>
+        <p:txBody>
+          <a:bodyPr wrap="none" rtlCol="0">
+            <a:spAutoFit/>
+          </a:bodyPr>
+          <a:lstStyle/>
+          <a:p>
+            <a:r>
+              <a:rPr lang="en-US" sz="2400" b="1" dirty="0"/>
+              <a:t>IMU</a:t>
+            </a:r>
+            <a:endParaRPr lang="en-US" sz="2400" b="1" dirty="0"/>
+          </a:p>
+        </p:txBody>
+      </p:sp>
+      <p:cxnSp>
+        <p:nvCxnSpPr>
+          <p:cNvPr id="36" name="Straight Arrow Connector 35"/>
+          <p:cNvCxnSpPr/>
+          <p:nvPr/>
+        </p:nvCxnSpPr>
+        <p:spPr>
+          <a:xfrm flipH="1">
+            <a:off x="7269928" y="5389685"/>
+            <a:ext cx="931392" cy="0"/>
+          </a:xfrm>
+          <a:prstGeom prst="straightConnector1">
+            <a:avLst/>
+          </a:prstGeom>
+          <a:ln w="76200">
+            <a:solidFill>
+              <a:schemeClr val="tx1"/>
+            </a:solidFill>
+            <a:tailEnd type="triangle"/>
+          </a:ln>
+        </p:spPr>
+        <p:style>
+          <a:lnRef idx="1">
+            <a:schemeClr val="accent1"/>
+          </a:lnRef>
+          <a:fillRef idx="0">
+            <a:schemeClr val="accent1"/>
+          </a:fillRef>
+          <a:effectRef idx="0">
+            <a:schemeClr val="accent1"/>
+          </a:effectRef>
+          <a:fontRef idx="minor">
+            <a:schemeClr val="tx1"/>
+          </a:fontRef>
+        </p:style>
+      </p:cxnSp>
+      <p:cxnSp>
+        <p:nvCxnSpPr>
+          <p:cNvPr id="39" name="Straight Arrow Connector 38"/>
+          <p:cNvCxnSpPr/>
+          <p:nvPr/>
+        </p:nvCxnSpPr>
+        <p:spPr>
+          <a:xfrm flipH="1">
+            <a:off x="7258332" y="6112479"/>
+            <a:ext cx="957969" cy="15365"/>
+          </a:xfrm>
+          <a:prstGeom prst="straightConnector1">
+            <a:avLst/>
+          </a:prstGeom>
+          <a:ln w="76200">
+            <a:solidFill>
+              <a:schemeClr val="tx1"/>
+            </a:solidFill>
+            <a:tailEnd type="triangle"/>
+          </a:ln>
+        </p:spPr>
+        <p:style>
+          <a:lnRef idx="1">
+            <a:schemeClr val="accent1"/>
+          </a:lnRef>
+          <a:fillRef idx="0">
+            <a:schemeClr val="accent1"/>
+          </a:fillRef>
+          <a:effectRef idx="0">
+            <a:schemeClr val="accent1"/>
+          </a:effectRef>
+          <a:fontRef idx="minor">
+            <a:schemeClr val="tx1"/>
+          </a:fontRef>
+        </p:style>
+      </p:cxnSp>
+      <p:sp>
+        <p:nvSpPr>
+          <p:cNvPr id="42" name="Rounded Rectangle 41"/>
+          <p:cNvSpPr/>
+          <p:nvPr/>
+        </p:nvSpPr>
+        <p:spPr>
+          <a:xfrm>
+            <a:off x="5022376" y="5112483"/>
+            <a:ext cx="2220977" cy="1246193"/>
+          </a:xfrm>
+          <a:prstGeom prst="roundRect">
+            <a:avLst/>
+          </a:prstGeom>
+          <a:ln w="57150">
+            <a:solidFill>
+              <a:schemeClr val="tx1"/>
+            </a:solidFill>
+          </a:ln>
+        </p:spPr>
+        <p:style>
+          <a:lnRef idx="2">
+            <a:schemeClr val="accent6"/>
+          </a:lnRef>
+          <a:fillRef idx="1">
+            <a:schemeClr val="lt1"/>
+          </a:fillRef>
+          <a:effectRef idx="0">
+            <a:schemeClr val="accent6"/>
+          </a:effectRef>
+          <a:fontRef idx="minor">
+            <a:schemeClr val="dk1"/>
+          </a:fontRef>
+        </p:style>
+        <p:txBody>
+          <a:bodyPr rtlCol="0" anchor="ctr"/>
+          <a:lstStyle/>
+          <a:p>
+            <a:pPr algn="ctr"/>
+            <a:r>
+              <a:rPr lang="en-US" sz="2400" b="1" dirty="0" smtClean="0"/>
+              <a:t>EKF</a:t>
+            </a:r>
+            <a:br>
+              <a:rPr lang="en-US" sz="2400" b="1" dirty="0" smtClean="0"/>
+            </a:br>
+            <a:r>
+              <a:rPr lang="en-US" sz="2400" b="1" dirty="0" smtClean="0"/>
+              <a:t>(sensor fusion)</a:t>
+            </a:r>
+            <a:endParaRPr lang="en-US" sz="2400" b="1" dirty="0"/>
+          </a:p>
+        </p:txBody>
+      </p:sp>
+      <p:cxnSp>
+        <p:nvCxnSpPr>
+          <p:cNvPr id="43" name="Straight Connector 42"/>
+          <p:cNvCxnSpPr>
+            <a:endCxn id="42" idx="1"/>
+          </p:cNvCxnSpPr>
+          <p:nvPr/>
+        </p:nvCxnSpPr>
+        <p:spPr>
+          <a:xfrm>
+            <a:off x="4653887" y="5732060"/>
+            <a:ext cx="368489" cy="3520"/>
+          </a:xfrm>
+          <a:prstGeom prst="line">
+            <a:avLst/>
+          </a:prstGeom>
+          <a:ln w="76200">
+            <a:solidFill>
+              <a:schemeClr val="tx1"/>
+            </a:solidFill>
+          </a:ln>
+        </p:spPr>
+        <p:style>
+          <a:lnRef idx="1">
+            <a:schemeClr val="accent1"/>
+          </a:lnRef>
+          <a:fillRef idx="0">
+            <a:schemeClr val="accent1"/>
+          </a:fillRef>
+          <a:effectRef idx="0">
+            <a:schemeClr val="accent1"/>
+          </a:effectRef>
+          <a:fontRef idx="minor">
+            <a:schemeClr val="tx1"/>
+          </a:fontRef>
+        </p:style>
+      </p:cxnSp>
+      <p:cxnSp>
+        <p:nvCxnSpPr>
+          <p:cNvPr id="46" name="Straight Arrow Connector 45"/>
+          <p:cNvCxnSpPr/>
+          <p:nvPr/>
+        </p:nvCxnSpPr>
+        <p:spPr>
+          <a:xfrm flipV="1">
+            <a:off x="4650792" y="3703708"/>
+            <a:ext cx="0" cy="2028352"/>
+          </a:xfrm>
+          <a:prstGeom prst="straightConnector1">
+            <a:avLst/>
+          </a:prstGeom>
+          <a:ln w="76200">
+            <a:solidFill>
+              <a:schemeClr val="tx1"/>
+            </a:solidFill>
+            <a:tailEnd type="triangle"/>
+          </a:ln>
+        </p:spPr>
+        <p:style>
+          <a:lnRef idx="1">
+            <a:schemeClr val="accent1"/>
+          </a:lnRef>
+          <a:fillRef idx="0">
+            <a:schemeClr val="accent1"/>
+          </a:fillRef>
+          <a:effectRef idx="0">
+            <a:schemeClr val="accent1"/>
+          </a:effectRef>
+          <a:fontRef idx="minor">
+            <a:schemeClr val="tx1"/>
+          </a:fontRef>
+        </p:style>
+      </p:cxnSp>
+    </p:spTree>
+    <p:extLst>
+      <p:ext uri="{BB962C8B-B14F-4D97-AF65-F5344CB8AC3E}">
+        <p14:creationId xmlns:p14="http://schemas.microsoft.com/office/powerpoint/2010/main" val="816591101"/>
       </p:ext>
     </p:extLst>
   </p:cSld>
